--- a/schemeofcode.pptx
+++ b/schemeofcode.pptx
@@ -5,7 +5,8 @@
     <p:sldMasterId id="2147483648" r:id="rId1"/>
   </p:sldMasterIdLst>
   <p:sldIdLst>
-    <p:sldId id="256" r:id="rId2"/>
+    <p:sldId id="257" r:id="rId2"/>
+    <p:sldId id="256" r:id="rId3"/>
   </p:sldIdLst>
   <p:sldSz cx="12192000" cy="6858000"/>
   <p:notesSz cx="6858000" cy="9144000"/>
@@ -104,6 +105,11 @@
       </a:defRPr>
     </a:lvl9pPr>
   </p:defaultTextStyle>
+  <p:extLst>
+    <p:ext uri="{EFAFB233-063F-42B5-8137-9DF3F51BA10A}">
+      <p15:sldGuideLst xmlns:p15="http://schemas.microsoft.com/office/powerpoint/2012/main"/>
+    </p:ext>
+  </p:extLst>
 </p:presentation>
 </file>
 
@@ -256,7 +262,7 @@
           <a:p>
             <a:fld id="{7A3C3441-2C70-4949-8FF7-1C72443CF9D3}" type="datetimeFigureOut">
               <a:rPr lang="fr-BE" smtClean="0"/>
-              <a:t>16-11-21</a:t>
+              <a:t>27-11-21</a:t>
             </a:fld>
             <a:endParaRPr lang="fr-BE"/>
           </a:p>
@@ -456,7 +462,7 @@
           <a:p>
             <a:fld id="{7A3C3441-2C70-4949-8FF7-1C72443CF9D3}" type="datetimeFigureOut">
               <a:rPr lang="fr-BE" smtClean="0"/>
-              <a:t>16-11-21</a:t>
+              <a:t>27-11-21</a:t>
             </a:fld>
             <a:endParaRPr lang="fr-BE"/>
           </a:p>
@@ -666,7 +672,7 @@
           <a:p>
             <a:fld id="{7A3C3441-2C70-4949-8FF7-1C72443CF9D3}" type="datetimeFigureOut">
               <a:rPr lang="fr-BE" smtClean="0"/>
-              <a:t>16-11-21</a:t>
+              <a:t>27-11-21</a:t>
             </a:fld>
             <a:endParaRPr lang="fr-BE"/>
           </a:p>
@@ -866,7 +872,7 @@
           <a:p>
             <a:fld id="{7A3C3441-2C70-4949-8FF7-1C72443CF9D3}" type="datetimeFigureOut">
               <a:rPr lang="fr-BE" smtClean="0"/>
-              <a:t>16-11-21</a:t>
+              <a:t>27-11-21</a:t>
             </a:fld>
             <a:endParaRPr lang="fr-BE"/>
           </a:p>
@@ -1142,7 +1148,7 @@
           <a:p>
             <a:fld id="{7A3C3441-2C70-4949-8FF7-1C72443CF9D3}" type="datetimeFigureOut">
               <a:rPr lang="fr-BE" smtClean="0"/>
-              <a:t>16-11-21</a:t>
+              <a:t>27-11-21</a:t>
             </a:fld>
             <a:endParaRPr lang="fr-BE"/>
           </a:p>
@@ -1410,7 +1416,7 @@
           <a:p>
             <a:fld id="{7A3C3441-2C70-4949-8FF7-1C72443CF9D3}" type="datetimeFigureOut">
               <a:rPr lang="fr-BE" smtClean="0"/>
-              <a:t>16-11-21</a:t>
+              <a:t>27-11-21</a:t>
             </a:fld>
             <a:endParaRPr lang="fr-BE"/>
           </a:p>
@@ -1825,7 +1831,7 @@
           <a:p>
             <a:fld id="{7A3C3441-2C70-4949-8FF7-1C72443CF9D3}" type="datetimeFigureOut">
               <a:rPr lang="fr-BE" smtClean="0"/>
-              <a:t>16-11-21</a:t>
+              <a:t>27-11-21</a:t>
             </a:fld>
             <a:endParaRPr lang="fr-BE"/>
           </a:p>
@@ -1967,7 +1973,7 @@
           <a:p>
             <a:fld id="{7A3C3441-2C70-4949-8FF7-1C72443CF9D3}" type="datetimeFigureOut">
               <a:rPr lang="fr-BE" smtClean="0"/>
-              <a:t>16-11-21</a:t>
+              <a:t>27-11-21</a:t>
             </a:fld>
             <a:endParaRPr lang="fr-BE"/>
           </a:p>
@@ -2080,7 +2086,7 @@
           <a:p>
             <a:fld id="{7A3C3441-2C70-4949-8FF7-1C72443CF9D3}" type="datetimeFigureOut">
               <a:rPr lang="fr-BE" smtClean="0"/>
-              <a:t>16-11-21</a:t>
+              <a:t>27-11-21</a:t>
             </a:fld>
             <a:endParaRPr lang="fr-BE"/>
           </a:p>
@@ -2393,7 +2399,7 @@
           <a:p>
             <a:fld id="{7A3C3441-2C70-4949-8FF7-1C72443CF9D3}" type="datetimeFigureOut">
               <a:rPr lang="fr-BE" smtClean="0"/>
-              <a:t>16-11-21</a:t>
+              <a:t>27-11-21</a:t>
             </a:fld>
             <a:endParaRPr lang="fr-BE"/>
           </a:p>
@@ -2682,7 +2688,7 @@
           <a:p>
             <a:fld id="{7A3C3441-2C70-4949-8FF7-1C72443CF9D3}" type="datetimeFigureOut">
               <a:rPr lang="fr-BE" smtClean="0"/>
-              <a:t>16-11-21</a:t>
+              <a:t>27-11-21</a:t>
             </a:fld>
             <a:endParaRPr lang="fr-BE"/>
           </a:p>
@@ -2925,7 +2931,7 @@
           <a:p>
             <a:fld id="{7A3C3441-2C70-4949-8FF7-1C72443CF9D3}" type="datetimeFigureOut">
               <a:rPr lang="fr-BE" smtClean="0"/>
-              <a:t>16-11-21</a:t>
+              <a:t>27-11-21</a:t>
             </a:fld>
             <a:endParaRPr lang="fr-BE"/>
           </a:p>
@@ -3344,6 +3350,741 @@
       </p:grpSpPr>
       <p:sp>
         <p:nvSpPr>
+          <p:cNvPr id="4" name="Ellipse 3">
+            <a:extLst>
+              <a:ext uri="{FF2B5EF4-FFF2-40B4-BE49-F238E27FC236}">
+                <a16:creationId xmlns:a16="http://schemas.microsoft.com/office/drawing/2014/main" id="{B50357BF-3EEE-44EB-A9B6-6A499B828BAA}"/>
+              </a:ext>
+            </a:extLst>
+          </p:cNvPr>
+          <p:cNvSpPr/>
+          <p:nvPr/>
+        </p:nvSpPr>
+        <p:spPr>
+          <a:xfrm>
+            <a:off x="4558145" y="353292"/>
+            <a:ext cx="2632364" cy="1343890"/>
+          </a:xfrm>
+          <a:prstGeom prst="ellipse">
+            <a:avLst/>
+          </a:prstGeom>
+        </p:spPr>
+        <p:style>
+          <a:lnRef idx="2">
+            <a:schemeClr val="accent1">
+              <a:shade val="50000"/>
+            </a:schemeClr>
+          </a:lnRef>
+          <a:fillRef idx="1">
+            <a:schemeClr val="accent1"/>
+          </a:fillRef>
+          <a:effectRef idx="0">
+            <a:schemeClr val="accent1"/>
+          </a:effectRef>
+          <a:fontRef idx="minor">
+            <a:schemeClr val="lt1"/>
+          </a:fontRef>
+        </p:style>
+        <p:txBody>
+          <a:bodyPr rtlCol="0" anchor="ctr"/>
+          <a:lstStyle/>
+          <a:p>
+            <a:pPr algn="ctr"/>
+            <a:r>
+              <a:rPr lang="fr-FR" dirty="0"/>
+              <a:t>Class : </a:t>
+            </a:r>
+            <a:r>
+              <a:rPr lang="fr-FR" dirty="0" err="1"/>
+              <a:t>MyRobot</a:t>
+            </a:r>
+            <a:endParaRPr lang="fr-BE" dirty="0"/>
+          </a:p>
+        </p:txBody>
+      </p:sp>
+      <p:sp>
+        <p:nvSpPr>
+          <p:cNvPr id="7" name="Ellipse 6">
+            <a:extLst>
+              <a:ext uri="{FF2B5EF4-FFF2-40B4-BE49-F238E27FC236}">
+                <a16:creationId xmlns:a16="http://schemas.microsoft.com/office/drawing/2014/main" id="{B3700653-A37B-47FB-B51A-F97A385A0EC3}"/>
+              </a:ext>
+            </a:extLst>
+          </p:cNvPr>
+          <p:cNvSpPr/>
+          <p:nvPr/>
+        </p:nvSpPr>
+        <p:spPr>
+          <a:xfrm>
+            <a:off x="4558145" y="2230583"/>
+            <a:ext cx="2632364" cy="1343890"/>
+          </a:xfrm>
+          <a:prstGeom prst="ellipse">
+            <a:avLst/>
+          </a:prstGeom>
+        </p:spPr>
+        <p:style>
+          <a:lnRef idx="2">
+            <a:schemeClr val="accent1">
+              <a:shade val="50000"/>
+            </a:schemeClr>
+          </a:lnRef>
+          <a:fillRef idx="1">
+            <a:schemeClr val="accent1"/>
+          </a:fillRef>
+          <a:effectRef idx="0">
+            <a:schemeClr val="accent1"/>
+          </a:effectRef>
+          <a:fontRef idx="minor">
+            <a:schemeClr val="lt1"/>
+          </a:fontRef>
+        </p:style>
+        <p:txBody>
+          <a:bodyPr rtlCol="0" anchor="ctr"/>
+          <a:lstStyle/>
+          <a:p>
+            <a:pPr algn="ctr"/>
+            <a:r>
+              <a:rPr lang="fr-FR" dirty="0" err="1"/>
+              <a:t>Actuators</a:t>
+            </a:r>
+            <a:endParaRPr lang="fr-BE" dirty="0"/>
+          </a:p>
+        </p:txBody>
+      </p:sp>
+      <p:sp>
+        <p:nvSpPr>
+          <p:cNvPr id="8" name="Ellipse 7">
+            <a:extLst>
+              <a:ext uri="{FF2B5EF4-FFF2-40B4-BE49-F238E27FC236}">
+                <a16:creationId xmlns:a16="http://schemas.microsoft.com/office/drawing/2014/main" id="{253843DF-CA1B-4B51-972C-5851CFFB42BC}"/>
+              </a:ext>
+            </a:extLst>
+          </p:cNvPr>
+          <p:cNvSpPr/>
+          <p:nvPr/>
+        </p:nvSpPr>
+        <p:spPr>
+          <a:xfrm>
+            <a:off x="1163781" y="2230583"/>
+            <a:ext cx="2632364" cy="1343890"/>
+          </a:xfrm>
+          <a:prstGeom prst="ellipse">
+            <a:avLst/>
+          </a:prstGeom>
+        </p:spPr>
+        <p:style>
+          <a:lnRef idx="2">
+            <a:schemeClr val="accent1">
+              <a:shade val="50000"/>
+            </a:schemeClr>
+          </a:lnRef>
+          <a:fillRef idx="1">
+            <a:schemeClr val="accent1"/>
+          </a:fillRef>
+          <a:effectRef idx="0">
+            <a:schemeClr val="accent1"/>
+          </a:effectRef>
+          <a:fontRef idx="minor">
+            <a:schemeClr val="lt1"/>
+          </a:fontRef>
+        </p:style>
+        <p:txBody>
+          <a:bodyPr rtlCol="0" anchor="ctr"/>
+          <a:lstStyle/>
+          <a:p>
+            <a:pPr algn="ctr"/>
+            <a:r>
+              <a:rPr lang="fr-FR" dirty="0"/>
+              <a:t>State</a:t>
+            </a:r>
+            <a:endParaRPr lang="fr-BE" dirty="0"/>
+          </a:p>
+        </p:txBody>
+      </p:sp>
+      <p:sp>
+        <p:nvSpPr>
+          <p:cNvPr id="9" name="Ellipse 8">
+            <a:extLst>
+              <a:ext uri="{FF2B5EF4-FFF2-40B4-BE49-F238E27FC236}">
+                <a16:creationId xmlns:a16="http://schemas.microsoft.com/office/drawing/2014/main" id="{D41CEB7E-1CD6-4308-A770-31C42EBE7455}"/>
+              </a:ext>
+            </a:extLst>
+          </p:cNvPr>
+          <p:cNvSpPr/>
+          <p:nvPr/>
+        </p:nvSpPr>
+        <p:spPr>
+          <a:xfrm>
+            <a:off x="7952509" y="2230583"/>
+            <a:ext cx="2632364" cy="1343890"/>
+          </a:xfrm>
+          <a:prstGeom prst="ellipse">
+            <a:avLst/>
+          </a:prstGeom>
+        </p:spPr>
+        <p:style>
+          <a:lnRef idx="2">
+            <a:schemeClr val="accent1">
+              <a:shade val="50000"/>
+            </a:schemeClr>
+          </a:lnRef>
+          <a:fillRef idx="1">
+            <a:schemeClr val="accent1"/>
+          </a:fillRef>
+          <a:effectRef idx="0">
+            <a:schemeClr val="accent1"/>
+          </a:effectRef>
+          <a:fontRef idx="minor">
+            <a:schemeClr val="lt1"/>
+          </a:fontRef>
+        </p:style>
+        <p:txBody>
+          <a:bodyPr rtlCol="0" anchor="ctr"/>
+          <a:lstStyle/>
+          <a:p>
+            <a:pPr algn="ctr"/>
+            <a:r>
+              <a:rPr lang="fr-FR" dirty="0" err="1"/>
+              <a:t>Sensors</a:t>
+            </a:r>
+            <a:endParaRPr lang="fr-BE" dirty="0"/>
+          </a:p>
+        </p:txBody>
+      </p:sp>
+      <p:sp>
+        <p:nvSpPr>
+          <p:cNvPr id="10" name="Rectangle 9">
+            <a:extLst>
+              <a:ext uri="{FF2B5EF4-FFF2-40B4-BE49-F238E27FC236}">
+                <a16:creationId xmlns:a16="http://schemas.microsoft.com/office/drawing/2014/main" id="{E8C1C5D9-82EA-46AF-9A6F-2A24DF989145}"/>
+              </a:ext>
+            </a:extLst>
+          </p:cNvPr>
+          <p:cNvSpPr/>
+          <p:nvPr/>
+        </p:nvSpPr>
+        <p:spPr>
+          <a:xfrm>
+            <a:off x="5451763" y="4592782"/>
+            <a:ext cx="845127" cy="505690"/>
+          </a:xfrm>
+          <a:prstGeom prst="rect">
+            <a:avLst/>
+          </a:prstGeom>
+        </p:spPr>
+        <p:style>
+          <a:lnRef idx="2">
+            <a:schemeClr val="accent1">
+              <a:shade val="50000"/>
+            </a:schemeClr>
+          </a:lnRef>
+          <a:fillRef idx="1">
+            <a:schemeClr val="accent1"/>
+          </a:fillRef>
+          <a:effectRef idx="0">
+            <a:schemeClr val="accent1"/>
+          </a:effectRef>
+          <a:fontRef idx="minor">
+            <a:schemeClr val="lt1"/>
+          </a:fontRef>
+        </p:style>
+        <p:txBody>
+          <a:bodyPr rtlCol="0" anchor="ctr"/>
+          <a:lstStyle/>
+          <a:p>
+            <a:pPr algn="ctr"/>
+            <a:r>
+              <a:rPr lang="fr-FR" sz="1400" dirty="0"/>
+              <a:t>Motors</a:t>
+            </a:r>
+            <a:endParaRPr lang="fr-BE" sz="1400" dirty="0"/>
+          </a:p>
+        </p:txBody>
+      </p:sp>
+      <p:sp>
+        <p:nvSpPr>
+          <p:cNvPr id="13" name="Rectangle 12">
+            <a:extLst>
+              <a:ext uri="{FF2B5EF4-FFF2-40B4-BE49-F238E27FC236}">
+                <a16:creationId xmlns:a16="http://schemas.microsoft.com/office/drawing/2014/main" id="{405FA1C5-E5D1-46AF-9069-3914F77671DD}"/>
+              </a:ext>
+            </a:extLst>
+          </p:cNvPr>
+          <p:cNvSpPr/>
+          <p:nvPr/>
+        </p:nvSpPr>
+        <p:spPr>
+          <a:xfrm>
+            <a:off x="8319655" y="4592782"/>
+            <a:ext cx="845127" cy="505690"/>
+          </a:xfrm>
+          <a:prstGeom prst="rect">
+            <a:avLst/>
+          </a:prstGeom>
+        </p:spPr>
+        <p:style>
+          <a:lnRef idx="2">
+            <a:schemeClr val="accent1">
+              <a:shade val="50000"/>
+            </a:schemeClr>
+          </a:lnRef>
+          <a:fillRef idx="1">
+            <a:schemeClr val="accent1"/>
+          </a:fillRef>
+          <a:effectRef idx="0">
+            <a:schemeClr val="accent1"/>
+          </a:effectRef>
+          <a:fontRef idx="minor">
+            <a:schemeClr val="lt1"/>
+          </a:fontRef>
+        </p:style>
+        <p:txBody>
+          <a:bodyPr rtlCol="0" anchor="ctr"/>
+          <a:lstStyle/>
+          <a:p>
+            <a:pPr algn="ctr"/>
+            <a:r>
+              <a:rPr lang="fr-FR" sz="1400" dirty="0"/>
+              <a:t>Lidar</a:t>
+            </a:r>
+            <a:endParaRPr lang="fr-BE" sz="1400" dirty="0"/>
+          </a:p>
+        </p:txBody>
+      </p:sp>
+      <p:sp>
+        <p:nvSpPr>
+          <p:cNvPr id="14" name="Rectangle 13">
+            <a:extLst>
+              <a:ext uri="{FF2B5EF4-FFF2-40B4-BE49-F238E27FC236}">
+                <a16:creationId xmlns:a16="http://schemas.microsoft.com/office/drawing/2014/main" id="{D9FB9FEC-F0DA-4B5A-82D3-4B1B6E98DB24}"/>
+              </a:ext>
+            </a:extLst>
+          </p:cNvPr>
+          <p:cNvSpPr/>
+          <p:nvPr/>
+        </p:nvSpPr>
+        <p:spPr>
+          <a:xfrm>
+            <a:off x="9490365" y="4592782"/>
+            <a:ext cx="845127" cy="505690"/>
+          </a:xfrm>
+          <a:prstGeom prst="rect">
+            <a:avLst/>
+          </a:prstGeom>
+        </p:spPr>
+        <p:style>
+          <a:lnRef idx="2">
+            <a:schemeClr val="accent1">
+              <a:shade val="50000"/>
+            </a:schemeClr>
+          </a:lnRef>
+          <a:fillRef idx="1">
+            <a:schemeClr val="accent1"/>
+          </a:fillRef>
+          <a:effectRef idx="0">
+            <a:schemeClr val="accent1"/>
+          </a:effectRef>
+          <a:fontRef idx="minor">
+            <a:schemeClr val="lt1"/>
+          </a:fontRef>
+        </p:style>
+        <p:txBody>
+          <a:bodyPr rtlCol="0" anchor="ctr"/>
+          <a:lstStyle/>
+          <a:p>
+            <a:pPr algn="ctr"/>
+            <a:r>
+              <a:rPr lang="fr-FR" sz="1400" dirty="0"/>
+              <a:t>Buttons</a:t>
+            </a:r>
+            <a:endParaRPr lang="fr-BE" sz="1400" dirty="0"/>
+          </a:p>
+        </p:txBody>
+      </p:sp>
+      <p:sp>
+        <p:nvSpPr>
+          <p:cNvPr id="16" name="Rectangle 15">
+            <a:extLst>
+              <a:ext uri="{FF2B5EF4-FFF2-40B4-BE49-F238E27FC236}">
+                <a16:creationId xmlns:a16="http://schemas.microsoft.com/office/drawing/2014/main" id="{46001A5C-5BB2-4897-8A65-1A707164C543}"/>
+              </a:ext>
+            </a:extLst>
+          </p:cNvPr>
+          <p:cNvSpPr/>
+          <p:nvPr/>
+        </p:nvSpPr>
+        <p:spPr>
+          <a:xfrm>
+            <a:off x="2057399" y="4592782"/>
+            <a:ext cx="845127" cy="505690"/>
+          </a:xfrm>
+          <a:prstGeom prst="rect">
+            <a:avLst/>
+          </a:prstGeom>
+        </p:spPr>
+        <p:style>
+          <a:lnRef idx="2">
+            <a:schemeClr val="accent1">
+              <a:shade val="50000"/>
+            </a:schemeClr>
+          </a:lnRef>
+          <a:fillRef idx="1">
+            <a:schemeClr val="accent1"/>
+          </a:fillRef>
+          <a:effectRef idx="0">
+            <a:schemeClr val="accent1"/>
+          </a:effectRef>
+          <a:fontRef idx="minor">
+            <a:schemeClr val="lt1"/>
+          </a:fontRef>
+        </p:style>
+        <p:txBody>
+          <a:bodyPr rtlCol="0" anchor="ctr"/>
+          <a:lstStyle/>
+          <a:p>
+            <a:pPr algn="ctr"/>
+            <a:r>
+              <a:rPr lang="fr-FR" sz="1400" dirty="0"/>
+              <a:t>Motors</a:t>
+            </a:r>
+            <a:endParaRPr lang="fr-BE" sz="1400" dirty="0"/>
+          </a:p>
+        </p:txBody>
+      </p:sp>
+      <p:cxnSp>
+        <p:nvCxnSpPr>
+          <p:cNvPr id="18" name="Connecteur droit avec flèche 17">
+            <a:extLst>
+              <a:ext uri="{FF2B5EF4-FFF2-40B4-BE49-F238E27FC236}">
+                <a16:creationId xmlns:a16="http://schemas.microsoft.com/office/drawing/2014/main" id="{5189DAF7-FCE8-4EDE-95A9-6868FE025888}"/>
+              </a:ext>
+            </a:extLst>
+          </p:cNvPr>
+          <p:cNvCxnSpPr>
+            <a:cxnSpLocks/>
+            <a:stCxn id="4" idx="4"/>
+            <a:endCxn id="7" idx="0"/>
+          </p:cNvCxnSpPr>
+          <p:nvPr/>
+        </p:nvCxnSpPr>
+        <p:spPr>
+          <a:xfrm>
+            <a:off x="5874327" y="1697182"/>
+            <a:ext cx="0" cy="533401"/>
+          </a:xfrm>
+          <a:prstGeom prst="straightConnector1">
+            <a:avLst/>
+          </a:prstGeom>
+          <a:ln>
+            <a:tailEnd type="triangle"/>
+          </a:ln>
+        </p:spPr>
+        <p:style>
+          <a:lnRef idx="1">
+            <a:schemeClr val="accent1"/>
+          </a:lnRef>
+          <a:fillRef idx="0">
+            <a:schemeClr val="accent1"/>
+          </a:fillRef>
+          <a:effectRef idx="0">
+            <a:schemeClr val="accent1"/>
+          </a:effectRef>
+          <a:fontRef idx="minor">
+            <a:schemeClr val="tx1"/>
+          </a:fontRef>
+        </p:style>
+      </p:cxnSp>
+      <p:cxnSp>
+        <p:nvCxnSpPr>
+          <p:cNvPr id="20" name="Connecteur droit avec flèche 19">
+            <a:extLst>
+              <a:ext uri="{FF2B5EF4-FFF2-40B4-BE49-F238E27FC236}">
+                <a16:creationId xmlns:a16="http://schemas.microsoft.com/office/drawing/2014/main" id="{533BEA24-1E5F-4C4F-B4CE-64A022904E6C}"/>
+              </a:ext>
+            </a:extLst>
+          </p:cNvPr>
+          <p:cNvCxnSpPr>
+            <a:cxnSpLocks/>
+            <a:stCxn id="4" idx="3"/>
+            <a:endCxn id="8" idx="7"/>
+          </p:cNvCxnSpPr>
+          <p:nvPr/>
+        </p:nvCxnSpPr>
+        <p:spPr>
+          <a:xfrm flipH="1">
+            <a:off x="3410644" y="1500374"/>
+            <a:ext cx="1533002" cy="927017"/>
+          </a:xfrm>
+          <a:prstGeom prst="straightConnector1">
+            <a:avLst/>
+          </a:prstGeom>
+          <a:ln>
+            <a:tailEnd type="triangle"/>
+          </a:ln>
+        </p:spPr>
+        <p:style>
+          <a:lnRef idx="1">
+            <a:schemeClr val="accent1"/>
+          </a:lnRef>
+          <a:fillRef idx="0">
+            <a:schemeClr val="accent1"/>
+          </a:fillRef>
+          <a:effectRef idx="0">
+            <a:schemeClr val="accent1"/>
+          </a:effectRef>
+          <a:fontRef idx="minor">
+            <a:schemeClr val="tx1"/>
+          </a:fontRef>
+        </p:style>
+      </p:cxnSp>
+      <p:cxnSp>
+        <p:nvCxnSpPr>
+          <p:cNvPr id="22" name="Connecteur droit avec flèche 21">
+            <a:extLst>
+              <a:ext uri="{FF2B5EF4-FFF2-40B4-BE49-F238E27FC236}">
+                <a16:creationId xmlns:a16="http://schemas.microsoft.com/office/drawing/2014/main" id="{7BC85C97-04E0-462B-9705-0F414A4759E2}"/>
+              </a:ext>
+            </a:extLst>
+          </p:cNvPr>
+          <p:cNvCxnSpPr>
+            <a:cxnSpLocks/>
+            <a:stCxn id="4" idx="5"/>
+            <a:endCxn id="9" idx="1"/>
+          </p:cNvCxnSpPr>
+          <p:nvPr/>
+        </p:nvCxnSpPr>
+        <p:spPr>
+          <a:xfrm>
+            <a:off x="6805008" y="1500374"/>
+            <a:ext cx="1533002" cy="927017"/>
+          </a:xfrm>
+          <a:prstGeom prst="straightConnector1">
+            <a:avLst/>
+          </a:prstGeom>
+          <a:ln>
+            <a:tailEnd type="triangle"/>
+          </a:ln>
+        </p:spPr>
+        <p:style>
+          <a:lnRef idx="1">
+            <a:schemeClr val="accent1"/>
+          </a:lnRef>
+          <a:fillRef idx="0">
+            <a:schemeClr val="accent1"/>
+          </a:fillRef>
+          <a:effectRef idx="0">
+            <a:schemeClr val="accent1"/>
+          </a:effectRef>
+          <a:fontRef idx="minor">
+            <a:schemeClr val="tx1"/>
+          </a:fontRef>
+        </p:style>
+      </p:cxnSp>
+      <p:cxnSp>
+        <p:nvCxnSpPr>
+          <p:cNvPr id="24" name="Connecteur droit avec flèche 23">
+            <a:extLst>
+              <a:ext uri="{FF2B5EF4-FFF2-40B4-BE49-F238E27FC236}">
+                <a16:creationId xmlns:a16="http://schemas.microsoft.com/office/drawing/2014/main" id="{15352CCE-86B5-4C02-9805-40FB021E88AF}"/>
+              </a:ext>
+            </a:extLst>
+          </p:cNvPr>
+          <p:cNvCxnSpPr>
+            <a:cxnSpLocks/>
+            <a:stCxn id="9" idx="4"/>
+            <a:endCxn id="14" idx="0"/>
+          </p:cNvCxnSpPr>
+          <p:nvPr/>
+        </p:nvCxnSpPr>
+        <p:spPr>
+          <a:xfrm>
+            <a:off x="9268691" y="3574473"/>
+            <a:ext cx="644238" cy="1018309"/>
+          </a:xfrm>
+          <a:prstGeom prst="straightConnector1">
+            <a:avLst/>
+          </a:prstGeom>
+          <a:ln>
+            <a:tailEnd type="triangle"/>
+          </a:ln>
+        </p:spPr>
+        <p:style>
+          <a:lnRef idx="1">
+            <a:schemeClr val="accent1"/>
+          </a:lnRef>
+          <a:fillRef idx="0">
+            <a:schemeClr val="accent1"/>
+          </a:fillRef>
+          <a:effectRef idx="0">
+            <a:schemeClr val="accent1"/>
+          </a:effectRef>
+          <a:fontRef idx="minor">
+            <a:schemeClr val="tx1"/>
+          </a:fontRef>
+        </p:style>
+      </p:cxnSp>
+      <p:cxnSp>
+        <p:nvCxnSpPr>
+          <p:cNvPr id="26" name="Connecteur droit avec flèche 25">
+            <a:extLst>
+              <a:ext uri="{FF2B5EF4-FFF2-40B4-BE49-F238E27FC236}">
+                <a16:creationId xmlns:a16="http://schemas.microsoft.com/office/drawing/2014/main" id="{810E5DBF-9C13-4B31-BC3B-75C50A69398F}"/>
+              </a:ext>
+            </a:extLst>
+          </p:cNvPr>
+          <p:cNvCxnSpPr>
+            <a:cxnSpLocks/>
+            <a:stCxn id="7" idx="4"/>
+            <a:endCxn id="10" idx="0"/>
+          </p:cNvCxnSpPr>
+          <p:nvPr/>
+        </p:nvCxnSpPr>
+        <p:spPr>
+          <a:xfrm>
+            <a:off x="5874327" y="3574473"/>
+            <a:ext cx="0" cy="1018309"/>
+          </a:xfrm>
+          <a:prstGeom prst="straightConnector1">
+            <a:avLst/>
+          </a:prstGeom>
+          <a:ln>
+            <a:tailEnd type="triangle"/>
+          </a:ln>
+        </p:spPr>
+        <p:style>
+          <a:lnRef idx="1">
+            <a:schemeClr val="accent1"/>
+          </a:lnRef>
+          <a:fillRef idx="0">
+            <a:schemeClr val="accent1"/>
+          </a:fillRef>
+          <a:effectRef idx="0">
+            <a:schemeClr val="accent1"/>
+          </a:effectRef>
+          <a:fontRef idx="minor">
+            <a:schemeClr val="tx1"/>
+          </a:fontRef>
+        </p:style>
+      </p:cxnSp>
+      <p:cxnSp>
+        <p:nvCxnSpPr>
+          <p:cNvPr id="30" name="Connecteur droit avec flèche 29">
+            <a:extLst>
+              <a:ext uri="{FF2B5EF4-FFF2-40B4-BE49-F238E27FC236}">
+                <a16:creationId xmlns:a16="http://schemas.microsoft.com/office/drawing/2014/main" id="{E0458F3F-556F-42A9-B4C4-9318CD74988D}"/>
+              </a:ext>
+            </a:extLst>
+          </p:cNvPr>
+          <p:cNvCxnSpPr>
+            <a:cxnSpLocks/>
+            <a:stCxn id="9" idx="4"/>
+            <a:endCxn id="13" idx="0"/>
+          </p:cNvCxnSpPr>
+          <p:nvPr/>
+        </p:nvCxnSpPr>
+        <p:spPr>
+          <a:xfrm flipH="1">
+            <a:off x="8742219" y="3574473"/>
+            <a:ext cx="526472" cy="1018309"/>
+          </a:xfrm>
+          <a:prstGeom prst="straightConnector1">
+            <a:avLst/>
+          </a:prstGeom>
+          <a:ln>
+            <a:tailEnd type="triangle"/>
+          </a:ln>
+        </p:spPr>
+        <p:style>
+          <a:lnRef idx="1">
+            <a:schemeClr val="accent1"/>
+          </a:lnRef>
+          <a:fillRef idx="0">
+            <a:schemeClr val="accent1"/>
+          </a:fillRef>
+          <a:effectRef idx="0">
+            <a:schemeClr val="accent1"/>
+          </a:effectRef>
+          <a:fontRef idx="minor">
+            <a:schemeClr val="tx1"/>
+          </a:fontRef>
+        </p:style>
+      </p:cxnSp>
+      <p:cxnSp>
+        <p:nvCxnSpPr>
+          <p:cNvPr id="31" name="Connecteur droit avec flèche 30">
+            <a:extLst>
+              <a:ext uri="{FF2B5EF4-FFF2-40B4-BE49-F238E27FC236}">
+                <a16:creationId xmlns:a16="http://schemas.microsoft.com/office/drawing/2014/main" id="{643E1064-C887-42B4-9088-6378A1CB7810}"/>
+              </a:ext>
+            </a:extLst>
+          </p:cNvPr>
+          <p:cNvCxnSpPr>
+            <a:cxnSpLocks/>
+            <a:stCxn id="8" idx="4"/>
+            <a:endCxn id="16" idx="0"/>
+          </p:cNvCxnSpPr>
+          <p:nvPr/>
+        </p:nvCxnSpPr>
+        <p:spPr>
+          <a:xfrm>
+            <a:off x="2479963" y="3574473"/>
+            <a:ext cx="0" cy="1018309"/>
+          </a:xfrm>
+          <a:prstGeom prst="straightConnector1">
+            <a:avLst/>
+          </a:prstGeom>
+          <a:ln>
+            <a:tailEnd type="triangle"/>
+          </a:ln>
+        </p:spPr>
+        <p:style>
+          <a:lnRef idx="1">
+            <a:schemeClr val="accent1"/>
+          </a:lnRef>
+          <a:fillRef idx="0">
+            <a:schemeClr val="accent1"/>
+          </a:fillRef>
+          <a:effectRef idx="0">
+            <a:schemeClr val="accent1"/>
+          </a:effectRef>
+          <a:fontRef idx="minor">
+            <a:schemeClr val="tx1"/>
+          </a:fontRef>
+        </p:style>
+      </p:cxnSp>
+    </p:spTree>
+    <p:extLst>
+      <p:ext uri="{BB962C8B-B14F-4D97-AF65-F5344CB8AC3E}">
+        <p14:creationId xmlns:p14="http://schemas.microsoft.com/office/powerpoint/2010/main" val="3903661391"/>
+      </p:ext>
+    </p:extLst>
+  </p:cSld>
+  <p:clrMapOvr>
+    <a:masterClrMapping/>
+  </p:clrMapOvr>
+</p:sld>
+</file>
+
+<file path=ppt/slides/slide2.xml><?xml version="1.0" encoding="utf-8"?>
+<p:sld xmlns:a="http://schemas.openxmlformats.org/drawingml/2006/main" xmlns:r="http://schemas.openxmlformats.org/officeDocument/2006/relationships" xmlns:p="http://schemas.openxmlformats.org/presentationml/2006/main">
+  <p:cSld>
+    <p:spTree>
+      <p:nvGrpSpPr>
+        <p:cNvPr id="1" name=""/>
+        <p:cNvGrpSpPr/>
+        <p:nvPr/>
+      </p:nvGrpSpPr>
+      <p:grpSpPr>
+        <a:xfrm>
+          <a:off x="0" y="0"/>
+          <a:ext cx="0" cy="0"/>
+          <a:chOff x="0" y="0"/>
+          <a:chExt cx="0" cy="0"/>
+        </a:xfrm>
+      </p:grpSpPr>
+      <p:sp>
+        <p:nvSpPr>
           <p:cNvPr id="4" name="Rectangle 3">
             <a:extLst>
               <a:ext uri="{FF2B5EF4-FFF2-40B4-BE49-F238E27FC236}">

--- a/schemeofcode.pptx
+++ b/schemeofcode.pptx
@@ -262,7 +262,7 @@
           <a:p>
             <a:fld id="{7A3C3441-2C70-4949-8FF7-1C72443CF9D3}" type="datetimeFigureOut">
               <a:rPr lang="fr-BE" smtClean="0"/>
-              <a:t>27-11-21</a:t>
+              <a:t>29-11-21</a:t>
             </a:fld>
             <a:endParaRPr lang="fr-BE"/>
           </a:p>
@@ -462,7 +462,7 @@
           <a:p>
             <a:fld id="{7A3C3441-2C70-4949-8FF7-1C72443CF9D3}" type="datetimeFigureOut">
               <a:rPr lang="fr-BE" smtClean="0"/>
-              <a:t>27-11-21</a:t>
+              <a:t>29-11-21</a:t>
             </a:fld>
             <a:endParaRPr lang="fr-BE"/>
           </a:p>
@@ -672,7 +672,7 @@
           <a:p>
             <a:fld id="{7A3C3441-2C70-4949-8FF7-1C72443CF9D3}" type="datetimeFigureOut">
               <a:rPr lang="fr-BE" smtClean="0"/>
-              <a:t>27-11-21</a:t>
+              <a:t>29-11-21</a:t>
             </a:fld>
             <a:endParaRPr lang="fr-BE"/>
           </a:p>
@@ -872,7 +872,7 @@
           <a:p>
             <a:fld id="{7A3C3441-2C70-4949-8FF7-1C72443CF9D3}" type="datetimeFigureOut">
               <a:rPr lang="fr-BE" smtClean="0"/>
-              <a:t>27-11-21</a:t>
+              <a:t>29-11-21</a:t>
             </a:fld>
             <a:endParaRPr lang="fr-BE"/>
           </a:p>
@@ -1148,7 +1148,7 @@
           <a:p>
             <a:fld id="{7A3C3441-2C70-4949-8FF7-1C72443CF9D3}" type="datetimeFigureOut">
               <a:rPr lang="fr-BE" smtClean="0"/>
-              <a:t>27-11-21</a:t>
+              <a:t>29-11-21</a:t>
             </a:fld>
             <a:endParaRPr lang="fr-BE"/>
           </a:p>
@@ -1416,7 +1416,7 @@
           <a:p>
             <a:fld id="{7A3C3441-2C70-4949-8FF7-1C72443CF9D3}" type="datetimeFigureOut">
               <a:rPr lang="fr-BE" smtClean="0"/>
-              <a:t>27-11-21</a:t>
+              <a:t>29-11-21</a:t>
             </a:fld>
             <a:endParaRPr lang="fr-BE"/>
           </a:p>
@@ -1831,7 +1831,7 @@
           <a:p>
             <a:fld id="{7A3C3441-2C70-4949-8FF7-1C72443CF9D3}" type="datetimeFigureOut">
               <a:rPr lang="fr-BE" smtClean="0"/>
-              <a:t>27-11-21</a:t>
+              <a:t>29-11-21</a:t>
             </a:fld>
             <a:endParaRPr lang="fr-BE"/>
           </a:p>
@@ -1973,7 +1973,7 @@
           <a:p>
             <a:fld id="{7A3C3441-2C70-4949-8FF7-1C72443CF9D3}" type="datetimeFigureOut">
               <a:rPr lang="fr-BE" smtClean="0"/>
-              <a:t>27-11-21</a:t>
+              <a:t>29-11-21</a:t>
             </a:fld>
             <a:endParaRPr lang="fr-BE"/>
           </a:p>
@@ -2086,7 +2086,7 @@
           <a:p>
             <a:fld id="{7A3C3441-2C70-4949-8FF7-1C72443CF9D3}" type="datetimeFigureOut">
               <a:rPr lang="fr-BE" smtClean="0"/>
-              <a:t>27-11-21</a:t>
+              <a:t>29-11-21</a:t>
             </a:fld>
             <a:endParaRPr lang="fr-BE"/>
           </a:p>
@@ -2399,7 +2399,7 @@
           <a:p>
             <a:fld id="{7A3C3441-2C70-4949-8FF7-1C72443CF9D3}" type="datetimeFigureOut">
               <a:rPr lang="fr-BE" smtClean="0"/>
-              <a:t>27-11-21</a:t>
+              <a:t>29-11-21</a:t>
             </a:fld>
             <a:endParaRPr lang="fr-BE"/>
           </a:p>
@@ -2688,7 +2688,7 @@
           <a:p>
             <a:fld id="{7A3C3441-2C70-4949-8FF7-1C72443CF9D3}" type="datetimeFigureOut">
               <a:rPr lang="fr-BE" smtClean="0"/>
-              <a:t>27-11-21</a:t>
+              <a:t>29-11-21</a:t>
             </a:fld>
             <a:endParaRPr lang="fr-BE"/>
           </a:p>
@@ -2931,7 +2931,7 @@
           <a:p>
             <a:fld id="{7A3C3441-2C70-4949-8FF7-1C72443CF9D3}" type="datetimeFigureOut">
               <a:rPr lang="fr-BE" smtClean="0"/>
-              <a:t>27-11-21</a:t>
+              <a:t>29-11-21</a:t>
             </a:fld>
             <a:endParaRPr lang="fr-BE"/>
           </a:p>
@@ -3348,711 +3348,924 @@
           <a:chExt cx="0" cy="0"/>
         </a:xfrm>
       </p:grpSpPr>
-      <p:sp>
-        <p:nvSpPr>
-          <p:cNvPr id="4" name="Ellipse 3">
-            <a:extLst>
-              <a:ext uri="{FF2B5EF4-FFF2-40B4-BE49-F238E27FC236}">
-                <a16:creationId xmlns:a16="http://schemas.microsoft.com/office/drawing/2014/main" id="{B50357BF-3EEE-44EB-A9B6-6A499B828BAA}"/>
-              </a:ext>
-            </a:extLst>
-          </p:cNvPr>
-          <p:cNvSpPr/>
+      <p:grpSp>
+        <p:nvGrpSpPr>
+          <p:cNvPr id="80" name="Groupe 79">
+            <a:extLst>
+              <a:ext uri="{FF2B5EF4-FFF2-40B4-BE49-F238E27FC236}">
+                <a16:creationId xmlns:a16="http://schemas.microsoft.com/office/drawing/2014/main" id="{2DF9F2D6-9273-47E2-B4E1-8108953582B4}"/>
+              </a:ext>
+            </a:extLst>
+          </p:cNvPr>
+          <p:cNvGrpSpPr/>
           <p:nvPr/>
-        </p:nvSpPr>
-        <p:spPr>
+        </p:nvGrpSpPr>
+        <p:grpSpPr>
           <a:xfrm>
-            <a:off x="4558145" y="353292"/>
-            <a:ext cx="2632364" cy="1343890"/>
+            <a:off x="1000180" y="981044"/>
+            <a:ext cx="2983043" cy="1861997"/>
+            <a:chOff x="1819987" y="3068398"/>
+            <a:chExt cx="2983043" cy="1861997"/>
           </a:xfrm>
-          <a:prstGeom prst="ellipse">
-            <a:avLst/>
-          </a:prstGeom>
-        </p:spPr>
-        <p:style>
-          <a:lnRef idx="2">
-            <a:schemeClr val="accent1">
-              <a:shade val="50000"/>
-            </a:schemeClr>
-          </a:lnRef>
-          <a:fillRef idx="1">
-            <a:schemeClr val="accent1"/>
-          </a:fillRef>
-          <a:effectRef idx="0">
-            <a:schemeClr val="accent1"/>
-          </a:effectRef>
-          <a:fontRef idx="minor">
-            <a:schemeClr val="lt1"/>
-          </a:fontRef>
-        </p:style>
-        <p:txBody>
-          <a:bodyPr rtlCol="0" anchor="ctr"/>
-          <a:lstStyle/>
-          <a:p>
-            <a:pPr algn="ctr"/>
-            <a:r>
-              <a:rPr lang="fr-FR" dirty="0"/>
-              <a:t>Class : </a:t>
-            </a:r>
-            <a:r>
-              <a:rPr lang="fr-FR" dirty="0" err="1"/>
-              <a:t>MyRobot</a:t>
-            </a:r>
-            <a:endParaRPr lang="fr-BE" dirty="0"/>
-          </a:p>
-        </p:txBody>
-      </p:sp>
-      <p:sp>
-        <p:nvSpPr>
-          <p:cNvPr id="7" name="Ellipse 6">
-            <a:extLst>
-              <a:ext uri="{FF2B5EF4-FFF2-40B4-BE49-F238E27FC236}">
-                <a16:creationId xmlns:a16="http://schemas.microsoft.com/office/drawing/2014/main" id="{B3700653-A37B-47FB-B51A-F97A385A0EC3}"/>
-              </a:ext>
-            </a:extLst>
-          </p:cNvPr>
-          <p:cNvSpPr/>
-          <p:nvPr/>
-        </p:nvSpPr>
-        <p:spPr>
-          <a:xfrm>
-            <a:off x="4558145" y="2230583"/>
-            <a:ext cx="2632364" cy="1343890"/>
-          </a:xfrm>
-          <a:prstGeom prst="ellipse">
-            <a:avLst/>
-          </a:prstGeom>
-        </p:spPr>
-        <p:style>
-          <a:lnRef idx="2">
-            <a:schemeClr val="accent1">
-              <a:shade val="50000"/>
-            </a:schemeClr>
-          </a:lnRef>
-          <a:fillRef idx="1">
-            <a:schemeClr val="accent1"/>
-          </a:fillRef>
-          <a:effectRef idx="0">
-            <a:schemeClr val="accent1"/>
-          </a:effectRef>
-          <a:fontRef idx="minor">
-            <a:schemeClr val="lt1"/>
-          </a:fontRef>
-        </p:style>
-        <p:txBody>
-          <a:bodyPr rtlCol="0" anchor="ctr"/>
-          <a:lstStyle/>
-          <a:p>
-            <a:pPr algn="ctr"/>
-            <a:r>
-              <a:rPr lang="fr-FR" dirty="0" err="1"/>
-              <a:t>Actuators</a:t>
-            </a:r>
-            <a:endParaRPr lang="fr-BE" dirty="0"/>
-          </a:p>
-        </p:txBody>
-      </p:sp>
-      <p:sp>
-        <p:nvSpPr>
-          <p:cNvPr id="8" name="Ellipse 7">
-            <a:extLst>
-              <a:ext uri="{FF2B5EF4-FFF2-40B4-BE49-F238E27FC236}">
-                <a16:creationId xmlns:a16="http://schemas.microsoft.com/office/drawing/2014/main" id="{253843DF-CA1B-4B51-972C-5851CFFB42BC}"/>
-              </a:ext>
-            </a:extLst>
-          </p:cNvPr>
-          <p:cNvSpPr/>
-          <p:nvPr/>
-        </p:nvSpPr>
-        <p:spPr>
-          <a:xfrm>
-            <a:off x="1163781" y="2230583"/>
-            <a:ext cx="2632364" cy="1343890"/>
-          </a:xfrm>
-          <a:prstGeom prst="ellipse">
-            <a:avLst/>
-          </a:prstGeom>
-        </p:spPr>
-        <p:style>
-          <a:lnRef idx="2">
-            <a:schemeClr val="accent1">
-              <a:shade val="50000"/>
-            </a:schemeClr>
-          </a:lnRef>
-          <a:fillRef idx="1">
-            <a:schemeClr val="accent1"/>
-          </a:fillRef>
-          <a:effectRef idx="0">
-            <a:schemeClr val="accent1"/>
-          </a:effectRef>
-          <a:fontRef idx="minor">
-            <a:schemeClr val="lt1"/>
-          </a:fontRef>
-        </p:style>
-        <p:txBody>
-          <a:bodyPr rtlCol="0" anchor="ctr"/>
-          <a:lstStyle/>
-          <a:p>
-            <a:pPr algn="ctr"/>
-            <a:r>
-              <a:rPr lang="fr-FR" dirty="0"/>
-              <a:t>State</a:t>
-            </a:r>
-            <a:endParaRPr lang="fr-BE" dirty="0"/>
-          </a:p>
-        </p:txBody>
-      </p:sp>
-      <p:sp>
-        <p:nvSpPr>
-          <p:cNvPr id="9" name="Ellipse 8">
-            <a:extLst>
-              <a:ext uri="{FF2B5EF4-FFF2-40B4-BE49-F238E27FC236}">
-                <a16:creationId xmlns:a16="http://schemas.microsoft.com/office/drawing/2014/main" id="{D41CEB7E-1CD6-4308-A770-31C42EBE7455}"/>
-              </a:ext>
-            </a:extLst>
-          </p:cNvPr>
-          <p:cNvSpPr/>
-          <p:nvPr/>
-        </p:nvSpPr>
-        <p:spPr>
-          <a:xfrm>
-            <a:off x="7952509" y="2230583"/>
-            <a:ext cx="2632364" cy="1343890"/>
-          </a:xfrm>
-          <a:prstGeom prst="ellipse">
-            <a:avLst/>
-          </a:prstGeom>
-        </p:spPr>
-        <p:style>
-          <a:lnRef idx="2">
-            <a:schemeClr val="accent1">
-              <a:shade val="50000"/>
-            </a:schemeClr>
-          </a:lnRef>
-          <a:fillRef idx="1">
-            <a:schemeClr val="accent1"/>
-          </a:fillRef>
-          <a:effectRef idx="0">
-            <a:schemeClr val="accent1"/>
-          </a:effectRef>
-          <a:fontRef idx="minor">
-            <a:schemeClr val="lt1"/>
-          </a:fontRef>
-        </p:style>
-        <p:txBody>
-          <a:bodyPr rtlCol="0" anchor="ctr"/>
-          <a:lstStyle/>
-          <a:p>
-            <a:pPr algn="ctr"/>
-            <a:r>
-              <a:rPr lang="fr-FR" dirty="0" err="1"/>
-              <a:t>Sensors</a:t>
-            </a:r>
-            <a:endParaRPr lang="fr-BE" dirty="0"/>
-          </a:p>
-        </p:txBody>
-      </p:sp>
-      <p:sp>
-        <p:nvSpPr>
-          <p:cNvPr id="10" name="Rectangle 9">
-            <a:extLst>
-              <a:ext uri="{FF2B5EF4-FFF2-40B4-BE49-F238E27FC236}">
-                <a16:creationId xmlns:a16="http://schemas.microsoft.com/office/drawing/2014/main" id="{E8C1C5D9-82EA-46AF-9A6F-2A24DF989145}"/>
-              </a:ext>
-            </a:extLst>
-          </p:cNvPr>
-          <p:cNvSpPr/>
-          <p:nvPr/>
-        </p:nvSpPr>
-        <p:spPr>
-          <a:xfrm>
-            <a:off x="5451763" y="4592782"/>
-            <a:ext cx="845127" cy="505690"/>
-          </a:xfrm>
-          <a:prstGeom prst="rect">
-            <a:avLst/>
-          </a:prstGeom>
-        </p:spPr>
-        <p:style>
-          <a:lnRef idx="2">
-            <a:schemeClr val="accent1">
-              <a:shade val="50000"/>
-            </a:schemeClr>
-          </a:lnRef>
-          <a:fillRef idx="1">
-            <a:schemeClr val="accent1"/>
-          </a:fillRef>
-          <a:effectRef idx="0">
-            <a:schemeClr val="accent1"/>
-          </a:effectRef>
-          <a:fontRef idx="minor">
-            <a:schemeClr val="lt1"/>
-          </a:fontRef>
-        </p:style>
-        <p:txBody>
-          <a:bodyPr rtlCol="0" anchor="ctr"/>
-          <a:lstStyle/>
-          <a:p>
-            <a:pPr algn="ctr"/>
-            <a:r>
-              <a:rPr lang="fr-FR" sz="1400" dirty="0"/>
-              <a:t>Motors</a:t>
-            </a:r>
-            <a:endParaRPr lang="fr-BE" sz="1400" dirty="0"/>
-          </a:p>
-        </p:txBody>
-      </p:sp>
-      <p:sp>
-        <p:nvSpPr>
-          <p:cNvPr id="13" name="Rectangle 12">
-            <a:extLst>
-              <a:ext uri="{FF2B5EF4-FFF2-40B4-BE49-F238E27FC236}">
-                <a16:creationId xmlns:a16="http://schemas.microsoft.com/office/drawing/2014/main" id="{405FA1C5-E5D1-46AF-9069-3914F77671DD}"/>
-              </a:ext>
-            </a:extLst>
-          </p:cNvPr>
-          <p:cNvSpPr/>
-          <p:nvPr/>
-        </p:nvSpPr>
-        <p:spPr>
-          <a:xfrm>
-            <a:off x="8319655" y="4592782"/>
-            <a:ext cx="845127" cy="505690"/>
-          </a:xfrm>
-          <a:prstGeom prst="rect">
-            <a:avLst/>
-          </a:prstGeom>
-        </p:spPr>
-        <p:style>
-          <a:lnRef idx="2">
-            <a:schemeClr val="accent1">
-              <a:shade val="50000"/>
-            </a:schemeClr>
-          </a:lnRef>
-          <a:fillRef idx="1">
-            <a:schemeClr val="accent1"/>
-          </a:fillRef>
-          <a:effectRef idx="0">
-            <a:schemeClr val="accent1"/>
-          </a:effectRef>
-          <a:fontRef idx="minor">
-            <a:schemeClr val="lt1"/>
-          </a:fontRef>
-        </p:style>
-        <p:txBody>
-          <a:bodyPr rtlCol="0" anchor="ctr"/>
-          <a:lstStyle/>
-          <a:p>
-            <a:pPr algn="ctr"/>
-            <a:r>
-              <a:rPr lang="fr-FR" sz="1400" dirty="0"/>
-              <a:t>Lidar</a:t>
-            </a:r>
-            <a:endParaRPr lang="fr-BE" sz="1400" dirty="0"/>
-          </a:p>
-        </p:txBody>
-      </p:sp>
-      <p:sp>
-        <p:nvSpPr>
-          <p:cNvPr id="14" name="Rectangle 13">
-            <a:extLst>
-              <a:ext uri="{FF2B5EF4-FFF2-40B4-BE49-F238E27FC236}">
-                <a16:creationId xmlns:a16="http://schemas.microsoft.com/office/drawing/2014/main" id="{D9FB9FEC-F0DA-4B5A-82D3-4B1B6E98DB24}"/>
-              </a:ext>
-            </a:extLst>
-          </p:cNvPr>
-          <p:cNvSpPr/>
-          <p:nvPr/>
-        </p:nvSpPr>
-        <p:spPr>
-          <a:xfrm>
-            <a:off x="9490365" y="4592782"/>
-            <a:ext cx="845127" cy="505690"/>
-          </a:xfrm>
-          <a:prstGeom prst="rect">
-            <a:avLst/>
-          </a:prstGeom>
-        </p:spPr>
-        <p:style>
-          <a:lnRef idx="2">
-            <a:schemeClr val="accent1">
-              <a:shade val="50000"/>
-            </a:schemeClr>
-          </a:lnRef>
-          <a:fillRef idx="1">
-            <a:schemeClr val="accent1"/>
-          </a:fillRef>
-          <a:effectRef idx="0">
-            <a:schemeClr val="accent1"/>
-          </a:effectRef>
-          <a:fontRef idx="minor">
-            <a:schemeClr val="lt1"/>
-          </a:fontRef>
-        </p:style>
-        <p:txBody>
-          <a:bodyPr rtlCol="0" anchor="ctr"/>
-          <a:lstStyle/>
-          <a:p>
-            <a:pPr algn="ctr"/>
-            <a:r>
-              <a:rPr lang="fr-FR" sz="1400" dirty="0"/>
-              <a:t>Buttons</a:t>
-            </a:r>
-            <a:endParaRPr lang="fr-BE" sz="1400" dirty="0"/>
-          </a:p>
-        </p:txBody>
-      </p:sp>
-      <p:sp>
-        <p:nvSpPr>
-          <p:cNvPr id="16" name="Rectangle 15">
-            <a:extLst>
-              <a:ext uri="{FF2B5EF4-FFF2-40B4-BE49-F238E27FC236}">
-                <a16:creationId xmlns:a16="http://schemas.microsoft.com/office/drawing/2014/main" id="{46001A5C-5BB2-4897-8A65-1A707164C543}"/>
-              </a:ext>
-            </a:extLst>
-          </p:cNvPr>
-          <p:cNvSpPr/>
-          <p:nvPr/>
-        </p:nvSpPr>
-        <p:spPr>
-          <a:xfrm>
-            <a:off x="2057399" y="4592782"/>
-            <a:ext cx="845127" cy="505690"/>
-          </a:xfrm>
-          <a:prstGeom prst="rect">
-            <a:avLst/>
-          </a:prstGeom>
-        </p:spPr>
-        <p:style>
-          <a:lnRef idx="2">
-            <a:schemeClr val="accent1">
-              <a:shade val="50000"/>
-            </a:schemeClr>
-          </a:lnRef>
-          <a:fillRef idx="1">
-            <a:schemeClr val="accent1"/>
-          </a:fillRef>
-          <a:effectRef idx="0">
-            <a:schemeClr val="accent1"/>
-          </a:effectRef>
-          <a:fontRef idx="minor">
-            <a:schemeClr val="lt1"/>
-          </a:fontRef>
-        </p:style>
-        <p:txBody>
-          <a:bodyPr rtlCol="0" anchor="ctr"/>
-          <a:lstStyle/>
-          <a:p>
-            <a:pPr algn="ctr"/>
-            <a:r>
-              <a:rPr lang="fr-FR" sz="1400" dirty="0"/>
-              <a:t>Motors</a:t>
-            </a:r>
-            <a:endParaRPr lang="fr-BE" sz="1400" dirty="0"/>
-          </a:p>
-        </p:txBody>
-      </p:sp>
-      <p:cxnSp>
-        <p:nvCxnSpPr>
-          <p:cNvPr id="18" name="Connecteur droit avec flèche 17">
-            <a:extLst>
-              <a:ext uri="{FF2B5EF4-FFF2-40B4-BE49-F238E27FC236}">
-                <a16:creationId xmlns:a16="http://schemas.microsoft.com/office/drawing/2014/main" id="{5189DAF7-FCE8-4EDE-95A9-6868FE025888}"/>
-              </a:ext>
-            </a:extLst>
-          </p:cNvPr>
-          <p:cNvCxnSpPr>
-            <a:cxnSpLocks/>
-            <a:stCxn id="4" idx="4"/>
-            <a:endCxn id="7" idx="0"/>
-          </p:cNvCxnSpPr>
-          <p:nvPr/>
-        </p:nvCxnSpPr>
-        <p:spPr>
-          <a:xfrm>
-            <a:off x="5874327" y="1697182"/>
-            <a:ext cx="0" cy="533401"/>
-          </a:xfrm>
-          <a:prstGeom prst="straightConnector1">
-            <a:avLst/>
-          </a:prstGeom>
-          <a:ln>
-            <a:tailEnd type="triangle"/>
-          </a:ln>
-        </p:spPr>
-        <p:style>
-          <a:lnRef idx="1">
-            <a:schemeClr val="accent1"/>
-          </a:lnRef>
-          <a:fillRef idx="0">
-            <a:schemeClr val="accent1"/>
-          </a:fillRef>
-          <a:effectRef idx="0">
-            <a:schemeClr val="accent1"/>
-          </a:effectRef>
-          <a:fontRef idx="minor">
-            <a:schemeClr val="tx1"/>
-          </a:fontRef>
-        </p:style>
-      </p:cxnSp>
-      <p:cxnSp>
-        <p:nvCxnSpPr>
-          <p:cNvPr id="20" name="Connecteur droit avec flèche 19">
-            <a:extLst>
-              <a:ext uri="{FF2B5EF4-FFF2-40B4-BE49-F238E27FC236}">
-                <a16:creationId xmlns:a16="http://schemas.microsoft.com/office/drawing/2014/main" id="{533BEA24-1E5F-4C4F-B4CE-64A022904E6C}"/>
-              </a:ext>
-            </a:extLst>
-          </p:cNvPr>
-          <p:cNvCxnSpPr>
-            <a:cxnSpLocks/>
-            <a:stCxn id="4" idx="3"/>
-            <a:endCxn id="8" idx="7"/>
-          </p:cNvCxnSpPr>
-          <p:nvPr/>
-        </p:nvCxnSpPr>
-        <p:spPr>
-          <a:xfrm flipH="1">
-            <a:off x="3410644" y="1500374"/>
-            <a:ext cx="1533002" cy="927017"/>
-          </a:xfrm>
-          <a:prstGeom prst="straightConnector1">
-            <a:avLst/>
-          </a:prstGeom>
-          <a:ln>
-            <a:tailEnd type="triangle"/>
-          </a:ln>
-        </p:spPr>
-        <p:style>
-          <a:lnRef idx="1">
-            <a:schemeClr val="accent1"/>
-          </a:lnRef>
-          <a:fillRef idx="0">
-            <a:schemeClr val="accent1"/>
-          </a:fillRef>
-          <a:effectRef idx="0">
-            <a:schemeClr val="accent1"/>
-          </a:effectRef>
-          <a:fontRef idx="minor">
-            <a:schemeClr val="tx1"/>
-          </a:fontRef>
-        </p:style>
-      </p:cxnSp>
-      <p:cxnSp>
-        <p:nvCxnSpPr>
-          <p:cNvPr id="22" name="Connecteur droit avec flèche 21">
-            <a:extLst>
-              <a:ext uri="{FF2B5EF4-FFF2-40B4-BE49-F238E27FC236}">
-                <a16:creationId xmlns:a16="http://schemas.microsoft.com/office/drawing/2014/main" id="{7BC85C97-04E0-462B-9705-0F414A4759E2}"/>
-              </a:ext>
-            </a:extLst>
-          </p:cNvPr>
-          <p:cNvCxnSpPr>
-            <a:cxnSpLocks/>
-            <a:stCxn id="4" idx="5"/>
-            <a:endCxn id="9" idx="1"/>
-          </p:cNvCxnSpPr>
-          <p:nvPr/>
-        </p:nvCxnSpPr>
-        <p:spPr>
-          <a:xfrm>
-            <a:off x="6805008" y="1500374"/>
-            <a:ext cx="1533002" cy="927017"/>
-          </a:xfrm>
-          <a:prstGeom prst="straightConnector1">
-            <a:avLst/>
-          </a:prstGeom>
-          <a:ln>
-            <a:tailEnd type="triangle"/>
-          </a:ln>
-        </p:spPr>
-        <p:style>
-          <a:lnRef idx="1">
-            <a:schemeClr val="accent1"/>
-          </a:lnRef>
-          <a:fillRef idx="0">
-            <a:schemeClr val="accent1"/>
-          </a:fillRef>
-          <a:effectRef idx="0">
-            <a:schemeClr val="accent1"/>
-          </a:effectRef>
-          <a:fontRef idx="minor">
-            <a:schemeClr val="tx1"/>
-          </a:fontRef>
-        </p:style>
-      </p:cxnSp>
-      <p:cxnSp>
-        <p:nvCxnSpPr>
-          <p:cNvPr id="24" name="Connecteur droit avec flèche 23">
-            <a:extLst>
-              <a:ext uri="{FF2B5EF4-FFF2-40B4-BE49-F238E27FC236}">
-                <a16:creationId xmlns:a16="http://schemas.microsoft.com/office/drawing/2014/main" id="{15352CCE-86B5-4C02-9805-40FB021E88AF}"/>
-              </a:ext>
-            </a:extLst>
-          </p:cNvPr>
-          <p:cNvCxnSpPr>
-            <a:cxnSpLocks/>
-            <a:stCxn id="9" idx="4"/>
-            <a:endCxn id="14" idx="0"/>
-          </p:cNvCxnSpPr>
-          <p:nvPr/>
-        </p:nvCxnSpPr>
-        <p:spPr>
-          <a:xfrm>
-            <a:off x="9268691" y="3574473"/>
-            <a:ext cx="644238" cy="1018309"/>
-          </a:xfrm>
-          <a:prstGeom prst="straightConnector1">
-            <a:avLst/>
-          </a:prstGeom>
-          <a:ln>
-            <a:tailEnd type="triangle"/>
-          </a:ln>
-        </p:spPr>
-        <p:style>
-          <a:lnRef idx="1">
-            <a:schemeClr val="accent1"/>
-          </a:lnRef>
-          <a:fillRef idx="0">
-            <a:schemeClr val="accent1"/>
-          </a:fillRef>
-          <a:effectRef idx="0">
-            <a:schemeClr val="accent1"/>
-          </a:effectRef>
-          <a:fontRef idx="minor">
-            <a:schemeClr val="tx1"/>
-          </a:fontRef>
-        </p:style>
-      </p:cxnSp>
-      <p:cxnSp>
-        <p:nvCxnSpPr>
-          <p:cNvPr id="26" name="Connecteur droit avec flèche 25">
-            <a:extLst>
-              <a:ext uri="{FF2B5EF4-FFF2-40B4-BE49-F238E27FC236}">
-                <a16:creationId xmlns:a16="http://schemas.microsoft.com/office/drawing/2014/main" id="{810E5DBF-9C13-4B31-BC3B-75C50A69398F}"/>
-              </a:ext>
-            </a:extLst>
-          </p:cNvPr>
-          <p:cNvCxnSpPr>
-            <a:cxnSpLocks/>
-            <a:stCxn id="7" idx="4"/>
-            <a:endCxn id="10" idx="0"/>
-          </p:cNvCxnSpPr>
-          <p:nvPr/>
-        </p:nvCxnSpPr>
-        <p:spPr>
-          <a:xfrm>
-            <a:off x="5874327" y="3574473"/>
-            <a:ext cx="0" cy="1018309"/>
-          </a:xfrm>
-          <a:prstGeom prst="straightConnector1">
-            <a:avLst/>
-          </a:prstGeom>
-          <a:ln>
-            <a:tailEnd type="triangle"/>
-          </a:ln>
-        </p:spPr>
-        <p:style>
-          <a:lnRef idx="1">
-            <a:schemeClr val="accent1"/>
-          </a:lnRef>
-          <a:fillRef idx="0">
-            <a:schemeClr val="accent1"/>
-          </a:fillRef>
-          <a:effectRef idx="0">
-            <a:schemeClr val="accent1"/>
-          </a:effectRef>
-          <a:fontRef idx="minor">
-            <a:schemeClr val="tx1"/>
-          </a:fontRef>
-        </p:style>
-      </p:cxnSp>
-      <p:cxnSp>
-        <p:nvCxnSpPr>
-          <p:cNvPr id="30" name="Connecteur droit avec flèche 29">
-            <a:extLst>
-              <a:ext uri="{FF2B5EF4-FFF2-40B4-BE49-F238E27FC236}">
-                <a16:creationId xmlns:a16="http://schemas.microsoft.com/office/drawing/2014/main" id="{E0458F3F-556F-42A9-B4C4-9318CD74988D}"/>
-              </a:ext>
-            </a:extLst>
-          </p:cNvPr>
-          <p:cNvCxnSpPr>
-            <a:cxnSpLocks/>
-            <a:stCxn id="9" idx="4"/>
-            <a:endCxn id="13" idx="0"/>
-          </p:cNvCxnSpPr>
-          <p:nvPr/>
-        </p:nvCxnSpPr>
-        <p:spPr>
-          <a:xfrm flipH="1">
-            <a:off x="8742219" y="3574473"/>
-            <a:ext cx="526472" cy="1018309"/>
-          </a:xfrm>
-          <a:prstGeom prst="straightConnector1">
-            <a:avLst/>
-          </a:prstGeom>
-          <a:ln>
-            <a:tailEnd type="triangle"/>
-          </a:ln>
-        </p:spPr>
-        <p:style>
-          <a:lnRef idx="1">
-            <a:schemeClr val="accent1"/>
-          </a:lnRef>
-          <a:fillRef idx="0">
-            <a:schemeClr val="accent1"/>
-          </a:fillRef>
-          <a:effectRef idx="0">
-            <a:schemeClr val="accent1"/>
-          </a:effectRef>
-          <a:fontRef idx="minor">
-            <a:schemeClr val="tx1"/>
-          </a:fontRef>
-        </p:style>
-      </p:cxnSp>
-      <p:cxnSp>
-        <p:nvCxnSpPr>
-          <p:cNvPr id="31" name="Connecteur droit avec flèche 30">
-            <a:extLst>
-              <a:ext uri="{FF2B5EF4-FFF2-40B4-BE49-F238E27FC236}">
-                <a16:creationId xmlns:a16="http://schemas.microsoft.com/office/drawing/2014/main" id="{643E1064-C887-42B4-9088-6378A1CB7810}"/>
-              </a:ext>
-            </a:extLst>
-          </p:cNvPr>
-          <p:cNvCxnSpPr>
-            <a:cxnSpLocks/>
-            <a:stCxn id="8" idx="4"/>
-            <a:endCxn id="16" idx="0"/>
-          </p:cNvCxnSpPr>
-          <p:nvPr/>
-        </p:nvCxnSpPr>
-        <p:spPr>
-          <a:xfrm>
-            <a:off x="2479963" y="3574473"/>
-            <a:ext cx="0" cy="1018309"/>
-          </a:xfrm>
-          <a:prstGeom prst="straightConnector1">
-            <a:avLst/>
-          </a:prstGeom>
-          <a:ln>
-            <a:tailEnd type="triangle"/>
-          </a:ln>
-        </p:spPr>
-        <p:style>
-          <a:lnRef idx="1">
-            <a:schemeClr val="accent1"/>
-          </a:lnRef>
-          <a:fillRef idx="0">
-            <a:schemeClr val="accent1"/>
-          </a:fillRef>
-          <a:effectRef idx="0">
-            <a:schemeClr val="accent1"/>
-          </a:effectRef>
-          <a:fontRef idx="minor">
-            <a:schemeClr val="tx1"/>
-          </a:fontRef>
-        </p:style>
-      </p:cxnSp>
+        </p:grpSpPr>
+        <p:grpSp>
+          <p:nvGrpSpPr>
+            <p:cNvPr id="12" name="Groupe 11">
+              <a:extLst>
+                <a:ext uri="{FF2B5EF4-FFF2-40B4-BE49-F238E27FC236}">
+                  <a16:creationId xmlns:a16="http://schemas.microsoft.com/office/drawing/2014/main" id="{8AF85CF6-7BAF-44B6-A886-2C606943AF3E}"/>
+                </a:ext>
+              </a:extLst>
+            </p:cNvPr>
+            <p:cNvGrpSpPr/>
+            <p:nvPr/>
+          </p:nvGrpSpPr>
+          <p:grpSpPr>
+            <a:xfrm>
+              <a:off x="2123914" y="3068398"/>
+              <a:ext cx="2491736" cy="1664266"/>
+              <a:chOff x="2077743" y="559482"/>
+              <a:chExt cx="2491736" cy="1664266"/>
+            </a:xfrm>
+          </p:grpSpPr>
+          <p:grpSp>
+            <p:nvGrpSpPr>
+              <p:cNvPr id="2" name="Groupe 1">
+                <a:extLst>
+                  <a:ext uri="{FF2B5EF4-FFF2-40B4-BE49-F238E27FC236}">
+                    <a16:creationId xmlns:a16="http://schemas.microsoft.com/office/drawing/2014/main" id="{7DE18566-2034-456C-9FE7-07D15239C2B8}"/>
+                  </a:ext>
+                </a:extLst>
+              </p:cNvPr>
+              <p:cNvGrpSpPr/>
+              <p:nvPr/>
+            </p:nvGrpSpPr>
+            <p:grpSpPr>
+              <a:xfrm>
+                <a:off x="2077743" y="1150727"/>
+                <a:ext cx="2491736" cy="1073021"/>
+                <a:chOff x="3535148" y="1157803"/>
+                <a:chExt cx="5189527" cy="2112124"/>
+              </a:xfrm>
+            </p:grpSpPr>
+            <p:sp>
+              <p:nvSpPr>
+                <p:cNvPr id="10" name="Rectangle 9">
+                  <a:extLst>
+                    <a:ext uri="{FF2B5EF4-FFF2-40B4-BE49-F238E27FC236}">
+                      <a16:creationId xmlns:a16="http://schemas.microsoft.com/office/drawing/2014/main" id="{E8C1C5D9-82EA-46AF-9A6F-2A24DF989145}"/>
+                    </a:ext>
+                  </a:extLst>
+                </p:cNvPr>
+                <p:cNvSpPr/>
+                <p:nvPr/>
+              </p:nvSpPr>
+              <p:spPr>
+                <a:xfrm>
+                  <a:off x="5364311" y="2764238"/>
+                  <a:ext cx="1034683" cy="505689"/>
+                </a:xfrm>
+                <a:prstGeom prst="rect">
+                  <a:avLst/>
+                </a:prstGeom>
+                <a:ln w="6350"/>
+              </p:spPr>
+              <p:style>
+                <a:lnRef idx="2">
+                  <a:schemeClr val="dk1"/>
+                </a:lnRef>
+                <a:fillRef idx="1">
+                  <a:schemeClr val="lt1"/>
+                </a:fillRef>
+                <a:effectRef idx="0">
+                  <a:schemeClr val="dk1"/>
+                </a:effectRef>
+                <a:fontRef idx="minor">
+                  <a:schemeClr val="dk1"/>
+                </a:fontRef>
+              </p:style>
+              <p:txBody>
+                <a:bodyPr rtlCol="0" anchor="ctr"/>
+                <a:lstStyle/>
+                <a:p>
+                  <a:pPr algn="ctr"/>
+                  <a:r>
+                    <a:rPr lang="fr-FR" sz="700" dirty="0"/>
+                    <a:t>Motors</a:t>
+                  </a:r>
+                  <a:endParaRPr lang="fr-BE" sz="700" dirty="0"/>
+                </a:p>
+              </p:txBody>
+            </p:sp>
+            <p:sp>
+              <p:nvSpPr>
+                <p:cNvPr id="13" name="Rectangle 12">
+                  <a:extLst>
+                    <a:ext uri="{FF2B5EF4-FFF2-40B4-BE49-F238E27FC236}">
+                      <a16:creationId xmlns:a16="http://schemas.microsoft.com/office/drawing/2014/main" id="{405FA1C5-E5D1-46AF-9069-3914F77671DD}"/>
+                    </a:ext>
+                  </a:extLst>
+                </p:cNvPr>
+                <p:cNvSpPr/>
+                <p:nvPr/>
+              </p:nvSpPr>
+              <p:spPr>
+                <a:xfrm>
+                  <a:off x="6768204" y="2755785"/>
+                  <a:ext cx="819316" cy="505689"/>
+                </a:xfrm>
+                <a:prstGeom prst="rect">
+                  <a:avLst/>
+                </a:prstGeom>
+                <a:ln w="6350"/>
+              </p:spPr>
+              <p:style>
+                <a:lnRef idx="2">
+                  <a:schemeClr val="dk1"/>
+                </a:lnRef>
+                <a:fillRef idx="1">
+                  <a:schemeClr val="lt1"/>
+                </a:fillRef>
+                <a:effectRef idx="0">
+                  <a:schemeClr val="dk1"/>
+                </a:effectRef>
+                <a:fontRef idx="minor">
+                  <a:schemeClr val="dk1"/>
+                </a:fontRef>
+              </p:style>
+              <p:txBody>
+                <a:bodyPr rtlCol="0" anchor="ctr"/>
+                <a:lstStyle/>
+                <a:p>
+                  <a:pPr algn="ctr"/>
+                  <a:r>
+                    <a:rPr lang="fr-FR" sz="700" dirty="0"/>
+                    <a:t>Lidar</a:t>
+                  </a:r>
+                  <a:endParaRPr lang="fr-BE" sz="700" dirty="0"/>
+                </a:p>
+              </p:txBody>
+            </p:sp>
+            <p:sp>
+              <p:nvSpPr>
+                <p:cNvPr id="14" name="Rectangle 13">
+                  <a:extLst>
+                    <a:ext uri="{FF2B5EF4-FFF2-40B4-BE49-F238E27FC236}">
+                      <a16:creationId xmlns:a16="http://schemas.microsoft.com/office/drawing/2014/main" id="{D9FB9FEC-F0DA-4B5A-82D3-4B1B6E98DB24}"/>
+                    </a:ext>
+                  </a:extLst>
+                </p:cNvPr>
+                <p:cNvSpPr/>
+                <p:nvPr/>
+              </p:nvSpPr>
+              <p:spPr>
+                <a:xfrm>
+                  <a:off x="7723548" y="2755785"/>
+                  <a:ext cx="1001127" cy="505689"/>
+                </a:xfrm>
+                <a:prstGeom prst="rect">
+                  <a:avLst/>
+                </a:prstGeom>
+                <a:ln w="6350"/>
+              </p:spPr>
+              <p:style>
+                <a:lnRef idx="2">
+                  <a:schemeClr val="dk1"/>
+                </a:lnRef>
+                <a:fillRef idx="1">
+                  <a:schemeClr val="lt1"/>
+                </a:fillRef>
+                <a:effectRef idx="0">
+                  <a:schemeClr val="dk1"/>
+                </a:effectRef>
+                <a:fontRef idx="minor">
+                  <a:schemeClr val="dk1"/>
+                </a:fontRef>
+              </p:style>
+              <p:txBody>
+                <a:bodyPr rtlCol="0" anchor="ctr"/>
+                <a:lstStyle/>
+                <a:p>
+                  <a:pPr algn="ctr"/>
+                  <a:r>
+                    <a:rPr lang="fr-FR" sz="700" dirty="0"/>
+                    <a:t>Buttons</a:t>
+                  </a:r>
+                  <a:endParaRPr lang="fr-BE" sz="700" dirty="0"/>
+                </a:p>
+              </p:txBody>
+            </p:sp>
+            <p:sp>
+              <p:nvSpPr>
+                <p:cNvPr id="16" name="Rectangle 15">
+                  <a:extLst>
+                    <a:ext uri="{FF2B5EF4-FFF2-40B4-BE49-F238E27FC236}">
+                      <a16:creationId xmlns:a16="http://schemas.microsoft.com/office/drawing/2014/main" id="{46001A5C-5BB2-4897-8A65-1A707164C543}"/>
+                    </a:ext>
+                  </a:extLst>
+                </p:cNvPr>
+                <p:cNvSpPr/>
+                <p:nvPr/>
+              </p:nvSpPr>
+              <p:spPr>
+                <a:xfrm>
+                  <a:off x="3535148" y="2755786"/>
+                  <a:ext cx="1034683" cy="505689"/>
+                </a:xfrm>
+                <a:prstGeom prst="rect">
+                  <a:avLst/>
+                </a:prstGeom>
+                <a:ln w="6350"/>
+              </p:spPr>
+              <p:style>
+                <a:lnRef idx="2">
+                  <a:schemeClr val="dk1"/>
+                </a:lnRef>
+                <a:fillRef idx="1">
+                  <a:schemeClr val="lt1"/>
+                </a:fillRef>
+                <a:effectRef idx="0">
+                  <a:schemeClr val="dk1"/>
+                </a:effectRef>
+                <a:fontRef idx="minor">
+                  <a:schemeClr val="dk1"/>
+                </a:fontRef>
+              </p:style>
+              <p:txBody>
+                <a:bodyPr rtlCol="0" anchor="ctr"/>
+                <a:lstStyle/>
+                <a:p>
+                  <a:pPr algn="ctr"/>
+                  <a:r>
+                    <a:rPr lang="fr-FR" sz="700" dirty="0"/>
+                    <a:t>Motors</a:t>
+                  </a:r>
+                  <a:endParaRPr lang="fr-BE" sz="700" dirty="0"/>
+                </a:p>
+              </p:txBody>
+            </p:sp>
+            <p:cxnSp>
+              <p:nvCxnSpPr>
+                <p:cNvPr id="18" name="Connecteur droit avec flèche 17">
+                  <a:extLst>
+                    <a:ext uri="{FF2B5EF4-FFF2-40B4-BE49-F238E27FC236}">
+                      <a16:creationId xmlns:a16="http://schemas.microsoft.com/office/drawing/2014/main" id="{5189DAF7-FCE8-4EDE-95A9-6868FE025888}"/>
+                    </a:ext>
+                  </a:extLst>
+                </p:cNvPr>
+                <p:cNvCxnSpPr>
+                  <a:cxnSpLocks/>
+                  <a:stCxn id="40" idx="2"/>
+                  <a:endCxn id="48" idx="0"/>
+                </p:cNvCxnSpPr>
+                <p:nvPr/>
+              </p:nvCxnSpPr>
+              <p:spPr>
+                <a:xfrm flipH="1">
+                  <a:off x="5867509" y="1157803"/>
+                  <a:ext cx="6819" cy="552185"/>
+                </a:xfrm>
+                <a:prstGeom prst="straightConnector1">
+                  <a:avLst/>
+                </a:prstGeom>
+                <a:ln w="6350">
+                  <a:tailEnd type="triangle"/>
+                </a:ln>
+              </p:spPr>
+              <p:style>
+                <a:lnRef idx="2">
+                  <a:schemeClr val="dk1"/>
+                </a:lnRef>
+                <a:fillRef idx="1">
+                  <a:schemeClr val="lt1"/>
+                </a:fillRef>
+                <a:effectRef idx="0">
+                  <a:schemeClr val="dk1"/>
+                </a:effectRef>
+                <a:fontRef idx="minor">
+                  <a:schemeClr val="dk1"/>
+                </a:fontRef>
+              </p:style>
+            </p:cxnSp>
+            <p:cxnSp>
+              <p:nvCxnSpPr>
+                <p:cNvPr id="20" name="Connecteur droit avec flèche 19">
+                  <a:extLst>
+                    <a:ext uri="{FF2B5EF4-FFF2-40B4-BE49-F238E27FC236}">
+                      <a16:creationId xmlns:a16="http://schemas.microsoft.com/office/drawing/2014/main" id="{533BEA24-1E5F-4C4F-B4CE-64A022904E6C}"/>
+                    </a:ext>
+                  </a:extLst>
+                </p:cNvPr>
+                <p:cNvCxnSpPr>
+                  <a:cxnSpLocks/>
+                  <a:stCxn id="40" idx="2"/>
+                  <a:endCxn id="50" idx="0"/>
+                </p:cNvCxnSpPr>
+                <p:nvPr/>
+              </p:nvCxnSpPr>
+              <p:spPr>
+                <a:xfrm flipH="1">
+                  <a:off x="4045523" y="1157803"/>
+                  <a:ext cx="1828804" cy="552185"/>
+                </a:xfrm>
+                <a:prstGeom prst="straightConnector1">
+                  <a:avLst/>
+                </a:prstGeom>
+                <a:ln w="6350">
+                  <a:tailEnd type="triangle"/>
+                </a:ln>
+              </p:spPr>
+              <p:style>
+                <a:lnRef idx="2">
+                  <a:schemeClr val="dk1"/>
+                </a:lnRef>
+                <a:fillRef idx="1">
+                  <a:schemeClr val="lt1"/>
+                </a:fillRef>
+                <a:effectRef idx="0">
+                  <a:schemeClr val="dk1"/>
+                </a:effectRef>
+                <a:fontRef idx="minor">
+                  <a:schemeClr val="dk1"/>
+                </a:fontRef>
+              </p:style>
+            </p:cxnSp>
+            <p:cxnSp>
+              <p:nvCxnSpPr>
+                <p:cNvPr id="22" name="Connecteur droit avec flèche 21">
+                  <a:extLst>
+                    <a:ext uri="{FF2B5EF4-FFF2-40B4-BE49-F238E27FC236}">
+                      <a16:creationId xmlns:a16="http://schemas.microsoft.com/office/drawing/2014/main" id="{7BC85C97-04E0-462B-9705-0F414A4759E2}"/>
+                    </a:ext>
+                  </a:extLst>
+                </p:cNvPr>
+                <p:cNvCxnSpPr>
+                  <a:cxnSpLocks/>
+                  <a:stCxn id="40" idx="2"/>
+                  <a:endCxn id="49" idx="0"/>
+                </p:cNvCxnSpPr>
+                <p:nvPr/>
+              </p:nvCxnSpPr>
+              <p:spPr>
+                <a:xfrm>
+                  <a:off x="5874327" y="1157803"/>
+                  <a:ext cx="1778420" cy="531156"/>
+                </a:xfrm>
+                <a:prstGeom prst="straightConnector1">
+                  <a:avLst/>
+                </a:prstGeom>
+                <a:ln w="6350">
+                  <a:tailEnd type="triangle"/>
+                </a:ln>
+              </p:spPr>
+              <p:style>
+                <a:lnRef idx="2">
+                  <a:schemeClr val="dk1"/>
+                </a:lnRef>
+                <a:fillRef idx="1">
+                  <a:schemeClr val="lt1"/>
+                </a:fillRef>
+                <a:effectRef idx="0">
+                  <a:schemeClr val="dk1"/>
+                </a:effectRef>
+                <a:fontRef idx="minor">
+                  <a:schemeClr val="dk1"/>
+                </a:fontRef>
+              </p:style>
+            </p:cxnSp>
+            <p:cxnSp>
+              <p:nvCxnSpPr>
+                <p:cNvPr id="24" name="Connecteur droit avec flèche 23">
+                  <a:extLst>
+                    <a:ext uri="{FF2B5EF4-FFF2-40B4-BE49-F238E27FC236}">
+                      <a16:creationId xmlns:a16="http://schemas.microsoft.com/office/drawing/2014/main" id="{15352CCE-86B5-4C02-9805-40FB021E88AF}"/>
+                    </a:ext>
+                  </a:extLst>
+                </p:cNvPr>
+                <p:cNvCxnSpPr>
+                  <a:cxnSpLocks/>
+                  <a:stCxn id="49" idx="2"/>
+                  <a:endCxn id="14" idx="0"/>
+                </p:cNvCxnSpPr>
+                <p:nvPr/>
+              </p:nvCxnSpPr>
+              <p:spPr>
+                <a:xfrm>
+                  <a:off x="7652747" y="2233081"/>
+                  <a:ext cx="571365" cy="522704"/>
+                </a:xfrm>
+                <a:prstGeom prst="straightConnector1">
+                  <a:avLst/>
+                </a:prstGeom>
+                <a:ln w="6350">
+                  <a:tailEnd type="triangle"/>
+                </a:ln>
+              </p:spPr>
+              <p:style>
+                <a:lnRef idx="2">
+                  <a:schemeClr val="dk1"/>
+                </a:lnRef>
+                <a:fillRef idx="1">
+                  <a:schemeClr val="lt1"/>
+                </a:fillRef>
+                <a:effectRef idx="0">
+                  <a:schemeClr val="dk1"/>
+                </a:effectRef>
+                <a:fontRef idx="minor">
+                  <a:schemeClr val="dk1"/>
+                </a:fontRef>
+              </p:style>
+            </p:cxnSp>
+            <p:cxnSp>
+              <p:nvCxnSpPr>
+                <p:cNvPr id="26" name="Connecteur droit avec flèche 25">
+                  <a:extLst>
+                    <a:ext uri="{FF2B5EF4-FFF2-40B4-BE49-F238E27FC236}">
+                      <a16:creationId xmlns:a16="http://schemas.microsoft.com/office/drawing/2014/main" id="{810E5DBF-9C13-4B31-BC3B-75C50A69398F}"/>
+                    </a:ext>
+                  </a:extLst>
+                </p:cNvPr>
+                <p:cNvCxnSpPr>
+                  <a:cxnSpLocks/>
+                  <a:stCxn id="48" idx="2"/>
+                  <a:endCxn id="10" idx="0"/>
+                </p:cNvCxnSpPr>
+                <p:nvPr/>
+              </p:nvCxnSpPr>
+              <p:spPr>
+                <a:xfrm>
+                  <a:off x="5867509" y="2254110"/>
+                  <a:ext cx="14144" cy="510128"/>
+                </a:xfrm>
+                <a:prstGeom prst="straightConnector1">
+                  <a:avLst/>
+                </a:prstGeom>
+                <a:ln w="6350">
+                  <a:tailEnd type="triangle"/>
+                </a:ln>
+              </p:spPr>
+              <p:style>
+                <a:lnRef idx="2">
+                  <a:schemeClr val="dk1"/>
+                </a:lnRef>
+                <a:fillRef idx="1">
+                  <a:schemeClr val="lt1"/>
+                </a:fillRef>
+                <a:effectRef idx="0">
+                  <a:schemeClr val="dk1"/>
+                </a:effectRef>
+                <a:fontRef idx="minor">
+                  <a:schemeClr val="dk1"/>
+                </a:fontRef>
+              </p:style>
+            </p:cxnSp>
+            <p:cxnSp>
+              <p:nvCxnSpPr>
+                <p:cNvPr id="30" name="Connecteur droit avec flèche 29">
+                  <a:extLst>
+                    <a:ext uri="{FF2B5EF4-FFF2-40B4-BE49-F238E27FC236}">
+                      <a16:creationId xmlns:a16="http://schemas.microsoft.com/office/drawing/2014/main" id="{E0458F3F-556F-42A9-B4C4-9318CD74988D}"/>
+                    </a:ext>
+                  </a:extLst>
+                </p:cNvPr>
+                <p:cNvCxnSpPr>
+                  <a:cxnSpLocks/>
+                  <a:stCxn id="49" idx="2"/>
+                  <a:endCxn id="13" idx="0"/>
+                </p:cNvCxnSpPr>
+                <p:nvPr/>
+              </p:nvCxnSpPr>
+              <p:spPr>
+                <a:xfrm flipH="1">
+                  <a:off x="7177861" y="2233081"/>
+                  <a:ext cx="474886" cy="522704"/>
+                </a:xfrm>
+                <a:prstGeom prst="straightConnector1">
+                  <a:avLst/>
+                </a:prstGeom>
+                <a:ln w="6350">
+                  <a:tailEnd type="triangle"/>
+                </a:ln>
+              </p:spPr>
+              <p:style>
+                <a:lnRef idx="2">
+                  <a:schemeClr val="dk1"/>
+                </a:lnRef>
+                <a:fillRef idx="1">
+                  <a:schemeClr val="lt1"/>
+                </a:fillRef>
+                <a:effectRef idx="0">
+                  <a:schemeClr val="dk1"/>
+                </a:effectRef>
+                <a:fontRef idx="minor">
+                  <a:schemeClr val="dk1"/>
+                </a:fontRef>
+              </p:style>
+            </p:cxnSp>
+            <p:cxnSp>
+              <p:nvCxnSpPr>
+                <p:cNvPr id="31" name="Connecteur droit avec flèche 30">
+                  <a:extLst>
+                    <a:ext uri="{FF2B5EF4-FFF2-40B4-BE49-F238E27FC236}">
+                      <a16:creationId xmlns:a16="http://schemas.microsoft.com/office/drawing/2014/main" id="{643E1064-C887-42B4-9088-6378A1CB7810}"/>
+                    </a:ext>
+                  </a:extLst>
+                </p:cNvPr>
+                <p:cNvCxnSpPr>
+                  <a:cxnSpLocks/>
+                  <a:stCxn id="50" idx="2"/>
+                  <a:endCxn id="16" idx="0"/>
+                </p:cNvCxnSpPr>
+                <p:nvPr/>
+              </p:nvCxnSpPr>
+              <p:spPr>
+                <a:xfrm>
+                  <a:off x="4045523" y="2254110"/>
+                  <a:ext cx="6967" cy="501676"/>
+                </a:xfrm>
+                <a:prstGeom prst="straightConnector1">
+                  <a:avLst/>
+                </a:prstGeom>
+                <a:ln w="6350">
+                  <a:tailEnd type="triangle"/>
+                </a:ln>
+              </p:spPr>
+              <p:style>
+                <a:lnRef idx="2">
+                  <a:schemeClr val="dk1"/>
+                </a:lnRef>
+                <a:fillRef idx="1">
+                  <a:schemeClr val="lt1"/>
+                </a:fillRef>
+                <a:effectRef idx="0">
+                  <a:schemeClr val="dk1"/>
+                </a:effectRef>
+                <a:fontRef idx="minor">
+                  <a:schemeClr val="dk1"/>
+                </a:fontRef>
+              </p:style>
+            </p:cxnSp>
+          </p:grpSp>
+          <p:sp>
+            <p:nvSpPr>
+              <p:cNvPr id="11" name="ZoneTexte 10">
+                <a:extLst>
+                  <a:ext uri="{FF2B5EF4-FFF2-40B4-BE49-F238E27FC236}">
+                    <a16:creationId xmlns:a16="http://schemas.microsoft.com/office/drawing/2014/main" id="{B8045A42-73DF-4537-877F-5A6BDFD2456F}"/>
+                  </a:ext>
+                </a:extLst>
+              </p:cNvPr>
+              <p:cNvSpPr txBox="1"/>
+              <p:nvPr/>
+            </p:nvSpPr>
+            <p:spPr>
+              <a:xfrm>
+                <a:off x="2525152" y="559482"/>
+                <a:ext cx="1680302" cy="307777"/>
+              </a:xfrm>
+              <a:prstGeom prst="rect">
+                <a:avLst/>
+              </a:prstGeom>
+              <a:noFill/>
+              <a:ln w="6350">
+                <a:noFill/>
+              </a:ln>
+            </p:spPr>
+            <p:txBody>
+              <a:bodyPr wrap="square" rtlCol="0">
+                <a:spAutoFit/>
+              </a:bodyPr>
+              <a:lstStyle/>
+              <a:p>
+                <a:r>
+                  <a:rPr lang="fr-FR" sz="1400" dirty="0"/>
+                  <a:t>Class : </a:t>
+                </a:r>
+                <a:r>
+                  <a:rPr lang="fr-FR" sz="1400" i="1" dirty="0" err="1">
+                    <a:solidFill>
+                      <a:schemeClr val="accent6"/>
+                    </a:solidFill>
+                  </a:rPr>
+                  <a:t>MyRobot</a:t>
+                </a:r>
+                <a:endParaRPr lang="fr-BE" sz="1400" i="1" dirty="0">
+                  <a:solidFill>
+                    <a:schemeClr val="accent6"/>
+                  </a:solidFill>
+                </a:endParaRPr>
+              </a:p>
+            </p:txBody>
+          </p:sp>
+        </p:grpSp>
+        <p:sp>
+          <p:nvSpPr>
+            <p:cNvPr id="15" name="Rectangle : coins arrondis 14">
+              <a:extLst>
+                <a:ext uri="{FF2B5EF4-FFF2-40B4-BE49-F238E27FC236}">
+                  <a16:creationId xmlns:a16="http://schemas.microsoft.com/office/drawing/2014/main" id="{5E30BBB7-4179-4BB6-A46E-3E6473079811}"/>
+                </a:ext>
+              </a:extLst>
+            </p:cNvPr>
+            <p:cNvSpPr/>
+            <p:nvPr/>
+          </p:nvSpPr>
+          <p:spPr>
+            <a:xfrm>
+              <a:off x="1819987" y="3068398"/>
+              <a:ext cx="2983043" cy="1861997"/>
+            </a:xfrm>
+            <a:prstGeom prst="roundRect">
+              <a:avLst/>
+            </a:prstGeom>
+            <a:noFill/>
+            <a:ln w="6350">
+              <a:solidFill>
+                <a:srgbClr val="002060"/>
+              </a:solidFill>
+              <a:prstDash val="lgDash"/>
+            </a:ln>
+          </p:spPr>
+          <p:style>
+            <a:lnRef idx="2">
+              <a:schemeClr val="accent1"/>
+            </a:lnRef>
+            <a:fillRef idx="1">
+              <a:schemeClr val="lt1"/>
+            </a:fillRef>
+            <a:effectRef idx="0">
+              <a:schemeClr val="accent1"/>
+            </a:effectRef>
+            <a:fontRef idx="minor">
+              <a:schemeClr val="dk1"/>
+            </a:fontRef>
+          </p:style>
+          <p:txBody>
+            <a:bodyPr rtlCol="0" anchor="ctr"/>
+            <a:lstStyle/>
+            <a:p>
+              <a:pPr algn="ctr"/>
+              <a:endParaRPr lang="fr-BE"/>
+            </a:p>
+          </p:txBody>
+        </p:sp>
+        <p:sp>
+          <p:nvSpPr>
+            <p:cNvPr id="40" name="Rectangle 39">
+              <a:extLst>
+                <a:ext uri="{FF2B5EF4-FFF2-40B4-BE49-F238E27FC236}">
+                  <a16:creationId xmlns:a16="http://schemas.microsoft.com/office/drawing/2014/main" id="{2D947873-5BBB-41F3-A3E5-C20BD9E9C443}"/>
+                </a:ext>
+              </a:extLst>
+            </p:cNvPr>
+            <p:cNvSpPr/>
+            <p:nvPr/>
+          </p:nvSpPr>
+          <p:spPr>
+            <a:xfrm>
+              <a:off x="2841093" y="3383213"/>
+              <a:ext cx="811941" cy="276430"/>
+            </a:xfrm>
+            <a:prstGeom prst="rect">
+              <a:avLst/>
+            </a:prstGeom>
+            <a:noFill/>
+            <a:ln w="6350">
+              <a:solidFill>
+                <a:schemeClr val="tx1"/>
+              </a:solidFill>
+            </a:ln>
+          </p:spPr>
+          <p:style>
+            <a:lnRef idx="2">
+              <a:schemeClr val="accent1">
+                <a:shade val="50000"/>
+              </a:schemeClr>
+            </a:lnRef>
+            <a:fillRef idx="1">
+              <a:schemeClr val="accent1"/>
+            </a:fillRef>
+            <a:effectRef idx="0">
+              <a:schemeClr val="accent1"/>
+            </a:effectRef>
+            <a:fontRef idx="minor">
+              <a:schemeClr val="lt1"/>
+            </a:fontRef>
+          </p:style>
+          <p:txBody>
+            <a:bodyPr rtlCol="0" anchor="ctr"/>
+            <a:lstStyle/>
+            <a:p>
+              <a:pPr algn="ctr"/>
+              <a:r>
+                <a:rPr lang="fr-FR" sz="800" dirty="0" err="1">
+                  <a:solidFill>
+                    <a:schemeClr val="accent6"/>
+                  </a:solidFill>
+                </a:rPr>
+                <a:t>MyRobot</a:t>
+              </a:r>
+              <a:endParaRPr lang="fr-BE" sz="800" dirty="0">
+                <a:solidFill>
+                  <a:schemeClr val="accent6"/>
+                </a:solidFill>
+              </a:endParaRPr>
+            </a:p>
+          </p:txBody>
+        </p:sp>
+        <p:sp>
+          <p:nvSpPr>
+            <p:cNvPr id="48" name="Rectangle 47">
+              <a:extLst>
+                <a:ext uri="{FF2B5EF4-FFF2-40B4-BE49-F238E27FC236}">
+                  <a16:creationId xmlns:a16="http://schemas.microsoft.com/office/drawing/2014/main" id="{3EE2C901-9053-49AC-8B34-DB2BC27DC605}"/>
+                </a:ext>
+              </a:extLst>
+            </p:cNvPr>
+            <p:cNvSpPr/>
+            <p:nvPr/>
+          </p:nvSpPr>
+          <p:spPr>
+            <a:xfrm>
+              <a:off x="2837819" y="3940169"/>
+              <a:ext cx="811941" cy="276430"/>
+            </a:xfrm>
+            <a:prstGeom prst="rect">
+              <a:avLst/>
+            </a:prstGeom>
+            <a:noFill/>
+            <a:ln w="6350">
+              <a:solidFill>
+                <a:schemeClr val="tx1"/>
+              </a:solidFill>
+            </a:ln>
+          </p:spPr>
+          <p:style>
+            <a:lnRef idx="2">
+              <a:schemeClr val="accent1">
+                <a:shade val="50000"/>
+              </a:schemeClr>
+            </a:lnRef>
+            <a:fillRef idx="1">
+              <a:schemeClr val="accent1"/>
+            </a:fillRef>
+            <a:effectRef idx="0">
+              <a:schemeClr val="accent1"/>
+            </a:effectRef>
+            <a:fontRef idx="minor">
+              <a:schemeClr val="lt1"/>
+            </a:fontRef>
+          </p:style>
+          <p:txBody>
+            <a:bodyPr rtlCol="0" anchor="ctr"/>
+            <a:lstStyle/>
+            <a:p>
+              <a:pPr algn="ctr"/>
+              <a:r>
+                <a:rPr lang="fr-FR" sz="800" dirty="0" err="1">
+                  <a:solidFill>
+                    <a:schemeClr val="tx1"/>
+                  </a:solidFill>
+                </a:rPr>
+                <a:t>Actuators</a:t>
+              </a:r>
+              <a:endParaRPr lang="fr-BE" sz="800" dirty="0">
+                <a:solidFill>
+                  <a:schemeClr val="tx1"/>
+                </a:solidFill>
+              </a:endParaRPr>
+            </a:p>
+          </p:txBody>
+        </p:sp>
+        <p:sp>
+          <p:nvSpPr>
+            <p:cNvPr id="49" name="Rectangle 48">
+              <a:extLst>
+                <a:ext uri="{FF2B5EF4-FFF2-40B4-BE49-F238E27FC236}">
+                  <a16:creationId xmlns:a16="http://schemas.microsoft.com/office/drawing/2014/main" id="{31D9AF1C-F3B1-47A5-A0F1-D18EBE02FB5E}"/>
+                </a:ext>
+              </a:extLst>
+            </p:cNvPr>
+            <p:cNvSpPr/>
+            <p:nvPr/>
+          </p:nvSpPr>
+          <p:spPr>
+            <a:xfrm>
+              <a:off x="3694996" y="3929486"/>
+              <a:ext cx="811941" cy="276430"/>
+            </a:xfrm>
+            <a:prstGeom prst="rect">
+              <a:avLst/>
+            </a:prstGeom>
+            <a:noFill/>
+            <a:ln w="6350">
+              <a:solidFill>
+                <a:schemeClr val="tx1"/>
+              </a:solidFill>
+            </a:ln>
+          </p:spPr>
+          <p:style>
+            <a:lnRef idx="2">
+              <a:schemeClr val="accent1">
+                <a:shade val="50000"/>
+              </a:schemeClr>
+            </a:lnRef>
+            <a:fillRef idx="1">
+              <a:schemeClr val="accent1"/>
+            </a:fillRef>
+            <a:effectRef idx="0">
+              <a:schemeClr val="accent1"/>
+            </a:effectRef>
+            <a:fontRef idx="minor">
+              <a:schemeClr val="lt1"/>
+            </a:fontRef>
+          </p:style>
+          <p:txBody>
+            <a:bodyPr rtlCol="0" anchor="ctr"/>
+            <a:lstStyle/>
+            <a:p>
+              <a:pPr algn="ctr"/>
+              <a:r>
+                <a:rPr lang="fr-FR" sz="800" dirty="0" err="1">
+                  <a:solidFill>
+                    <a:schemeClr val="tx1"/>
+                  </a:solidFill>
+                </a:rPr>
+                <a:t>Sensors</a:t>
+              </a:r>
+              <a:endParaRPr lang="fr-BE" sz="800" dirty="0">
+                <a:solidFill>
+                  <a:schemeClr val="tx1"/>
+                </a:solidFill>
+              </a:endParaRPr>
+            </a:p>
+          </p:txBody>
+        </p:sp>
+        <p:sp>
+          <p:nvSpPr>
+            <p:cNvPr id="50" name="Rectangle 49">
+              <a:extLst>
+                <a:ext uri="{FF2B5EF4-FFF2-40B4-BE49-F238E27FC236}">
+                  <a16:creationId xmlns:a16="http://schemas.microsoft.com/office/drawing/2014/main" id="{4C9B7C03-18BB-4DE9-A8E5-999E75F00EF2}"/>
+                </a:ext>
+              </a:extLst>
+            </p:cNvPr>
+            <p:cNvSpPr/>
+            <p:nvPr/>
+          </p:nvSpPr>
+          <p:spPr>
+            <a:xfrm>
+              <a:off x="1962998" y="3940169"/>
+              <a:ext cx="811941" cy="276430"/>
+            </a:xfrm>
+            <a:prstGeom prst="rect">
+              <a:avLst/>
+            </a:prstGeom>
+            <a:noFill/>
+            <a:ln w="6350">
+              <a:solidFill>
+                <a:schemeClr val="tx1"/>
+              </a:solidFill>
+            </a:ln>
+          </p:spPr>
+          <p:style>
+            <a:lnRef idx="2">
+              <a:schemeClr val="accent1">
+                <a:shade val="50000"/>
+              </a:schemeClr>
+            </a:lnRef>
+            <a:fillRef idx="1">
+              <a:schemeClr val="accent1"/>
+            </a:fillRef>
+            <a:effectRef idx="0">
+              <a:schemeClr val="accent1"/>
+            </a:effectRef>
+            <a:fontRef idx="minor">
+              <a:schemeClr val="lt1"/>
+            </a:fontRef>
+          </p:style>
+          <p:txBody>
+            <a:bodyPr rtlCol="0" anchor="ctr"/>
+            <a:lstStyle/>
+            <a:p>
+              <a:pPr algn="ctr"/>
+              <a:r>
+                <a:rPr lang="fr-FR" sz="800" dirty="0">
+                  <a:solidFill>
+                    <a:schemeClr val="tx1"/>
+                  </a:solidFill>
+                </a:rPr>
+                <a:t>State</a:t>
+              </a:r>
+              <a:endParaRPr lang="fr-BE" sz="800" dirty="0">
+                <a:solidFill>
+                  <a:schemeClr val="tx1"/>
+                </a:solidFill>
+              </a:endParaRPr>
+            </a:p>
+          </p:txBody>
+        </p:sp>
+      </p:grpSp>
     </p:spTree>
     <p:extLst>
       <p:ext uri="{BB962C8B-B14F-4D97-AF65-F5344CB8AC3E}">

--- a/schemeofcode.pptx
+++ b/schemeofcode.pptx
@@ -262,7 +262,7 @@
           <a:p>
             <a:fld id="{7A3C3441-2C70-4949-8FF7-1C72443CF9D3}" type="datetimeFigureOut">
               <a:rPr lang="fr-BE" smtClean="0"/>
-              <a:t>29-11-21</a:t>
+              <a:t>01-12-21</a:t>
             </a:fld>
             <a:endParaRPr lang="fr-BE"/>
           </a:p>
@@ -462,7 +462,7 @@
           <a:p>
             <a:fld id="{7A3C3441-2C70-4949-8FF7-1C72443CF9D3}" type="datetimeFigureOut">
               <a:rPr lang="fr-BE" smtClean="0"/>
-              <a:t>29-11-21</a:t>
+              <a:t>01-12-21</a:t>
             </a:fld>
             <a:endParaRPr lang="fr-BE"/>
           </a:p>
@@ -672,7 +672,7 @@
           <a:p>
             <a:fld id="{7A3C3441-2C70-4949-8FF7-1C72443CF9D3}" type="datetimeFigureOut">
               <a:rPr lang="fr-BE" smtClean="0"/>
-              <a:t>29-11-21</a:t>
+              <a:t>01-12-21</a:t>
             </a:fld>
             <a:endParaRPr lang="fr-BE"/>
           </a:p>
@@ -872,7 +872,7 @@
           <a:p>
             <a:fld id="{7A3C3441-2C70-4949-8FF7-1C72443CF9D3}" type="datetimeFigureOut">
               <a:rPr lang="fr-BE" smtClean="0"/>
-              <a:t>29-11-21</a:t>
+              <a:t>01-12-21</a:t>
             </a:fld>
             <a:endParaRPr lang="fr-BE"/>
           </a:p>
@@ -1148,7 +1148,7 @@
           <a:p>
             <a:fld id="{7A3C3441-2C70-4949-8FF7-1C72443CF9D3}" type="datetimeFigureOut">
               <a:rPr lang="fr-BE" smtClean="0"/>
-              <a:t>29-11-21</a:t>
+              <a:t>01-12-21</a:t>
             </a:fld>
             <a:endParaRPr lang="fr-BE"/>
           </a:p>
@@ -1416,7 +1416,7 @@
           <a:p>
             <a:fld id="{7A3C3441-2C70-4949-8FF7-1C72443CF9D3}" type="datetimeFigureOut">
               <a:rPr lang="fr-BE" smtClean="0"/>
-              <a:t>29-11-21</a:t>
+              <a:t>01-12-21</a:t>
             </a:fld>
             <a:endParaRPr lang="fr-BE"/>
           </a:p>
@@ -1831,7 +1831,7 @@
           <a:p>
             <a:fld id="{7A3C3441-2C70-4949-8FF7-1C72443CF9D3}" type="datetimeFigureOut">
               <a:rPr lang="fr-BE" smtClean="0"/>
-              <a:t>29-11-21</a:t>
+              <a:t>01-12-21</a:t>
             </a:fld>
             <a:endParaRPr lang="fr-BE"/>
           </a:p>
@@ -1973,7 +1973,7 @@
           <a:p>
             <a:fld id="{7A3C3441-2C70-4949-8FF7-1C72443CF9D3}" type="datetimeFigureOut">
               <a:rPr lang="fr-BE" smtClean="0"/>
-              <a:t>29-11-21</a:t>
+              <a:t>01-12-21</a:t>
             </a:fld>
             <a:endParaRPr lang="fr-BE"/>
           </a:p>
@@ -2086,7 +2086,7 @@
           <a:p>
             <a:fld id="{7A3C3441-2C70-4949-8FF7-1C72443CF9D3}" type="datetimeFigureOut">
               <a:rPr lang="fr-BE" smtClean="0"/>
-              <a:t>29-11-21</a:t>
+              <a:t>01-12-21</a:t>
             </a:fld>
             <a:endParaRPr lang="fr-BE"/>
           </a:p>
@@ -2399,7 +2399,7 @@
           <a:p>
             <a:fld id="{7A3C3441-2C70-4949-8FF7-1C72443CF9D3}" type="datetimeFigureOut">
               <a:rPr lang="fr-BE" smtClean="0"/>
-              <a:t>29-11-21</a:t>
+              <a:t>01-12-21</a:t>
             </a:fld>
             <a:endParaRPr lang="fr-BE"/>
           </a:p>
@@ -2688,7 +2688,7 @@
           <a:p>
             <a:fld id="{7A3C3441-2C70-4949-8FF7-1C72443CF9D3}" type="datetimeFigureOut">
               <a:rPr lang="fr-BE" smtClean="0"/>
-              <a:t>29-11-21</a:t>
+              <a:t>01-12-21</a:t>
             </a:fld>
             <a:endParaRPr lang="fr-BE"/>
           </a:p>
@@ -2931,7 +2931,7 @@
           <a:p>
             <a:fld id="{7A3C3441-2C70-4949-8FF7-1C72443CF9D3}" type="datetimeFigureOut">
               <a:rPr lang="fr-BE" smtClean="0"/>
-              <a:t>29-11-21</a:t>
+              <a:t>01-12-21</a:t>
             </a:fld>
             <a:endParaRPr lang="fr-BE"/>
           </a:p>
@@ -4266,6 +4266,47 @@
           </p:txBody>
         </p:sp>
       </p:grpSp>
+      <p:cxnSp>
+        <p:nvCxnSpPr>
+          <p:cNvPr id="4" name="Connecteur droit avec flèche 3">
+            <a:extLst>
+              <a:ext uri="{FF2B5EF4-FFF2-40B4-BE49-F238E27FC236}">
+                <a16:creationId xmlns:a16="http://schemas.microsoft.com/office/drawing/2014/main" id="{68B4A757-24B8-421A-88BF-1FEA51601305}"/>
+              </a:ext>
+            </a:extLst>
+          </p:cNvPr>
+          <p:cNvCxnSpPr>
+            <a:stCxn id="14" idx="2"/>
+          </p:cNvCxnSpPr>
+          <p:nvPr/>
+        </p:nvCxnSpPr>
+        <p:spPr>
+          <a:xfrm>
+            <a:off x="3555499" y="2641016"/>
+            <a:ext cx="0" cy="258807"/>
+          </a:xfrm>
+          <a:prstGeom prst="straightConnector1">
+            <a:avLst/>
+          </a:prstGeom>
+          <a:ln>
+            <a:tailEnd type="triangle"/>
+          </a:ln>
+        </p:spPr>
+        <p:style>
+          <a:lnRef idx="1">
+            <a:schemeClr val="accent1"/>
+          </a:lnRef>
+          <a:fillRef idx="0">
+            <a:schemeClr val="accent1"/>
+          </a:fillRef>
+          <a:effectRef idx="0">
+            <a:schemeClr val="accent1"/>
+          </a:effectRef>
+          <a:fontRef idx="minor">
+            <a:schemeClr val="tx1"/>
+          </a:fontRef>
+        </p:style>
+      </p:cxnSp>
     </p:spTree>
     <p:extLst>
       <p:ext uri="{BB962C8B-B14F-4D97-AF65-F5344CB8AC3E}">

--- a/schemeofcode.pptx
+++ b/schemeofcode.pptx
@@ -3596,10 +3596,6 @@
                 <a:lstStyle/>
                 <a:p>
                   <a:pPr algn="ctr"/>
-                  <a:r>
-                    <a:rPr lang="fr-FR" sz="700" dirty="0"/>
-                    <a:t>Motors</a:t>
-                  </a:r>
                   <a:endParaRPr lang="fr-BE" sz="700" dirty="0"/>
                 </a:p>
               </p:txBody>
@@ -4255,7 +4251,7 @@
                     <a:schemeClr val="tx1"/>
                   </a:solidFill>
                 </a:rPr>
-                <a:t>State</a:t>
+                <a:t>Infos</a:t>
               </a:r>
               <a:endParaRPr lang="fr-BE" sz="800" dirty="0">
                 <a:solidFill>
@@ -4268,45 +4264,188 @@
       </p:grpSp>
       <p:cxnSp>
         <p:nvCxnSpPr>
-          <p:cNvPr id="4" name="Connecteur droit avec flèche 3">
-            <a:extLst>
-              <a:ext uri="{FF2B5EF4-FFF2-40B4-BE49-F238E27FC236}">
-                <a16:creationId xmlns:a16="http://schemas.microsoft.com/office/drawing/2014/main" id="{68B4A757-24B8-421A-88BF-1FEA51601305}"/>
+          <p:cNvPr id="23" name="Connecteur droit avec flèche 22">
+            <a:extLst>
+              <a:ext uri="{FF2B5EF4-FFF2-40B4-BE49-F238E27FC236}">
+                <a16:creationId xmlns:a16="http://schemas.microsoft.com/office/drawing/2014/main" id="{A4ABB349-66E0-481A-8713-8B31F703E938}"/>
               </a:ext>
             </a:extLst>
           </p:cNvPr>
           <p:cNvCxnSpPr>
+            <a:cxnSpLocks/>
             <a:stCxn id="14" idx="2"/>
+            <a:endCxn id="32" idx="0"/>
           </p:cNvCxnSpPr>
           <p:nvPr/>
         </p:nvCxnSpPr>
         <p:spPr>
           <a:xfrm>
             <a:off x="3555499" y="2641016"/>
-            <a:ext cx="0" cy="258807"/>
+            <a:ext cx="274339" cy="265548"/>
           </a:xfrm>
           <a:prstGeom prst="straightConnector1">
             <a:avLst/>
           </a:prstGeom>
-          <a:ln>
+          <a:ln w="6350">
             <a:tailEnd type="triangle"/>
           </a:ln>
         </p:spPr>
         <p:style>
-          <a:lnRef idx="1">
-            <a:schemeClr val="accent1"/>
+          <a:lnRef idx="2">
+            <a:schemeClr val="dk1"/>
           </a:lnRef>
-          <a:fillRef idx="0">
-            <a:schemeClr val="accent1"/>
+          <a:fillRef idx="1">
+            <a:schemeClr val="lt1"/>
           </a:fillRef>
           <a:effectRef idx="0">
-            <a:schemeClr val="accent1"/>
+            <a:schemeClr val="dk1"/>
           </a:effectRef>
           <a:fontRef idx="minor">
-            <a:schemeClr val="tx1"/>
+            <a:schemeClr val="dk1"/>
           </a:fontRef>
         </p:style>
       </p:cxnSp>
+      <p:cxnSp>
+        <p:nvCxnSpPr>
+          <p:cNvPr id="25" name="Connecteur droit avec flèche 24">
+            <a:extLst>
+              <a:ext uri="{FF2B5EF4-FFF2-40B4-BE49-F238E27FC236}">
+                <a16:creationId xmlns:a16="http://schemas.microsoft.com/office/drawing/2014/main" id="{3CD34A56-7DF2-4289-AB69-C9B2283A878D}"/>
+              </a:ext>
+            </a:extLst>
+          </p:cNvPr>
+          <p:cNvCxnSpPr>
+            <a:cxnSpLocks/>
+            <a:stCxn id="14" idx="2"/>
+            <a:endCxn id="28" idx="0"/>
+          </p:cNvCxnSpPr>
+          <p:nvPr/>
+        </p:nvCxnSpPr>
+        <p:spPr>
+          <a:xfrm flipH="1">
+            <a:off x="3315155" y="2641016"/>
+            <a:ext cx="240344" cy="265549"/>
+          </a:xfrm>
+          <a:prstGeom prst="straightConnector1">
+            <a:avLst/>
+          </a:prstGeom>
+          <a:ln w="6350">
+            <a:tailEnd type="triangle"/>
+          </a:ln>
+        </p:spPr>
+        <p:style>
+          <a:lnRef idx="2">
+            <a:schemeClr val="dk1"/>
+          </a:lnRef>
+          <a:fillRef idx="1">
+            <a:schemeClr val="lt1"/>
+          </a:fillRef>
+          <a:effectRef idx="0">
+            <a:schemeClr val="dk1"/>
+          </a:effectRef>
+          <a:fontRef idx="minor">
+            <a:schemeClr val="dk1"/>
+          </a:fontRef>
+        </p:style>
+      </p:cxnSp>
+      <p:sp>
+        <p:nvSpPr>
+          <p:cNvPr id="28" name="Rectangle 27">
+            <a:extLst>
+              <a:ext uri="{FF2B5EF4-FFF2-40B4-BE49-F238E27FC236}">
+                <a16:creationId xmlns:a16="http://schemas.microsoft.com/office/drawing/2014/main" id="{658A720D-2DEB-40AA-901B-9E2D4CDAE949}"/>
+              </a:ext>
+            </a:extLst>
+          </p:cNvPr>
+          <p:cNvSpPr/>
+          <p:nvPr/>
+        </p:nvSpPr>
+        <p:spPr>
+          <a:xfrm>
+            <a:off x="3074811" y="2906565"/>
+            <a:ext cx="480688" cy="256905"/>
+          </a:xfrm>
+          <a:prstGeom prst="rect">
+            <a:avLst/>
+          </a:prstGeom>
+          <a:ln w="6350"/>
+        </p:spPr>
+        <p:style>
+          <a:lnRef idx="2">
+            <a:schemeClr val="dk1"/>
+          </a:lnRef>
+          <a:fillRef idx="1">
+            <a:schemeClr val="lt1"/>
+          </a:fillRef>
+          <a:effectRef idx="0">
+            <a:schemeClr val="dk1"/>
+          </a:effectRef>
+          <a:fontRef idx="minor">
+            <a:schemeClr val="dk1"/>
+          </a:fontRef>
+        </p:style>
+        <p:txBody>
+          <a:bodyPr rtlCol="0" anchor="ctr"/>
+          <a:lstStyle/>
+          <a:p>
+            <a:pPr algn="ctr"/>
+            <a:r>
+              <a:rPr lang="fr-FR" sz="700" dirty="0"/>
+              <a:t>Button</a:t>
+            </a:r>
+            <a:endParaRPr lang="fr-BE" sz="700" dirty="0"/>
+          </a:p>
+        </p:txBody>
+      </p:sp>
+      <p:sp>
+        <p:nvSpPr>
+          <p:cNvPr id="32" name="Rectangle 31">
+            <a:extLst>
+              <a:ext uri="{FF2B5EF4-FFF2-40B4-BE49-F238E27FC236}">
+                <a16:creationId xmlns:a16="http://schemas.microsoft.com/office/drawing/2014/main" id="{EB5A9545-B7E4-4D67-89BE-38C276A2D324}"/>
+              </a:ext>
+            </a:extLst>
+          </p:cNvPr>
+          <p:cNvSpPr/>
+          <p:nvPr/>
+        </p:nvSpPr>
+        <p:spPr>
+          <a:xfrm>
+            <a:off x="3589494" y="2906564"/>
+            <a:ext cx="480688" cy="256905"/>
+          </a:xfrm>
+          <a:prstGeom prst="rect">
+            <a:avLst/>
+          </a:prstGeom>
+          <a:ln w="6350"/>
+        </p:spPr>
+        <p:style>
+          <a:lnRef idx="2">
+            <a:schemeClr val="dk1"/>
+          </a:lnRef>
+          <a:fillRef idx="1">
+            <a:schemeClr val="lt1"/>
+          </a:fillRef>
+          <a:effectRef idx="0">
+            <a:schemeClr val="dk1"/>
+          </a:effectRef>
+          <a:fontRef idx="minor">
+            <a:schemeClr val="dk1"/>
+          </a:fontRef>
+        </p:style>
+        <p:txBody>
+          <a:bodyPr rtlCol="0" anchor="ctr"/>
+          <a:lstStyle/>
+          <a:p>
+            <a:pPr algn="ctr"/>
+            <a:r>
+              <a:rPr lang="fr-FR" sz="700" dirty="0"/>
+              <a:t>Button</a:t>
+            </a:r>
+            <a:endParaRPr lang="fr-BE" sz="700" dirty="0"/>
+          </a:p>
+        </p:txBody>
+      </p:sp>
     </p:spTree>
     <p:extLst>
       <p:ext uri="{BB962C8B-B14F-4D97-AF65-F5344CB8AC3E}">

--- a/schemeofcode.pptx
+++ b/schemeofcode.pptx
@@ -262,7 +262,7 @@
           <a:p>
             <a:fld id="{7A3C3441-2C70-4949-8FF7-1C72443CF9D3}" type="datetimeFigureOut">
               <a:rPr lang="fr-BE" smtClean="0"/>
-              <a:t>01-12-21</a:t>
+              <a:t>06-12-21</a:t>
             </a:fld>
             <a:endParaRPr lang="fr-BE"/>
           </a:p>
@@ -462,7 +462,7 @@
           <a:p>
             <a:fld id="{7A3C3441-2C70-4949-8FF7-1C72443CF9D3}" type="datetimeFigureOut">
               <a:rPr lang="fr-BE" smtClean="0"/>
-              <a:t>01-12-21</a:t>
+              <a:t>06-12-21</a:t>
             </a:fld>
             <a:endParaRPr lang="fr-BE"/>
           </a:p>
@@ -672,7 +672,7 @@
           <a:p>
             <a:fld id="{7A3C3441-2C70-4949-8FF7-1C72443CF9D3}" type="datetimeFigureOut">
               <a:rPr lang="fr-BE" smtClean="0"/>
-              <a:t>01-12-21</a:t>
+              <a:t>06-12-21</a:t>
             </a:fld>
             <a:endParaRPr lang="fr-BE"/>
           </a:p>
@@ -872,7 +872,7 @@
           <a:p>
             <a:fld id="{7A3C3441-2C70-4949-8FF7-1C72443CF9D3}" type="datetimeFigureOut">
               <a:rPr lang="fr-BE" smtClean="0"/>
-              <a:t>01-12-21</a:t>
+              <a:t>06-12-21</a:t>
             </a:fld>
             <a:endParaRPr lang="fr-BE"/>
           </a:p>
@@ -1148,7 +1148,7 @@
           <a:p>
             <a:fld id="{7A3C3441-2C70-4949-8FF7-1C72443CF9D3}" type="datetimeFigureOut">
               <a:rPr lang="fr-BE" smtClean="0"/>
-              <a:t>01-12-21</a:t>
+              <a:t>06-12-21</a:t>
             </a:fld>
             <a:endParaRPr lang="fr-BE"/>
           </a:p>
@@ -1416,7 +1416,7 @@
           <a:p>
             <a:fld id="{7A3C3441-2C70-4949-8FF7-1C72443CF9D3}" type="datetimeFigureOut">
               <a:rPr lang="fr-BE" smtClean="0"/>
-              <a:t>01-12-21</a:t>
+              <a:t>06-12-21</a:t>
             </a:fld>
             <a:endParaRPr lang="fr-BE"/>
           </a:p>
@@ -1831,7 +1831,7 @@
           <a:p>
             <a:fld id="{7A3C3441-2C70-4949-8FF7-1C72443CF9D3}" type="datetimeFigureOut">
               <a:rPr lang="fr-BE" smtClean="0"/>
-              <a:t>01-12-21</a:t>
+              <a:t>06-12-21</a:t>
             </a:fld>
             <a:endParaRPr lang="fr-BE"/>
           </a:p>
@@ -1973,7 +1973,7 @@
           <a:p>
             <a:fld id="{7A3C3441-2C70-4949-8FF7-1C72443CF9D3}" type="datetimeFigureOut">
               <a:rPr lang="fr-BE" smtClean="0"/>
-              <a:t>01-12-21</a:t>
+              <a:t>06-12-21</a:t>
             </a:fld>
             <a:endParaRPr lang="fr-BE"/>
           </a:p>
@@ -2086,7 +2086,7 @@
           <a:p>
             <a:fld id="{7A3C3441-2C70-4949-8FF7-1C72443CF9D3}" type="datetimeFigureOut">
               <a:rPr lang="fr-BE" smtClean="0"/>
-              <a:t>01-12-21</a:t>
+              <a:t>06-12-21</a:t>
             </a:fld>
             <a:endParaRPr lang="fr-BE"/>
           </a:p>
@@ -2399,7 +2399,7 @@
           <a:p>
             <a:fld id="{7A3C3441-2C70-4949-8FF7-1C72443CF9D3}" type="datetimeFigureOut">
               <a:rPr lang="fr-BE" smtClean="0"/>
-              <a:t>01-12-21</a:t>
+              <a:t>06-12-21</a:t>
             </a:fld>
             <a:endParaRPr lang="fr-BE"/>
           </a:p>
@@ -2688,7 +2688,7 @@
           <a:p>
             <a:fld id="{7A3C3441-2C70-4949-8FF7-1C72443CF9D3}" type="datetimeFigureOut">
               <a:rPr lang="fr-BE" smtClean="0"/>
-              <a:t>01-12-21</a:t>
+              <a:t>06-12-21</a:t>
             </a:fld>
             <a:endParaRPr lang="fr-BE"/>
           </a:p>
@@ -2931,7 +2931,7 @@
           <a:p>
             <a:fld id="{7A3C3441-2C70-4949-8FF7-1C72443CF9D3}" type="datetimeFigureOut">
               <a:rPr lang="fr-BE" smtClean="0"/>
-              <a:t>01-12-21</a:t>
+              <a:t>06-12-21</a:t>
             </a:fld>
             <a:endParaRPr lang="fr-BE"/>
           </a:p>
@@ -3348,920 +3348,857 @@
           <a:chExt cx="0" cy="0"/>
         </a:xfrm>
       </p:grpSpPr>
-      <p:grpSp>
-        <p:nvGrpSpPr>
-          <p:cNvPr id="80" name="Groupe 79">
-            <a:extLst>
-              <a:ext uri="{FF2B5EF4-FFF2-40B4-BE49-F238E27FC236}">
-                <a16:creationId xmlns:a16="http://schemas.microsoft.com/office/drawing/2014/main" id="{2DF9F2D6-9273-47E2-B4E1-8108953582B4}"/>
-              </a:ext>
-            </a:extLst>
-          </p:cNvPr>
-          <p:cNvGrpSpPr/>
+      <p:sp>
+        <p:nvSpPr>
+          <p:cNvPr id="10" name="Rectangle 9">
+            <a:extLst>
+              <a:ext uri="{FF2B5EF4-FFF2-40B4-BE49-F238E27FC236}">
+                <a16:creationId xmlns:a16="http://schemas.microsoft.com/office/drawing/2014/main" id="{E8C1C5D9-82EA-46AF-9A6F-2A24DF989145}"/>
+              </a:ext>
+            </a:extLst>
+          </p:cNvPr>
+          <p:cNvSpPr/>
           <p:nvPr/>
-        </p:nvGrpSpPr>
-        <p:grpSpPr>
+        </p:nvSpPr>
+        <p:spPr>
           <a:xfrm>
-            <a:off x="1000180" y="981044"/>
-            <a:ext cx="2983043" cy="1861997"/>
-            <a:chOff x="1819987" y="3068398"/>
-            <a:chExt cx="2983043" cy="1861997"/>
-          </a:xfrm>
-        </p:grpSpPr>
-        <p:grpSp>
-          <p:nvGrpSpPr>
-            <p:cNvPr id="12" name="Groupe 11">
-              <a:extLst>
-                <a:ext uri="{FF2B5EF4-FFF2-40B4-BE49-F238E27FC236}">
-                  <a16:creationId xmlns:a16="http://schemas.microsoft.com/office/drawing/2014/main" id="{8AF85CF6-7BAF-44B6-A886-2C606943AF3E}"/>
-                </a:ext>
-              </a:extLst>
-            </p:cNvPr>
-            <p:cNvGrpSpPr/>
-            <p:nvPr/>
-          </p:nvGrpSpPr>
-          <p:grpSpPr>
-            <a:xfrm>
-              <a:off x="2123914" y="3068398"/>
-              <a:ext cx="2491736" cy="1664266"/>
-              <a:chOff x="2077743" y="559482"/>
-              <a:chExt cx="2491736" cy="1664266"/>
-            </a:xfrm>
-          </p:grpSpPr>
-          <p:grpSp>
-            <p:nvGrpSpPr>
-              <p:cNvPr id="2" name="Groupe 1">
-                <a:extLst>
-                  <a:ext uri="{FF2B5EF4-FFF2-40B4-BE49-F238E27FC236}">
-                    <a16:creationId xmlns:a16="http://schemas.microsoft.com/office/drawing/2014/main" id="{7DE18566-2034-456C-9FE7-07D15239C2B8}"/>
-                  </a:ext>
-                </a:extLst>
-              </p:cNvPr>
-              <p:cNvGrpSpPr/>
-              <p:nvPr/>
-            </p:nvGrpSpPr>
-            <p:grpSpPr>
-              <a:xfrm>
-                <a:off x="2077743" y="1150727"/>
-                <a:ext cx="2491736" cy="1073021"/>
-                <a:chOff x="3535148" y="1157803"/>
-                <a:chExt cx="5189527" cy="2112124"/>
-              </a:xfrm>
-            </p:grpSpPr>
-            <p:sp>
-              <p:nvSpPr>
-                <p:cNvPr id="10" name="Rectangle 9">
-                  <a:extLst>
-                    <a:ext uri="{FF2B5EF4-FFF2-40B4-BE49-F238E27FC236}">
-                      <a16:creationId xmlns:a16="http://schemas.microsoft.com/office/drawing/2014/main" id="{E8C1C5D9-82EA-46AF-9A6F-2A24DF989145}"/>
-                    </a:ext>
-                  </a:extLst>
-                </p:cNvPr>
-                <p:cNvSpPr/>
-                <p:nvPr/>
-              </p:nvSpPr>
-              <p:spPr>
-                <a:xfrm>
-                  <a:off x="5364311" y="2764238"/>
-                  <a:ext cx="1034683" cy="505689"/>
-                </a:xfrm>
-                <a:prstGeom prst="rect">
-                  <a:avLst/>
-                </a:prstGeom>
-                <a:ln w="6350"/>
-              </p:spPr>
-              <p:style>
-                <a:lnRef idx="2">
-                  <a:schemeClr val="dk1"/>
-                </a:lnRef>
-                <a:fillRef idx="1">
-                  <a:schemeClr val="lt1"/>
-                </a:fillRef>
-                <a:effectRef idx="0">
-                  <a:schemeClr val="dk1"/>
-                </a:effectRef>
-                <a:fontRef idx="minor">
-                  <a:schemeClr val="dk1"/>
-                </a:fontRef>
-              </p:style>
-              <p:txBody>
-                <a:bodyPr rtlCol="0" anchor="ctr"/>
-                <a:lstStyle/>
-                <a:p>
-                  <a:pPr algn="ctr"/>
-                  <a:r>
-                    <a:rPr lang="fr-FR" sz="700" dirty="0"/>
-                    <a:t>Motors</a:t>
-                  </a:r>
-                  <a:endParaRPr lang="fr-BE" sz="700" dirty="0"/>
-                </a:p>
-              </p:txBody>
-            </p:sp>
-            <p:sp>
-              <p:nvSpPr>
-                <p:cNvPr id="13" name="Rectangle 12">
-                  <a:extLst>
-                    <a:ext uri="{FF2B5EF4-FFF2-40B4-BE49-F238E27FC236}">
-                      <a16:creationId xmlns:a16="http://schemas.microsoft.com/office/drawing/2014/main" id="{405FA1C5-E5D1-46AF-9069-3914F77671DD}"/>
-                    </a:ext>
-                  </a:extLst>
-                </p:cNvPr>
-                <p:cNvSpPr/>
-                <p:nvPr/>
-              </p:nvSpPr>
-              <p:spPr>
-                <a:xfrm>
-                  <a:off x="6768204" y="2755785"/>
-                  <a:ext cx="819316" cy="505689"/>
-                </a:xfrm>
-                <a:prstGeom prst="rect">
-                  <a:avLst/>
-                </a:prstGeom>
-                <a:ln w="6350"/>
-              </p:spPr>
-              <p:style>
-                <a:lnRef idx="2">
-                  <a:schemeClr val="dk1"/>
-                </a:lnRef>
-                <a:fillRef idx="1">
-                  <a:schemeClr val="lt1"/>
-                </a:fillRef>
-                <a:effectRef idx="0">
-                  <a:schemeClr val="dk1"/>
-                </a:effectRef>
-                <a:fontRef idx="minor">
-                  <a:schemeClr val="dk1"/>
-                </a:fontRef>
-              </p:style>
-              <p:txBody>
-                <a:bodyPr rtlCol="0" anchor="ctr"/>
-                <a:lstStyle/>
-                <a:p>
-                  <a:pPr algn="ctr"/>
-                  <a:r>
-                    <a:rPr lang="fr-FR" sz="700" dirty="0"/>
-                    <a:t>Lidar</a:t>
-                  </a:r>
-                  <a:endParaRPr lang="fr-BE" sz="700" dirty="0"/>
-                </a:p>
-              </p:txBody>
-            </p:sp>
-            <p:sp>
-              <p:nvSpPr>
-                <p:cNvPr id="14" name="Rectangle 13">
-                  <a:extLst>
-                    <a:ext uri="{FF2B5EF4-FFF2-40B4-BE49-F238E27FC236}">
-                      <a16:creationId xmlns:a16="http://schemas.microsoft.com/office/drawing/2014/main" id="{D9FB9FEC-F0DA-4B5A-82D3-4B1B6E98DB24}"/>
-                    </a:ext>
-                  </a:extLst>
-                </p:cNvPr>
-                <p:cNvSpPr/>
-                <p:nvPr/>
-              </p:nvSpPr>
-              <p:spPr>
-                <a:xfrm>
-                  <a:off x="7723548" y="2755785"/>
-                  <a:ext cx="1001127" cy="505689"/>
-                </a:xfrm>
-                <a:prstGeom prst="rect">
-                  <a:avLst/>
-                </a:prstGeom>
-                <a:ln w="6350"/>
-              </p:spPr>
-              <p:style>
-                <a:lnRef idx="2">
-                  <a:schemeClr val="dk1"/>
-                </a:lnRef>
-                <a:fillRef idx="1">
-                  <a:schemeClr val="lt1"/>
-                </a:fillRef>
-                <a:effectRef idx="0">
-                  <a:schemeClr val="dk1"/>
-                </a:effectRef>
-                <a:fontRef idx="minor">
-                  <a:schemeClr val="dk1"/>
-                </a:fontRef>
-              </p:style>
-              <p:txBody>
-                <a:bodyPr rtlCol="0" anchor="ctr"/>
-                <a:lstStyle/>
-                <a:p>
-                  <a:pPr algn="ctr"/>
-                  <a:r>
-                    <a:rPr lang="fr-FR" sz="700" dirty="0"/>
-                    <a:t>Buttons</a:t>
-                  </a:r>
-                  <a:endParaRPr lang="fr-BE" sz="700" dirty="0"/>
-                </a:p>
-              </p:txBody>
-            </p:sp>
-            <p:sp>
-              <p:nvSpPr>
-                <p:cNvPr id="16" name="Rectangle 15">
-                  <a:extLst>
-                    <a:ext uri="{FF2B5EF4-FFF2-40B4-BE49-F238E27FC236}">
-                      <a16:creationId xmlns:a16="http://schemas.microsoft.com/office/drawing/2014/main" id="{46001A5C-5BB2-4897-8A65-1A707164C543}"/>
-                    </a:ext>
-                  </a:extLst>
-                </p:cNvPr>
-                <p:cNvSpPr/>
-                <p:nvPr/>
-              </p:nvSpPr>
-              <p:spPr>
-                <a:xfrm>
-                  <a:off x="3535148" y="2755786"/>
-                  <a:ext cx="1034683" cy="505689"/>
-                </a:xfrm>
-                <a:prstGeom prst="rect">
-                  <a:avLst/>
-                </a:prstGeom>
-                <a:ln w="6350"/>
-              </p:spPr>
-              <p:style>
-                <a:lnRef idx="2">
-                  <a:schemeClr val="dk1"/>
-                </a:lnRef>
-                <a:fillRef idx="1">
-                  <a:schemeClr val="lt1"/>
-                </a:fillRef>
-                <a:effectRef idx="0">
-                  <a:schemeClr val="dk1"/>
-                </a:effectRef>
-                <a:fontRef idx="minor">
-                  <a:schemeClr val="dk1"/>
-                </a:fontRef>
-              </p:style>
-              <p:txBody>
-                <a:bodyPr rtlCol="0" anchor="ctr"/>
-                <a:lstStyle/>
-                <a:p>
-                  <a:pPr algn="ctr"/>
-                  <a:endParaRPr lang="fr-BE" sz="700" dirty="0"/>
-                </a:p>
-              </p:txBody>
-            </p:sp>
-            <p:cxnSp>
-              <p:nvCxnSpPr>
-                <p:cNvPr id="18" name="Connecteur droit avec flèche 17">
-                  <a:extLst>
-                    <a:ext uri="{FF2B5EF4-FFF2-40B4-BE49-F238E27FC236}">
-                      <a16:creationId xmlns:a16="http://schemas.microsoft.com/office/drawing/2014/main" id="{5189DAF7-FCE8-4EDE-95A9-6868FE025888}"/>
-                    </a:ext>
-                  </a:extLst>
-                </p:cNvPr>
-                <p:cNvCxnSpPr>
-                  <a:cxnSpLocks/>
-                  <a:stCxn id="40" idx="2"/>
-                  <a:endCxn id="48" idx="0"/>
-                </p:cNvCxnSpPr>
-                <p:nvPr/>
-              </p:nvCxnSpPr>
-              <p:spPr>
-                <a:xfrm flipH="1">
-                  <a:off x="5867509" y="1157803"/>
-                  <a:ext cx="6819" cy="552185"/>
-                </a:xfrm>
-                <a:prstGeom prst="straightConnector1">
-                  <a:avLst/>
-                </a:prstGeom>
-                <a:ln w="6350">
-                  <a:tailEnd type="triangle"/>
-                </a:ln>
-              </p:spPr>
-              <p:style>
-                <a:lnRef idx="2">
-                  <a:schemeClr val="dk1"/>
-                </a:lnRef>
-                <a:fillRef idx="1">
-                  <a:schemeClr val="lt1"/>
-                </a:fillRef>
-                <a:effectRef idx="0">
-                  <a:schemeClr val="dk1"/>
-                </a:effectRef>
-                <a:fontRef idx="minor">
-                  <a:schemeClr val="dk1"/>
-                </a:fontRef>
-              </p:style>
-            </p:cxnSp>
-            <p:cxnSp>
-              <p:nvCxnSpPr>
-                <p:cNvPr id="20" name="Connecteur droit avec flèche 19">
-                  <a:extLst>
-                    <a:ext uri="{FF2B5EF4-FFF2-40B4-BE49-F238E27FC236}">
-                      <a16:creationId xmlns:a16="http://schemas.microsoft.com/office/drawing/2014/main" id="{533BEA24-1E5F-4C4F-B4CE-64A022904E6C}"/>
-                    </a:ext>
-                  </a:extLst>
-                </p:cNvPr>
-                <p:cNvCxnSpPr>
-                  <a:cxnSpLocks/>
-                  <a:stCxn id="40" idx="2"/>
-                  <a:endCxn id="50" idx="0"/>
-                </p:cNvCxnSpPr>
-                <p:nvPr/>
-              </p:nvCxnSpPr>
-              <p:spPr>
-                <a:xfrm flipH="1">
-                  <a:off x="4045523" y="1157803"/>
-                  <a:ext cx="1828804" cy="552185"/>
-                </a:xfrm>
-                <a:prstGeom prst="straightConnector1">
-                  <a:avLst/>
-                </a:prstGeom>
-                <a:ln w="6350">
-                  <a:tailEnd type="triangle"/>
-                </a:ln>
-              </p:spPr>
-              <p:style>
-                <a:lnRef idx="2">
-                  <a:schemeClr val="dk1"/>
-                </a:lnRef>
-                <a:fillRef idx="1">
-                  <a:schemeClr val="lt1"/>
-                </a:fillRef>
-                <a:effectRef idx="0">
-                  <a:schemeClr val="dk1"/>
-                </a:effectRef>
-                <a:fontRef idx="minor">
-                  <a:schemeClr val="dk1"/>
-                </a:fontRef>
-              </p:style>
-            </p:cxnSp>
-            <p:cxnSp>
-              <p:nvCxnSpPr>
-                <p:cNvPr id="22" name="Connecteur droit avec flèche 21">
-                  <a:extLst>
-                    <a:ext uri="{FF2B5EF4-FFF2-40B4-BE49-F238E27FC236}">
-                      <a16:creationId xmlns:a16="http://schemas.microsoft.com/office/drawing/2014/main" id="{7BC85C97-04E0-462B-9705-0F414A4759E2}"/>
-                    </a:ext>
-                  </a:extLst>
-                </p:cNvPr>
-                <p:cNvCxnSpPr>
-                  <a:cxnSpLocks/>
-                  <a:stCxn id="40" idx="2"/>
-                  <a:endCxn id="49" idx="0"/>
-                </p:cNvCxnSpPr>
-                <p:nvPr/>
-              </p:nvCxnSpPr>
-              <p:spPr>
-                <a:xfrm>
-                  <a:off x="5874327" y="1157803"/>
-                  <a:ext cx="1778420" cy="531156"/>
-                </a:xfrm>
-                <a:prstGeom prst="straightConnector1">
-                  <a:avLst/>
-                </a:prstGeom>
-                <a:ln w="6350">
-                  <a:tailEnd type="triangle"/>
-                </a:ln>
-              </p:spPr>
-              <p:style>
-                <a:lnRef idx="2">
-                  <a:schemeClr val="dk1"/>
-                </a:lnRef>
-                <a:fillRef idx="1">
-                  <a:schemeClr val="lt1"/>
-                </a:fillRef>
-                <a:effectRef idx="0">
-                  <a:schemeClr val="dk1"/>
-                </a:effectRef>
-                <a:fontRef idx="minor">
-                  <a:schemeClr val="dk1"/>
-                </a:fontRef>
-              </p:style>
-            </p:cxnSp>
-            <p:cxnSp>
-              <p:nvCxnSpPr>
-                <p:cNvPr id="24" name="Connecteur droit avec flèche 23">
-                  <a:extLst>
-                    <a:ext uri="{FF2B5EF4-FFF2-40B4-BE49-F238E27FC236}">
-                      <a16:creationId xmlns:a16="http://schemas.microsoft.com/office/drawing/2014/main" id="{15352CCE-86B5-4C02-9805-40FB021E88AF}"/>
-                    </a:ext>
-                  </a:extLst>
-                </p:cNvPr>
-                <p:cNvCxnSpPr>
-                  <a:cxnSpLocks/>
-                  <a:stCxn id="49" idx="2"/>
-                  <a:endCxn id="14" idx="0"/>
-                </p:cNvCxnSpPr>
-                <p:nvPr/>
-              </p:nvCxnSpPr>
-              <p:spPr>
-                <a:xfrm>
-                  <a:off x="7652747" y="2233081"/>
-                  <a:ext cx="571365" cy="522704"/>
-                </a:xfrm>
-                <a:prstGeom prst="straightConnector1">
-                  <a:avLst/>
-                </a:prstGeom>
-                <a:ln w="6350">
-                  <a:tailEnd type="triangle"/>
-                </a:ln>
-              </p:spPr>
-              <p:style>
-                <a:lnRef idx="2">
-                  <a:schemeClr val="dk1"/>
-                </a:lnRef>
-                <a:fillRef idx="1">
-                  <a:schemeClr val="lt1"/>
-                </a:fillRef>
-                <a:effectRef idx="0">
-                  <a:schemeClr val="dk1"/>
-                </a:effectRef>
-                <a:fontRef idx="minor">
-                  <a:schemeClr val="dk1"/>
-                </a:fontRef>
-              </p:style>
-            </p:cxnSp>
-            <p:cxnSp>
-              <p:nvCxnSpPr>
-                <p:cNvPr id="26" name="Connecteur droit avec flèche 25">
-                  <a:extLst>
-                    <a:ext uri="{FF2B5EF4-FFF2-40B4-BE49-F238E27FC236}">
-                      <a16:creationId xmlns:a16="http://schemas.microsoft.com/office/drawing/2014/main" id="{810E5DBF-9C13-4B31-BC3B-75C50A69398F}"/>
-                    </a:ext>
-                  </a:extLst>
-                </p:cNvPr>
-                <p:cNvCxnSpPr>
-                  <a:cxnSpLocks/>
-                  <a:stCxn id="48" idx="2"/>
-                  <a:endCxn id="10" idx="0"/>
-                </p:cNvCxnSpPr>
-                <p:nvPr/>
-              </p:nvCxnSpPr>
-              <p:spPr>
-                <a:xfrm>
-                  <a:off x="5867509" y="2254110"/>
-                  <a:ext cx="14144" cy="510128"/>
-                </a:xfrm>
-                <a:prstGeom prst="straightConnector1">
-                  <a:avLst/>
-                </a:prstGeom>
-                <a:ln w="6350">
-                  <a:tailEnd type="triangle"/>
-                </a:ln>
-              </p:spPr>
-              <p:style>
-                <a:lnRef idx="2">
-                  <a:schemeClr val="dk1"/>
-                </a:lnRef>
-                <a:fillRef idx="1">
-                  <a:schemeClr val="lt1"/>
-                </a:fillRef>
-                <a:effectRef idx="0">
-                  <a:schemeClr val="dk1"/>
-                </a:effectRef>
-                <a:fontRef idx="minor">
-                  <a:schemeClr val="dk1"/>
-                </a:fontRef>
-              </p:style>
-            </p:cxnSp>
-            <p:cxnSp>
-              <p:nvCxnSpPr>
-                <p:cNvPr id="30" name="Connecteur droit avec flèche 29">
-                  <a:extLst>
-                    <a:ext uri="{FF2B5EF4-FFF2-40B4-BE49-F238E27FC236}">
-                      <a16:creationId xmlns:a16="http://schemas.microsoft.com/office/drawing/2014/main" id="{E0458F3F-556F-42A9-B4C4-9318CD74988D}"/>
-                    </a:ext>
-                  </a:extLst>
-                </p:cNvPr>
-                <p:cNvCxnSpPr>
-                  <a:cxnSpLocks/>
-                  <a:stCxn id="49" idx="2"/>
-                  <a:endCxn id="13" idx="0"/>
-                </p:cNvCxnSpPr>
-                <p:nvPr/>
-              </p:nvCxnSpPr>
-              <p:spPr>
-                <a:xfrm flipH="1">
-                  <a:off x="7177861" y="2233081"/>
-                  <a:ext cx="474886" cy="522704"/>
-                </a:xfrm>
-                <a:prstGeom prst="straightConnector1">
-                  <a:avLst/>
-                </a:prstGeom>
-                <a:ln w="6350">
-                  <a:tailEnd type="triangle"/>
-                </a:ln>
-              </p:spPr>
-              <p:style>
-                <a:lnRef idx="2">
-                  <a:schemeClr val="dk1"/>
-                </a:lnRef>
-                <a:fillRef idx="1">
-                  <a:schemeClr val="lt1"/>
-                </a:fillRef>
-                <a:effectRef idx="0">
-                  <a:schemeClr val="dk1"/>
-                </a:effectRef>
-                <a:fontRef idx="minor">
-                  <a:schemeClr val="dk1"/>
-                </a:fontRef>
-              </p:style>
-            </p:cxnSp>
-            <p:cxnSp>
-              <p:nvCxnSpPr>
-                <p:cNvPr id="31" name="Connecteur droit avec flèche 30">
-                  <a:extLst>
-                    <a:ext uri="{FF2B5EF4-FFF2-40B4-BE49-F238E27FC236}">
-                      <a16:creationId xmlns:a16="http://schemas.microsoft.com/office/drawing/2014/main" id="{643E1064-C887-42B4-9088-6378A1CB7810}"/>
-                    </a:ext>
-                  </a:extLst>
-                </p:cNvPr>
-                <p:cNvCxnSpPr>
-                  <a:cxnSpLocks/>
-                  <a:stCxn id="50" idx="2"/>
-                  <a:endCxn id="16" idx="0"/>
-                </p:cNvCxnSpPr>
-                <p:nvPr/>
-              </p:nvCxnSpPr>
-              <p:spPr>
-                <a:xfrm>
-                  <a:off x="4045523" y="2254110"/>
-                  <a:ext cx="6967" cy="501676"/>
-                </a:xfrm>
-                <a:prstGeom prst="straightConnector1">
-                  <a:avLst/>
-                </a:prstGeom>
-                <a:ln w="6350">
-                  <a:tailEnd type="triangle"/>
-                </a:ln>
-              </p:spPr>
-              <p:style>
-                <a:lnRef idx="2">
-                  <a:schemeClr val="dk1"/>
-                </a:lnRef>
-                <a:fillRef idx="1">
-                  <a:schemeClr val="lt1"/>
-                </a:fillRef>
-                <a:effectRef idx="0">
-                  <a:schemeClr val="dk1"/>
-                </a:effectRef>
-                <a:fontRef idx="minor">
-                  <a:schemeClr val="dk1"/>
-                </a:fontRef>
-              </p:style>
-            </p:cxnSp>
-          </p:grpSp>
-          <p:sp>
-            <p:nvSpPr>
-              <p:cNvPr id="11" name="ZoneTexte 10">
-                <a:extLst>
-                  <a:ext uri="{FF2B5EF4-FFF2-40B4-BE49-F238E27FC236}">
-                    <a16:creationId xmlns:a16="http://schemas.microsoft.com/office/drawing/2014/main" id="{B8045A42-73DF-4537-877F-5A6BDFD2456F}"/>
-                  </a:ext>
-                </a:extLst>
-              </p:cNvPr>
-              <p:cNvSpPr txBox="1"/>
-              <p:nvPr/>
-            </p:nvSpPr>
-            <p:spPr>
-              <a:xfrm>
-                <a:off x="2525152" y="559482"/>
-                <a:ext cx="1680302" cy="307777"/>
-              </a:xfrm>
-              <a:prstGeom prst="rect">
-                <a:avLst/>
-              </a:prstGeom>
-              <a:noFill/>
-              <a:ln w="6350">
-                <a:noFill/>
-              </a:ln>
-            </p:spPr>
-            <p:txBody>
-              <a:bodyPr wrap="square" rtlCol="0">
-                <a:spAutoFit/>
-              </a:bodyPr>
-              <a:lstStyle/>
-              <a:p>
-                <a:r>
-                  <a:rPr lang="fr-FR" sz="1400" dirty="0"/>
-                  <a:t>Class : </a:t>
-                </a:r>
-                <a:r>
-                  <a:rPr lang="fr-FR" sz="1400" i="1" dirty="0" err="1">
-                    <a:solidFill>
-                      <a:schemeClr val="accent6"/>
-                    </a:solidFill>
-                  </a:rPr>
-                  <a:t>MyRobot</a:t>
-                </a:r>
-                <a:endParaRPr lang="fr-BE" sz="1400" i="1" dirty="0">
-                  <a:solidFill>
-                    <a:schemeClr val="accent6"/>
-                  </a:solidFill>
-                </a:endParaRPr>
-              </a:p>
-            </p:txBody>
-          </p:sp>
-        </p:grpSp>
-        <p:sp>
-          <p:nvSpPr>
-            <p:cNvPr id="15" name="Rectangle : coins arrondis 14">
-              <a:extLst>
-                <a:ext uri="{FF2B5EF4-FFF2-40B4-BE49-F238E27FC236}">
-                  <a16:creationId xmlns:a16="http://schemas.microsoft.com/office/drawing/2014/main" id="{5E30BBB7-4179-4BB6-A46E-3E6473079811}"/>
-                </a:ext>
-              </a:extLst>
-            </p:cNvPr>
-            <p:cNvSpPr/>
-            <p:nvPr/>
-          </p:nvSpPr>
-          <p:spPr>
-            <a:xfrm>
-              <a:off x="1819987" y="3068398"/>
-              <a:ext cx="2983043" cy="1861997"/>
-            </a:xfrm>
-            <a:prstGeom prst="roundRect">
-              <a:avLst/>
-            </a:prstGeom>
+            <a:off x="2459541" y="2447993"/>
+            <a:ext cx="496800" cy="256905"/>
+          </a:xfrm>
+          <a:prstGeom prst="rect">
+            <a:avLst/>
+          </a:prstGeom>
+          <a:ln w="6350"/>
+        </p:spPr>
+        <p:style>
+          <a:lnRef idx="2">
+            <a:schemeClr val="dk1"/>
+          </a:lnRef>
+          <a:fillRef idx="1">
+            <a:schemeClr val="lt1"/>
+          </a:fillRef>
+          <a:effectRef idx="0">
+            <a:schemeClr val="dk1"/>
+          </a:effectRef>
+          <a:fontRef idx="minor">
+            <a:schemeClr val="dk1"/>
+          </a:fontRef>
+        </p:style>
+        <p:txBody>
+          <a:bodyPr rtlCol="0" anchor="ctr"/>
+          <a:lstStyle/>
+          <a:p>
+            <a:pPr algn="ctr"/>
+            <a:r>
+              <a:rPr lang="fr-FR" sz="700" dirty="0"/>
+              <a:t>Motors</a:t>
+            </a:r>
+            <a:endParaRPr lang="fr-BE" sz="700" dirty="0"/>
+          </a:p>
+        </p:txBody>
+      </p:sp>
+      <p:sp>
+        <p:nvSpPr>
+          <p:cNvPr id="13" name="Rectangle 12">
+            <a:extLst>
+              <a:ext uri="{FF2B5EF4-FFF2-40B4-BE49-F238E27FC236}">
+                <a16:creationId xmlns:a16="http://schemas.microsoft.com/office/drawing/2014/main" id="{405FA1C5-E5D1-46AF-9069-3914F77671DD}"/>
+              </a:ext>
+            </a:extLst>
+          </p:cNvPr>
+          <p:cNvSpPr/>
+          <p:nvPr/>
+        </p:nvSpPr>
+        <p:spPr>
+          <a:xfrm>
+            <a:off x="3391412" y="2452415"/>
+            <a:ext cx="393392" cy="256905"/>
+          </a:xfrm>
+          <a:prstGeom prst="rect">
+            <a:avLst/>
+          </a:prstGeom>
+          <a:ln w="6350"/>
+        </p:spPr>
+        <p:style>
+          <a:lnRef idx="2">
+            <a:schemeClr val="dk1"/>
+          </a:lnRef>
+          <a:fillRef idx="1">
+            <a:schemeClr val="lt1"/>
+          </a:fillRef>
+          <a:effectRef idx="0">
+            <a:schemeClr val="dk1"/>
+          </a:effectRef>
+          <a:fontRef idx="minor">
+            <a:schemeClr val="dk1"/>
+          </a:fontRef>
+        </p:style>
+        <p:txBody>
+          <a:bodyPr rtlCol="0" anchor="ctr"/>
+          <a:lstStyle/>
+          <a:p>
+            <a:pPr algn="ctr"/>
+            <a:r>
+              <a:rPr lang="fr-FR" sz="700" dirty="0"/>
+              <a:t>Lidar</a:t>
+            </a:r>
+            <a:endParaRPr lang="fr-BE" sz="700" dirty="0"/>
+          </a:p>
+        </p:txBody>
+      </p:sp>
+      <p:sp>
+        <p:nvSpPr>
+          <p:cNvPr id="14" name="Rectangle 13">
+            <a:extLst>
+              <a:ext uri="{FF2B5EF4-FFF2-40B4-BE49-F238E27FC236}">
+                <a16:creationId xmlns:a16="http://schemas.microsoft.com/office/drawing/2014/main" id="{D9FB9FEC-F0DA-4B5A-82D3-4B1B6E98DB24}"/>
+              </a:ext>
+            </a:extLst>
+          </p:cNvPr>
+          <p:cNvSpPr/>
+          <p:nvPr/>
+        </p:nvSpPr>
+        <p:spPr>
+          <a:xfrm>
+            <a:off x="3850118" y="2452415"/>
+            <a:ext cx="480688" cy="256905"/>
+          </a:xfrm>
+          <a:prstGeom prst="rect">
+            <a:avLst/>
+          </a:prstGeom>
+          <a:ln w="6350"/>
+        </p:spPr>
+        <p:style>
+          <a:lnRef idx="2">
+            <a:schemeClr val="dk1"/>
+          </a:lnRef>
+          <a:fillRef idx="1">
+            <a:schemeClr val="lt1"/>
+          </a:fillRef>
+          <a:effectRef idx="0">
+            <a:schemeClr val="dk1"/>
+          </a:effectRef>
+          <a:fontRef idx="minor">
+            <a:schemeClr val="dk1"/>
+          </a:fontRef>
+        </p:style>
+        <p:txBody>
+          <a:bodyPr rtlCol="0" anchor="ctr"/>
+          <a:lstStyle/>
+          <a:p>
+            <a:pPr algn="ctr"/>
+            <a:r>
+              <a:rPr lang="fr-FR" sz="700" dirty="0"/>
+              <a:t>Buttons</a:t>
+            </a:r>
+            <a:endParaRPr lang="fr-BE" sz="700" dirty="0"/>
+          </a:p>
+        </p:txBody>
+      </p:sp>
+      <p:sp>
+        <p:nvSpPr>
+          <p:cNvPr id="16" name="Rectangle 15">
+            <a:extLst>
+              <a:ext uri="{FF2B5EF4-FFF2-40B4-BE49-F238E27FC236}">
+                <a16:creationId xmlns:a16="http://schemas.microsoft.com/office/drawing/2014/main" id="{46001A5C-5BB2-4897-8A65-1A707164C543}"/>
+              </a:ext>
+            </a:extLst>
+          </p:cNvPr>
+          <p:cNvSpPr/>
+          <p:nvPr/>
+        </p:nvSpPr>
+        <p:spPr>
+          <a:xfrm>
+            <a:off x="1341067" y="2444953"/>
+            <a:ext cx="496800" cy="256905"/>
+          </a:xfrm>
+          <a:prstGeom prst="rect">
+            <a:avLst/>
+          </a:prstGeom>
+          <a:ln w="6350"/>
+        </p:spPr>
+        <p:style>
+          <a:lnRef idx="2">
+            <a:schemeClr val="dk1"/>
+          </a:lnRef>
+          <a:fillRef idx="1">
+            <a:schemeClr val="lt1"/>
+          </a:fillRef>
+          <a:effectRef idx="0">
+            <a:schemeClr val="dk1"/>
+          </a:effectRef>
+          <a:fontRef idx="minor">
+            <a:schemeClr val="dk1"/>
+          </a:fontRef>
+        </p:style>
+        <p:txBody>
+          <a:bodyPr rtlCol="0" anchor="ctr"/>
+          <a:lstStyle/>
+          <a:p>
+            <a:pPr algn="ctr"/>
+            <a:endParaRPr lang="fr-BE" sz="700" dirty="0"/>
+          </a:p>
+        </p:txBody>
+      </p:sp>
+      <p:cxnSp>
+        <p:nvCxnSpPr>
+          <p:cNvPr id="18" name="Connecteur droit avec flèche 17">
+            <a:extLst>
+              <a:ext uri="{FF2B5EF4-FFF2-40B4-BE49-F238E27FC236}">
+                <a16:creationId xmlns:a16="http://schemas.microsoft.com/office/drawing/2014/main" id="{5189DAF7-FCE8-4EDE-95A9-6868FE025888}"/>
+              </a:ext>
+            </a:extLst>
+          </p:cNvPr>
+          <p:cNvCxnSpPr>
+            <a:cxnSpLocks/>
+            <a:stCxn id="40" idx="2"/>
+            <a:endCxn id="48" idx="0"/>
+          </p:cNvCxnSpPr>
+          <p:nvPr/>
+        </p:nvCxnSpPr>
+        <p:spPr>
+          <a:xfrm flipH="1">
+            <a:off x="2708796" y="1674391"/>
+            <a:ext cx="674599" cy="235553"/>
+          </a:xfrm>
+          <a:prstGeom prst="straightConnector1">
+            <a:avLst/>
+          </a:prstGeom>
+          <a:ln w="6350">
+            <a:tailEnd type="triangle"/>
+          </a:ln>
+        </p:spPr>
+        <p:style>
+          <a:lnRef idx="2">
+            <a:schemeClr val="dk1"/>
+          </a:lnRef>
+          <a:fillRef idx="1">
+            <a:schemeClr val="lt1"/>
+          </a:fillRef>
+          <a:effectRef idx="0">
+            <a:schemeClr val="dk1"/>
+          </a:effectRef>
+          <a:fontRef idx="minor">
+            <a:schemeClr val="dk1"/>
+          </a:fontRef>
+        </p:style>
+      </p:cxnSp>
+      <p:cxnSp>
+        <p:nvCxnSpPr>
+          <p:cNvPr id="20" name="Connecteur droit avec flèche 19">
+            <a:extLst>
+              <a:ext uri="{FF2B5EF4-FFF2-40B4-BE49-F238E27FC236}">
+                <a16:creationId xmlns:a16="http://schemas.microsoft.com/office/drawing/2014/main" id="{533BEA24-1E5F-4C4F-B4CE-64A022904E6C}"/>
+              </a:ext>
+            </a:extLst>
+          </p:cNvPr>
+          <p:cNvCxnSpPr>
+            <a:cxnSpLocks/>
+            <a:stCxn id="40" idx="2"/>
+            <a:endCxn id="50" idx="0"/>
+          </p:cNvCxnSpPr>
+          <p:nvPr/>
+        </p:nvCxnSpPr>
+        <p:spPr>
+          <a:xfrm flipH="1">
+            <a:off x="1592618" y="1674391"/>
+            <a:ext cx="1790777" cy="235726"/>
+          </a:xfrm>
+          <a:prstGeom prst="straightConnector1">
+            <a:avLst/>
+          </a:prstGeom>
+          <a:ln w="6350">
+            <a:tailEnd type="triangle"/>
+          </a:ln>
+        </p:spPr>
+        <p:style>
+          <a:lnRef idx="2">
+            <a:schemeClr val="dk1"/>
+          </a:lnRef>
+          <a:fillRef idx="1">
+            <a:schemeClr val="lt1"/>
+          </a:fillRef>
+          <a:effectRef idx="0">
+            <a:schemeClr val="dk1"/>
+          </a:effectRef>
+          <a:fontRef idx="minor">
+            <a:schemeClr val="dk1"/>
+          </a:fontRef>
+        </p:style>
+      </p:cxnSp>
+      <p:cxnSp>
+        <p:nvCxnSpPr>
+          <p:cNvPr id="22" name="Connecteur droit avec flèche 21">
+            <a:extLst>
+              <a:ext uri="{FF2B5EF4-FFF2-40B4-BE49-F238E27FC236}">
+                <a16:creationId xmlns:a16="http://schemas.microsoft.com/office/drawing/2014/main" id="{7BC85C97-04E0-462B-9705-0F414A4759E2}"/>
+              </a:ext>
+            </a:extLst>
+          </p:cNvPr>
+          <p:cNvCxnSpPr>
+            <a:cxnSpLocks/>
+            <a:stCxn id="40" idx="2"/>
+            <a:endCxn id="49" idx="0"/>
+          </p:cNvCxnSpPr>
+          <p:nvPr/>
+        </p:nvCxnSpPr>
+        <p:spPr>
+          <a:xfrm>
+            <a:off x="3383395" y="1674391"/>
+            <a:ext cx="441579" cy="239069"/>
+          </a:xfrm>
+          <a:prstGeom prst="straightConnector1">
+            <a:avLst/>
+          </a:prstGeom>
+          <a:ln w="6350">
+            <a:tailEnd type="triangle"/>
+          </a:ln>
+        </p:spPr>
+        <p:style>
+          <a:lnRef idx="2">
+            <a:schemeClr val="dk1"/>
+          </a:lnRef>
+          <a:fillRef idx="1">
+            <a:schemeClr val="lt1"/>
+          </a:fillRef>
+          <a:effectRef idx="0">
+            <a:schemeClr val="dk1"/>
+          </a:effectRef>
+          <a:fontRef idx="minor">
+            <a:schemeClr val="dk1"/>
+          </a:fontRef>
+        </p:style>
+      </p:cxnSp>
+      <p:cxnSp>
+        <p:nvCxnSpPr>
+          <p:cNvPr id="24" name="Connecteur droit avec flèche 23">
+            <a:extLst>
+              <a:ext uri="{FF2B5EF4-FFF2-40B4-BE49-F238E27FC236}">
+                <a16:creationId xmlns:a16="http://schemas.microsoft.com/office/drawing/2014/main" id="{15352CCE-86B5-4C02-9805-40FB021E88AF}"/>
+              </a:ext>
+            </a:extLst>
+          </p:cNvPr>
+          <p:cNvCxnSpPr>
+            <a:cxnSpLocks/>
+            <a:stCxn id="49" idx="2"/>
+            <a:endCxn id="14" idx="0"/>
+          </p:cNvCxnSpPr>
+          <p:nvPr/>
+        </p:nvCxnSpPr>
+        <p:spPr>
+          <a:xfrm>
+            <a:off x="3824974" y="2189890"/>
+            <a:ext cx="265488" cy="262525"/>
+          </a:xfrm>
+          <a:prstGeom prst="straightConnector1">
+            <a:avLst/>
+          </a:prstGeom>
+          <a:ln w="6350">
+            <a:tailEnd type="triangle"/>
+          </a:ln>
+        </p:spPr>
+        <p:style>
+          <a:lnRef idx="2">
+            <a:schemeClr val="dk1"/>
+          </a:lnRef>
+          <a:fillRef idx="1">
+            <a:schemeClr val="lt1"/>
+          </a:fillRef>
+          <a:effectRef idx="0">
+            <a:schemeClr val="dk1"/>
+          </a:effectRef>
+          <a:fontRef idx="minor">
+            <a:schemeClr val="dk1"/>
+          </a:fontRef>
+        </p:style>
+      </p:cxnSp>
+      <p:cxnSp>
+        <p:nvCxnSpPr>
+          <p:cNvPr id="26" name="Connecteur droit avec flèche 25">
+            <a:extLst>
+              <a:ext uri="{FF2B5EF4-FFF2-40B4-BE49-F238E27FC236}">
+                <a16:creationId xmlns:a16="http://schemas.microsoft.com/office/drawing/2014/main" id="{810E5DBF-9C13-4B31-BC3B-75C50A69398F}"/>
+              </a:ext>
+            </a:extLst>
+          </p:cNvPr>
+          <p:cNvCxnSpPr>
+            <a:cxnSpLocks/>
+            <a:stCxn id="48" idx="2"/>
+            <a:endCxn id="10" idx="0"/>
+          </p:cNvCxnSpPr>
+          <p:nvPr/>
+        </p:nvCxnSpPr>
+        <p:spPr>
+          <a:xfrm flipH="1">
+            <a:off x="2707941" y="2186374"/>
+            <a:ext cx="855" cy="261619"/>
+          </a:xfrm>
+          <a:prstGeom prst="straightConnector1">
+            <a:avLst/>
+          </a:prstGeom>
+          <a:ln w="6350">
+            <a:tailEnd type="triangle"/>
+          </a:ln>
+        </p:spPr>
+        <p:style>
+          <a:lnRef idx="2">
+            <a:schemeClr val="dk1"/>
+          </a:lnRef>
+          <a:fillRef idx="1">
+            <a:schemeClr val="lt1"/>
+          </a:fillRef>
+          <a:effectRef idx="0">
+            <a:schemeClr val="dk1"/>
+          </a:effectRef>
+          <a:fontRef idx="minor">
+            <a:schemeClr val="dk1"/>
+          </a:fontRef>
+        </p:style>
+      </p:cxnSp>
+      <p:cxnSp>
+        <p:nvCxnSpPr>
+          <p:cNvPr id="30" name="Connecteur droit avec flèche 29">
+            <a:extLst>
+              <a:ext uri="{FF2B5EF4-FFF2-40B4-BE49-F238E27FC236}">
+                <a16:creationId xmlns:a16="http://schemas.microsoft.com/office/drawing/2014/main" id="{E0458F3F-556F-42A9-B4C4-9318CD74988D}"/>
+              </a:ext>
+            </a:extLst>
+          </p:cNvPr>
+          <p:cNvCxnSpPr>
+            <a:cxnSpLocks/>
+            <a:stCxn id="49" idx="2"/>
+            <a:endCxn id="13" idx="0"/>
+          </p:cNvCxnSpPr>
+          <p:nvPr/>
+        </p:nvCxnSpPr>
+        <p:spPr>
+          <a:xfrm flipH="1">
+            <a:off x="3588108" y="2189890"/>
+            <a:ext cx="236866" cy="262525"/>
+          </a:xfrm>
+          <a:prstGeom prst="straightConnector1">
+            <a:avLst/>
+          </a:prstGeom>
+          <a:ln w="6350">
+            <a:tailEnd type="triangle"/>
+          </a:ln>
+        </p:spPr>
+        <p:style>
+          <a:lnRef idx="2">
+            <a:schemeClr val="dk1"/>
+          </a:lnRef>
+          <a:fillRef idx="1">
+            <a:schemeClr val="lt1"/>
+          </a:fillRef>
+          <a:effectRef idx="0">
+            <a:schemeClr val="dk1"/>
+          </a:effectRef>
+          <a:fontRef idx="minor">
+            <a:schemeClr val="dk1"/>
+          </a:fontRef>
+        </p:style>
+      </p:cxnSp>
+      <p:cxnSp>
+        <p:nvCxnSpPr>
+          <p:cNvPr id="31" name="Connecteur droit avec flèche 30">
+            <a:extLst>
+              <a:ext uri="{FF2B5EF4-FFF2-40B4-BE49-F238E27FC236}">
+                <a16:creationId xmlns:a16="http://schemas.microsoft.com/office/drawing/2014/main" id="{643E1064-C887-42B4-9088-6378A1CB7810}"/>
+              </a:ext>
+            </a:extLst>
+          </p:cNvPr>
+          <p:cNvCxnSpPr>
+            <a:cxnSpLocks/>
+            <a:stCxn id="50" idx="2"/>
+            <a:endCxn id="16" idx="0"/>
+          </p:cNvCxnSpPr>
+          <p:nvPr/>
+        </p:nvCxnSpPr>
+        <p:spPr>
+          <a:xfrm flipH="1">
+            <a:off x="1589467" y="2186547"/>
+            <a:ext cx="3151" cy="258406"/>
+          </a:xfrm>
+          <a:prstGeom prst="straightConnector1">
+            <a:avLst/>
+          </a:prstGeom>
+          <a:ln w="6350">
+            <a:tailEnd type="triangle"/>
+          </a:ln>
+        </p:spPr>
+        <p:style>
+          <a:lnRef idx="2">
+            <a:schemeClr val="dk1"/>
+          </a:lnRef>
+          <a:fillRef idx="1">
+            <a:schemeClr val="lt1"/>
+          </a:fillRef>
+          <a:effectRef idx="0">
+            <a:schemeClr val="dk1"/>
+          </a:effectRef>
+          <a:fontRef idx="minor">
+            <a:schemeClr val="dk1"/>
+          </a:fontRef>
+        </p:style>
+      </p:cxnSp>
+      <p:sp>
+        <p:nvSpPr>
+          <p:cNvPr id="11" name="ZoneTexte 10">
+            <a:extLst>
+              <a:ext uri="{FF2B5EF4-FFF2-40B4-BE49-F238E27FC236}">
+                <a16:creationId xmlns:a16="http://schemas.microsoft.com/office/drawing/2014/main" id="{B8045A42-73DF-4537-877F-5A6BDFD2456F}"/>
+              </a:ext>
+            </a:extLst>
+          </p:cNvPr>
+          <p:cNvSpPr txBox="1"/>
+          <p:nvPr/>
+        </p:nvSpPr>
+        <p:spPr>
+          <a:xfrm>
+            <a:off x="1120050" y="1061956"/>
+            <a:ext cx="1680302" cy="307777"/>
+          </a:xfrm>
+          <a:prstGeom prst="rect">
+            <a:avLst/>
+          </a:prstGeom>
+          <a:noFill/>
+          <a:ln w="6350">
             <a:noFill/>
-            <a:ln w="6350">
+          </a:ln>
+        </p:spPr>
+        <p:txBody>
+          <a:bodyPr wrap="square" rtlCol="0">
+            <a:spAutoFit/>
+          </a:bodyPr>
+          <a:lstStyle/>
+          <a:p>
+            <a:r>
+              <a:rPr lang="fr-FR" sz="1400" dirty="0"/>
+              <a:t>Class : </a:t>
+            </a:r>
+            <a:r>
+              <a:rPr lang="fr-FR" sz="1400" i="1" dirty="0" err="1">
+                <a:solidFill>
+                  <a:schemeClr val="accent6"/>
+                </a:solidFill>
+              </a:rPr>
+              <a:t>MyRobot</a:t>
+            </a:r>
+            <a:endParaRPr lang="fr-BE" sz="1400" i="1" dirty="0">
               <a:solidFill>
-                <a:srgbClr val="002060"/>
+                <a:schemeClr val="accent6"/>
               </a:solidFill>
-              <a:prstDash val="lgDash"/>
-            </a:ln>
-          </p:spPr>
-          <p:style>
-            <a:lnRef idx="2">
-              <a:schemeClr val="accent1"/>
-            </a:lnRef>
-            <a:fillRef idx="1">
-              <a:schemeClr val="lt1"/>
-            </a:fillRef>
-            <a:effectRef idx="0">
-              <a:schemeClr val="accent1"/>
-            </a:effectRef>
-            <a:fontRef idx="minor">
-              <a:schemeClr val="dk1"/>
-            </a:fontRef>
-          </p:style>
-          <p:txBody>
-            <a:bodyPr rtlCol="0" anchor="ctr"/>
-            <a:lstStyle/>
-            <a:p>
-              <a:pPr algn="ctr"/>
-              <a:endParaRPr lang="fr-BE"/>
-            </a:p>
-          </p:txBody>
-        </p:sp>
-        <p:sp>
-          <p:nvSpPr>
-            <p:cNvPr id="40" name="Rectangle 39">
-              <a:extLst>
-                <a:ext uri="{FF2B5EF4-FFF2-40B4-BE49-F238E27FC236}">
-                  <a16:creationId xmlns:a16="http://schemas.microsoft.com/office/drawing/2014/main" id="{2D947873-5BBB-41F3-A3E5-C20BD9E9C443}"/>
-                </a:ext>
-              </a:extLst>
-            </p:cNvPr>
-            <p:cNvSpPr/>
-            <p:nvPr/>
-          </p:nvSpPr>
-          <p:spPr>
-            <a:xfrm>
-              <a:off x="2841093" y="3383213"/>
-              <a:ext cx="811941" cy="276430"/>
-            </a:xfrm>
-            <a:prstGeom prst="rect">
-              <a:avLst/>
-            </a:prstGeom>
-            <a:noFill/>
-            <a:ln w="6350">
+            </a:endParaRPr>
+          </a:p>
+        </p:txBody>
+      </p:sp>
+      <p:sp>
+        <p:nvSpPr>
+          <p:cNvPr id="15" name="Rectangle : coins arrondis 14">
+            <a:extLst>
+              <a:ext uri="{FF2B5EF4-FFF2-40B4-BE49-F238E27FC236}">
+                <a16:creationId xmlns:a16="http://schemas.microsoft.com/office/drawing/2014/main" id="{5E30BBB7-4179-4BB6-A46E-3E6473079811}"/>
+              </a:ext>
+            </a:extLst>
+          </p:cNvPr>
+          <p:cNvSpPr/>
+          <p:nvPr/>
+        </p:nvSpPr>
+        <p:spPr>
+          <a:xfrm>
+            <a:off x="896317" y="1049348"/>
+            <a:ext cx="5353092" cy="2511362"/>
+          </a:xfrm>
+          <a:prstGeom prst="roundRect">
+            <a:avLst/>
+          </a:prstGeom>
+          <a:noFill/>
+          <a:ln w="6350">
+            <a:solidFill>
+              <a:srgbClr val="002060"/>
+            </a:solidFill>
+            <a:prstDash val="lgDash"/>
+          </a:ln>
+        </p:spPr>
+        <p:style>
+          <a:lnRef idx="2">
+            <a:schemeClr val="accent1"/>
+          </a:lnRef>
+          <a:fillRef idx="1">
+            <a:schemeClr val="lt1"/>
+          </a:fillRef>
+          <a:effectRef idx="0">
+            <a:schemeClr val="accent1"/>
+          </a:effectRef>
+          <a:fontRef idx="minor">
+            <a:schemeClr val="dk1"/>
+          </a:fontRef>
+        </p:style>
+        <p:txBody>
+          <a:bodyPr rtlCol="0" anchor="ctr"/>
+          <a:lstStyle/>
+          <a:p>
+            <a:pPr algn="ctr"/>
+            <a:endParaRPr lang="fr-BE"/>
+          </a:p>
+        </p:txBody>
+      </p:sp>
+      <p:sp>
+        <p:nvSpPr>
+          <p:cNvPr id="40" name="Rectangle 39">
+            <a:extLst>
+              <a:ext uri="{FF2B5EF4-FFF2-40B4-BE49-F238E27FC236}">
+                <a16:creationId xmlns:a16="http://schemas.microsoft.com/office/drawing/2014/main" id="{2D947873-5BBB-41F3-A3E5-C20BD9E9C443}"/>
+              </a:ext>
+            </a:extLst>
+          </p:cNvPr>
+          <p:cNvSpPr/>
+          <p:nvPr/>
+        </p:nvSpPr>
+        <p:spPr>
+          <a:xfrm>
+            <a:off x="2977424" y="1397961"/>
+            <a:ext cx="811941" cy="276430"/>
+          </a:xfrm>
+          <a:prstGeom prst="rect">
+            <a:avLst/>
+          </a:prstGeom>
+          <a:noFill/>
+          <a:ln w="6350">
+            <a:solidFill>
+              <a:schemeClr val="tx1"/>
+            </a:solidFill>
+          </a:ln>
+        </p:spPr>
+        <p:style>
+          <a:lnRef idx="2">
+            <a:schemeClr val="accent1">
+              <a:shade val="50000"/>
+            </a:schemeClr>
+          </a:lnRef>
+          <a:fillRef idx="1">
+            <a:schemeClr val="accent1"/>
+          </a:fillRef>
+          <a:effectRef idx="0">
+            <a:schemeClr val="accent1"/>
+          </a:effectRef>
+          <a:fontRef idx="minor">
+            <a:schemeClr val="lt1"/>
+          </a:fontRef>
+        </p:style>
+        <p:txBody>
+          <a:bodyPr rtlCol="0" anchor="ctr"/>
+          <a:lstStyle/>
+          <a:p>
+            <a:pPr algn="ctr"/>
+            <a:r>
+              <a:rPr lang="fr-FR" sz="1000" b="1" dirty="0" err="1">
+                <a:solidFill>
+                  <a:schemeClr val="accent6"/>
+                </a:solidFill>
+              </a:rPr>
+              <a:t>MyRobot</a:t>
+            </a:r>
+            <a:endParaRPr lang="fr-BE" sz="800" b="1" dirty="0">
+              <a:solidFill>
+                <a:schemeClr val="accent6"/>
+              </a:solidFill>
+            </a:endParaRPr>
+          </a:p>
+        </p:txBody>
+      </p:sp>
+      <p:sp>
+        <p:nvSpPr>
+          <p:cNvPr id="48" name="Rectangle 47">
+            <a:extLst>
+              <a:ext uri="{FF2B5EF4-FFF2-40B4-BE49-F238E27FC236}">
+                <a16:creationId xmlns:a16="http://schemas.microsoft.com/office/drawing/2014/main" id="{3EE2C901-9053-49AC-8B34-DB2BC27DC605}"/>
+              </a:ext>
+            </a:extLst>
+          </p:cNvPr>
+          <p:cNvSpPr/>
+          <p:nvPr/>
+        </p:nvSpPr>
+        <p:spPr>
+          <a:xfrm>
+            <a:off x="2302825" y="1909944"/>
+            <a:ext cx="811941" cy="276430"/>
+          </a:xfrm>
+          <a:prstGeom prst="rect">
+            <a:avLst/>
+          </a:prstGeom>
+          <a:noFill/>
+          <a:ln w="6350">
+            <a:solidFill>
+              <a:schemeClr val="tx1"/>
+            </a:solidFill>
+          </a:ln>
+        </p:spPr>
+        <p:style>
+          <a:lnRef idx="2">
+            <a:schemeClr val="accent1">
+              <a:shade val="50000"/>
+            </a:schemeClr>
+          </a:lnRef>
+          <a:fillRef idx="1">
+            <a:schemeClr val="accent1"/>
+          </a:fillRef>
+          <a:effectRef idx="0">
+            <a:schemeClr val="accent1"/>
+          </a:effectRef>
+          <a:fontRef idx="minor">
+            <a:schemeClr val="lt1"/>
+          </a:fontRef>
+        </p:style>
+        <p:txBody>
+          <a:bodyPr rtlCol="0" anchor="ctr"/>
+          <a:lstStyle/>
+          <a:p>
+            <a:pPr algn="ctr"/>
+            <a:r>
+              <a:rPr lang="fr-FR" sz="800" dirty="0" err="1">
+                <a:solidFill>
+                  <a:schemeClr val="tx1"/>
+                </a:solidFill>
+              </a:rPr>
+              <a:t>Actuators</a:t>
+            </a:r>
+            <a:endParaRPr lang="fr-BE" sz="800" dirty="0">
               <a:solidFill>
                 <a:schemeClr val="tx1"/>
               </a:solidFill>
-            </a:ln>
-          </p:spPr>
-          <p:style>
-            <a:lnRef idx="2">
-              <a:schemeClr val="accent1">
-                <a:shade val="50000"/>
-              </a:schemeClr>
-            </a:lnRef>
-            <a:fillRef idx="1">
-              <a:schemeClr val="accent1"/>
-            </a:fillRef>
-            <a:effectRef idx="0">
-              <a:schemeClr val="accent1"/>
-            </a:effectRef>
-            <a:fontRef idx="minor">
-              <a:schemeClr val="lt1"/>
-            </a:fontRef>
-          </p:style>
-          <p:txBody>
-            <a:bodyPr rtlCol="0" anchor="ctr"/>
-            <a:lstStyle/>
-            <a:p>
-              <a:pPr algn="ctr"/>
-              <a:r>
-                <a:rPr lang="fr-FR" sz="800" dirty="0" err="1">
-                  <a:solidFill>
-                    <a:schemeClr val="accent6"/>
-                  </a:solidFill>
-                </a:rPr>
-                <a:t>MyRobot</a:t>
-              </a:r>
-              <a:endParaRPr lang="fr-BE" sz="800" dirty="0">
+            </a:endParaRPr>
+          </a:p>
+        </p:txBody>
+      </p:sp>
+      <p:sp>
+        <p:nvSpPr>
+          <p:cNvPr id="49" name="Rectangle 48">
+            <a:extLst>
+              <a:ext uri="{FF2B5EF4-FFF2-40B4-BE49-F238E27FC236}">
+                <a16:creationId xmlns:a16="http://schemas.microsoft.com/office/drawing/2014/main" id="{31D9AF1C-F3B1-47A5-A0F1-D18EBE02FB5E}"/>
+              </a:ext>
+            </a:extLst>
+          </p:cNvPr>
+          <p:cNvSpPr/>
+          <p:nvPr/>
+        </p:nvSpPr>
+        <p:spPr>
+          <a:xfrm>
+            <a:off x="3419003" y="1913460"/>
+            <a:ext cx="811941" cy="276430"/>
+          </a:xfrm>
+          <a:prstGeom prst="rect">
+            <a:avLst/>
+          </a:prstGeom>
+          <a:noFill/>
+          <a:ln w="6350">
+            <a:solidFill>
+              <a:schemeClr val="tx1"/>
+            </a:solidFill>
+          </a:ln>
+        </p:spPr>
+        <p:style>
+          <a:lnRef idx="2">
+            <a:schemeClr val="accent1">
+              <a:shade val="50000"/>
+            </a:schemeClr>
+          </a:lnRef>
+          <a:fillRef idx="1">
+            <a:schemeClr val="accent1"/>
+          </a:fillRef>
+          <a:effectRef idx="0">
+            <a:schemeClr val="accent1"/>
+          </a:effectRef>
+          <a:fontRef idx="minor">
+            <a:schemeClr val="lt1"/>
+          </a:fontRef>
+        </p:style>
+        <p:txBody>
+          <a:bodyPr rtlCol="0" anchor="ctr"/>
+          <a:lstStyle/>
+          <a:p>
+            <a:pPr algn="ctr"/>
+            <a:r>
+              <a:rPr lang="fr-FR" sz="800" dirty="0" err="1">
                 <a:solidFill>
-                  <a:schemeClr val="accent6"/>
+                  <a:schemeClr val="tx1"/>
                 </a:solidFill>
-              </a:endParaRPr>
-            </a:p>
-          </p:txBody>
-        </p:sp>
-        <p:sp>
-          <p:nvSpPr>
-            <p:cNvPr id="48" name="Rectangle 47">
-              <a:extLst>
-                <a:ext uri="{FF2B5EF4-FFF2-40B4-BE49-F238E27FC236}">
-                  <a16:creationId xmlns:a16="http://schemas.microsoft.com/office/drawing/2014/main" id="{3EE2C901-9053-49AC-8B34-DB2BC27DC605}"/>
-                </a:ext>
-              </a:extLst>
-            </p:cNvPr>
-            <p:cNvSpPr/>
-            <p:nvPr/>
-          </p:nvSpPr>
-          <p:spPr>
-            <a:xfrm>
-              <a:off x="2837819" y="3940169"/>
-              <a:ext cx="811941" cy="276430"/>
-            </a:xfrm>
-            <a:prstGeom prst="rect">
-              <a:avLst/>
-            </a:prstGeom>
-            <a:noFill/>
-            <a:ln w="6350">
+              </a:rPr>
+              <a:t>Sensors</a:t>
+            </a:r>
+            <a:endParaRPr lang="fr-BE" sz="800" dirty="0">
               <a:solidFill>
                 <a:schemeClr val="tx1"/>
               </a:solidFill>
-            </a:ln>
-          </p:spPr>
-          <p:style>
-            <a:lnRef idx="2">
-              <a:schemeClr val="accent1">
-                <a:shade val="50000"/>
-              </a:schemeClr>
-            </a:lnRef>
-            <a:fillRef idx="1">
-              <a:schemeClr val="accent1"/>
-            </a:fillRef>
-            <a:effectRef idx="0">
-              <a:schemeClr val="accent1"/>
-            </a:effectRef>
-            <a:fontRef idx="minor">
-              <a:schemeClr val="lt1"/>
-            </a:fontRef>
-          </p:style>
-          <p:txBody>
-            <a:bodyPr rtlCol="0" anchor="ctr"/>
-            <a:lstStyle/>
-            <a:p>
-              <a:pPr algn="ctr"/>
-              <a:r>
-                <a:rPr lang="fr-FR" sz="800" dirty="0" err="1">
-                  <a:solidFill>
-                    <a:schemeClr val="tx1"/>
-                  </a:solidFill>
-                </a:rPr>
-                <a:t>Actuators</a:t>
-              </a:r>
-              <a:endParaRPr lang="fr-BE" sz="800" dirty="0">
+            </a:endParaRPr>
+          </a:p>
+        </p:txBody>
+      </p:sp>
+      <p:sp>
+        <p:nvSpPr>
+          <p:cNvPr id="50" name="Rectangle 49">
+            <a:extLst>
+              <a:ext uri="{FF2B5EF4-FFF2-40B4-BE49-F238E27FC236}">
+                <a16:creationId xmlns:a16="http://schemas.microsoft.com/office/drawing/2014/main" id="{4C9B7C03-18BB-4DE9-A8E5-999E75F00EF2}"/>
+              </a:ext>
+            </a:extLst>
+          </p:cNvPr>
+          <p:cNvSpPr/>
+          <p:nvPr/>
+        </p:nvSpPr>
+        <p:spPr>
+          <a:xfrm>
+            <a:off x="1186647" y="1910117"/>
+            <a:ext cx="811941" cy="276430"/>
+          </a:xfrm>
+          <a:prstGeom prst="rect">
+            <a:avLst/>
+          </a:prstGeom>
+          <a:noFill/>
+          <a:ln w="6350">
+            <a:solidFill>
+              <a:schemeClr val="tx1"/>
+            </a:solidFill>
+          </a:ln>
+        </p:spPr>
+        <p:style>
+          <a:lnRef idx="2">
+            <a:schemeClr val="accent1">
+              <a:shade val="50000"/>
+            </a:schemeClr>
+          </a:lnRef>
+          <a:fillRef idx="1">
+            <a:schemeClr val="accent1"/>
+          </a:fillRef>
+          <a:effectRef idx="0">
+            <a:schemeClr val="accent1"/>
+          </a:effectRef>
+          <a:fontRef idx="minor">
+            <a:schemeClr val="lt1"/>
+          </a:fontRef>
+        </p:style>
+        <p:txBody>
+          <a:bodyPr rtlCol="0" anchor="ctr"/>
+          <a:lstStyle/>
+          <a:p>
+            <a:pPr algn="ctr"/>
+            <a:r>
+              <a:rPr lang="fr-FR" sz="800" dirty="0">
                 <a:solidFill>
                   <a:schemeClr val="tx1"/>
                 </a:solidFill>
-              </a:endParaRPr>
-            </a:p>
-          </p:txBody>
-        </p:sp>
-        <p:sp>
-          <p:nvSpPr>
-            <p:cNvPr id="49" name="Rectangle 48">
-              <a:extLst>
-                <a:ext uri="{FF2B5EF4-FFF2-40B4-BE49-F238E27FC236}">
-                  <a16:creationId xmlns:a16="http://schemas.microsoft.com/office/drawing/2014/main" id="{31D9AF1C-F3B1-47A5-A0F1-D18EBE02FB5E}"/>
-                </a:ext>
-              </a:extLst>
-            </p:cNvPr>
-            <p:cNvSpPr/>
-            <p:nvPr/>
-          </p:nvSpPr>
-          <p:spPr>
-            <a:xfrm>
-              <a:off x="3694996" y="3929486"/>
-              <a:ext cx="811941" cy="276430"/>
-            </a:xfrm>
-            <a:prstGeom prst="rect">
-              <a:avLst/>
-            </a:prstGeom>
-            <a:noFill/>
-            <a:ln w="6350">
+              </a:rPr>
+              <a:t>Infos</a:t>
+            </a:r>
+            <a:endParaRPr lang="fr-BE" sz="800" dirty="0">
               <a:solidFill>
                 <a:schemeClr val="tx1"/>
               </a:solidFill>
-            </a:ln>
-          </p:spPr>
-          <p:style>
-            <a:lnRef idx="2">
-              <a:schemeClr val="accent1">
-                <a:shade val="50000"/>
-              </a:schemeClr>
-            </a:lnRef>
-            <a:fillRef idx="1">
-              <a:schemeClr val="accent1"/>
-            </a:fillRef>
-            <a:effectRef idx="0">
-              <a:schemeClr val="accent1"/>
-            </a:effectRef>
-            <a:fontRef idx="minor">
-              <a:schemeClr val="lt1"/>
-            </a:fontRef>
-          </p:style>
-          <p:txBody>
-            <a:bodyPr rtlCol="0" anchor="ctr"/>
-            <a:lstStyle/>
-            <a:p>
-              <a:pPr algn="ctr"/>
-              <a:r>
-                <a:rPr lang="fr-FR" sz="800" dirty="0" err="1">
-                  <a:solidFill>
-                    <a:schemeClr val="tx1"/>
-                  </a:solidFill>
-                </a:rPr>
-                <a:t>Sensors</a:t>
-              </a:r>
-              <a:endParaRPr lang="fr-BE" sz="800" dirty="0">
-                <a:solidFill>
-                  <a:schemeClr val="tx1"/>
-                </a:solidFill>
-              </a:endParaRPr>
-            </a:p>
-          </p:txBody>
-        </p:sp>
-        <p:sp>
-          <p:nvSpPr>
-            <p:cNvPr id="50" name="Rectangle 49">
-              <a:extLst>
-                <a:ext uri="{FF2B5EF4-FFF2-40B4-BE49-F238E27FC236}">
-                  <a16:creationId xmlns:a16="http://schemas.microsoft.com/office/drawing/2014/main" id="{4C9B7C03-18BB-4DE9-A8E5-999E75F00EF2}"/>
-                </a:ext>
-              </a:extLst>
-            </p:cNvPr>
-            <p:cNvSpPr/>
-            <p:nvPr/>
-          </p:nvSpPr>
-          <p:spPr>
-            <a:xfrm>
-              <a:off x="1962998" y="3940169"/>
-              <a:ext cx="811941" cy="276430"/>
-            </a:xfrm>
-            <a:prstGeom prst="rect">
-              <a:avLst/>
-            </a:prstGeom>
-            <a:noFill/>
-            <a:ln w="6350">
-              <a:solidFill>
-                <a:schemeClr val="tx1"/>
-              </a:solidFill>
-            </a:ln>
-          </p:spPr>
-          <p:style>
-            <a:lnRef idx="2">
-              <a:schemeClr val="accent1">
-                <a:shade val="50000"/>
-              </a:schemeClr>
-            </a:lnRef>
-            <a:fillRef idx="1">
-              <a:schemeClr val="accent1"/>
-            </a:fillRef>
-            <a:effectRef idx="0">
-              <a:schemeClr val="accent1"/>
-            </a:effectRef>
-            <a:fontRef idx="minor">
-              <a:schemeClr val="lt1"/>
-            </a:fontRef>
-          </p:style>
-          <p:txBody>
-            <a:bodyPr rtlCol="0" anchor="ctr"/>
-            <a:lstStyle/>
-            <a:p>
-              <a:pPr algn="ctr"/>
-              <a:r>
-                <a:rPr lang="fr-FR" sz="800" dirty="0">
-                  <a:solidFill>
-                    <a:schemeClr val="tx1"/>
-                  </a:solidFill>
-                </a:rPr>
-                <a:t>Infos</a:t>
-              </a:r>
-              <a:endParaRPr lang="fr-BE" sz="800" dirty="0">
-                <a:solidFill>
-                  <a:schemeClr val="tx1"/>
-                </a:solidFill>
-              </a:endParaRPr>
-            </a:p>
-          </p:txBody>
-        </p:sp>
-      </p:grpSp>
+            </a:endParaRPr>
+          </a:p>
+        </p:txBody>
+      </p:sp>
       <p:cxnSp>
         <p:nvCxnSpPr>
           <p:cNvPr id="23" name="Connecteur droit avec flèche 22">
@@ -4280,8 +4217,8 @@
         </p:nvCxnSpPr>
         <p:spPr>
           <a:xfrm>
-            <a:off x="3555499" y="2641016"/>
-            <a:ext cx="274339" cy="265548"/>
+            <a:off x="4090462" y="2709320"/>
+            <a:ext cx="253930" cy="197244"/>
           </a:xfrm>
           <a:prstGeom prst="straightConnector1">
             <a:avLst/>
@@ -4323,8 +4260,8 @@
         </p:nvCxnSpPr>
         <p:spPr>
           <a:xfrm flipH="1">
-            <a:off x="3315155" y="2641016"/>
-            <a:ext cx="240344" cy="265549"/>
+            <a:off x="3829709" y="2709320"/>
+            <a:ext cx="260753" cy="197245"/>
           </a:xfrm>
           <a:prstGeom prst="straightConnector1">
             <a:avLst/>
@@ -4362,7 +4299,7 @@
         </p:nvSpPr>
         <p:spPr>
           <a:xfrm>
-            <a:off x="3074811" y="2906565"/>
+            <a:off x="3589365" y="2906565"/>
             <a:ext cx="480688" cy="256905"/>
           </a:xfrm>
           <a:prstGeom prst="rect">
@@ -4411,7 +4348,7 @@
         </p:nvSpPr>
         <p:spPr>
           <a:xfrm>
-            <a:off x="3589494" y="2906564"/>
+            <a:off x="4104048" y="2906564"/>
             <a:ext cx="480688" cy="256905"/>
           </a:xfrm>
           <a:prstGeom prst="rect">
@@ -4442,6 +4379,384 @@
               <a:rPr lang="fr-FR" sz="700" dirty="0"/>
               <a:t>Button</a:t>
             </a:r>
+            <a:endParaRPr lang="fr-BE" sz="700" dirty="0"/>
+          </a:p>
+        </p:txBody>
+      </p:sp>
+      <p:sp>
+        <p:nvSpPr>
+          <p:cNvPr id="27" name="Rectangle 26">
+            <a:extLst>
+              <a:ext uri="{FF2B5EF4-FFF2-40B4-BE49-F238E27FC236}">
+                <a16:creationId xmlns:a16="http://schemas.microsoft.com/office/drawing/2014/main" id="{69555244-E172-4C78-9E91-13A48D6EFF5C}"/>
+              </a:ext>
+            </a:extLst>
+          </p:cNvPr>
+          <p:cNvSpPr/>
+          <p:nvPr/>
+        </p:nvSpPr>
+        <p:spPr>
+          <a:xfrm>
+            <a:off x="4927841" y="1912442"/>
+            <a:ext cx="811941" cy="276430"/>
+          </a:xfrm>
+          <a:prstGeom prst="rect">
+            <a:avLst/>
+          </a:prstGeom>
+          <a:noFill/>
+          <a:ln w="6350">
+            <a:solidFill>
+              <a:schemeClr val="tx1"/>
+            </a:solidFill>
+          </a:ln>
+        </p:spPr>
+        <p:style>
+          <a:lnRef idx="2">
+            <a:schemeClr val="accent1">
+              <a:shade val="50000"/>
+            </a:schemeClr>
+          </a:lnRef>
+          <a:fillRef idx="1">
+            <a:schemeClr val="accent1"/>
+          </a:fillRef>
+          <a:effectRef idx="0">
+            <a:schemeClr val="accent1"/>
+          </a:effectRef>
+          <a:fontRef idx="minor">
+            <a:schemeClr val="lt1"/>
+          </a:fontRef>
+        </p:style>
+        <p:txBody>
+          <a:bodyPr rtlCol="0" anchor="ctr"/>
+          <a:lstStyle/>
+          <a:p>
+            <a:pPr algn="ctr"/>
+            <a:r>
+              <a:rPr lang="fr-FR" sz="800" dirty="0">
+                <a:solidFill>
+                  <a:schemeClr val="tx1"/>
+                </a:solidFill>
+              </a:rPr>
+              <a:t>Controller</a:t>
+            </a:r>
+            <a:endParaRPr lang="fr-BE" sz="800" dirty="0">
+              <a:solidFill>
+                <a:schemeClr val="tx1"/>
+              </a:solidFill>
+            </a:endParaRPr>
+          </a:p>
+        </p:txBody>
+      </p:sp>
+      <p:cxnSp>
+        <p:nvCxnSpPr>
+          <p:cNvPr id="4" name="Connecteur droit avec flèche 3">
+            <a:extLst>
+              <a:ext uri="{FF2B5EF4-FFF2-40B4-BE49-F238E27FC236}">
+                <a16:creationId xmlns:a16="http://schemas.microsoft.com/office/drawing/2014/main" id="{6BD49D05-4F85-46F5-82CC-25F46C9080B8}"/>
+              </a:ext>
+            </a:extLst>
+          </p:cNvPr>
+          <p:cNvCxnSpPr>
+            <a:stCxn id="40" idx="2"/>
+            <a:endCxn id="27" idx="0"/>
+          </p:cNvCxnSpPr>
+          <p:nvPr/>
+        </p:nvCxnSpPr>
+        <p:spPr>
+          <a:xfrm>
+            <a:off x="3383395" y="1674391"/>
+            <a:ext cx="1950417" cy="238051"/>
+          </a:xfrm>
+          <a:prstGeom prst="straightConnector1">
+            <a:avLst/>
+          </a:prstGeom>
+          <a:ln>
+            <a:tailEnd type="triangle"/>
+          </a:ln>
+        </p:spPr>
+        <p:style>
+          <a:lnRef idx="1">
+            <a:schemeClr val="dk1"/>
+          </a:lnRef>
+          <a:fillRef idx="0">
+            <a:schemeClr val="dk1"/>
+          </a:fillRef>
+          <a:effectRef idx="0">
+            <a:schemeClr val="dk1"/>
+          </a:effectRef>
+          <a:fontRef idx="minor">
+            <a:schemeClr val="tx1"/>
+          </a:fontRef>
+        </p:style>
+      </p:cxnSp>
+      <p:sp>
+        <p:nvSpPr>
+          <p:cNvPr id="29" name="Rectangle 28">
+            <a:extLst>
+              <a:ext uri="{FF2B5EF4-FFF2-40B4-BE49-F238E27FC236}">
+                <a16:creationId xmlns:a16="http://schemas.microsoft.com/office/drawing/2014/main" id="{DCEF24D3-0F6B-4223-A1B6-2DEB4DF0C4BC}"/>
+              </a:ext>
+            </a:extLst>
+          </p:cNvPr>
+          <p:cNvSpPr/>
+          <p:nvPr/>
+        </p:nvSpPr>
+        <p:spPr>
+          <a:xfrm>
+            <a:off x="4554390" y="2452415"/>
+            <a:ext cx="507400" cy="256905"/>
+          </a:xfrm>
+          <a:prstGeom prst="rect">
+            <a:avLst/>
+          </a:prstGeom>
+          <a:ln w="6350"/>
+        </p:spPr>
+        <p:style>
+          <a:lnRef idx="2">
+            <a:schemeClr val="dk1"/>
+          </a:lnRef>
+          <a:fillRef idx="1">
+            <a:schemeClr val="lt1"/>
+          </a:fillRef>
+          <a:effectRef idx="0">
+            <a:schemeClr val="dk1"/>
+          </a:effectRef>
+          <a:fontRef idx="minor">
+            <a:schemeClr val="dk1"/>
+          </a:fontRef>
+        </p:style>
+        <p:txBody>
+          <a:bodyPr rtlCol="0" anchor="ctr"/>
+          <a:lstStyle/>
+          <a:p>
+            <a:pPr algn="ctr"/>
+            <a:r>
+              <a:rPr lang="fr-FR" sz="700" dirty="0" err="1"/>
+              <a:t>PID_obj</a:t>
+            </a:r>
+            <a:endParaRPr lang="fr-BE" sz="700" dirty="0"/>
+          </a:p>
+        </p:txBody>
+      </p:sp>
+      <p:sp>
+        <p:nvSpPr>
+          <p:cNvPr id="33" name="Rectangle 32">
+            <a:extLst>
+              <a:ext uri="{FF2B5EF4-FFF2-40B4-BE49-F238E27FC236}">
+                <a16:creationId xmlns:a16="http://schemas.microsoft.com/office/drawing/2014/main" id="{A8994D85-AACC-45E5-9C36-C9ED0B334878}"/>
+              </a:ext>
+            </a:extLst>
+          </p:cNvPr>
+          <p:cNvSpPr/>
+          <p:nvPr/>
+        </p:nvSpPr>
+        <p:spPr>
+          <a:xfrm>
+            <a:off x="5082849" y="2449183"/>
+            <a:ext cx="507399" cy="256905"/>
+          </a:xfrm>
+          <a:prstGeom prst="rect">
+            <a:avLst/>
+          </a:prstGeom>
+          <a:ln w="6350"/>
+        </p:spPr>
+        <p:style>
+          <a:lnRef idx="2">
+            <a:schemeClr val="dk1"/>
+          </a:lnRef>
+          <a:fillRef idx="1">
+            <a:schemeClr val="lt1"/>
+          </a:fillRef>
+          <a:effectRef idx="0">
+            <a:schemeClr val="dk1"/>
+          </a:effectRef>
+          <a:fontRef idx="minor">
+            <a:schemeClr val="dk1"/>
+          </a:fontRef>
+        </p:style>
+        <p:txBody>
+          <a:bodyPr rtlCol="0" anchor="ctr"/>
+          <a:lstStyle/>
+          <a:p>
+            <a:pPr algn="ctr"/>
+            <a:r>
+              <a:rPr lang="fr-FR" sz="700" dirty="0"/>
+              <a:t>DEO2Rpi</a:t>
+            </a:r>
+            <a:endParaRPr lang="fr-BE" sz="700" dirty="0"/>
+          </a:p>
+        </p:txBody>
+      </p:sp>
+      <p:cxnSp>
+        <p:nvCxnSpPr>
+          <p:cNvPr id="34" name="Connecteur droit avec flèche 33">
+            <a:extLst>
+              <a:ext uri="{FF2B5EF4-FFF2-40B4-BE49-F238E27FC236}">
+                <a16:creationId xmlns:a16="http://schemas.microsoft.com/office/drawing/2014/main" id="{3A8B880E-2668-4573-96AC-307576F49E1A}"/>
+              </a:ext>
+            </a:extLst>
+          </p:cNvPr>
+          <p:cNvCxnSpPr>
+            <a:cxnSpLocks/>
+            <a:stCxn id="27" idx="2"/>
+            <a:endCxn id="33" idx="0"/>
+          </p:cNvCxnSpPr>
+          <p:nvPr/>
+        </p:nvCxnSpPr>
+        <p:spPr>
+          <a:xfrm>
+            <a:off x="5333812" y="2188872"/>
+            <a:ext cx="2737" cy="260311"/>
+          </a:xfrm>
+          <a:prstGeom prst="straightConnector1">
+            <a:avLst/>
+          </a:prstGeom>
+          <a:ln w="6350">
+            <a:tailEnd type="triangle"/>
+          </a:ln>
+        </p:spPr>
+        <p:style>
+          <a:lnRef idx="2">
+            <a:schemeClr val="dk1"/>
+          </a:lnRef>
+          <a:fillRef idx="1">
+            <a:schemeClr val="lt1"/>
+          </a:fillRef>
+          <a:effectRef idx="0">
+            <a:schemeClr val="dk1"/>
+          </a:effectRef>
+          <a:fontRef idx="minor">
+            <a:schemeClr val="dk1"/>
+          </a:fontRef>
+        </p:style>
+      </p:cxnSp>
+      <p:cxnSp>
+        <p:nvCxnSpPr>
+          <p:cNvPr id="35" name="Connecteur droit avec flèche 34">
+            <a:extLst>
+              <a:ext uri="{FF2B5EF4-FFF2-40B4-BE49-F238E27FC236}">
+                <a16:creationId xmlns:a16="http://schemas.microsoft.com/office/drawing/2014/main" id="{B5A0FB73-3C45-4B92-9937-F28F4FF56129}"/>
+              </a:ext>
+            </a:extLst>
+          </p:cNvPr>
+          <p:cNvCxnSpPr>
+            <a:cxnSpLocks/>
+            <a:stCxn id="27" idx="2"/>
+            <a:endCxn id="29" idx="0"/>
+          </p:cNvCxnSpPr>
+          <p:nvPr/>
+        </p:nvCxnSpPr>
+        <p:spPr>
+          <a:xfrm flipH="1">
+            <a:off x="4808090" y="2188872"/>
+            <a:ext cx="525722" cy="263543"/>
+          </a:xfrm>
+          <a:prstGeom prst="straightConnector1">
+            <a:avLst/>
+          </a:prstGeom>
+          <a:ln w="6350">
+            <a:tailEnd type="triangle"/>
+          </a:ln>
+        </p:spPr>
+        <p:style>
+          <a:lnRef idx="2">
+            <a:schemeClr val="dk1"/>
+          </a:lnRef>
+          <a:fillRef idx="1">
+            <a:schemeClr val="lt1"/>
+          </a:fillRef>
+          <a:effectRef idx="0">
+            <a:schemeClr val="dk1"/>
+          </a:effectRef>
+          <a:fontRef idx="minor">
+            <a:schemeClr val="dk1"/>
+          </a:fontRef>
+        </p:style>
+      </p:cxnSp>
+      <p:cxnSp>
+        <p:nvCxnSpPr>
+          <p:cNvPr id="55" name="Connecteur droit avec flèche 54">
+            <a:extLst>
+              <a:ext uri="{FF2B5EF4-FFF2-40B4-BE49-F238E27FC236}">
+                <a16:creationId xmlns:a16="http://schemas.microsoft.com/office/drawing/2014/main" id="{7EBA9387-3BB6-4B38-904F-87AEDC891633}"/>
+              </a:ext>
+            </a:extLst>
+          </p:cNvPr>
+          <p:cNvCxnSpPr>
+            <a:cxnSpLocks/>
+            <a:stCxn id="27" idx="2"/>
+            <a:endCxn id="57" idx="0"/>
+          </p:cNvCxnSpPr>
+          <p:nvPr/>
+        </p:nvCxnSpPr>
+        <p:spPr>
+          <a:xfrm>
+            <a:off x="5333812" y="2188872"/>
+            <a:ext cx="531195" cy="260311"/>
+          </a:xfrm>
+          <a:prstGeom prst="straightConnector1">
+            <a:avLst/>
+          </a:prstGeom>
+          <a:ln>
+            <a:tailEnd type="triangle"/>
+          </a:ln>
+        </p:spPr>
+        <p:style>
+          <a:lnRef idx="1">
+            <a:schemeClr val="dk1"/>
+          </a:lnRef>
+          <a:fillRef idx="0">
+            <a:schemeClr val="dk1"/>
+          </a:fillRef>
+          <a:effectRef idx="0">
+            <a:schemeClr val="dk1"/>
+          </a:effectRef>
+          <a:fontRef idx="minor">
+            <a:schemeClr val="tx1"/>
+          </a:fontRef>
+        </p:style>
+      </p:cxnSp>
+      <p:sp>
+        <p:nvSpPr>
+          <p:cNvPr id="57" name="Rectangle 56">
+            <a:extLst>
+              <a:ext uri="{FF2B5EF4-FFF2-40B4-BE49-F238E27FC236}">
+                <a16:creationId xmlns:a16="http://schemas.microsoft.com/office/drawing/2014/main" id="{1D8A8E27-49A4-4500-B02A-C1A89708B0E1}"/>
+              </a:ext>
+            </a:extLst>
+          </p:cNvPr>
+          <p:cNvSpPr/>
+          <p:nvPr/>
+        </p:nvSpPr>
+        <p:spPr>
+          <a:xfrm>
+            <a:off x="5611307" y="2449183"/>
+            <a:ext cx="507399" cy="256905"/>
+          </a:xfrm>
+          <a:prstGeom prst="rect">
+            <a:avLst/>
+          </a:prstGeom>
+          <a:ln w="6350"/>
+        </p:spPr>
+        <p:style>
+          <a:lnRef idx="2">
+            <a:schemeClr val="dk1"/>
+          </a:lnRef>
+          <a:fillRef idx="1">
+            <a:schemeClr val="lt1"/>
+          </a:fillRef>
+          <a:effectRef idx="0">
+            <a:schemeClr val="dk1"/>
+          </a:effectRef>
+          <a:fontRef idx="minor">
+            <a:schemeClr val="dk1"/>
+          </a:fontRef>
+        </p:style>
+        <p:txBody>
+          <a:bodyPr rtlCol="0" anchor="ctr"/>
+          <a:lstStyle/>
+          <a:p>
+            <a:pPr algn="ctr"/>
             <a:endParaRPr lang="fr-BE" sz="700" dirty="0"/>
           </a:p>
         </p:txBody>

--- a/schemeofcode.pptx
+++ b/schemeofcode.pptx
@@ -262,7 +262,7 @@
           <a:p>
             <a:fld id="{7A3C3441-2C70-4949-8FF7-1C72443CF9D3}" type="datetimeFigureOut">
               <a:rPr lang="fr-BE" smtClean="0"/>
-              <a:t>06-12-21</a:t>
+              <a:t>07-12-21</a:t>
             </a:fld>
             <a:endParaRPr lang="fr-BE"/>
           </a:p>
@@ -462,7 +462,7 @@
           <a:p>
             <a:fld id="{7A3C3441-2C70-4949-8FF7-1C72443CF9D3}" type="datetimeFigureOut">
               <a:rPr lang="fr-BE" smtClean="0"/>
-              <a:t>06-12-21</a:t>
+              <a:t>07-12-21</a:t>
             </a:fld>
             <a:endParaRPr lang="fr-BE"/>
           </a:p>
@@ -672,7 +672,7 @@
           <a:p>
             <a:fld id="{7A3C3441-2C70-4949-8FF7-1C72443CF9D3}" type="datetimeFigureOut">
               <a:rPr lang="fr-BE" smtClean="0"/>
-              <a:t>06-12-21</a:t>
+              <a:t>07-12-21</a:t>
             </a:fld>
             <a:endParaRPr lang="fr-BE"/>
           </a:p>
@@ -872,7 +872,7 @@
           <a:p>
             <a:fld id="{7A3C3441-2C70-4949-8FF7-1C72443CF9D3}" type="datetimeFigureOut">
               <a:rPr lang="fr-BE" smtClean="0"/>
-              <a:t>06-12-21</a:t>
+              <a:t>07-12-21</a:t>
             </a:fld>
             <a:endParaRPr lang="fr-BE"/>
           </a:p>
@@ -1148,7 +1148,7 @@
           <a:p>
             <a:fld id="{7A3C3441-2C70-4949-8FF7-1C72443CF9D3}" type="datetimeFigureOut">
               <a:rPr lang="fr-BE" smtClean="0"/>
-              <a:t>06-12-21</a:t>
+              <a:t>07-12-21</a:t>
             </a:fld>
             <a:endParaRPr lang="fr-BE"/>
           </a:p>
@@ -1416,7 +1416,7 @@
           <a:p>
             <a:fld id="{7A3C3441-2C70-4949-8FF7-1C72443CF9D3}" type="datetimeFigureOut">
               <a:rPr lang="fr-BE" smtClean="0"/>
-              <a:t>06-12-21</a:t>
+              <a:t>07-12-21</a:t>
             </a:fld>
             <a:endParaRPr lang="fr-BE"/>
           </a:p>
@@ -1831,7 +1831,7 @@
           <a:p>
             <a:fld id="{7A3C3441-2C70-4949-8FF7-1C72443CF9D3}" type="datetimeFigureOut">
               <a:rPr lang="fr-BE" smtClean="0"/>
-              <a:t>06-12-21</a:t>
+              <a:t>07-12-21</a:t>
             </a:fld>
             <a:endParaRPr lang="fr-BE"/>
           </a:p>
@@ -1973,7 +1973,7 @@
           <a:p>
             <a:fld id="{7A3C3441-2C70-4949-8FF7-1C72443CF9D3}" type="datetimeFigureOut">
               <a:rPr lang="fr-BE" smtClean="0"/>
-              <a:t>06-12-21</a:t>
+              <a:t>07-12-21</a:t>
             </a:fld>
             <a:endParaRPr lang="fr-BE"/>
           </a:p>
@@ -2086,7 +2086,7 @@
           <a:p>
             <a:fld id="{7A3C3441-2C70-4949-8FF7-1C72443CF9D3}" type="datetimeFigureOut">
               <a:rPr lang="fr-BE" smtClean="0"/>
-              <a:t>06-12-21</a:t>
+              <a:t>07-12-21</a:t>
             </a:fld>
             <a:endParaRPr lang="fr-BE"/>
           </a:p>
@@ -2399,7 +2399,7 @@
           <a:p>
             <a:fld id="{7A3C3441-2C70-4949-8FF7-1C72443CF9D3}" type="datetimeFigureOut">
               <a:rPr lang="fr-BE" smtClean="0"/>
-              <a:t>06-12-21</a:t>
+              <a:t>07-12-21</a:t>
             </a:fld>
             <a:endParaRPr lang="fr-BE"/>
           </a:p>
@@ -2688,7 +2688,7 @@
           <a:p>
             <a:fld id="{7A3C3441-2C70-4949-8FF7-1C72443CF9D3}" type="datetimeFigureOut">
               <a:rPr lang="fr-BE" smtClean="0"/>
-              <a:t>06-12-21</a:t>
+              <a:t>07-12-21</a:t>
             </a:fld>
             <a:endParaRPr lang="fr-BE"/>
           </a:p>
@@ -2931,7 +2931,7 @@
           <a:p>
             <a:fld id="{7A3C3441-2C70-4949-8FF7-1C72443CF9D3}" type="datetimeFigureOut">
               <a:rPr lang="fr-BE" smtClean="0"/>
-              <a:t>06-12-21</a:t>
+              <a:t>07-12-21</a:t>
             </a:fld>
             <a:endParaRPr lang="fr-BE"/>
           </a:p>
@@ -3362,7 +3362,7 @@
         </p:nvSpPr>
         <p:spPr>
           <a:xfrm>
-            <a:off x="2459541" y="2447993"/>
+            <a:off x="2558198" y="3171879"/>
             <a:ext cx="496800" cy="256905"/>
           </a:xfrm>
           <a:prstGeom prst="rect">
@@ -3411,7 +3411,7 @@
         </p:nvSpPr>
         <p:spPr>
           <a:xfrm>
-            <a:off x="3391412" y="2452415"/>
+            <a:off x="3361440" y="3176301"/>
             <a:ext cx="393392" cy="256905"/>
           </a:xfrm>
           <a:prstGeom prst="rect">
@@ -3460,7 +3460,7 @@
         </p:nvSpPr>
         <p:spPr>
           <a:xfrm>
-            <a:off x="3850118" y="2452415"/>
+            <a:off x="3820146" y="3176301"/>
             <a:ext cx="480688" cy="256905"/>
           </a:xfrm>
           <a:prstGeom prst="rect">
@@ -3509,7 +3509,7 @@
         </p:nvSpPr>
         <p:spPr>
           <a:xfrm>
-            <a:off x="1341067" y="2444953"/>
+            <a:off x="1454068" y="3168839"/>
             <a:ext cx="496800" cy="256905"/>
           </a:xfrm>
           <a:prstGeom prst="rect">
@@ -3558,8 +3558,8 @@
         </p:nvCxnSpPr>
         <p:spPr>
           <a:xfrm flipH="1">
-            <a:off x="2708796" y="1674391"/>
-            <a:ext cx="674599" cy="235553"/>
+            <a:off x="2807453" y="1806726"/>
+            <a:ext cx="1747311" cy="614453"/>
           </a:xfrm>
           <a:prstGeom prst="straightConnector1">
             <a:avLst/>
@@ -3601,8 +3601,8 @@
         </p:nvCxnSpPr>
         <p:spPr>
           <a:xfrm flipH="1">
-            <a:off x="1592618" y="1674391"/>
-            <a:ext cx="1790777" cy="235726"/>
+            <a:off x="1705619" y="1806726"/>
+            <a:ext cx="2849145" cy="614626"/>
           </a:xfrm>
           <a:prstGeom prst="straightConnector1">
             <a:avLst/>
@@ -3643,9 +3643,9 @@
           <p:nvPr/>
         </p:nvCxnSpPr>
         <p:spPr>
-          <a:xfrm>
-            <a:off x="3383395" y="1674391"/>
-            <a:ext cx="441579" cy="239069"/>
+          <a:xfrm flipH="1">
+            <a:off x="3795002" y="1806726"/>
+            <a:ext cx="759762" cy="617969"/>
           </a:xfrm>
           <a:prstGeom prst="straightConnector1">
             <a:avLst/>
@@ -3687,8 +3687,8 @@
         </p:nvCxnSpPr>
         <p:spPr>
           <a:xfrm>
-            <a:off x="3824974" y="2189890"/>
-            <a:ext cx="265488" cy="262525"/>
+            <a:off x="3795002" y="2701125"/>
+            <a:ext cx="265488" cy="475176"/>
           </a:xfrm>
           <a:prstGeom prst="straightConnector1">
             <a:avLst/>
@@ -3730,8 +3730,8 @@
         </p:nvCxnSpPr>
         <p:spPr>
           <a:xfrm flipH="1">
-            <a:off x="2707941" y="2186374"/>
-            <a:ext cx="855" cy="261619"/>
+            <a:off x="2806598" y="2697609"/>
+            <a:ext cx="855" cy="474270"/>
           </a:xfrm>
           <a:prstGeom prst="straightConnector1">
             <a:avLst/>
@@ -3773,8 +3773,8 @@
         </p:nvCxnSpPr>
         <p:spPr>
           <a:xfrm flipH="1">
-            <a:off x="3588108" y="2189890"/>
-            <a:ext cx="236866" cy="262525"/>
+            <a:off x="3558136" y="2701125"/>
+            <a:ext cx="236866" cy="475176"/>
           </a:xfrm>
           <a:prstGeom prst="straightConnector1">
             <a:avLst/>
@@ -3816,8 +3816,8 @@
         </p:nvCxnSpPr>
         <p:spPr>
           <a:xfrm flipH="1">
-            <a:off x="1589467" y="2186547"/>
-            <a:ext cx="3151" cy="258406"/>
+            <a:off x="1702468" y="2697782"/>
+            <a:ext cx="3151" cy="471057"/>
           </a:xfrm>
           <a:prstGeom prst="straightConnector1">
             <a:avLst/>
@@ -3877,12 +3877,12 @@
               <a:t>Class : </a:t>
             </a:r>
             <a:r>
-              <a:rPr lang="fr-FR" sz="1400" i="1" dirty="0" err="1">
+              <a:rPr lang="fr-FR" sz="1400" i="1" dirty="0">
                 <a:solidFill>
                   <a:schemeClr val="accent6"/>
                 </a:solidFill>
               </a:rPr>
-              <a:t>MyRobot</a:t>
+              <a:t>Robot</a:t>
             </a:r>
             <a:endParaRPr lang="fr-BE" sz="1400" i="1" dirty="0">
               <a:solidFill>
@@ -3906,8 +3906,8 @@
         </p:nvSpPr>
         <p:spPr>
           <a:xfrm>
-            <a:off x="896317" y="1049348"/>
-            <a:ext cx="5353092" cy="2511362"/>
+            <a:off x="896316" y="1049348"/>
+            <a:ext cx="8151431" cy="3370252"/>
           </a:xfrm>
           <a:prstGeom prst="roundRect">
             <a:avLst/>
@@ -3957,7 +3957,181 @@
         </p:nvSpPr>
         <p:spPr>
           <a:xfrm>
-            <a:off x="2977424" y="1397961"/>
+            <a:off x="4210261" y="1125134"/>
+            <a:ext cx="689006" cy="681592"/>
+          </a:xfrm>
+          <a:prstGeom prst="rect">
+            <a:avLst/>
+          </a:prstGeom>
+          <a:noFill/>
+          <a:ln w="6350">
+            <a:solidFill>
+              <a:schemeClr val="tx1"/>
+            </a:solidFill>
+          </a:ln>
+        </p:spPr>
+        <p:style>
+          <a:lnRef idx="2">
+            <a:schemeClr val="accent1">
+              <a:shade val="50000"/>
+            </a:schemeClr>
+          </a:lnRef>
+          <a:fillRef idx="1">
+            <a:schemeClr val="accent1"/>
+          </a:fillRef>
+          <a:effectRef idx="0">
+            <a:schemeClr val="accent1"/>
+          </a:effectRef>
+          <a:fontRef idx="minor">
+            <a:schemeClr val="lt1"/>
+          </a:fontRef>
+        </p:style>
+        <p:txBody>
+          <a:bodyPr rtlCol="0" anchor="ctr"/>
+          <a:lstStyle/>
+          <a:p>
+            <a:pPr algn="ctr"/>
+            <a:r>
+              <a:rPr lang="fr-FR" sz="1000" b="1" i="1" dirty="0">
+                <a:solidFill>
+                  <a:schemeClr val="accent6"/>
+                </a:solidFill>
+              </a:rPr>
+              <a:t>Robot</a:t>
+            </a:r>
+            <a:endParaRPr lang="fr-FR" sz="700" dirty="0">
+              <a:solidFill>
+                <a:srgbClr val="FF0000"/>
+              </a:solidFill>
+            </a:endParaRPr>
+          </a:p>
+          <a:p>
+            <a:pPr marL="171450" indent="-171450">
+              <a:buFont typeface="Arial" panose="020B0604020202020204" pitchFamily="34" charset="0"/>
+              <a:buChar char="•"/>
+            </a:pPr>
+            <a:r>
+              <a:rPr lang="fr-BE" sz="500" dirty="0" err="1">
+                <a:solidFill>
+                  <a:srgbClr val="0070C0"/>
+                </a:solidFill>
+              </a:rPr>
+              <a:t>Set_speeds</a:t>
+            </a:r>
+            <a:r>
+              <a:rPr lang="fr-BE" sz="500" dirty="0">
+                <a:solidFill>
+                  <a:srgbClr val="0070C0"/>
+                </a:solidFill>
+              </a:rPr>
+              <a:t>()</a:t>
+            </a:r>
+          </a:p>
+          <a:p>
+            <a:pPr marL="171450" indent="-171450">
+              <a:buFont typeface="Arial" panose="020B0604020202020204" pitchFamily="34" charset="0"/>
+              <a:buChar char="•"/>
+            </a:pPr>
+            <a:r>
+              <a:rPr lang="fr-BE" sz="500" dirty="0" err="1">
+                <a:solidFill>
+                  <a:srgbClr val="0070C0"/>
+                </a:solidFill>
+              </a:rPr>
+              <a:t>Print_infos</a:t>
+            </a:r>
+            <a:r>
+              <a:rPr lang="fr-BE" sz="500" dirty="0">
+                <a:solidFill>
+                  <a:srgbClr val="0070C0"/>
+                </a:solidFill>
+              </a:rPr>
+              <a:t>()</a:t>
+            </a:r>
+          </a:p>
+          <a:p>
+            <a:pPr marL="171450" indent="-171450">
+              <a:buFont typeface="Arial" panose="020B0604020202020204" pitchFamily="34" charset="0"/>
+              <a:buChar char="•"/>
+            </a:pPr>
+            <a:r>
+              <a:rPr lang="fr-BE" sz="500" dirty="0" err="1">
+                <a:solidFill>
+                  <a:srgbClr val="0070C0"/>
+                </a:solidFill>
+              </a:rPr>
+              <a:t>isON</a:t>
+            </a:r>
+            <a:r>
+              <a:rPr lang="fr-BE" sz="500" dirty="0">
+                <a:solidFill>
+                  <a:srgbClr val="0070C0"/>
+                </a:solidFill>
+              </a:rPr>
+              <a:t>()</a:t>
+            </a:r>
+          </a:p>
+          <a:p>
+            <a:pPr marL="171450" indent="-171450">
+              <a:buFont typeface="Arial" panose="020B0604020202020204" pitchFamily="34" charset="0"/>
+              <a:buChar char="•"/>
+            </a:pPr>
+            <a:r>
+              <a:rPr lang="fr-BE" sz="500" dirty="0" err="1">
+                <a:solidFill>
+                  <a:srgbClr val="0070C0"/>
+                </a:solidFill>
+              </a:rPr>
+              <a:t>Activate</a:t>
+            </a:r>
+            <a:r>
+              <a:rPr lang="fr-BE" sz="500" dirty="0">
+                <a:solidFill>
+                  <a:srgbClr val="0070C0"/>
+                </a:solidFill>
+              </a:rPr>
+              <a:t>()</a:t>
+            </a:r>
+          </a:p>
+          <a:p>
+            <a:pPr marL="171450" indent="-171450">
+              <a:buFont typeface="Arial" panose="020B0604020202020204" pitchFamily="34" charset="0"/>
+              <a:buChar char="•"/>
+            </a:pPr>
+            <a:r>
+              <a:rPr lang="fr-BE" sz="500" dirty="0" err="1">
+                <a:solidFill>
+                  <a:srgbClr val="0070C0"/>
+                </a:solidFill>
+              </a:rPr>
+              <a:t>Shutdown</a:t>
+            </a:r>
+            <a:r>
+              <a:rPr lang="fr-BE" sz="500" dirty="0">
+                <a:solidFill>
+                  <a:srgbClr val="0070C0"/>
+                </a:solidFill>
+              </a:rPr>
+              <a:t>()</a:t>
+            </a:r>
+          </a:p>
+        </p:txBody>
+      </p:sp>
+      <p:sp>
+        <p:nvSpPr>
+          <p:cNvPr id="48" name="Rectangle 47">
+            <a:extLst>
+              <a:ext uri="{FF2B5EF4-FFF2-40B4-BE49-F238E27FC236}">
+                <a16:creationId xmlns:a16="http://schemas.microsoft.com/office/drawing/2014/main" id="{3EE2C901-9053-49AC-8B34-DB2BC27DC605}"/>
+              </a:ext>
+            </a:extLst>
+          </p:cNvPr>
+          <p:cNvSpPr/>
+          <p:nvPr/>
+        </p:nvSpPr>
+        <p:spPr>
+          <a:xfrm>
+            <a:off x="2401482" y="2421179"/>
             <a:ext cx="811941" cy="276430"/>
           </a:xfrm>
           <a:prstGeom prst="rect">
@@ -3992,16 +4166,16 @@
           <a:p>
             <a:pPr algn="ctr"/>
             <a:r>
-              <a:rPr lang="fr-FR" sz="1000" b="1" dirty="0" err="1">
-                <a:solidFill>
-                  <a:schemeClr val="accent6"/>
+              <a:rPr lang="fr-FR" sz="800" dirty="0" err="1">
+                <a:solidFill>
+                  <a:schemeClr val="tx1"/>
                 </a:solidFill>
               </a:rPr>
-              <a:t>MyRobot</a:t>
-            </a:r>
-            <a:endParaRPr lang="fr-BE" sz="800" b="1" dirty="0">
+              <a:t>actuators</a:t>
+            </a:r>
+            <a:endParaRPr lang="fr-BE" sz="800" dirty="0">
               <a:solidFill>
-                <a:schemeClr val="accent6"/>
+                <a:schemeClr val="tx1"/>
               </a:solidFill>
             </a:endParaRPr>
           </a:p>
@@ -4009,10 +4183,10 @@
       </p:sp>
       <p:sp>
         <p:nvSpPr>
-          <p:cNvPr id="48" name="Rectangle 47">
-            <a:extLst>
-              <a:ext uri="{FF2B5EF4-FFF2-40B4-BE49-F238E27FC236}">
-                <a16:creationId xmlns:a16="http://schemas.microsoft.com/office/drawing/2014/main" id="{3EE2C901-9053-49AC-8B34-DB2BC27DC605}"/>
+          <p:cNvPr id="49" name="Rectangle 48">
+            <a:extLst>
+              <a:ext uri="{FF2B5EF4-FFF2-40B4-BE49-F238E27FC236}">
+                <a16:creationId xmlns:a16="http://schemas.microsoft.com/office/drawing/2014/main" id="{31D9AF1C-F3B1-47A5-A0F1-D18EBE02FB5E}"/>
               </a:ext>
             </a:extLst>
           </p:cNvPr>
@@ -4021,7 +4195,7 @@
         </p:nvSpPr>
         <p:spPr>
           <a:xfrm>
-            <a:off x="2302825" y="1909944"/>
+            <a:off x="3389031" y="2424695"/>
             <a:ext cx="811941" cy="276430"/>
           </a:xfrm>
           <a:prstGeom prst="rect">
@@ -4056,16 +4230,16 @@
           <a:p>
             <a:pPr algn="ctr"/>
             <a:r>
-              <a:rPr lang="fr-FR" sz="800" dirty="0" err="1">
-                <a:solidFill>
-                  <a:schemeClr val="tx1"/>
+              <a:rPr lang="fr-FR" sz="800" b="1" i="1" dirty="0" err="1">
+                <a:solidFill>
+                  <a:schemeClr val="accent6"/>
                 </a:solidFill>
               </a:rPr>
-              <a:t>Actuators</a:t>
-            </a:r>
-            <a:endParaRPr lang="fr-BE" sz="800" dirty="0">
+              <a:t>Sensors</a:t>
+            </a:r>
+            <a:endParaRPr lang="fr-BE" sz="800" b="1" i="1" dirty="0">
               <a:solidFill>
-                <a:schemeClr val="tx1"/>
+                <a:schemeClr val="accent6"/>
               </a:solidFill>
             </a:endParaRPr>
           </a:p>
@@ -4073,10 +4247,10 @@
       </p:sp>
       <p:sp>
         <p:nvSpPr>
-          <p:cNvPr id="49" name="Rectangle 48">
-            <a:extLst>
-              <a:ext uri="{FF2B5EF4-FFF2-40B4-BE49-F238E27FC236}">
-                <a16:creationId xmlns:a16="http://schemas.microsoft.com/office/drawing/2014/main" id="{31D9AF1C-F3B1-47A5-A0F1-D18EBE02FB5E}"/>
+          <p:cNvPr id="50" name="Rectangle 49">
+            <a:extLst>
+              <a:ext uri="{FF2B5EF4-FFF2-40B4-BE49-F238E27FC236}">
+                <a16:creationId xmlns:a16="http://schemas.microsoft.com/office/drawing/2014/main" id="{4C9B7C03-18BB-4DE9-A8E5-999E75F00EF2}"/>
               </a:ext>
             </a:extLst>
           </p:cNvPr>
@@ -4085,7 +4259,7 @@
         </p:nvSpPr>
         <p:spPr>
           <a:xfrm>
-            <a:off x="3419003" y="1913460"/>
+            <a:off x="1299648" y="2421352"/>
             <a:ext cx="811941" cy="276430"/>
           </a:xfrm>
           <a:prstGeom prst="rect">
@@ -4120,12 +4294,12 @@
           <a:p>
             <a:pPr algn="ctr"/>
             <a:r>
-              <a:rPr lang="fr-FR" sz="800" dirty="0" err="1">
+              <a:rPr lang="fr-FR" sz="800" dirty="0">
                 <a:solidFill>
                   <a:schemeClr val="tx1"/>
                 </a:solidFill>
               </a:rPr>
-              <a:t>Sensors</a:t>
+              <a:t>infos</a:t>
             </a:r>
             <a:endParaRPr lang="fr-BE" sz="800" dirty="0">
               <a:solidFill>
@@ -4135,12 +4309,98 @@
           </a:p>
         </p:txBody>
       </p:sp>
-      <p:sp>
-        <p:nvSpPr>
-          <p:cNvPr id="50" name="Rectangle 49">
-            <a:extLst>
-              <a:ext uri="{FF2B5EF4-FFF2-40B4-BE49-F238E27FC236}">
-                <a16:creationId xmlns:a16="http://schemas.microsoft.com/office/drawing/2014/main" id="{4C9B7C03-18BB-4DE9-A8E5-999E75F00EF2}"/>
+      <p:cxnSp>
+        <p:nvCxnSpPr>
+          <p:cNvPr id="23" name="Connecteur droit avec flèche 22">
+            <a:extLst>
+              <a:ext uri="{FF2B5EF4-FFF2-40B4-BE49-F238E27FC236}">
+                <a16:creationId xmlns:a16="http://schemas.microsoft.com/office/drawing/2014/main" id="{A4ABB349-66E0-481A-8713-8B31F703E938}"/>
+              </a:ext>
+            </a:extLst>
+          </p:cNvPr>
+          <p:cNvCxnSpPr>
+            <a:cxnSpLocks/>
+            <a:stCxn id="14" idx="2"/>
+            <a:endCxn id="32" idx="0"/>
+          </p:cNvCxnSpPr>
+          <p:nvPr/>
+        </p:nvCxnSpPr>
+        <p:spPr>
+          <a:xfrm>
+            <a:off x="4060490" y="3433206"/>
+            <a:ext cx="253930" cy="395719"/>
+          </a:xfrm>
+          <a:prstGeom prst="straightConnector1">
+            <a:avLst/>
+          </a:prstGeom>
+          <a:ln w="6350">
+            <a:tailEnd type="triangle"/>
+          </a:ln>
+        </p:spPr>
+        <p:style>
+          <a:lnRef idx="2">
+            <a:schemeClr val="dk1"/>
+          </a:lnRef>
+          <a:fillRef idx="1">
+            <a:schemeClr val="lt1"/>
+          </a:fillRef>
+          <a:effectRef idx="0">
+            <a:schemeClr val="dk1"/>
+          </a:effectRef>
+          <a:fontRef idx="minor">
+            <a:schemeClr val="dk1"/>
+          </a:fontRef>
+        </p:style>
+      </p:cxnSp>
+      <p:cxnSp>
+        <p:nvCxnSpPr>
+          <p:cNvPr id="25" name="Connecteur droit avec flèche 24">
+            <a:extLst>
+              <a:ext uri="{FF2B5EF4-FFF2-40B4-BE49-F238E27FC236}">
+                <a16:creationId xmlns:a16="http://schemas.microsoft.com/office/drawing/2014/main" id="{3CD34A56-7DF2-4289-AB69-C9B2283A878D}"/>
+              </a:ext>
+            </a:extLst>
+          </p:cNvPr>
+          <p:cNvCxnSpPr>
+            <a:cxnSpLocks/>
+            <a:stCxn id="14" idx="2"/>
+            <a:endCxn id="28" idx="0"/>
+          </p:cNvCxnSpPr>
+          <p:nvPr/>
+        </p:nvCxnSpPr>
+        <p:spPr>
+          <a:xfrm flipH="1">
+            <a:off x="3799737" y="3433206"/>
+            <a:ext cx="260753" cy="395720"/>
+          </a:xfrm>
+          <a:prstGeom prst="straightConnector1">
+            <a:avLst/>
+          </a:prstGeom>
+          <a:ln w="6350">
+            <a:tailEnd type="triangle"/>
+          </a:ln>
+        </p:spPr>
+        <p:style>
+          <a:lnRef idx="2">
+            <a:schemeClr val="dk1"/>
+          </a:lnRef>
+          <a:fillRef idx="1">
+            <a:schemeClr val="lt1"/>
+          </a:fillRef>
+          <a:effectRef idx="0">
+            <a:schemeClr val="dk1"/>
+          </a:effectRef>
+          <a:fontRef idx="minor">
+            <a:schemeClr val="dk1"/>
+          </a:fontRef>
+        </p:style>
+      </p:cxnSp>
+      <p:sp>
+        <p:nvSpPr>
+          <p:cNvPr id="28" name="Rectangle 27">
+            <a:extLst>
+              <a:ext uri="{FF2B5EF4-FFF2-40B4-BE49-F238E27FC236}">
+                <a16:creationId xmlns:a16="http://schemas.microsoft.com/office/drawing/2014/main" id="{658A720D-2DEB-40AA-901B-9E2D4CDAE949}"/>
               </a:ext>
             </a:extLst>
           </p:cNvPr>
@@ -4149,8 +4409,106 @@
         </p:nvSpPr>
         <p:spPr>
           <a:xfrm>
-            <a:off x="1186647" y="1910117"/>
-            <a:ext cx="811941" cy="276430"/>
+            <a:off x="3559393" y="3828926"/>
+            <a:ext cx="480688" cy="256905"/>
+          </a:xfrm>
+          <a:prstGeom prst="rect">
+            <a:avLst/>
+          </a:prstGeom>
+          <a:ln w="6350"/>
+        </p:spPr>
+        <p:style>
+          <a:lnRef idx="2">
+            <a:schemeClr val="dk1"/>
+          </a:lnRef>
+          <a:fillRef idx="1">
+            <a:schemeClr val="lt1"/>
+          </a:fillRef>
+          <a:effectRef idx="0">
+            <a:schemeClr val="dk1"/>
+          </a:effectRef>
+          <a:fontRef idx="minor">
+            <a:schemeClr val="dk1"/>
+          </a:fontRef>
+        </p:style>
+        <p:txBody>
+          <a:bodyPr rtlCol="0" anchor="ctr"/>
+          <a:lstStyle/>
+          <a:p>
+            <a:pPr algn="ctr"/>
+            <a:r>
+              <a:rPr lang="fr-FR" sz="700" dirty="0"/>
+              <a:t>Button</a:t>
+            </a:r>
+            <a:endParaRPr lang="fr-BE" sz="700" dirty="0"/>
+          </a:p>
+        </p:txBody>
+      </p:sp>
+      <p:sp>
+        <p:nvSpPr>
+          <p:cNvPr id="32" name="Rectangle 31">
+            <a:extLst>
+              <a:ext uri="{FF2B5EF4-FFF2-40B4-BE49-F238E27FC236}">
+                <a16:creationId xmlns:a16="http://schemas.microsoft.com/office/drawing/2014/main" id="{EB5A9545-B7E4-4D67-89BE-38C276A2D324}"/>
+              </a:ext>
+            </a:extLst>
+          </p:cNvPr>
+          <p:cNvSpPr/>
+          <p:nvPr/>
+        </p:nvSpPr>
+        <p:spPr>
+          <a:xfrm>
+            <a:off x="4074076" y="3828925"/>
+            <a:ext cx="480688" cy="256905"/>
+          </a:xfrm>
+          <a:prstGeom prst="rect">
+            <a:avLst/>
+          </a:prstGeom>
+          <a:ln w="6350"/>
+        </p:spPr>
+        <p:style>
+          <a:lnRef idx="2">
+            <a:schemeClr val="dk1"/>
+          </a:lnRef>
+          <a:fillRef idx="1">
+            <a:schemeClr val="lt1"/>
+          </a:fillRef>
+          <a:effectRef idx="0">
+            <a:schemeClr val="dk1"/>
+          </a:effectRef>
+          <a:fontRef idx="minor">
+            <a:schemeClr val="dk1"/>
+          </a:fontRef>
+        </p:style>
+        <p:txBody>
+          <a:bodyPr rtlCol="0" anchor="ctr"/>
+          <a:lstStyle/>
+          <a:p>
+            <a:pPr algn="ctr"/>
+            <a:r>
+              <a:rPr lang="fr-FR" sz="700" dirty="0"/>
+              <a:t>Button</a:t>
+            </a:r>
+            <a:endParaRPr lang="fr-BE" sz="700" dirty="0"/>
+          </a:p>
+        </p:txBody>
+      </p:sp>
+      <p:sp>
+        <p:nvSpPr>
+          <p:cNvPr id="27" name="Rectangle 26">
+            <a:extLst>
+              <a:ext uri="{FF2B5EF4-FFF2-40B4-BE49-F238E27FC236}">
+                <a16:creationId xmlns:a16="http://schemas.microsoft.com/office/drawing/2014/main" id="{69555244-E172-4C78-9E91-13A48D6EFF5C}"/>
+              </a:ext>
+            </a:extLst>
+          </p:cNvPr>
+          <p:cNvSpPr/>
+          <p:nvPr/>
+        </p:nvSpPr>
+        <p:spPr>
+          <a:xfrm>
+            <a:off x="5657109" y="2421179"/>
+            <a:ext cx="1211555" cy="395774"/>
           </a:xfrm>
           <a:prstGeom prst="rect">
             <a:avLst/>
@@ -4184,41 +4542,479 @@
           <a:p>
             <a:pPr algn="ctr"/>
             <a:r>
-              <a:rPr lang="fr-FR" sz="800" dirty="0">
-                <a:solidFill>
-                  <a:schemeClr val="tx1"/>
+              <a:rPr lang="fr-FR" sz="900" b="1" i="1" dirty="0">
+                <a:solidFill>
+                  <a:schemeClr val="accent6"/>
                 </a:solidFill>
               </a:rPr>
-              <a:t>Infos</a:t>
-            </a:r>
-            <a:endParaRPr lang="fr-BE" sz="800" dirty="0">
+              <a:t>Controller</a:t>
+            </a:r>
+            <a:endParaRPr lang="fr-FR" sz="400" dirty="0">
               <a:solidFill>
-                <a:schemeClr val="tx1"/>
+                <a:schemeClr val="accent6"/>
               </a:solidFill>
             </a:endParaRPr>
           </a:p>
+          <a:p>
+            <a:pPr marL="171450" indent="-171450">
+              <a:buFont typeface="Arial" panose="020B0604020202020204" pitchFamily="34" charset="0"/>
+              <a:buChar char="•"/>
+            </a:pPr>
+            <a:r>
+              <a:rPr lang="fr-FR" sz="500" dirty="0" err="1">
+                <a:solidFill>
+                  <a:srgbClr val="0070C0"/>
+                </a:solidFill>
+              </a:rPr>
+              <a:t>Send_to_motors</a:t>
+            </a:r>
+            <a:r>
+              <a:rPr lang="fr-FR" sz="500" dirty="0">
+                <a:solidFill>
+                  <a:srgbClr val="0070C0"/>
+                </a:solidFill>
+              </a:rPr>
+              <a:t>()</a:t>
+            </a:r>
+          </a:p>
+          <a:p>
+            <a:pPr marL="171450" indent="-171450">
+              <a:buFont typeface="Arial" panose="020B0604020202020204" pitchFamily="34" charset="0"/>
+              <a:buChar char="•"/>
+            </a:pPr>
+            <a:r>
+              <a:rPr lang="fr-FR" sz="500" dirty="0" err="1">
+                <a:solidFill>
+                  <a:srgbClr val="0070C0"/>
+                </a:solidFill>
+              </a:rPr>
+              <a:t>Set_cartesian_ref</a:t>
+            </a:r>
+            <a:r>
+              <a:rPr lang="fr-FR" sz="500" dirty="0">
+                <a:solidFill>
+                  <a:srgbClr val="0070C0"/>
+                </a:solidFill>
+              </a:rPr>
+              <a:t>(</a:t>
+            </a:r>
+            <a:r>
+              <a:rPr lang="fr-FR" sz="500" dirty="0" err="1">
+                <a:solidFill>
+                  <a:srgbClr val="0070C0"/>
+                </a:solidFill>
+              </a:rPr>
+              <a:t>new_x,new_y</a:t>
+            </a:r>
+            <a:r>
+              <a:rPr lang="fr-FR" sz="500" dirty="0">
+                <a:solidFill>
+                  <a:srgbClr val="0070C0"/>
+                </a:solidFill>
+              </a:rPr>
+              <a:t>)</a:t>
+            </a:r>
+            <a:endParaRPr lang="fr-BE" sz="400" dirty="0">
+              <a:solidFill>
+                <a:srgbClr val="0070C0"/>
+              </a:solidFill>
+            </a:endParaRPr>
+          </a:p>
         </p:txBody>
       </p:sp>
       <p:cxnSp>
         <p:nvCxnSpPr>
-          <p:cNvPr id="23" name="Connecteur droit avec flèche 22">
-            <a:extLst>
-              <a:ext uri="{FF2B5EF4-FFF2-40B4-BE49-F238E27FC236}">
-                <a16:creationId xmlns:a16="http://schemas.microsoft.com/office/drawing/2014/main" id="{A4ABB349-66E0-481A-8713-8B31F703E938}"/>
+          <p:cNvPr id="4" name="Connecteur droit avec flèche 3">
+            <a:extLst>
+              <a:ext uri="{FF2B5EF4-FFF2-40B4-BE49-F238E27FC236}">
+                <a16:creationId xmlns:a16="http://schemas.microsoft.com/office/drawing/2014/main" id="{6BD49D05-4F85-46F5-82CC-25F46C9080B8}"/>
               </a:ext>
             </a:extLst>
           </p:cNvPr>
           <p:cNvCxnSpPr>
             <a:cxnSpLocks/>
-            <a:stCxn id="14" idx="2"/>
-            <a:endCxn id="32" idx="0"/>
+            <a:stCxn id="40" idx="2"/>
+            <a:endCxn id="27" idx="0"/>
           </p:cNvCxnSpPr>
           <p:nvPr/>
         </p:nvCxnSpPr>
         <p:spPr>
           <a:xfrm>
-            <a:off x="4090462" y="2709320"/>
-            <a:ext cx="253930" cy="197244"/>
+            <a:off x="4554764" y="1806726"/>
+            <a:ext cx="1708123" cy="614453"/>
+          </a:xfrm>
+          <a:prstGeom prst="straightConnector1">
+            <a:avLst/>
+          </a:prstGeom>
+          <a:ln>
+            <a:tailEnd type="triangle"/>
+          </a:ln>
+        </p:spPr>
+        <p:style>
+          <a:lnRef idx="1">
+            <a:schemeClr val="dk1"/>
+          </a:lnRef>
+          <a:fillRef idx="0">
+            <a:schemeClr val="dk1"/>
+          </a:fillRef>
+          <a:effectRef idx="0">
+            <a:schemeClr val="dk1"/>
+          </a:effectRef>
+          <a:fontRef idx="minor">
+            <a:schemeClr val="tx1"/>
+          </a:fontRef>
+        </p:style>
+      </p:cxnSp>
+      <p:sp>
+        <p:nvSpPr>
+          <p:cNvPr id="29" name="Rectangle 28">
+            <a:extLst>
+              <a:ext uri="{FF2B5EF4-FFF2-40B4-BE49-F238E27FC236}">
+                <a16:creationId xmlns:a16="http://schemas.microsoft.com/office/drawing/2014/main" id="{DCEF24D3-0F6B-4223-A1B6-2DEB4DF0C4BC}"/>
+              </a:ext>
+            </a:extLst>
+          </p:cNvPr>
+          <p:cNvSpPr/>
+          <p:nvPr/>
+        </p:nvSpPr>
+        <p:spPr>
+          <a:xfrm>
+            <a:off x="5576653" y="3196514"/>
+            <a:ext cx="1380088" cy="591800"/>
+          </a:xfrm>
+          <a:prstGeom prst="rect">
+            <a:avLst/>
+          </a:prstGeom>
+          <a:ln w="6350"/>
+        </p:spPr>
+        <p:style>
+          <a:lnRef idx="2">
+            <a:schemeClr val="dk1"/>
+          </a:lnRef>
+          <a:fillRef idx="1">
+            <a:schemeClr val="lt1"/>
+          </a:fillRef>
+          <a:effectRef idx="0">
+            <a:schemeClr val="dk1"/>
+          </a:effectRef>
+          <a:fontRef idx="minor">
+            <a:schemeClr val="dk1"/>
+          </a:fontRef>
+        </p:style>
+        <p:txBody>
+          <a:bodyPr rtlCol="0" anchor="ctr"/>
+          <a:lstStyle/>
+          <a:p>
+            <a:pPr algn="ctr"/>
+            <a:r>
+              <a:rPr lang="fr-FR" sz="800" b="1" i="1" dirty="0" err="1">
+                <a:solidFill>
+                  <a:schemeClr val="accent6"/>
+                </a:solidFill>
+              </a:rPr>
+              <a:t>PID_obj</a:t>
+            </a:r>
+            <a:endParaRPr lang="fr-FR" sz="600" b="1" i="1" dirty="0">
+              <a:solidFill>
+                <a:schemeClr val="accent5"/>
+              </a:solidFill>
+            </a:endParaRPr>
+          </a:p>
+          <a:p>
+            <a:pPr marL="171450" indent="-171450">
+              <a:buFont typeface="Arial" panose="020B0604020202020204" pitchFamily="34" charset="0"/>
+              <a:buChar char="•"/>
+            </a:pPr>
+            <a:r>
+              <a:rPr lang="fr-FR" sz="500" dirty="0" err="1">
+                <a:solidFill>
+                  <a:schemeClr val="accent5"/>
+                </a:solidFill>
+              </a:rPr>
+              <a:t>Set_setpoint_l</a:t>
+            </a:r>
+            <a:r>
+              <a:rPr lang="fr-FR" sz="500" dirty="0">
+                <a:solidFill>
+                  <a:schemeClr val="accent5"/>
+                </a:solidFill>
+              </a:rPr>
+              <a:t>(</a:t>
+            </a:r>
+            <a:r>
+              <a:rPr lang="fr-FR" sz="500" dirty="0" err="1">
+                <a:solidFill>
+                  <a:schemeClr val="accent5"/>
+                </a:solidFill>
+              </a:rPr>
+              <a:t>sp</a:t>
+            </a:r>
+            <a:r>
+              <a:rPr lang="fr-FR" sz="500" dirty="0">
+                <a:solidFill>
+                  <a:schemeClr val="accent5"/>
+                </a:solidFill>
+              </a:rPr>
+              <a:t>)</a:t>
+            </a:r>
+          </a:p>
+          <a:p>
+            <a:pPr marL="171450" indent="-171450">
+              <a:buFont typeface="Arial" panose="020B0604020202020204" pitchFamily="34" charset="0"/>
+              <a:buChar char="•"/>
+            </a:pPr>
+            <a:r>
+              <a:rPr lang="fr-FR" sz="500" dirty="0" err="1">
+                <a:solidFill>
+                  <a:schemeClr val="accent5"/>
+                </a:solidFill>
+              </a:rPr>
+              <a:t>Set_setpoint_r</a:t>
+            </a:r>
+            <a:r>
+              <a:rPr lang="fr-FR" sz="500" dirty="0">
+                <a:solidFill>
+                  <a:schemeClr val="accent5"/>
+                </a:solidFill>
+              </a:rPr>
+              <a:t>(</a:t>
+            </a:r>
+            <a:r>
+              <a:rPr lang="fr-FR" sz="500" dirty="0" err="1">
+                <a:solidFill>
+                  <a:schemeClr val="accent5"/>
+                </a:solidFill>
+              </a:rPr>
+              <a:t>sp</a:t>
+            </a:r>
+            <a:r>
+              <a:rPr lang="fr-FR" sz="500" dirty="0">
+                <a:solidFill>
+                  <a:schemeClr val="accent5"/>
+                </a:solidFill>
+              </a:rPr>
+              <a:t>)</a:t>
+            </a:r>
+          </a:p>
+          <a:p>
+            <a:pPr marL="171450" indent="-171450">
+              <a:buFont typeface="Arial" panose="020B0604020202020204" pitchFamily="34" charset="0"/>
+              <a:buChar char="•"/>
+            </a:pPr>
+            <a:r>
+              <a:rPr lang="fr-FR" sz="500" dirty="0" err="1">
+                <a:solidFill>
+                  <a:schemeClr val="accent5"/>
+                </a:solidFill>
+              </a:rPr>
+              <a:t>Set_mes</a:t>
+            </a:r>
+            <a:r>
+              <a:rPr lang="fr-FR" sz="500" dirty="0">
+                <a:solidFill>
+                  <a:schemeClr val="accent5"/>
+                </a:solidFill>
+              </a:rPr>
+              <a:t>(</a:t>
+            </a:r>
+            <a:r>
+              <a:rPr lang="fr-FR" sz="500" dirty="0" err="1">
+                <a:solidFill>
+                  <a:schemeClr val="accent5"/>
+                </a:solidFill>
+              </a:rPr>
+              <a:t>omega_mes_l,omega_mes_r</a:t>
+            </a:r>
+            <a:r>
+              <a:rPr lang="fr-FR" sz="500" dirty="0">
+                <a:solidFill>
+                  <a:schemeClr val="accent5"/>
+                </a:solidFill>
+              </a:rPr>
+              <a:t>)</a:t>
+            </a:r>
+          </a:p>
+          <a:p>
+            <a:pPr marL="171450" indent="-171450">
+              <a:buFont typeface="Arial" panose="020B0604020202020204" pitchFamily="34" charset="0"/>
+              <a:buChar char="•"/>
+            </a:pPr>
+            <a:r>
+              <a:rPr lang="fr-FR" sz="500" dirty="0" err="1">
+                <a:solidFill>
+                  <a:schemeClr val="accent5"/>
+                </a:solidFill>
+              </a:rPr>
+              <a:t>Output_value_l</a:t>
+            </a:r>
+            <a:r>
+              <a:rPr lang="fr-FR" sz="500" dirty="0">
+                <a:solidFill>
+                  <a:schemeClr val="accent5"/>
+                </a:solidFill>
+              </a:rPr>
+              <a:t>()</a:t>
+            </a:r>
+          </a:p>
+          <a:p>
+            <a:pPr marL="171450" indent="-171450">
+              <a:buFont typeface="Arial" panose="020B0604020202020204" pitchFamily="34" charset="0"/>
+              <a:buChar char="•"/>
+            </a:pPr>
+            <a:r>
+              <a:rPr lang="fr-FR" sz="500" dirty="0" err="1">
+                <a:solidFill>
+                  <a:schemeClr val="accent5"/>
+                </a:solidFill>
+              </a:rPr>
+              <a:t>Output_value_r</a:t>
+            </a:r>
+            <a:r>
+              <a:rPr lang="fr-FR" sz="500" dirty="0">
+                <a:solidFill>
+                  <a:schemeClr val="accent5"/>
+                </a:solidFill>
+              </a:rPr>
+              <a:t>()</a:t>
+            </a:r>
+            <a:endParaRPr lang="fr-BE" sz="700" dirty="0">
+              <a:solidFill>
+                <a:schemeClr val="accent6"/>
+              </a:solidFill>
+            </a:endParaRPr>
+          </a:p>
+        </p:txBody>
+      </p:sp>
+      <p:sp>
+        <p:nvSpPr>
+          <p:cNvPr id="33" name="Rectangle 32">
+            <a:extLst>
+              <a:ext uri="{FF2B5EF4-FFF2-40B4-BE49-F238E27FC236}">
+                <a16:creationId xmlns:a16="http://schemas.microsoft.com/office/drawing/2014/main" id="{A8994D85-AACC-45E5-9C36-C9ED0B334878}"/>
+              </a:ext>
+            </a:extLst>
+          </p:cNvPr>
+          <p:cNvSpPr/>
+          <p:nvPr/>
+        </p:nvSpPr>
+        <p:spPr>
+          <a:xfrm>
+            <a:off x="7155155" y="3194919"/>
+            <a:ext cx="712305" cy="395774"/>
+          </a:xfrm>
+          <a:prstGeom prst="rect">
+            <a:avLst/>
+          </a:prstGeom>
+          <a:ln w="6350"/>
+        </p:spPr>
+        <p:style>
+          <a:lnRef idx="2">
+            <a:schemeClr val="dk1"/>
+          </a:lnRef>
+          <a:fillRef idx="1">
+            <a:schemeClr val="lt1"/>
+          </a:fillRef>
+          <a:effectRef idx="0">
+            <a:schemeClr val="dk1"/>
+          </a:effectRef>
+          <a:fontRef idx="minor">
+            <a:schemeClr val="dk1"/>
+          </a:fontRef>
+        </p:style>
+        <p:txBody>
+          <a:bodyPr rtlCol="0" anchor="ctr"/>
+          <a:lstStyle/>
+          <a:p>
+            <a:pPr algn="ctr"/>
+            <a:r>
+              <a:rPr lang="fr-FR" sz="800" b="1" i="1" dirty="0">
+                <a:solidFill>
+                  <a:schemeClr val="accent6"/>
+                </a:solidFill>
+              </a:rPr>
+              <a:t>DEO2RPI</a:t>
+            </a:r>
+          </a:p>
+          <a:p>
+            <a:pPr marL="171450" indent="-171450">
+              <a:buFont typeface="Arial" panose="020B0604020202020204" pitchFamily="34" charset="0"/>
+              <a:buChar char="•"/>
+            </a:pPr>
+            <a:r>
+              <a:rPr lang="fr-FR" sz="500" dirty="0">
+                <a:solidFill>
+                  <a:srgbClr val="0070C0"/>
+                </a:solidFill>
+              </a:rPr>
+              <a:t>count(spi)</a:t>
+            </a:r>
+          </a:p>
+          <a:p>
+            <a:pPr marL="171450" indent="-171450">
+              <a:buFont typeface="Arial" panose="020B0604020202020204" pitchFamily="34" charset="0"/>
+              <a:buChar char="•"/>
+            </a:pPr>
+            <a:r>
+              <a:rPr lang="fr-FR" sz="500" dirty="0" err="1">
+                <a:solidFill>
+                  <a:srgbClr val="0070C0"/>
+                </a:solidFill>
+              </a:rPr>
+              <a:t>dright</a:t>
+            </a:r>
+            <a:r>
+              <a:rPr lang="fr-FR" sz="500" dirty="0">
+                <a:solidFill>
+                  <a:srgbClr val="0070C0"/>
+                </a:solidFill>
+              </a:rPr>
+              <a:t>()</a:t>
+            </a:r>
+          </a:p>
+          <a:p>
+            <a:pPr marL="171450" indent="-171450">
+              <a:buFont typeface="Arial" panose="020B0604020202020204" pitchFamily="34" charset="0"/>
+              <a:buChar char="•"/>
+            </a:pPr>
+            <a:r>
+              <a:rPr lang="fr-FR" sz="500" dirty="0" err="1">
+                <a:solidFill>
+                  <a:srgbClr val="0070C0"/>
+                </a:solidFill>
+              </a:rPr>
+              <a:t>dleft</a:t>
+            </a:r>
+            <a:r>
+              <a:rPr lang="fr-FR" sz="500" dirty="0">
+                <a:solidFill>
+                  <a:srgbClr val="0070C0"/>
+                </a:solidFill>
+              </a:rPr>
+              <a:t>()</a:t>
+            </a:r>
+          </a:p>
+        </p:txBody>
+      </p:sp>
+      <p:cxnSp>
+        <p:nvCxnSpPr>
+          <p:cNvPr id="34" name="Connecteur droit avec flèche 33">
+            <a:extLst>
+              <a:ext uri="{FF2B5EF4-FFF2-40B4-BE49-F238E27FC236}">
+                <a16:creationId xmlns:a16="http://schemas.microsoft.com/office/drawing/2014/main" id="{3A8B880E-2668-4573-96AC-307576F49E1A}"/>
+              </a:ext>
+            </a:extLst>
+          </p:cNvPr>
+          <p:cNvCxnSpPr>
+            <a:cxnSpLocks/>
+            <a:stCxn id="27" idx="2"/>
+            <a:endCxn id="33" idx="0"/>
+          </p:cNvCxnSpPr>
+          <p:nvPr/>
+        </p:nvCxnSpPr>
+        <p:spPr>
+          <a:xfrm>
+            <a:off x="6262887" y="2816953"/>
+            <a:ext cx="1248421" cy="377966"/>
           </a:xfrm>
           <a:prstGeom prst="straightConnector1">
             <a:avLst/>
@@ -4244,24 +5040,24 @@
       </p:cxnSp>
       <p:cxnSp>
         <p:nvCxnSpPr>
-          <p:cNvPr id="25" name="Connecteur droit avec flèche 24">
-            <a:extLst>
-              <a:ext uri="{FF2B5EF4-FFF2-40B4-BE49-F238E27FC236}">
-                <a16:creationId xmlns:a16="http://schemas.microsoft.com/office/drawing/2014/main" id="{3CD34A56-7DF2-4289-AB69-C9B2283A878D}"/>
+          <p:cNvPr id="35" name="Connecteur droit avec flèche 34">
+            <a:extLst>
+              <a:ext uri="{FF2B5EF4-FFF2-40B4-BE49-F238E27FC236}">
+                <a16:creationId xmlns:a16="http://schemas.microsoft.com/office/drawing/2014/main" id="{B5A0FB73-3C45-4B92-9937-F28F4FF56129}"/>
               </a:ext>
             </a:extLst>
           </p:cNvPr>
           <p:cNvCxnSpPr>
             <a:cxnSpLocks/>
-            <a:stCxn id="14" idx="2"/>
-            <a:endCxn id="28" idx="0"/>
+            <a:stCxn id="27" idx="2"/>
+            <a:endCxn id="29" idx="0"/>
           </p:cNvCxnSpPr>
           <p:nvPr/>
         </p:nvCxnSpPr>
         <p:spPr>
-          <a:xfrm flipH="1">
-            <a:off x="3829709" y="2709320"/>
-            <a:ext cx="260753" cy="197245"/>
+          <a:xfrm>
+            <a:off x="6262887" y="2816953"/>
+            <a:ext cx="3810" cy="379561"/>
           </a:xfrm>
           <a:prstGeom prst="straightConnector1">
             <a:avLst/>
@@ -4285,187 +5081,26 @@
           </a:fontRef>
         </p:style>
       </p:cxnSp>
-      <p:sp>
-        <p:nvSpPr>
-          <p:cNvPr id="28" name="Rectangle 27">
-            <a:extLst>
-              <a:ext uri="{FF2B5EF4-FFF2-40B4-BE49-F238E27FC236}">
-                <a16:creationId xmlns:a16="http://schemas.microsoft.com/office/drawing/2014/main" id="{658A720D-2DEB-40AA-901B-9E2D4CDAE949}"/>
-              </a:ext>
-            </a:extLst>
-          </p:cNvPr>
-          <p:cNvSpPr/>
-          <p:nvPr/>
-        </p:nvSpPr>
-        <p:spPr>
-          <a:xfrm>
-            <a:off x="3589365" y="2906565"/>
-            <a:ext cx="480688" cy="256905"/>
-          </a:xfrm>
-          <a:prstGeom prst="rect">
-            <a:avLst/>
-          </a:prstGeom>
-          <a:ln w="6350"/>
-        </p:spPr>
-        <p:style>
-          <a:lnRef idx="2">
-            <a:schemeClr val="dk1"/>
-          </a:lnRef>
-          <a:fillRef idx="1">
-            <a:schemeClr val="lt1"/>
-          </a:fillRef>
-          <a:effectRef idx="0">
-            <a:schemeClr val="dk1"/>
-          </a:effectRef>
-          <a:fontRef idx="minor">
-            <a:schemeClr val="dk1"/>
-          </a:fontRef>
-        </p:style>
-        <p:txBody>
-          <a:bodyPr rtlCol="0" anchor="ctr"/>
-          <a:lstStyle/>
-          <a:p>
-            <a:pPr algn="ctr"/>
-            <a:r>
-              <a:rPr lang="fr-FR" sz="700" dirty="0"/>
-              <a:t>Button</a:t>
-            </a:r>
-            <a:endParaRPr lang="fr-BE" sz="700" dirty="0"/>
-          </a:p>
-        </p:txBody>
-      </p:sp>
-      <p:sp>
-        <p:nvSpPr>
-          <p:cNvPr id="32" name="Rectangle 31">
-            <a:extLst>
-              <a:ext uri="{FF2B5EF4-FFF2-40B4-BE49-F238E27FC236}">
-                <a16:creationId xmlns:a16="http://schemas.microsoft.com/office/drawing/2014/main" id="{EB5A9545-B7E4-4D67-89BE-38C276A2D324}"/>
-              </a:ext>
-            </a:extLst>
-          </p:cNvPr>
-          <p:cNvSpPr/>
-          <p:nvPr/>
-        </p:nvSpPr>
-        <p:spPr>
-          <a:xfrm>
-            <a:off x="4104048" y="2906564"/>
-            <a:ext cx="480688" cy="256905"/>
-          </a:xfrm>
-          <a:prstGeom prst="rect">
-            <a:avLst/>
-          </a:prstGeom>
-          <a:ln w="6350"/>
-        </p:spPr>
-        <p:style>
-          <a:lnRef idx="2">
-            <a:schemeClr val="dk1"/>
-          </a:lnRef>
-          <a:fillRef idx="1">
-            <a:schemeClr val="lt1"/>
-          </a:fillRef>
-          <a:effectRef idx="0">
-            <a:schemeClr val="dk1"/>
-          </a:effectRef>
-          <a:fontRef idx="minor">
-            <a:schemeClr val="dk1"/>
-          </a:fontRef>
-        </p:style>
-        <p:txBody>
-          <a:bodyPr rtlCol="0" anchor="ctr"/>
-          <a:lstStyle/>
-          <a:p>
-            <a:pPr algn="ctr"/>
-            <a:r>
-              <a:rPr lang="fr-FR" sz="700" dirty="0"/>
-              <a:t>Button</a:t>
-            </a:r>
-            <a:endParaRPr lang="fr-BE" sz="700" dirty="0"/>
-          </a:p>
-        </p:txBody>
-      </p:sp>
-      <p:sp>
-        <p:nvSpPr>
-          <p:cNvPr id="27" name="Rectangle 26">
-            <a:extLst>
-              <a:ext uri="{FF2B5EF4-FFF2-40B4-BE49-F238E27FC236}">
-                <a16:creationId xmlns:a16="http://schemas.microsoft.com/office/drawing/2014/main" id="{69555244-E172-4C78-9E91-13A48D6EFF5C}"/>
-              </a:ext>
-            </a:extLst>
-          </p:cNvPr>
-          <p:cNvSpPr/>
-          <p:nvPr/>
-        </p:nvSpPr>
-        <p:spPr>
-          <a:xfrm>
-            <a:off x="4927841" y="1912442"/>
-            <a:ext cx="811941" cy="276430"/>
-          </a:xfrm>
-          <a:prstGeom prst="rect">
-            <a:avLst/>
-          </a:prstGeom>
-          <a:noFill/>
-          <a:ln w="6350">
-            <a:solidFill>
-              <a:schemeClr val="tx1"/>
-            </a:solidFill>
-          </a:ln>
-        </p:spPr>
-        <p:style>
-          <a:lnRef idx="2">
-            <a:schemeClr val="accent1">
-              <a:shade val="50000"/>
-            </a:schemeClr>
-          </a:lnRef>
-          <a:fillRef idx="1">
-            <a:schemeClr val="accent1"/>
-          </a:fillRef>
-          <a:effectRef idx="0">
-            <a:schemeClr val="accent1"/>
-          </a:effectRef>
-          <a:fontRef idx="minor">
-            <a:schemeClr val="lt1"/>
-          </a:fontRef>
-        </p:style>
-        <p:txBody>
-          <a:bodyPr rtlCol="0" anchor="ctr"/>
-          <a:lstStyle/>
-          <a:p>
-            <a:pPr algn="ctr"/>
-            <a:r>
-              <a:rPr lang="fr-FR" sz="800" dirty="0">
-                <a:solidFill>
-                  <a:schemeClr val="tx1"/>
-                </a:solidFill>
-              </a:rPr>
-              <a:t>Controller</a:t>
-            </a:r>
-            <a:endParaRPr lang="fr-BE" sz="800" dirty="0">
-              <a:solidFill>
-                <a:schemeClr val="tx1"/>
-              </a:solidFill>
-            </a:endParaRPr>
-          </a:p>
-        </p:txBody>
-      </p:sp>
       <p:cxnSp>
         <p:nvCxnSpPr>
-          <p:cNvPr id="4" name="Connecteur droit avec flèche 3">
-            <a:extLst>
-              <a:ext uri="{FF2B5EF4-FFF2-40B4-BE49-F238E27FC236}">
-                <a16:creationId xmlns:a16="http://schemas.microsoft.com/office/drawing/2014/main" id="{6BD49D05-4F85-46F5-82CC-25F46C9080B8}"/>
+          <p:cNvPr id="55" name="Connecteur droit avec flèche 54">
+            <a:extLst>
+              <a:ext uri="{FF2B5EF4-FFF2-40B4-BE49-F238E27FC236}">
+                <a16:creationId xmlns:a16="http://schemas.microsoft.com/office/drawing/2014/main" id="{7EBA9387-3BB6-4B38-904F-87AEDC891633}"/>
               </a:ext>
             </a:extLst>
           </p:cNvPr>
           <p:cNvCxnSpPr>
-            <a:stCxn id="40" idx="2"/>
-            <a:endCxn id="27" idx="0"/>
+            <a:cxnSpLocks/>
+            <a:stCxn id="27" idx="2"/>
+            <a:endCxn id="57" idx="0"/>
           </p:cNvCxnSpPr>
           <p:nvPr/>
         </p:nvCxnSpPr>
         <p:spPr>
-          <a:xfrm>
-            <a:off x="3383395" y="1674391"/>
-            <a:ext cx="1950417" cy="238051"/>
+          <a:xfrm flipH="1">
+            <a:off x="5111262" y="2816953"/>
+            <a:ext cx="1151625" cy="379561"/>
           </a:xfrm>
           <a:prstGeom prst="straightConnector1">
             <a:avLst/>
@@ -4491,10 +5126,10 @@
       </p:cxnSp>
       <p:sp>
         <p:nvSpPr>
-          <p:cNvPr id="29" name="Rectangle 28">
-            <a:extLst>
-              <a:ext uri="{FF2B5EF4-FFF2-40B4-BE49-F238E27FC236}">
-                <a16:creationId xmlns:a16="http://schemas.microsoft.com/office/drawing/2014/main" id="{DCEF24D3-0F6B-4223-A1B6-2DEB4DF0C4BC}"/>
+          <p:cNvPr id="57" name="Rectangle 56">
+            <a:extLst>
+              <a:ext uri="{FF2B5EF4-FFF2-40B4-BE49-F238E27FC236}">
+                <a16:creationId xmlns:a16="http://schemas.microsoft.com/office/drawing/2014/main" id="{1D8A8E27-49A4-4500-B02A-C1A89708B0E1}"/>
               </a:ext>
             </a:extLst>
           </p:cNvPr>
@@ -4503,8 +5138,8 @@
         </p:nvSpPr>
         <p:spPr>
           <a:xfrm>
-            <a:off x="4554390" y="2452415"/>
-            <a:ext cx="507400" cy="256905"/>
+            <a:off x="4844285" y="3196514"/>
+            <a:ext cx="533954" cy="256905"/>
           </a:xfrm>
           <a:prstGeom prst="rect">
             <a:avLst/>
@@ -4531,82 +5166,41 @@
           <a:p>
             <a:pPr algn="ctr"/>
             <a:r>
-              <a:rPr lang="fr-FR" sz="700" dirty="0" err="1"/>
-              <a:t>PID_obj</a:t>
-            </a:r>
-            <a:endParaRPr lang="fr-BE" sz="700" dirty="0"/>
-          </a:p>
-        </p:txBody>
-      </p:sp>
-      <p:sp>
-        <p:nvSpPr>
-          <p:cNvPr id="33" name="Rectangle 32">
-            <a:extLst>
-              <a:ext uri="{FF2B5EF4-FFF2-40B4-BE49-F238E27FC236}">
-                <a16:creationId xmlns:a16="http://schemas.microsoft.com/office/drawing/2014/main" id="{A8994D85-AACC-45E5-9C36-C9ED0B334878}"/>
-              </a:ext>
-            </a:extLst>
-          </p:cNvPr>
-          <p:cNvSpPr/>
-          <p:nvPr/>
-        </p:nvSpPr>
-        <p:spPr>
-          <a:xfrm>
-            <a:off x="5082849" y="2449183"/>
-            <a:ext cx="507399" cy="256905"/>
-          </a:xfrm>
-          <a:prstGeom prst="rect">
-            <a:avLst/>
-          </a:prstGeom>
-          <a:ln w="6350"/>
-        </p:spPr>
-        <p:style>
-          <a:lnRef idx="2">
-            <a:schemeClr val="dk1"/>
-          </a:lnRef>
-          <a:fillRef idx="1">
-            <a:schemeClr val="lt1"/>
-          </a:fillRef>
-          <a:effectRef idx="0">
-            <a:schemeClr val="dk1"/>
-          </a:effectRef>
-          <a:fontRef idx="minor">
-            <a:schemeClr val="dk1"/>
-          </a:fontRef>
-        </p:style>
-        <p:txBody>
-          <a:bodyPr rtlCol="0" anchor="ctr"/>
-          <a:lstStyle/>
-          <a:p>
-            <a:pPr algn="ctr"/>
-            <a:r>
-              <a:rPr lang="fr-FR" sz="700" dirty="0"/>
-              <a:t>DEO2Rpi</a:t>
-            </a:r>
-            <a:endParaRPr lang="fr-BE" sz="700" dirty="0"/>
+              <a:rPr lang="fr-FR" sz="700" dirty="0" err="1">
+                <a:solidFill>
+                  <a:srgbClr val="FF0000"/>
+                </a:solidFill>
+              </a:rPr>
+              <a:t>MyRobot</a:t>
+            </a:r>
+            <a:endParaRPr lang="fr-BE" sz="700" dirty="0">
+              <a:solidFill>
+                <a:srgbClr val="FF0000"/>
+              </a:solidFill>
+            </a:endParaRPr>
           </a:p>
         </p:txBody>
       </p:sp>
       <p:cxnSp>
         <p:nvCxnSpPr>
-          <p:cNvPr id="34" name="Connecteur droit avec flèche 33">
-            <a:extLst>
-              <a:ext uri="{FF2B5EF4-FFF2-40B4-BE49-F238E27FC236}">
-                <a16:creationId xmlns:a16="http://schemas.microsoft.com/office/drawing/2014/main" id="{3A8B880E-2668-4573-96AC-307576F49E1A}"/>
+          <p:cNvPr id="97" name="Connecteur droit avec flèche 96">
+            <a:extLst>
+              <a:ext uri="{FF2B5EF4-FFF2-40B4-BE49-F238E27FC236}">
+                <a16:creationId xmlns:a16="http://schemas.microsoft.com/office/drawing/2014/main" id="{7382014B-C2C3-4311-86B8-BC91DB5CEB81}"/>
               </a:ext>
             </a:extLst>
           </p:cNvPr>
           <p:cNvCxnSpPr>
             <a:cxnSpLocks/>
-            <a:stCxn id="27" idx="2"/>
-            <a:endCxn id="33" idx="0"/>
+            <a:stCxn id="33" idx="2"/>
+            <a:endCxn id="98" idx="0"/>
           </p:cNvCxnSpPr>
           <p:nvPr/>
         </p:nvCxnSpPr>
         <p:spPr>
-          <a:xfrm>
-            <a:off x="5333812" y="2188872"/>
-            <a:ext cx="2737" cy="260311"/>
+          <a:xfrm flipH="1">
+            <a:off x="7080392" y="3590693"/>
+            <a:ext cx="430916" cy="310944"/>
           </a:xfrm>
           <a:prstGeom prst="straightConnector1">
             <a:avLst/>
@@ -4630,26 +5224,83 @@
           </a:fontRef>
         </p:style>
       </p:cxnSp>
+      <p:sp>
+        <p:nvSpPr>
+          <p:cNvPr id="98" name="Rectangle 97">
+            <a:extLst>
+              <a:ext uri="{FF2B5EF4-FFF2-40B4-BE49-F238E27FC236}">
+                <a16:creationId xmlns:a16="http://schemas.microsoft.com/office/drawing/2014/main" id="{491D635B-5F52-4D83-881A-4B6D7750ACB1}"/>
+              </a:ext>
+            </a:extLst>
+          </p:cNvPr>
+          <p:cNvSpPr/>
+          <p:nvPr/>
+        </p:nvSpPr>
+        <p:spPr>
+          <a:xfrm>
+            <a:off x="6724239" y="3901637"/>
+            <a:ext cx="712305" cy="256905"/>
+          </a:xfrm>
+          <a:prstGeom prst="rect">
+            <a:avLst/>
+          </a:prstGeom>
+          <a:ln w="6350"/>
+        </p:spPr>
+        <p:style>
+          <a:lnRef idx="2">
+            <a:schemeClr val="dk1"/>
+          </a:lnRef>
+          <a:fillRef idx="1">
+            <a:schemeClr val="lt1"/>
+          </a:fillRef>
+          <a:effectRef idx="0">
+            <a:schemeClr val="dk1"/>
+          </a:effectRef>
+          <a:fontRef idx="minor">
+            <a:schemeClr val="dk1"/>
+          </a:fontRef>
+        </p:style>
+        <p:txBody>
+          <a:bodyPr rtlCol="0" anchor="ctr"/>
+          <a:lstStyle/>
+          <a:p>
+            <a:pPr algn="ctr"/>
+            <a:r>
+              <a:rPr lang="fr-FR" sz="700" dirty="0" err="1">
+                <a:solidFill>
+                  <a:srgbClr val="FF0000"/>
+                </a:solidFill>
+              </a:rPr>
+              <a:t>MyController</a:t>
+            </a:r>
+            <a:endParaRPr lang="fr-BE" sz="700" dirty="0">
+              <a:solidFill>
+                <a:srgbClr val="FF0000"/>
+              </a:solidFill>
+            </a:endParaRPr>
+          </a:p>
+        </p:txBody>
+      </p:sp>
       <p:cxnSp>
         <p:nvCxnSpPr>
-          <p:cNvPr id="35" name="Connecteur droit avec flèche 34">
-            <a:extLst>
-              <a:ext uri="{FF2B5EF4-FFF2-40B4-BE49-F238E27FC236}">
-                <a16:creationId xmlns:a16="http://schemas.microsoft.com/office/drawing/2014/main" id="{B5A0FB73-3C45-4B92-9937-F28F4FF56129}"/>
+          <p:cNvPr id="103" name="Connecteur droit avec flèche 102">
+            <a:extLst>
+              <a:ext uri="{FF2B5EF4-FFF2-40B4-BE49-F238E27FC236}">
+                <a16:creationId xmlns:a16="http://schemas.microsoft.com/office/drawing/2014/main" id="{95146809-10DB-418D-BA51-503D721EDFDA}"/>
               </a:ext>
             </a:extLst>
           </p:cNvPr>
           <p:cNvCxnSpPr>
             <a:cxnSpLocks/>
-            <a:stCxn id="27" idx="2"/>
-            <a:endCxn id="29" idx="0"/>
+            <a:stCxn id="33" idx="2"/>
+            <a:endCxn id="104" idx="0"/>
           </p:cNvCxnSpPr>
           <p:nvPr/>
         </p:nvCxnSpPr>
         <p:spPr>
-          <a:xfrm flipH="1">
-            <a:off x="4808090" y="2188872"/>
-            <a:ext cx="525722" cy="263543"/>
+          <a:xfrm>
+            <a:off x="7511308" y="3590693"/>
+            <a:ext cx="532483" cy="312366"/>
           </a:xfrm>
           <a:prstGeom prst="straightConnector1">
             <a:avLst/>
@@ -4673,65 +5324,22 @@
           </a:fontRef>
         </p:style>
       </p:cxnSp>
-      <p:cxnSp>
-        <p:nvCxnSpPr>
-          <p:cNvPr id="55" name="Connecteur droit avec flèche 54">
-            <a:extLst>
-              <a:ext uri="{FF2B5EF4-FFF2-40B4-BE49-F238E27FC236}">
-                <a16:creationId xmlns:a16="http://schemas.microsoft.com/office/drawing/2014/main" id="{7EBA9387-3BB6-4B38-904F-87AEDC891633}"/>
-              </a:ext>
-            </a:extLst>
-          </p:cNvPr>
-          <p:cNvCxnSpPr>
-            <a:cxnSpLocks/>
-            <a:stCxn id="27" idx="2"/>
-            <a:endCxn id="57" idx="0"/>
-          </p:cNvCxnSpPr>
+      <p:sp>
+        <p:nvSpPr>
+          <p:cNvPr id="104" name="Rectangle 103">
+            <a:extLst>
+              <a:ext uri="{FF2B5EF4-FFF2-40B4-BE49-F238E27FC236}">
+                <a16:creationId xmlns:a16="http://schemas.microsoft.com/office/drawing/2014/main" id="{A3B295E3-117D-4792-93A3-3102A294FF9A}"/>
+              </a:ext>
+            </a:extLst>
+          </p:cNvPr>
+          <p:cNvSpPr/>
           <p:nvPr/>
-        </p:nvCxnSpPr>
+        </p:nvSpPr>
         <p:spPr>
           <a:xfrm>
-            <a:off x="5333812" y="2188872"/>
-            <a:ext cx="531195" cy="260311"/>
-          </a:xfrm>
-          <a:prstGeom prst="straightConnector1">
-            <a:avLst/>
-          </a:prstGeom>
-          <a:ln>
-            <a:tailEnd type="triangle"/>
-          </a:ln>
-        </p:spPr>
-        <p:style>
-          <a:lnRef idx="1">
-            <a:schemeClr val="dk1"/>
-          </a:lnRef>
-          <a:fillRef idx="0">
-            <a:schemeClr val="dk1"/>
-          </a:fillRef>
-          <a:effectRef idx="0">
-            <a:schemeClr val="dk1"/>
-          </a:effectRef>
-          <a:fontRef idx="minor">
-            <a:schemeClr val="tx1"/>
-          </a:fontRef>
-        </p:style>
-      </p:cxnSp>
-      <p:sp>
-        <p:nvSpPr>
-          <p:cNvPr id="57" name="Rectangle 56">
-            <a:extLst>
-              <a:ext uri="{FF2B5EF4-FFF2-40B4-BE49-F238E27FC236}">
-                <a16:creationId xmlns:a16="http://schemas.microsoft.com/office/drawing/2014/main" id="{1D8A8E27-49A4-4500-B02A-C1A89708B0E1}"/>
-              </a:ext>
-            </a:extLst>
-          </p:cNvPr>
-          <p:cNvSpPr/>
-          <p:nvPr/>
-        </p:nvSpPr>
-        <p:spPr>
-          <a:xfrm>
-            <a:off x="5611307" y="2449183"/>
-            <a:ext cx="507399" cy="256905"/>
+            <a:off x="7728980" y="3903059"/>
+            <a:ext cx="629621" cy="256905"/>
           </a:xfrm>
           <a:prstGeom prst="rect">
             <a:avLst/>
@@ -4757,7 +5365,38 @@
           <a:lstStyle/>
           <a:p>
             <a:pPr algn="ctr"/>
-            <a:endParaRPr lang="fr-BE" sz="700" dirty="0"/>
+            <a:r>
+              <a:rPr lang="fr-FR" sz="700" b="1" i="1" dirty="0" err="1">
+                <a:solidFill>
+                  <a:schemeClr val="accent6"/>
+                </a:solidFill>
+              </a:rPr>
+              <a:t>myThread</a:t>
+            </a:r>
+            <a:endParaRPr lang="fr-FR" sz="700" b="1" i="1" dirty="0">
+              <a:solidFill>
+                <a:schemeClr val="accent6"/>
+              </a:solidFill>
+            </a:endParaRPr>
+          </a:p>
+          <a:p>
+            <a:pPr marL="171450" indent="-171450">
+              <a:buFont typeface="Arial" panose="020B0604020202020204" pitchFamily="34" charset="0"/>
+              <a:buChar char="•"/>
+            </a:pPr>
+            <a:r>
+              <a:rPr lang="fr-FR" sz="500" dirty="0">
+                <a:solidFill>
+                  <a:schemeClr val="accent5"/>
+                </a:solidFill>
+              </a:rPr>
+              <a:t>Run()</a:t>
+            </a:r>
+            <a:endParaRPr lang="fr-BE" sz="400" dirty="0">
+              <a:solidFill>
+                <a:schemeClr val="accent5"/>
+              </a:solidFill>
+            </a:endParaRPr>
           </a:p>
         </p:txBody>
       </p:sp>

--- a/schemeofcode.pptx
+++ b/schemeofcode.pptx
@@ -262,7 +262,7 @@
           <a:p>
             <a:fld id="{7A3C3441-2C70-4949-8FF7-1C72443CF9D3}" type="datetimeFigureOut">
               <a:rPr lang="fr-BE" smtClean="0"/>
-              <a:t>07-12-21</a:t>
+              <a:t>08-12-21</a:t>
             </a:fld>
             <a:endParaRPr lang="fr-BE"/>
           </a:p>
@@ -462,7 +462,7 @@
           <a:p>
             <a:fld id="{7A3C3441-2C70-4949-8FF7-1C72443CF9D3}" type="datetimeFigureOut">
               <a:rPr lang="fr-BE" smtClean="0"/>
-              <a:t>07-12-21</a:t>
+              <a:t>08-12-21</a:t>
             </a:fld>
             <a:endParaRPr lang="fr-BE"/>
           </a:p>
@@ -672,7 +672,7 @@
           <a:p>
             <a:fld id="{7A3C3441-2C70-4949-8FF7-1C72443CF9D3}" type="datetimeFigureOut">
               <a:rPr lang="fr-BE" smtClean="0"/>
-              <a:t>07-12-21</a:t>
+              <a:t>08-12-21</a:t>
             </a:fld>
             <a:endParaRPr lang="fr-BE"/>
           </a:p>
@@ -872,7 +872,7 @@
           <a:p>
             <a:fld id="{7A3C3441-2C70-4949-8FF7-1C72443CF9D3}" type="datetimeFigureOut">
               <a:rPr lang="fr-BE" smtClean="0"/>
-              <a:t>07-12-21</a:t>
+              <a:t>08-12-21</a:t>
             </a:fld>
             <a:endParaRPr lang="fr-BE"/>
           </a:p>
@@ -1148,7 +1148,7 @@
           <a:p>
             <a:fld id="{7A3C3441-2C70-4949-8FF7-1C72443CF9D3}" type="datetimeFigureOut">
               <a:rPr lang="fr-BE" smtClean="0"/>
-              <a:t>07-12-21</a:t>
+              <a:t>08-12-21</a:t>
             </a:fld>
             <a:endParaRPr lang="fr-BE"/>
           </a:p>
@@ -1416,7 +1416,7 @@
           <a:p>
             <a:fld id="{7A3C3441-2C70-4949-8FF7-1C72443CF9D3}" type="datetimeFigureOut">
               <a:rPr lang="fr-BE" smtClean="0"/>
-              <a:t>07-12-21</a:t>
+              <a:t>08-12-21</a:t>
             </a:fld>
             <a:endParaRPr lang="fr-BE"/>
           </a:p>
@@ -1831,7 +1831,7 @@
           <a:p>
             <a:fld id="{7A3C3441-2C70-4949-8FF7-1C72443CF9D3}" type="datetimeFigureOut">
               <a:rPr lang="fr-BE" smtClean="0"/>
-              <a:t>07-12-21</a:t>
+              <a:t>08-12-21</a:t>
             </a:fld>
             <a:endParaRPr lang="fr-BE"/>
           </a:p>
@@ -1973,7 +1973,7 @@
           <a:p>
             <a:fld id="{7A3C3441-2C70-4949-8FF7-1C72443CF9D3}" type="datetimeFigureOut">
               <a:rPr lang="fr-BE" smtClean="0"/>
-              <a:t>07-12-21</a:t>
+              <a:t>08-12-21</a:t>
             </a:fld>
             <a:endParaRPr lang="fr-BE"/>
           </a:p>
@@ -2086,7 +2086,7 @@
           <a:p>
             <a:fld id="{7A3C3441-2C70-4949-8FF7-1C72443CF9D3}" type="datetimeFigureOut">
               <a:rPr lang="fr-BE" smtClean="0"/>
-              <a:t>07-12-21</a:t>
+              <a:t>08-12-21</a:t>
             </a:fld>
             <a:endParaRPr lang="fr-BE"/>
           </a:p>
@@ -2399,7 +2399,7 @@
           <a:p>
             <a:fld id="{7A3C3441-2C70-4949-8FF7-1C72443CF9D3}" type="datetimeFigureOut">
               <a:rPr lang="fr-BE" smtClean="0"/>
-              <a:t>07-12-21</a:t>
+              <a:t>08-12-21</a:t>
             </a:fld>
             <a:endParaRPr lang="fr-BE"/>
           </a:p>
@@ -2688,7 +2688,7 @@
           <a:p>
             <a:fld id="{7A3C3441-2C70-4949-8FF7-1C72443CF9D3}" type="datetimeFigureOut">
               <a:rPr lang="fr-BE" smtClean="0"/>
-              <a:t>07-12-21</a:t>
+              <a:t>08-12-21</a:t>
             </a:fld>
             <a:endParaRPr lang="fr-BE"/>
           </a:p>
@@ -2931,7 +2931,7 @@
           <a:p>
             <a:fld id="{7A3C3441-2C70-4949-8FF7-1C72443CF9D3}" type="datetimeFigureOut">
               <a:rPr lang="fr-BE" smtClean="0"/>
-              <a:t>07-12-21</a:t>
+              <a:t>08-12-21</a:t>
             </a:fld>
             <a:endParaRPr lang="fr-BE"/>
           </a:p>
@@ -3855,7 +3855,7 @@
         </p:nvSpPr>
         <p:spPr>
           <a:xfrm>
-            <a:off x="1120050" y="1061956"/>
+            <a:off x="1166339" y="1158153"/>
             <a:ext cx="1680302" cy="307777"/>
           </a:xfrm>
           <a:prstGeom prst="rect">
@@ -4166,16 +4166,16 @@
           <a:p>
             <a:pPr algn="ctr"/>
             <a:r>
-              <a:rPr lang="fr-FR" sz="800" dirty="0" err="1">
-                <a:solidFill>
-                  <a:schemeClr val="tx1"/>
+              <a:rPr lang="fr-FR" sz="800" b="1" i="1" dirty="0" err="1">
+                <a:solidFill>
+                  <a:schemeClr val="accent6"/>
                 </a:solidFill>
               </a:rPr>
-              <a:t>actuators</a:t>
-            </a:r>
-            <a:endParaRPr lang="fr-BE" sz="800" dirty="0">
+              <a:t>Actuators</a:t>
+            </a:r>
+            <a:endParaRPr lang="fr-BE" sz="800" b="1" i="1" dirty="0">
               <a:solidFill>
-                <a:schemeClr val="tx1"/>
+                <a:schemeClr val="accent6"/>
               </a:solidFill>
             </a:endParaRPr>
           </a:p>

--- a/schemeofcode.pptx
+++ b/schemeofcode.pptx
@@ -5,8 +5,8 @@
     <p:sldMasterId id="2147483648" r:id="rId1"/>
   </p:sldMasterIdLst>
   <p:sldIdLst>
-    <p:sldId id="257" r:id="rId2"/>
-    <p:sldId id="256" r:id="rId3"/>
+    <p:sldId id="256" r:id="rId2"/>
+    <p:sldId id="257" r:id="rId3"/>
   </p:sldIdLst>
   <p:sldSz cx="12192000" cy="6858000"/>
   <p:notesSz cx="6858000" cy="9144000"/>
@@ -262,7 +262,7 @@
           <a:p>
             <a:fld id="{7A3C3441-2C70-4949-8FF7-1C72443CF9D3}" type="datetimeFigureOut">
               <a:rPr lang="fr-BE" smtClean="0"/>
-              <a:t>08-12-21</a:t>
+              <a:t>26-12-21</a:t>
             </a:fld>
             <a:endParaRPr lang="fr-BE"/>
           </a:p>
@@ -462,7 +462,7 @@
           <a:p>
             <a:fld id="{7A3C3441-2C70-4949-8FF7-1C72443CF9D3}" type="datetimeFigureOut">
               <a:rPr lang="fr-BE" smtClean="0"/>
-              <a:t>08-12-21</a:t>
+              <a:t>26-12-21</a:t>
             </a:fld>
             <a:endParaRPr lang="fr-BE"/>
           </a:p>
@@ -672,7 +672,7 @@
           <a:p>
             <a:fld id="{7A3C3441-2C70-4949-8FF7-1C72443CF9D3}" type="datetimeFigureOut">
               <a:rPr lang="fr-BE" smtClean="0"/>
-              <a:t>08-12-21</a:t>
+              <a:t>26-12-21</a:t>
             </a:fld>
             <a:endParaRPr lang="fr-BE"/>
           </a:p>
@@ -872,7 +872,7 @@
           <a:p>
             <a:fld id="{7A3C3441-2C70-4949-8FF7-1C72443CF9D3}" type="datetimeFigureOut">
               <a:rPr lang="fr-BE" smtClean="0"/>
-              <a:t>08-12-21</a:t>
+              <a:t>26-12-21</a:t>
             </a:fld>
             <a:endParaRPr lang="fr-BE"/>
           </a:p>
@@ -1148,7 +1148,7 @@
           <a:p>
             <a:fld id="{7A3C3441-2C70-4949-8FF7-1C72443CF9D3}" type="datetimeFigureOut">
               <a:rPr lang="fr-BE" smtClean="0"/>
-              <a:t>08-12-21</a:t>
+              <a:t>26-12-21</a:t>
             </a:fld>
             <a:endParaRPr lang="fr-BE"/>
           </a:p>
@@ -1416,7 +1416,7 @@
           <a:p>
             <a:fld id="{7A3C3441-2C70-4949-8FF7-1C72443CF9D3}" type="datetimeFigureOut">
               <a:rPr lang="fr-BE" smtClean="0"/>
-              <a:t>08-12-21</a:t>
+              <a:t>26-12-21</a:t>
             </a:fld>
             <a:endParaRPr lang="fr-BE"/>
           </a:p>
@@ -1831,7 +1831,7 @@
           <a:p>
             <a:fld id="{7A3C3441-2C70-4949-8FF7-1C72443CF9D3}" type="datetimeFigureOut">
               <a:rPr lang="fr-BE" smtClean="0"/>
-              <a:t>08-12-21</a:t>
+              <a:t>26-12-21</a:t>
             </a:fld>
             <a:endParaRPr lang="fr-BE"/>
           </a:p>
@@ -1973,7 +1973,7 @@
           <a:p>
             <a:fld id="{7A3C3441-2C70-4949-8FF7-1C72443CF9D3}" type="datetimeFigureOut">
               <a:rPr lang="fr-BE" smtClean="0"/>
-              <a:t>08-12-21</a:t>
+              <a:t>26-12-21</a:t>
             </a:fld>
             <a:endParaRPr lang="fr-BE"/>
           </a:p>
@@ -2086,7 +2086,7 @@
           <a:p>
             <a:fld id="{7A3C3441-2C70-4949-8FF7-1C72443CF9D3}" type="datetimeFigureOut">
               <a:rPr lang="fr-BE" smtClean="0"/>
-              <a:t>08-12-21</a:t>
+              <a:t>26-12-21</a:t>
             </a:fld>
             <a:endParaRPr lang="fr-BE"/>
           </a:p>
@@ -2399,7 +2399,7 @@
           <a:p>
             <a:fld id="{7A3C3441-2C70-4949-8FF7-1C72443CF9D3}" type="datetimeFigureOut">
               <a:rPr lang="fr-BE" smtClean="0"/>
-              <a:t>08-12-21</a:t>
+              <a:t>26-12-21</a:t>
             </a:fld>
             <a:endParaRPr lang="fr-BE"/>
           </a:p>
@@ -2688,7 +2688,7 @@
           <a:p>
             <a:fld id="{7A3C3441-2C70-4949-8FF7-1C72443CF9D3}" type="datetimeFigureOut">
               <a:rPr lang="fr-BE" smtClean="0"/>
-              <a:t>08-12-21</a:t>
+              <a:t>26-12-21</a:t>
             </a:fld>
             <a:endParaRPr lang="fr-BE"/>
           </a:p>
@@ -2931,7 +2931,7 @@
           <a:p>
             <a:fld id="{7A3C3441-2C70-4949-8FF7-1C72443CF9D3}" type="datetimeFigureOut">
               <a:rPr lang="fr-BE" smtClean="0"/>
-              <a:t>08-12-21</a:t>
+              <a:t>26-12-21</a:t>
             </a:fld>
             <a:endParaRPr lang="fr-BE"/>
           </a:p>
@@ -3350,6 +3350,3749 @@
       </p:grpSpPr>
       <p:sp>
         <p:nvSpPr>
+          <p:cNvPr id="123" name="Flèche : droite 122">
+            <a:extLst>
+              <a:ext uri="{FF2B5EF4-FFF2-40B4-BE49-F238E27FC236}">
+                <a16:creationId xmlns:a16="http://schemas.microsoft.com/office/drawing/2014/main" id="{9DE0F483-A5B6-4124-B447-848B14EF4636}"/>
+              </a:ext>
+            </a:extLst>
+          </p:cNvPr>
+          <p:cNvSpPr/>
+          <p:nvPr/>
+        </p:nvSpPr>
+        <p:spPr>
+          <a:xfrm rot="5400000">
+            <a:off x="5319946" y="3180666"/>
+            <a:ext cx="1750019" cy="290544"/>
+          </a:xfrm>
+          <a:prstGeom prst="rightArrow">
+            <a:avLst/>
+          </a:prstGeom>
+          <a:noFill/>
+        </p:spPr>
+        <p:style>
+          <a:lnRef idx="2">
+            <a:schemeClr val="accent1">
+              <a:shade val="50000"/>
+            </a:schemeClr>
+          </a:lnRef>
+          <a:fillRef idx="1">
+            <a:schemeClr val="accent1"/>
+          </a:fillRef>
+          <a:effectRef idx="0">
+            <a:schemeClr val="accent1"/>
+          </a:effectRef>
+          <a:fontRef idx="minor">
+            <a:schemeClr val="lt1"/>
+          </a:fontRef>
+        </p:style>
+        <p:txBody>
+          <a:bodyPr rtlCol="0" anchor="ctr"/>
+          <a:lstStyle/>
+          <a:p>
+            <a:pPr algn="ctr"/>
+            <a:endParaRPr lang="fr-BE"/>
+          </a:p>
+        </p:txBody>
+      </p:sp>
+      <p:sp>
+        <p:nvSpPr>
+          <p:cNvPr id="2" name="ZoneTexte 1">
+            <a:extLst>
+              <a:ext uri="{FF2B5EF4-FFF2-40B4-BE49-F238E27FC236}">
+                <a16:creationId xmlns:a16="http://schemas.microsoft.com/office/drawing/2014/main" id="{A17AAD96-FD40-4E1B-B78A-F978FCC0D77C}"/>
+              </a:ext>
+            </a:extLst>
+          </p:cNvPr>
+          <p:cNvSpPr txBox="1"/>
+          <p:nvPr/>
+        </p:nvSpPr>
+        <p:spPr>
+          <a:xfrm>
+            <a:off x="155050" y="102395"/>
+            <a:ext cx="2999508" cy="400110"/>
+          </a:xfrm>
+          <a:prstGeom prst="rect">
+            <a:avLst/>
+          </a:prstGeom>
+        </p:spPr>
+        <p:style>
+          <a:lnRef idx="2">
+            <a:schemeClr val="accent1"/>
+          </a:lnRef>
+          <a:fillRef idx="1">
+            <a:schemeClr val="lt1"/>
+          </a:fillRef>
+          <a:effectRef idx="0">
+            <a:schemeClr val="accent1"/>
+          </a:effectRef>
+          <a:fontRef idx="minor">
+            <a:schemeClr val="dk1"/>
+          </a:fontRef>
+        </p:style>
+        <p:txBody>
+          <a:bodyPr wrap="square" rtlCol="0">
+            <a:spAutoFit/>
+          </a:bodyPr>
+          <a:lstStyle/>
+          <a:p>
+            <a:pPr algn="ctr"/>
+            <a:r>
+              <a:rPr lang="fr-FR" sz="2000" b="1" dirty="0"/>
+              <a:t>Version 2 – Post </a:t>
+            </a:r>
+            <a:r>
+              <a:rPr lang="fr-FR" sz="2000" b="1" dirty="0" err="1"/>
+              <a:t>minibot</a:t>
+            </a:r>
+            <a:endParaRPr lang="fr-BE" sz="2000" b="1" dirty="0"/>
+          </a:p>
+        </p:txBody>
+      </p:sp>
+      <p:grpSp>
+        <p:nvGrpSpPr>
+          <p:cNvPr id="70" name="Groupe 69">
+            <a:extLst>
+              <a:ext uri="{FF2B5EF4-FFF2-40B4-BE49-F238E27FC236}">
+                <a16:creationId xmlns:a16="http://schemas.microsoft.com/office/drawing/2014/main" id="{32B405C2-533D-457E-BF14-B9CFD730CCE1}"/>
+              </a:ext>
+            </a:extLst>
+          </p:cNvPr>
+          <p:cNvGrpSpPr/>
+          <p:nvPr/>
+        </p:nvGrpSpPr>
+        <p:grpSpPr>
+          <a:xfrm>
+            <a:off x="2880328" y="717828"/>
+            <a:ext cx="6492272" cy="1733100"/>
+            <a:chOff x="155050" y="751123"/>
+            <a:chExt cx="6492272" cy="1733100"/>
+          </a:xfrm>
+        </p:grpSpPr>
+        <p:grpSp>
+          <p:nvGrpSpPr>
+            <p:cNvPr id="34" name="Groupe 33">
+              <a:extLst>
+                <a:ext uri="{FF2B5EF4-FFF2-40B4-BE49-F238E27FC236}">
+                  <a16:creationId xmlns:a16="http://schemas.microsoft.com/office/drawing/2014/main" id="{B9FB7FE3-C617-432C-93D2-C07F34213A2D}"/>
+                </a:ext>
+              </a:extLst>
+            </p:cNvPr>
+            <p:cNvGrpSpPr/>
+            <p:nvPr/>
+          </p:nvGrpSpPr>
+          <p:grpSpPr>
+            <a:xfrm>
+              <a:off x="155050" y="751123"/>
+              <a:ext cx="6492272" cy="1733100"/>
+              <a:chOff x="1942988" y="2067160"/>
+              <a:chExt cx="8005151" cy="3055171"/>
+            </a:xfrm>
+          </p:grpSpPr>
+          <p:sp>
+            <p:nvSpPr>
+              <p:cNvPr id="33" name="Rectangle 32">
+                <a:extLst>
+                  <a:ext uri="{FF2B5EF4-FFF2-40B4-BE49-F238E27FC236}">
+                    <a16:creationId xmlns:a16="http://schemas.microsoft.com/office/drawing/2014/main" id="{B17496FE-BDFA-4F96-9F43-2E5A6055D522}"/>
+                  </a:ext>
+                </a:extLst>
+              </p:cNvPr>
+              <p:cNvSpPr/>
+              <p:nvPr/>
+            </p:nvSpPr>
+            <p:spPr>
+              <a:xfrm>
+                <a:off x="1942988" y="2067160"/>
+                <a:ext cx="8005151" cy="3055171"/>
+              </a:xfrm>
+              <a:prstGeom prst="rect">
+                <a:avLst/>
+              </a:prstGeom>
+              <a:solidFill>
+                <a:schemeClr val="accent1">
+                  <a:alpha val="50000"/>
+                </a:schemeClr>
+              </a:solidFill>
+              <a:ln>
+                <a:solidFill>
+                  <a:schemeClr val="tx1"/>
+                </a:solidFill>
+                <a:prstDash val="sysDash"/>
+              </a:ln>
+            </p:spPr>
+            <p:style>
+              <a:lnRef idx="0">
+                <a:scrgbClr r="0" g="0" b="0"/>
+              </a:lnRef>
+              <a:fillRef idx="0">
+                <a:scrgbClr r="0" g="0" b="0"/>
+              </a:fillRef>
+              <a:effectRef idx="0">
+                <a:scrgbClr r="0" g="0" b="0"/>
+              </a:effectRef>
+              <a:fontRef idx="minor">
+                <a:schemeClr val="lt1"/>
+              </a:fontRef>
+            </p:style>
+            <p:txBody>
+              <a:bodyPr rtlCol="0" anchor="ctr"/>
+              <a:lstStyle/>
+              <a:p>
+                <a:pPr algn="ctr"/>
+                <a:endParaRPr lang="fr-BE" sz="1200" dirty="0"/>
+              </a:p>
+            </p:txBody>
+          </p:sp>
+          <p:grpSp>
+            <p:nvGrpSpPr>
+              <p:cNvPr id="32" name="Groupe 31">
+                <a:extLst>
+                  <a:ext uri="{FF2B5EF4-FFF2-40B4-BE49-F238E27FC236}">
+                    <a16:creationId xmlns:a16="http://schemas.microsoft.com/office/drawing/2014/main" id="{A2846D2B-2527-4CC5-9F81-836947EB1896}"/>
+                  </a:ext>
+                </a:extLst>
+              </p:cNvPr>
+              <p:cNvGrpSpPr/>
+              <p:nvPr/>
+            </p:nvGrpSpPr>
+            <p:grpSpPr>
+              <a:xfrm>
+                <a:off x="2132404" y="2182889"/>
+                <a:ext cx="7740609" cy="2828350"/>
+                <a:chOff x="2132404" y="2182889"/>
+                <a:chExt cx="7740609" cy="2828350"/>
+              </a:xfrm>
+            </p:grpSpPr>
+            <p:sp>
+              <p:nvSpPr>
+                <p:cNvPr id="3" name="Rectangle : coins arrondis 2">
+                  <a:extLst>
+                    <a:ext uri="{FF2B5EF4-FFF2-40B4-BE49-F238E27FC236}">
+                      <a16:creationId xmlns:a16="http://schemas.microsoft.com/office/drawing/2014/main" id="{2D338332-F5B5-4D25-A4A7-8EE6F33415C1}"/>
+                    </a:ext>
+                  </a:extLst>
+                </p:cNvPr>
+                <p:cNvSpPr/>
+                <p:nvPr/>
+              </p:nvSpPr>
+              <p:spPr>
+                <a:xfrm>
+                  <a:off x="4818706" y="2182889"/>
+                  <a:ext cx="1149790" cy="488887"/>
+                </a:xfrm>
+                <a:prstGeom prst="roundRect">
+                  <a:avLst/>
+                </a:prstGeom>
+              </p:spPr>
+              <p:style>
+                <a:lnRef idx="2">
+                  <a:schemeClr val="accent1">
+                    <a:shade val="50000"/>
+                  </a:schemeClr>
+                </a:lnRef>
+                <a:fillRef idx="1">
+                  <a:schemeClr val="accent1"/>
+                </a:fillRef>
+                <a:effectRef idx="0">
+                  <a:schemeClr val="accent1"/>
+                </a:effectRef>
+                <a:fontRef idx="minor">
+                  <a:schemeClr val="lt1"/>
+                </a:fontRef>
+              </p:style>
+              <p:txBody>
+                <a:bodyPr rtlCol="0" anchor="ctr"/>
+                <a:lstStyle/>
+                <a:p>
+                  <a:pPr algn="ctr"/>
+                  <a:r>
+                    <a:rPr lang="fr-FR" sz="1200"/>
+                    <a:t>Robot</a:t>
+                  </a:r>
+                  <a:endParaRPr lang="fr-BE" sz="1200" dirty="0"/>
+                </a:p>
+              </p:txBody>
+            </p:sp>
+            <p:grpSp>
+              <p:nvGrpSpPr>
+                <p:cNvPr id="25" name="Groupe 24">
+                  <a:extLst>
+                    <a:ext uri="{FF2B5EF4-FFF2-40B4-BE49-F238E27FC236}">
+                      <a16:creationId xmlns:a16="http://schemas.microsoft.com/office/drawing/2014/main" id="{DDA05CAE-3B76-4DBF-96EF-FC4AB6DB78DF}"/>
+                    </a:ext>
+                  </a:extLst>
+                </p:cNvPr>
+                <p:cNvGrpSpPr/>
+                <p:nvPr/>
+              </p:nvGrpSpPr>
+              <p:grpSpPr>
+                <a:xfrm>
+                  <a:off x="2132404" y="3349034"/>
+                  <a:ext cx="1247516" cy="1636414"/>
+                  <a:chOff x="1684710" y="1573277"/>
+                  <a:chExt cx="1247516" cy="1636414"/>
+                </a:xfrm>
+              </p:grpSpPr>
+              <p:sp>
+                <p:nvSpPr>
+                  <p:cNvPr id="6" name="Rectangle : coins arrondis 5">
+                    <a:extLst>
+                      <a:ext uri="{FF2B5EF4-FFF2-40B4-BE49-F238E27FC236}">
+                        <a16:creationId xmlns:a16="http://schemas.microsoft.com/office/drawing/2014/main" id="{9965C813-82A8-4762-BE02-F502F1D3206F}"/>
+                      </a:ext>
+                    </a:extLst>
+                  </p:cNvPr>
+                  <p:cNvSpPr/>
+                  <p:nvPr/>
+                </p:nvSpPr>
+                <p:spPr>
+                  <a:xfrm>
+                    <a:off x="1771970" y="1902596"/>
+                    <a:ext cx="1039433" cy="488887"/>
+                  </a:xfrm>
+                  <a:prstGeom prst="roundRect">
+                    <a:avLst/>
+                  </a:prstGeom>
+                </p:spPr>
+                <p:style>
+                  <a:lnRef idx="2">
+                    <a:schemeClr val="accent1">
+                      <a:shade val="50000"/>
+                    </a:schemeClr>
+                  </a:lnRef>
+                  <a:fillRef idx="1">
+                    <a:schemeClr val="accent1"/>
+                  </a:fillRef>
+                  <a:effectRef idx="0">
+                    <a:schemeClr val="accent1"/>
+                  </a:effectRef>
+                  <a:fontRef idx="minor">
+                    <a:schemeClr val="lt1"/>
+                  </a:fontRef>
+                </p:style>
+                <p:txBody>
+                  <a:bodyPr rtlCol="0" anchor="ctr"/>
+                  <a:lstStyle/>
+                  <a:p>
+                    <a:pPr algn="ctr"/>
+                    <a:r>
+                      <a:rPr lang="fr-FR" sz="1200"/>
+                      <a:t>Motor1</a:t>
+                    </a:r>
+                    <a:endParaRPr lang="fr-BE" sz="1200" dirty="0"/>
+                  </a:p>
+                </p:txBody>
+              </p:sp>
+              <p:sp>
+                <p:nvSpPr>
+                  <p:cNvPr id="7" name="Rectangle : coins arrondis 6">
+                    <a:extLst>
+                      <a:ext uri="{FF2B5EF4-FFF2-40B4-BE49-F238E27FC236}">
+                        <a16:creationId xmlns:a16="http://schemas.microsoft.com/office/drawing/2014/main" id="{69FE55E4-4748-414C-B070-2FBB17FC06C4}"/>
+                      </a:ext>
+                    </a:extLst>
+                  </p:cNvPr>
+                  <p:cNvSpPr/>
+                  <p:nvPr/>
+                </p:nvSpPr>
+                <p:spPr>
+                  <a:xfrm>
+                    <a:off x="1771970" y="2476462"/>
+                    <a:ext cx="1039433" cy="488887"/>
+                  </a:xfrm>
+                  <a:prstGeom prst="roundRect">
+                    <a:avLst/>
+                  </a:prstGeom>
+                </p:spPr>
+                <p:style>
+                  <a:lnRef idx="2">
+                    <a:schemeClr val="accent1">
+                      <a:shade val="50000"/>
+                    </a:schemeClr>
+                  </a:lnRef>
+                  <a:fillRef idx="1">
+                    <a:schemeClr val="accent1"/>
+                  </a:fillRef>
+                  <a:effectRef idx="0">
+                    <a:schemeClr val="accent1"/>
+                  </a:effectRef>
+                  <a:fontRef idx="minor">
+                    <a:schemeClr val="lt1"/>
+                  </a:fontRef>
+                </p:style>
+                <p:txBody>
+                  <a:bodyPr rtlCol="0" anchor="ctr"/>
+                  <a:lstStyle/>
+                  <a:p>
+                    <a:pPr algn="ctr"/>
+                    <a:r>
+                      <a:rPr lang="fr-FR" sz="1200"/>
+                      <a:t>Motor2</a:t>
+                    </a:r>
+                    <a:endParaRPr lang="fr-BE" sz="1200" dirty="0"/>
+                  </a:p>
+                </p:txBody>
+              </p:sp>
+              <p:sp>
+                <p:nvSpPr>
+                  <p:cNvPr id="15" name="Rectangle 14">
+                    <a:extLst>
+                      <a:ext uri="{FF2B5EF4-FFF2-40B4-BE49-F238E27FC236}">
+                        <a16:creationId xmlns:a16="http://schemas.microsoft.com/office/drawing/2014/main" id="{35E92139-2173-4842-82DB-E5D94D2939F2}"/>
+                      </a:ext>
+                    </a:extLst>
+                  </p:cNvPr>
+                  <p:cNvSpPr/>
+                  <p:nvPr/>
+                </p:nvSpPr>
+                <p:spPr>
+                  <a:xfrm>
+                    <a:off x="1684710" y="1573277"/>
+                    <a:ext cx="1247516" cy="1636414"/>
+                  </a:xfrm>
+                  <a:prstGeom prst="rect">
+                    <a:avLst/>
+                  </a:prstGeom>
+                  <a:noFill/>
+                </p:spPr>
+                <p:style>
+                  <a:lnRef idx="2">
+                    <a:schemeClr val="accent1">
+                      <a:shade val="50000"/>
+                    </a:schemeClr>
+                  </a:lnRef>
+                  <a:fillRef idx="1">
+                    <a:schemeClr val="accent1"/>
+                  </a:fillRef>
+                  <a:effectRef idx="0">
+                    <a:schemeClr val="accent1"/>
+                  </a:effectRef>
+                  <a:fontRef idx="minor">
+                    <a:schemeClr val="lt1"/>
+                  </a:fontRef>
+                </p:style>
+                <p:txBody>
+                  <a:bodyPr rtlCol="0" anchor="ctr"/>
+                  <a:lstStyle/>
+                  <a:p>
+                    <a:pPr algn="ctr"/>
+                    <a:endParaRPr lang="fr-BE" sz="1200" dirty="0"/>
+                  </a:p>
+                </p:txBody>
+              </p:sp>
+            </p:grpSp>
+            <p:grpSp>
+              <p:nvGrpSpPr>
+                <p:cNvPr id="24" name="Groupe 23">
+                  <a:extLst>
+                    <a:ext uri="{FF2B5EF4-FFF2-40B4-BE49-F238E27FC236}">
+                      <a16:creationId xmlns:a16="http://schemas.microsoft.com/office/drawing/2014/main" id="{7E877222-6E98-441F-A152-2D40A7FD52CC}"/>
+                    </a:ext>
+                  </a:extLst>
+                </p:cNvPr>
+                <p:cNvGrpSpPr/>
+                <p:nvPr/>
+              </p:nvGrpSpPr>
+              <p:grpSpPr>
+                <a:xfrm>
+                  <a:off x="3798382" y="3374825"/>
+                  <a:ext cx="6074631" cy="1636414"/>
+                  <a:chOff x="3268301" y="1792586"/>
+                  <a:chExt cx="6074631" cy="1636414"/>
+                </a:xfrm>
+              </p:grpSpPr>
+              <p:sp>
+                <p:nvSpPr>
+                  <p:cNvPr id="8" name="Rectangle : coins arrondis 7">
+                    <a:extLst>
+                      <a:ext uri="{FF2B5EF4-FFF2-40B4-BE49-F238E27FC236}">
+                        <a16:creationId xmlns:a16="http://schemas.microsoft.com/office/drawing/2014/main" id="{EF55A624-818F-4FA2-8003-AC5C1AA012AE}"/>
+                      </a:ext>
+                    </a:extLst>
+                  </p:cNvPr>
+                  <p:cNvSpPr/>
+                  <p:nvPr/>
+                </p:nvSpPr>
+                <p:spPr>
+                  <a:xfrm>
+                    <a:off x="3425878" y="2206028"/>
+                    <a:ext cx="1039433" cy="488887"/>
+                  </a:xfrm>
+                  <a:prstGeom prst="roundRect">
+                    <a:avLst/>
+                  </a:prstGeom>
+                </p:spPr>
+                <p:style>
+                  <a:lnRef idx="2">
+                    <a:schemeClr val="accent1">
+                      <a:shade val="50000"/>
+                    </a:schemeClr>
+                  </a:lnRef>
+                  <a:fillRef idx="1">
+                    <a:schemeClr val="accent1"/>
+                  </a:fillRef>
+                  <a:effectRef idx="0">
+                    <a:schemeClr val="accent1"/>
+                  </a:effectRef>
+                  <a:fontRef idx="minor">
+                    <a:schemeClr val="lt1"/>
+                  </a:fontRef>
+                </p:style>
+                <p:txBody>
+                  <a:bodyPr rtlCol="0" anchor="ctr"/>
+                  <a:lstStyle/>
+                  <a:p>
+                    <a:pPr algn="ctr"/>
+                    <a:r>
+                      <a:rPr lang="fr-FR" sz="1200"/>
+                      <a:t>Lidar</a:t>
+                    </a:r>
+                    <a:endParaRPr lang="fr-BE" sz="1200" dirty="0"/>
+                  </a:p>
+                </p:txBody>
+              </p:sp>
+              <p:sp>
+                <p:nvSpPr>
+                  <p:cNvPr id="9" name="Rectangle : coins arrondis 8">
+                    <a:extLst>
+                      <a:ext uri="{FF2B5EF4-FFF2-40B4-BE49-F238E27FC236}">
+                        <a16:creationId xmlns:a16="http://schemas.microsoft.com/office/drawing/2014/main" id="{018DFCA5-F086-4926-B834-4A978C4AB0CD}"/>
+                      </a:ext>
+                    </a:extLst>
+                  </p:cNvPr>
+                  <p:cNvSpPr/>
+                  <p:nvPr/>
+                </p:nvSpPr>
+                <p:spPr>
+                  <a:xfrm>
+                    <a:off x="4649604" y="2198482"/>
+                    <a:ext cx="1039433" cy="488887"/>
+                  </a:xfrm>
+                  <a:prstGeom prst="roundRect">
+                    <a:avLst/>
+                  </a:prstGeom>
+                </p:spPr>
+                <p:style>
+                  <a:lnRef idx="2">
+                    <a:schemeClr val="accent1">
+                      <a:shade val="50000"/>
+                    </a:schemeClr>
+                  </a:lnRef>
+                  <a:fillRef idx="1">
+                    <a:schemeClr val="accent1"/>
+                  </a:fillRef>
+                  <a:effectRef idx="0">
+                    <a:schemeClr val="accent1"/>
+                  </a:effectRef>
+                  <a:fontRef idx="minor">
+                    <a:schemeClr val="lt1"/>
+                  </a:fontRef>
+                </p:style>
+                <p:txBody>
+                  <a:bodyPr rtlCol="0" anchor="ctr"/>
+                  <a:lstStyle/>
+                  <a:p>
+                    <a:pPr algn="ctr"/>
+                    <a:r>
+                      <a:rPr lang="fr-FR" sz="1200"/>
+                      <a:t>Sonar1</a:t>
+                    </a:r>
+                    <a:endParaRPr lang="fr-BE" sz="1200" dirty="0"/>
+                  </a:p>
+                </p:txBody>
+              </p:sp>
+              <p:sp>
+                <p:nvSpPr>
+                  <p:cNvPr id="10" name="Rectangle : coins arrondis 9">
+                    <a:extLst>
+                      <a:ext uri="{FF2B5EF4-FFF2-40B4-BE49-F238E27FC236}">
+                        <a16:creationId xmlns:a16="http://schemas.microsoft.com/office/drawing/2014/main" id="{789A91E4-50FD-4791-95C8-DFECB4A53007}"/>
+                      </a:ext>
+                    </a:extLst>
+                  </p:cNvPr>
+                  <p:cNvSpPr/>
+                  <p:nvPr/>
+                </p:nvSpPr>
+                <p:spPr>
+                  <a:xfrm>
+                    <a:off x="5873330" y="2198481"/>
+                    <a:ext cx="1039433" cy="488887"/>
+                  </a:xfrm>
+                  <a:prstGeom prst="roundRect">
+                    <a:avLst/>
+                  </a:prstGeom>
+                </p:spPr>
+                <p:style>
+                  <a:lnRef idx="2">
+                    <a:schemeClr val="accent1">
+                      <a:shade val="50000"/>
+                    </a:schemeClr>
+                  </a:lnRef>
+                  <a:fillRef idx="1">
+                    <a:schemeClr val="accent1"/>
+                  </a:fillRef>
+                  <a:effectRef idx="0">
+                    <a:schemeClr val="accent1"/>
+                  </a:effectRef>
+                  <a:fontRef idx="minor">
+                    <a:schemeClr val="lt1"/>
+                  </a:fontRef>
+                </p:style>
+                <p:txBody>
+                  <a:bodyPr rtlCol="0" anchor="ctr"/>
+                  <a:lstStyle/>
+                  <a:p>
+                    <a:pPr algn="ctr"/>
+                    <a:r>
+                      <a:rPr lang="fr-FR" sz="1200" dirty="0"/>
+                      <a:t>Enc1</a:t>
+                    </a:r>
+                    <a:endParaRPr lang="fr-BE" sz="1200" dirty="0"/>
+                  </a:p>
+                </p:txBody>
+              </p:sp>
+              <p:sp>
+                <p:nvSpPr>
+                  <p:cNvPr id="12" name="Rectangle : coins arrondis 11">
+                    <a:extLst>
+                      <a:ext uri="{FF2B5EF4-FFF2-40B4-BE49-F238E27FC236}">
+                        <a16:creationId xmlns:a16="http://schemas.microsoft.com/office/drawing/2014/main" id="{319509BE-39BF-4F5F-BE21-4ADF621A0F17}"/>
+                      </a:ext>
+                    </a:extLst>
+                  </p:cNvPr>
+                  <p:cNvSpPr/>
+                  <p:nvPr/>
+                </p:nvSpPr>
+                <p:spPr>
+                  <a:xfrm>
+                    <a:off x="5873330" y="2730375"/>
+                    <a:ext cx="1039433" cy="488887"/>
+                  </a:xfrm>
+                  <a:prstGeom prst="roundRect">
+                    <a:avLst/>
+                  </a:prstGeom>
+                </p:spPr>
+                <p:style>
+                  <a:lnRef idx="2">
+                    <a:schemeClr val="accent1">
+                      <a:shade val="50000"/>
+                    </a:schemeClr>
+                  </a:lnRef>
+                  <a:fillRef idx="1">
+                    <a:schemeClr val="accent1"/>
+                  </a:fillRef>
+                  <a:effectRef idx="0">
+                    <a:schemeClr val="accent1"/>
+                  </a:effectRef>
+                  <a:fontRef idx="minor">
+                    <a:schemeClr val="lt1"/>
+                  </a:fontRef>
+                </p:style>
+                <p:txBody>
+                  <a:bodyPr rtlCol="0" anchor="ctr"/>
+                  <a:lstStyle/>
+                  <a:p>
+                    <a:pPr algn="ctr"/>
+                    <a:r>
+                      <a:rPr lang="fr-FR" sz="1200"/>
+                      <a:t>Enc2</a:t>
+                    </a:r>
+                    <a:endParaRPr lang="fr-BE" sz="1200" dirty="0"/>
+                  </a:p>
+                </p:txBody>
+              </p:sp>
+              <p:sp>
+                <p:nvSpPr>
+                  <p:cNvPr id="13" name="Rectangle : coins arrondis 12">
+                    <a:extLst>
+                      <a:ext uri="{FF2B5EF4-FFF2-40B4-BE49-F238E27FC236}">
+                        <a16:creationId xmlns:a16="http://schemas.microsoft.com/office/drawing/2014/main" id="{9FB4269F-2BD4-4414-96C2-8AA3EC0A6240}"/>
+                      </a:ext>
+                    </a:extLst>
+                  </p:cNvPr>
+                  <p:cNvSpPr/>
+                  <p:nvPr/>
+                </p:nvSpPr>
+                <p:spPr>
+                  <a:xfrm>
+                    <a:off x="7078740" y="2206028"/>
+                    <a:ext cx="1039433" cy="488887"/>
+                  </a:xfrm>
+                  <a:prstGeom prst="roundRect">
+                    <a:avLst/>
+                  </a:prstGeom>
+                </p:spPr>
+                <p:style>
+                  <a:lnRef idx="2">
+                    <a:schemeClr val="accent1">
+                      <a:shade val="50000"/>
+                    </a:schemeClr>
+                  </a:lnRef>
+                  <a:fillRef idx="1">
+                    <a:schemeClr val="accent1"/>
+                  </a:fillRef>
+                  <a:effectRef idx="0">
+                    <a:schemeClr val="accent1"/>
+                  </a:effectRef>
+                  <a:fontRef idx="minor">
+                    <a:schemeClr val="lt1"/>
+                  </a:fontRef>
+                </p:style>
+                <p:txBody>
+                  <a:bodyPr rtlCol="0" anchor="ctr"/>
+                  <a:lstStyle/>
+                  <a:p>
+                    <a:pPr algn="ctr"/>
+                    <a:r>
+                      <a:rPr lang="fr-FR" sz="1200"/>
+                      <a:t>Odo1</a:t>
+                    </a:r>
+                    <a:endParaRPr lang="fr-BE" sz="1200" dirty="0"/>
+                  </a:p>
+                </p:txBody>
+              </p:sp>
+              <p:sp>
+                <p:nvSpPr>
+                  <p:cNvPr id="14" name="Rectangle : coins arrondis 13">
+                    <a:extLst>
+                      <a:ext uri="{FF2B5EF4-FFF2-40B4-BE49-F238E27FC236}">
+                        <a16:creationId xmlns:a16="http://schemas.microsoft.com/office/drawing/2014/main" id="{08EEC343-BE0F-41C5-BC03-B2DBC7345F1F}"/>
+                      </a:ext>
+                    </a:extLst>
+                  </p:cNvPr>
+                  <p:cNvSpPr/>
+                  <p:nvPr/>
+                </p:nvSpPr>
+                <p:spPr>
+                  <a:xfrm>
+                    <a:off x="7078740" y="2730375"/>
+                    <a:ext cx="1039433" cy="488887"/>
+                  </a:xfrm>
+                  <a:prstGeom prst="roundRect">
+                    <a:avLst/>
+                  </a:prstGeom>
+                </p:spPr>
+                <p:style>
+                  <a:lnRef idx="2">
+                    <a:schemeClr val="accent1">
+                      <a:shade val="50000"/>
+                    </a:schemeClr>
+                  </a:lnRef>
+                  <a:fillRef idx="1">
+                    <a:schemeClr val="accent1"/>
+                  </a:fillRef>
+                  <a:effectRef idx="0">
+                    <a:schemeClr val="accent1"/>
+                  </a:effectRef>
+                  <a:fontRef idx="minor">
+                    <a:schemeClr val="lt1"/>
+                  </a:fontRef>
+                </p:style>
+                <p:txBody>
+                  <a:bodyPr rtlCol="0" anchor="ctr"/>
+                  <a:lstStyle/>
+                  <a:p>
+                    <a:pPr algn="ctr"/>
+                    <a:r>
+                      <a:rPr lang="fr-FR" sz="1200"/>
+                      <a:t>Odo2</a:t>
+                    </a:r>
+                    <a:endParaRPr lang="fr-BE" sz="1200" dirty="0"/>
+                  </a:p>
+                </p:txBody>
+              </p:sp>
+              <p:sp>
+                <p:nvSpPr>
+                  <p:cNvPr id="16" name="Rectangle 15">
+                    <a:extLst>
+                      <a:ext uri="{FF2B5EF4-FFF2-40B4-BE49-F238E27FC236}">
+                        <a16:creationId xmlns:a16="http://schemas.microsoft.com/office/drawing/2014/main" id="{4C1EDBBA-988C-457C-AD14-8A6A0570160E}"/>
+                      </a:ext>
+                    </a:extLst>
+                  </p:cNvPr>
+                  <p:cNvSpPr/>
+                  <p:nvPr/>
+                </p:nvSpPr>
+                <p:spPr>
+                  <a:xfrm>
+                    <a:off x="3268301" y="1792586"/>
+                    <a:ext cx="6074631" cy="1636414"/>
+                  </a:xfrm>
+                  <a:prstGeom prst="rect">
+                    <a:avLst/>
+                  </a:prstGeom>
+                  <a:noFill/>
+                </p:spPr>
+                <p:style>
+                  <a:lnRef idx="2">
+                    <a:schemeClr val="accent1">
+                      <a:shade val="50000"/>
+                    </a:schemeClr>
+                  </a:lnRef>
+                  <a:fillRef idx="1">
+                    <a:schemeClr val="accent1"/>
+                  </a:fillRef>
+                  <a:effectRef idx="0">
+                    <a:schemeClr val="accent1"/>
+                  </a:effectRef>
+                  <a:fontRef idx="minor">
+                    <a:schemeClr val="lt1"/>
+                  </a:fontRef>
+                </p:style>
+                <p:txBody>
+                  <a:bodyPr rtlCol="0" anchor="ctr"/>
+                  <a:lstStyle/>
+                  <a:p>
+                    <a:pPr algn="ctr"/>
+                    <a:endParaRPr lang="fr-BE" sz="1200"/>
+                  </a:p>
+                </p:txBody>
+              </p:sp>
+            </p:grpSp>
+            <p:cxnSp>
+              <p:nvCxnSpPr>
+                <p:cNvPr id="18" name="Connecteur droit avec flèche 17">
+                  <a:extLst>
+                    <a:ext uri="{FF2B5EF4-FFF2-40B4-BE49-F238E27FC236}">
+                      <a16:creationId xmlns:a16="http://schemas.microsoft.com/office/drawing/2014/main" id="{CEE20415-909A-4D5B-BFCE-F223C512C05C}"/>
+                    </a:ext>
+                  </a:extLst>
+                </p:cNvPr>
+                <p:cNvCxnSpPr>
+                  <a:cxnSpLocks/>
+                  <a:stCxn id="3" idx="2"/>
+                  <a:endCxn id="15" idx="0"/>
+                </p:cNvCxnSpPr>
+                <p:nvPr/>
+              </p:nvCxnSpPr>
+              <p:spPr>
+                <a:xfrm flipH="1">
+                  <a:off x="2756162" y="2671776"/>
+                  <a:ext cx="2637440" cy="677259"/>
+                </a:xfrm>
+                <a:prstGeom prst="straightConnector1">
+                  <a:avLst/>
+                </a:prstGeom>
+                <a:ln>
+                  <a:tailEnd type="triangle"/>
+                </a:ln>
+              </p:spPr>
+              <p:style>
+                <a:lnRef idx="1">
+                  <a:schemeClr val="accent1"/>
+                </a:lnRef>
+                <a:fillRef idx="0">
+                  <a:schemeClr val="accent1"/>
+                </a:fillRef>
+                <a:effectRef idx="0">
+                  <a:schemeClr val="accent1"/>
+                </a:effectRef>
+                <a:fontRef idx="minor">
+                  <a:schemeClr val="tx1"/>
+                </a:fontRef>
+              </p:style>
+            </p:cxnSp>
+            <p:cxnSp>
+              <p:nvCxnSpPr>
+                <p:cNvPr id="20" name="Connecteur droit avec flèche 19">
+                  <a:extLst>
+                    <a:ext uri="{FF2B5EF4-FFF2-40B4-BE49-F238E27FC236}">
+                      <a16:creationId xmlns:a16="http://schemas.microsoft.com/office/drawing/2014/main" id="{1A77030A-9BF4-45B1-8DAB-1EF1C85F67EE}"/>
+                    </a:ext>
+                  </a:extLst>
+                </p:cNvPr>
+                <p:cNvCxnSpPr>
+                  <a:cxnSpLocks/>
+                  <a:stCxn id="3" idx="2"/>
+                  <a:endCxn id="16" idx="0"/>
+                </p:cNvCxnSpPr>
+                <p:nvPr/>
+              </p:nvCxnSpPr>
+              <p:spPr>
+                <a:xfrm>
+                  <a:off x="5393602" y="2671776"/>
+                  <a:ext cx="1442096" cy="703049"/>
+                </a:xfrm>
+                <a:prstGeom prst="straightConnector1">
+                  <a:avLst/>
+                </a:prstGeom>
+                <a:ln>
+                  <a:tailEnd type="triangle"/>
+                </a:ln>
+              </p:spPr>
+              <p:style>
+                <a:lnRef idx="1">
+                  <a:schemeClr val="accent1"/>
+                </a:lnRef>
+                <a:fillRef idx="0">
+                  <a:schemeClr val="accent1"/>
+                </a:fillRef>
+                <a:effectRef idx="0">
+                  <a:schemeClr val="accent1"/>
+                </a:effectRef>
+                <a:fontRef idx="minor">
+                  <a:schemeClr val="tx1"/>
+                </a:fontRef>
+              </p:style>
+            </p:cxnSp>
+          </p:grpSp>
+        </p:grpSp>
+        <p:sp>
+          <p:nvSpPr>
+            <p:cNvPr id="35" name="ZoneTexte 34">
+              <a:extLst>
+                <a:ext uri="{FF2B5EF4-FFF2-40B4-BE49-F238E27FC236}">
+                  <a16:creationId xmlns:a16="http://schemas.microsoft.com/office/drawing/2014/main" id="{28199E04-F121-4CC6-9644-8D475F562292}"/>
+                </a:ext>
+              </a:extLst>
+            </p:cNvPr>
+            <p:cNvSpPr txBox="1"/>
+            <p:nvPr/>
+          </p:nvSpPr>
+          <p:spPr>
+            <a:xfrm>
+              <a:off x="231993" y="1122306"/>
+              <a:ext cx="986342" cy="307777"/>
+            </a:xfrm>
+            <a:prstGeom prst="rect">
+              <a:avLst/>
+            </a:prstGeom>
+            <a:noFill/>
+          </p:spPr>
+          <p:txBody>
+            <a:bodyPr wrap="square" rtlCol="0">
+              <a:spAutoFit/>
+            </a:bodyPr>
+            <a:lstStyle/>
+            <a:p>
+              <a:r>
+                <a:rPr lang="fr-FR" sz="1400"/>
+                <a:t>Actuators</a:t>
+              </a:r>
+              <a:endParaRPr lang="fr-BE" sz="1400" dirty="0"/>
+            </a:p>
+          </p:txBody>
+        </p:sp>
+        <p:sp>
+          <p:nvSpPr>
+            <p:cNvPr id="36" name="ZoneTexte 35">
+              <a:extLst>
+                <a:ext uri="{FF2B5EF4-FFF2-40B4-BE49-F238E27FC236}">
+                  <a16:creationId xmlns:a16="http://schemas.microsoft.com/office/drawing/2014/main" id="{82713ADF-584A-4A0D-84AC-A470EBED786E}"/>
+                </a:ext>
+              </a:extLst>
+            </p:cNvPr>
+            <p:cNvSpPr txBox="1"/>
+            <p:nvPr/>
+          </p:nvSpPr>
+          <p:spPr>
+            <a:xfrm>
+              <a:off x="1710048" y="1237593"/>
+              <a:ext cx="986342" cy="307777"/>
+            </a:xfrm>
+            <a:prstGeom prst="rect">
+              <a:avLst/>
+            </a:prstGeom>
+            <a:noFill/>
+          </p:spPr>
+          <p:txBody>
+            <a:bodyPr wrap="square" rtlCol="0">
+              <a:spAutoFit/>
+            </a:bodyPr>
+            <a:lstStyle/>
+            <a:p>
+              <a:r>
+                <a:rPr lang="fr-FR" sz="1400"/>
+                <a:t>Sensors</a:t>
+              </a:r>
+              <a:endParaRPr lang="fr-BE" sz="1400" dirty="0"/>
+            </a:p>
+          </p:txBody>
+        </p:sp>
+      </p:grpSp>
+      <p:grpSp>
+        <p:nvGrpSpPr>
+          <p:cNvPr id="71" name="Groupe 70">
+            <a:extLst>
+              <a:ext uri="{FF2B5EF4-FFF2-40B4-BE49-F238E27FC236}">
+                <a16:creationId xmlns:a16="http://schemas.microsoft.com/office/drawing/2014/main" id="{E31E12AE-85A5-4390-AA1D-C53BD0C6B6E0}"/>
+              </a:ext>
+            </a:extLst>
+          </p:cNvPr>
+          <p:cNvGrpSpPr/>
+          <p:nvPr/>
+        </p:nvGrpSpPr>
+        <p:grpSpPr>
+          <a:xfrm>
+            <a:off x="669219" y="5798396"/>
+            <a:ext cx="1317748" cy="659508"/>
+            <a:chOff x="6573276" y="751123"/>
+            <a:chExt cx="1317748" cy="659508"/>
+          </a:xfrm>
+        </p:grpSpPr>
+        <p:grpSp>
+          <p:nvGrpSpPr>
+            <p:cNvPr id="40" name="Groupe 39">
+              <a:extLst>
+                <a:ext uri="{FF2B5EF4-FFF2-40B4-BE49-F238E27FC236}">
+                  <a16:creationId xmlns:a16="http://schemas.microsoft.com/office/drawing/2014/main" id="{A60F626D-5A0C-4958-9FA3-D40C16561A7E}"/>
+                </a:ext>
+              </a:extLst>
+            </p:cNvPr>
+            <p:cNvGrpSpPr/>
+            <p:nvPr/>
+          </p:nvGrpSpPr>
+          <p:grpSpPr>
+            <a:xfrm>
+              <a:off x="6613728" y="751123"/>
+              <a:ext cx="1277296" cy="634649"/>
+              <a:chOff x="3154558" y="3044897"/>
+              <a:chExt cx="1277296" cy="634649"/>
+            </a:xfrm>
+          </p:grpSpPr>
+          <p:sp>
+            <p:nvSpPr>
+              <p:cNvPr id="38" name="Rectangle 37">
+                <a:extLst>
+                  <a:ext uri="{FF2B5EF4-FFF2-40B4-BE49-F238E27FC236}">
+                    <a16:creationId xmlns:a16="http://schemas.microsoft.com/office/drawing/2014/main" id="{8A15D173-26DB-4B4A-9BC4-E767C1A6DFCC}"/>
+                  </a:ext>
+                </a:extLst>
+              </p:cNvPr>
+              <p:cNvSpPr/>
+              <p:nvPr/>
+            </p:nvSpPr>
+            <p:spPr>
+              <a:xfrm>
+                <a:off x="3154558" y="3044897"/>
+                <a:ext cx="1277296" cy="634649"/>
+              </a:xfrm>
+              <a:prstGeom prst="rect">
+                <a:avLst/>
+              </a:prstGeom>
+              <a:solidFill>
+                <a:schemeClr val="accent1">
+                  <a:alpha val="50000"/>
+                </a:schemeClr>
+              </a:solidFill>
+              <a:ln>
+                <a:solidFill>
+                  <a:schemeClr val="tx1"/>
+                </a:solidFill>
+                <a:prstDash val="sysDash"/>
+              </a:ln>
+            </p:spPr>
+            <p:style>
+              <a:lnRef idx="0">
+                <a:scrgbClr r="0" g="0" b="0"/>
+              </a:lnRef>
+              <a:fillRef idx="0">
+                <a:scrgbClr r="0" g="0" b="0"/>
+              </a:fillRef>
+              <a:effectRef idx="0">
+                <a:scrgbClr r="0" g="0" b="0"/>
+              </a:effectRef>
+              <a:fontRef idx="minor">
+                <a:schemeClr val="lt1"/>
+              </a:fontRef>
+            </p:style>
+            <p:txBody>
+              <a:bodyPr rtlCol="0" anchor="ctr"/>
+              <a:lstStyle/>
+              <a:p>
+                <a:pPr algn="ctr"/>
+                <a:endParaRPr lang="fr-BE" sz="1200" dirty="0"/>
+              </a:p>
+            </p:txBody>
+          </p:sp>
+          <p:sp>
+            <p:nvSpPr>
+              <p:cNvPr id="39" name="Rectangle : coins arrondis 38">
+                <a:extLst>
+                  <a:ext uri="{FF2B5EF4-FFF2-40B4-BE49-F238E27FC236}">
+                    <a16:creationId xmlns:a16="http://schemas.microsoft.com/office/drawing/2014/main" id="{D555ED8D-4C0C-4D56-934C-3099CD7AF163}"/>
+                  </a:ext>
+                </a:extLst>
+              </p:cNvPr>
+              <p:cNvSpPr/>
+              <p:nvPr/>
+            </p:nvSpPr>
+            <p:spPr>
+              <a:xfrm>
+                <a:off x="3311601" y="3208748"/>
+                <a:ext cx="932493" cy="277330"/>
+              </a:xfrm>
+              <a:prstGeom prst="roundRect">
+                <a:avLst/>
+              </a:prstGeom>
+            </p:spPr>
+            <p:style>
+              <a:lnRef idx="2">
+                <a:schemeClr val="accent1">
+                  <a:shade val="50000"/>
+                </a:schemeClr>
+              </a:lnRef>
+              <a:fillRef idx="1">
+                <a:schemeClr val="accent1"/>
+              </a:fillRef>
+              <a:effectRef idx="0">
+                <a:schemeClr val="accent1"/>
+              </a:effectRef>
+              <a:fontRef idx="minor">
+                <a:schemeClr val="lt1"/>
+              </a:fontRef>
+            </p:style>
+            <p:txBody>
+              <a:bodyPr rtlCol="0" anchor="ctr"/>
+              <a:lstStyle/>
+              <a:p>
+                <a:pPr algn="ctr"/>
+                <a:r>
+                  <a:rPr lang="fr-FR" sz="1200" dirty="0"/>
+                  <a:t>Threads</a:t>
+                </a:r>
+                <a:endParaRPr lang="fr-BE" sz="1200" dirty="0"/>
+              </a:p>
+            </p:txBody>
+          </p:sp>
+        </p:grpSp>
+        <p:sp>
+          <p:nvSpPr>
+            <p:cNvPr id="46" name="ZoneTexte 45">
+              <a:extLst>
+                <a:ext uri="{FF2B5EF4-FFF2-40B4-BE49-F238E27FC236}">
+                  <a16:creationId xmlns:a16="http://schemas.microsoft.com/office/drawing/2014/main" id="{7A831E86-CC02-47FF-8C5C-68135FDEA369}"/>
+                </a:ext>
+              </a:extLst>
+            </p:cNvPr>
+            <p:cNvSpPr txBox="1"/>
+            <p:nvPr/>
+          </p:nvSpPr>
+          <p:spPr>
+            <a:xfrm>
+              <a:off x="6573276" y="1225965"/>
+              <a:ext cx="782990" cy="184666"/>
+            </a:xfrm>
+            <a:prstGeom prst="rect">
+              <a:avLst/>
+            </a:prstGeom>
+            <a:noFill/>
+          </p:spPr>
+          <p:txBody>
+            <a:bodyPr wrap="square" rtlCol="0">
+              <a:spAutoFit/>
+            </a:bodyPr>
+            <a:lstStyle/>
+            <a:p>
+              <a:r>
+                <a:rPr lang="fr-FR" sz="600" dirty="0">
+                  <a:solidFill>
+                    <a:srgbClr val="FF0000"/>
+                  </a:solidFill>
+                </a:rPr>
+                <a:t>4 max ? (4 </a:t>
+              </a:r>
+              <a:r>
+                <a:rPr lang="fr-FR" sz="600" dirty="0" err="1">
+                  <a:solidFill>
+                    <a:srgbClr val="FF0000"/>
+                  </a:solidFill>
+                </a:rPr>
+                <a:t>core</a:t>
+              </a:r>
+              <a:r>
+                <a:rPr lang="fr-FR" sz="600" dirty="0">
+                  <a:solidFill>
+                    <a:srgbClr val="FF0000"/>
+                  </a:solidFill>
+                </a:rPr>
+                <a:t> ?)</a:t>
+              </a:r>
+              <a:endParaRPr lang="fr-BE" sz="600" dirty="0">
+                <a:solidFill>
+                  <a:srgbClr val="FF0000"/>
+                </a:solidFill>
+              </a:endParaRPr>
+            </a:p>
+          </p:txBody>
+        </p:sp>
+      </p:grpSp>
+      <p:grpSp>
+        <p:nvGrpSpPr>
+          <p:cNvPr id="72" name="Groupe 71">
+            <a:extLst>
+              <a:ext uri="{FF2B5EF4-FFF2-40B4-BE49-F238E27FC236}">
+                <a16:creationId xmlns:a16="http://schemas.microsoft.com/office/drawing/2014/main" id="{F16EB9B1-59F2-4678-98C0-ECD4BECDE887}"/>
+              </a:ext>
+            </a:extLst>
+          </p:cNvPr>
+          <p:cNvGrpSpPr/>
+          <p:nvPr/>
+        </p:nvGrpSpPr>
+        <p:grpSpPr>
+          <a:xfrm>
+            <a:off x="3631606" y="3654550"/>
+            <a:ext cx="1352119" cy="1974143"/>
+            <a:chOff x="8213413" y="510080"/>
+            <a:chExt cx="1352119" cy="1974143"/>
+          </a:xfrm>
+        </p:grpSpPr>
+        <p:grpSp>
+          <p:nvGrpSpPr>
+            <p:cNvPr id="67" name="Groupe 66">
+              <a:extLst>
+                <a:ext uri="{FF2B5EF4-FFF2-40B4-BE49-F238E27FC236}">
+                  <a16:creationId xmlns:a16="http://schemas.microsoft.com/office/drawing/2014/main" id="{8F777F49-410C-42BB-B26F-6445F5DC42E4}"/>
+                </a:ext>
+              </a:extLst>
+            </p:cNvPr>
+            <p:cNvGrpSpPr/>
+            <p:nvPr/>
+          </p:nvGrpSpPr>
+          <p:grpSpPr>
+            <a:xfrm>
+              <a:off x="8239066" y="718460"/>
+              <a:ext cx="1326466" cy="1765763"/>
+              <a:chOff x="2338829" y="2608015"/>
+              <a:chExt cx="1326466" cy="1765763"/>
+            </a:xfrm>
+          </p:grpSpPr>
+          <p:sp>
+            <p:nvSpPr>
+              <p:cNvPr id="47" name="Rectangle 46">
+                <a:extLst>
+                  <a:ext uri="{FF2B5EF4-FFF2-40B4-BE49-F238E27FC236}">
+                    <a16:creationId xmlns:a16="http://schemas.microsoft.com/office/drawing/2014/main" id="{6A4AAA8C-8896-4EDD-A81D-48B07F813D85}"/>
+                  </a:ext>
+                </a:extLst>
+              </p:cNvPr>
+              <p:cNvSpPr/>
+              <p:nvPr/>
+            </p:nvSpPr>
+            <p:spPr>
+              <a:xfrm>
+                <a:off x="2338829" y="2608015"/>
+                <a:ext cx="1326466" cy="1765763"/>
+              </a:xfrm>
+              <a:prstGeom prst="rect">
+                <a:avLst/>
+              </a:prstGeom>
+              <a:solidFill>
+                <a:schemeClr val="accent1">
+                  <a:alpha val="50000"/>
+                </a:schemeClr>
+              </a:solidFill>
+              <a:ln>
+                <a:solidFill>
+                  <a:schemeClr val="tx1"/>
+                </a:solidFill>
+                <a:prstDash val="sysDash"/>
+              </a:ln>
+            </p:spPr>
+            <p:style>
+              <a:lnRef idx="0">
+                <a:scrgbClr r="0" g="0" b="0"/>
+              </a:lnRef>
+              <a:fillRef idx="0">
+                <a:scrgbClr r="0" g="0" b="0"/>
+              </a:fillRef>
+              <a:effectRef idx="0">
+                <a:scrgbClr r="0" g="0" b="0"/>
+              </a:effectRef>
+              <a:fontRef idx="minor">
+                <a:schemeClr val="lt1"/>
+              </a:fontRef>
+            </p:style>
+            <p:txBody>
+              <a:bodyPr rtlCol="0" anchor="ctr"/>
+              <a:lstStyle/>
+              <a:p>
+                <a:pPr algn="ctr"/>
+                <a:endParaRPr lang="fr-BE" sz="1200" dirty="0"/>
+              </a:p>
+            </p:txBody>
+          </p:sp>
+          <p:sp>
+            <p:nvSpPr>
+              <p:cNvPr id="49" name="Rectangle : coins arrondis 48">
+                <a:extLst>
+                  <a:ext uri="{FF2B5EF4-FFF2-40B4-BE49-F238E27FC236}">
+                    <a16:creationId xmlns:a16="http://schemas.microsoft.com/office/drawing/2014/main" id="{4E6630D0-5B33-451B-9CAF-6B3F30EC818E}"/>
+                  </a:ext>
+                </a:extLst>
+              </p:cNvPr>
+              <p:cNvSpPr/>
+              <p:nvPr/>
+            </p:nvSpPr>
+            <p:spPr>
+              <a:xfrm>
+                <a:off x="2513218" y="2715537"/>
+                <a:ext cx="932493" cy="277330"/>
+              </a:xfrm>
+              <a:prstGeom prst="roundRect">
+                <a:avLst/>
+              </a:prstGeom>
+            </p:spPr>
+            <p:style>
+              <a:lnRef idx="2">
+                <a:schemeClr val="accent1">
+                  <a:shade val="50000"/>
+                </a:schemeClr>
+              </a:lnRef>
+              <a:fillRef idx="1">
+                <a:schemeClr val="accent1"/>
+              </a:fillRef>
+              <a:effectRef idx="0">
+                <a:schemeClr val="accent1"/>
+              </a:effectRef>
+              <a:fontRef idx="minor">
+                <a:schemeClr val="lt1"/>
+              </a:fontRef>
+            </p:style>
+            <p:txBody>
+              <a:bodyPr rtlCol="0" anchor="ctr"/>
+              <a:lstStyle/>
+              <a:p>
+                <a:pPr algn="ctr"/>
+                <a:r>
+                  <a:rPr lang="fr-FR" sz="1200" dirty="0" err="1"/>
+                  <a:t>ToDoList</a:t>
+                </a:r>
+                <a:endParaRPr lang="fr-BE" sz="1200" dirty="0"/>
+              </a:p>
+            </p:txBody>
+          </p:sp>
+          <p:sp>
+            <p:nvSpPr>
+              <p:cNvPr id="50" name="Rectangle : coins arrondis 49">
+                <a:extLst>
+                  <a:ext uri="{FF2B5EF4-FFF2-40B4-BE49-F238E27FC236}">
+                    <a16:creationId xmlns:a16="http://schemas.microsoft.com/office/drawing/2014/main" id="{7B54DC6C-706B-49D2-B744-FCDF89FA027E}"/>
+                  </a:ext>
+                </a:extLst>
+              </p:cNvPr>
+              <p:cNvSpPr/>
+              <p:nvPr/>
+            </p:nvSpPr>
+            <p:spPr>
+              <a:xfrm>
+                <a:off x="2528965" y="3237737"/>
+                <a:ext cx="932493" cy="277330"/>
+              </a:xfrm>
+              <a:prstGeom prst="roundRect">
+                <a:avLst/>
+              </a:prstGeom>
+            </p:spPr>
+            <p:style>
+              <a:lnRef idx="2">
+                <a:schemeClr val="accent1">
+                  <a:shade val="50000"/>
+                </a:schemeClr>
+              </a:lnRef>
+              <a:fillRef idx="1">
+                <a:schemeClr val="accent1"/>
+              </a:fillRef>
+              <a:effectRef idx="0">
+                <a:schemeClr val="accent1"/>
+              </a:effectRef>
+              <a:fontRef idx="minor">
+                <a:schemeClr val="lt1"/>
+              </a:fontRef>
+            </p:style>
+            <p:txBody>
+              <a:bodyPr rtlCol="0" anchor="ctr"/>
+              <a:lstStyle/>
+              <a:p>
+                <a:pPr algn="ctr"/>
+                <a:r>
+                  <a:rPr lang="fr-FR" sz="1200" dirty="0" err="1"/>
+                  <a:t>Task</a:t>
+                </a:r>
+                <a:endParaRPr lang="fr-BE" sz="1200" dirty="0"/>
+              </a:p>
+            </p:txBody>
+          </p:sp>
+          <p:sp>
+            <p:nvSpPr>
+              <p:cNvPr id="53" name="Rectangle : coins arrondis 52">
+                <a:extLst>
+                  <a:ext uri="{FF2B5EF4-FFF2-40B4-BE49-F238E27FC236}">
+                    <a16:creationId xmlns:a16="http://schemas.microsoft.com/office/drawing/2014/main" id="{327D307A-8DEF-4940-BBED-FC3104D72A7D}"/>
+                  </a:ext>
+                </a:extLst>
+              </p:cNvPr>
+              <p:cNvSpPr/>
+              <p:nvPr/>
+            </p:nvSpPr>
+            <p:spPr>
+              <a:xfrm>
+                <a:off x="2528965" y="3620263"/>
+                <a:ext cx="932493" cy="277330"/>
+              </a:xfrm>
+              <a:prstGeom prst="roundRect">
+                <a:avLst/>
+              </a:prstGeom>
+            </p:spPr>
+            <p:style>
+              <a:lnRef idx="2">
+                <a:schemeClr val="accent1">
+                  <a:shade val="50000"/>
+                </a:schemeClr>
+              </a:lnRef>
+              <a:fillRef idx="1">
+                <a:schemeClr val="accent1"/>
+              </a:fillRef>
+              <a:effectRef idx="0">
+                <a:schemeClr val="accent1"/>
+              </a:effectRef>
+              <a:fontRef idx="minor">
+                <a:schemeClr val="lt1"/>
+              </a:fontRef>
+            </p:style>
+            <p:txBody>
+              <a:bodyPr rtlCol="0" anchor="ctr"/>
+              <a:lstStyle/>
+              <a:p>
+                <a:pPr algn="ctr"/>
+                <a:r>
+                  <a:rPr lang="fr-FR" sz="1200" dirty="0" err="1"/>
+                  <a:t>Task</a:t>
+                </a:r>
+                <a:endParaRPr lang="fr-BE" sz="1200" dirty="0"/>
+              </a:p>
+            </p:txBody>
+          </p:sp>
+          <p:sp>
+            <p:nvSpPr>
+              <p:cNvPr id="54" name="Rectangle : coins arrondis 53">
+                <a:extLst>
+                  <a:ext uri="{FF2B5EF4-FFF2-40B4-BE49-F238E27FC236}">
+                    <a16:creationId xmlns:a16="http://schemas.microsoft.com/office/drawing/2014/main" id="{7FFFC38D-DCF0-4EA9-A333-D8AC7F9E19E3}"/>
+                  </a:ext>
+                </a:extLst>
+              </p:cNvPr>
+              <p:cNvSpPr/>
+              <p:nvPr/>
+            </p:nvSpPr>
+            <p:spPr>
+              <a:xfrm>
+                <a:off x="2528964" y="3997020"/>
+                <a:ext cx="932493" cy="277330"/>
+              </a:xfrm>
+              <a:prstGeom prst="roundRect">
+                <a:avLst/>
+              </a:prstGeom>
+            </p:spPr>
+            <p:style>
+              <a:lnRef idx="2">
+                <a:schemeClr val="accent1">
+                  <a:shade val="50000"/>
+                </a:schemeClr>
+              </a:lnRef>
+              <a:fillRef idx="1">
+                <a:schemeClr val="accent1"/>
+              </a:fillRef>
+              <a:effectRef idx="0">
+                <a:schemeClr val="accent1"/>
+              </a:effectRef>
+              <a:fontRef idx="minor">
+                <a:schemeClr val="lt1"/>
+              </a:fontRef>
+            </p:style>
+            <p:txBody>
+              <a:bodyPr rtlCol="0" anchor="ctr"/>
+              <a:lstStyle/>
+              <a:p>
+                <a:pPr algn="ctr"/>
+                <a:r>
+                  <a:rPr lang="fr-FR" sz="1200" dirty="0" err="1"/>
+                  <a:t>Task</a:t>
+                </a:r>
+                <a:endParaRPr lang="fr-BE" sz="1200" dirty="0"/>
+              </a:p>
+            </p:txBody>
+          </p:sp>
+          <p:sp>
+            <p:nvSpPr>
+              <p:cNvPr id="62" name="Organigramme : Fusion 61">
+                <a:extLst>
+                  <a:ext uri="{FF2B5EF4-FFF2-40B4-BE49-F238E27FC236}">
+                    <a16:creationId xmlns:a16="http://schemas.microsoft.com/office/drawing/2014/main" id="{B3E7EEC4-3587-4CEF-BCEF-EE048BCADB1F}"/>
+                  </a:ext>
+                </a:extLst>
+              </p:cNvPr>
+              <p:cNvSpPr/>
+              <p:nvPr/>
+            </p:nvSpPr>
+            <p:spPr>
+              <a:xfrm>
+                <a:off x="2920885" y="3522089"/>
+                <a:ext cx="117161" cy="91548"/>
+              </a:xfrm>
+              <a:prstGeom prst="flowChartMerge">
+                <a:avLst/>
+              </a:prstGeom>
+            </p:spPr>
+            <p:style>
+              <a:lnRef idx="2">
+                <a:schemeClr val="accent1">
+                  <a:shade val="50000"/>
+                </a:schemeClr>
+              </a:lnRef>
+              <a:fillRef idx="1">
+                <a:schemeClr val="accent1"/>
+              </a:fillRef>
+              <a:effectRef idx="0">
+                <a:schemeClr val="accent1"/>
+              </a:effectRef>
+              <a:fontRef idx="minor">
+                <a:schemeClr val="lt1"/>
+              </a:fontRef>
+            </p:style>
+            <p:txBody>
+              <a:bodyPr rtlCol="0" anchor="ctr"/>
+              <a:lstStyle/>
+              <a:p>
+                <a:pPr algn="ctr"/>
+                <a:endParaRPr lang="fr-BE"/>
+              </a:p>
+            </p:txBody>
+          </p:sp>
+          <p:sp>
+            <p:nvSpPr>
+              <p:cNvPr id="64" name="Organigramme : Fusion 63">
+                <a:extLst>
+                  <a:ext uri="{FF2B5EF4-FFF2-40B4-BE49-F238E27FC236}">
+                    <a16:creationId xmlns:a16="http://schemas.microsoft.com/office/drawing/2014/main" id="{0D78FC82-3D05-438B-A83B-7754856ACDF2}"/>
+                  </a:ext>
+                </a:extLst>
+              </p:cNvPr>
+              <p:cNvSpPr/>
+              <p:nvPr/>
+            </p:nvSpPr>
+            <p:spPr>
+              <a:xfrm>
+                <a:off x="2920885" y="3897592"/>
+                <a:ext cx="117161" cy="91548"/>
+              </a:xfrm>
+              <a:prstGeom prst="flowChartMerge">
+                <a:avLst/>
+              </a:prstGeom>
+            </p:spPr>
+            <p:style>
+              <a:lnRef idx="2">
+                <a:schemeClr val="accent1">
+                  <a:shade val="50000"/>
+                </a:schemeClr>
+              </a:lnRef>
+              <a:fillRef idx="1">
+                <a:schemeClr val="accent1"/>
+              </a:fillRef>
+              <a:effectRef idx="0">
+                <a:schemeClr val="accent1"/>
+              </a:effectRef>
+              <a:fontRef idx="minor">
+                <a:schemeClr val="lt1"/>
+              </a:fontRef>
+            </p:style>
+            <p:txBody>
+              <a:bodyPr rtlCol="0" anchor="ctr"/>
+              <a:lstStyle/>
+              <a:p>
+                <a:pPr algn="ctr"/>
+                <a:endParaRPr lang="fr-BE"/>
+              </a:p>
+            </p:txBody>
+          </p:sp>
+          <p:cxnSp>
+            <p:nvCxnSpPr>
+              <p:cNvPr id="66" name="Connecteur droit avec flèche 65">
+                <a:extLst>
+                  <a:ext uri="{FF2B5EF4-FFF2-40B4-BE49-F238E27FC236}">
+                    <a16:creationId xmlns:a16="http://schemas.microsoft.com/office/drawing/2014/main" id="{74FF532C-5512-4105-B24A-898BEE18EA7A}"/>
+                  </a:ext>
+                </a:extLst>
+              </p:cNvPr>
+              <p:cNvCxnSpPr>
+                <a:stCxn id="49" idx="2"/>
+              </p:cNvCxnSpPr>
+              <p:nvPr/>
+            </p:nvCxnSpPr>
+            <p:spPr>
+              <a:xfrm flipH="1">
+                <a:off x="2979464" y="2992867"/>
+                <a:ext cx="1" cy="181701"/>
+              </a:xfrm>
+              <a:prstGeom prst="straightConnector1">
+                <a:avLst/>
+              </a:prstGeom>
+              <a:ln>
+                <a:tailEnd type="triangle"/>
+              </a:ln>
+            </p:spPr>
+            <p:style>
+              <a:lnRef idx="1">
+                <a:schemeClr val="accent1"/>
+              </a:lnRef>
+              <a:fillRef idx="0">
+                <a:schemeClr val="accent1"/>
+              </a:fillRef>
+              <a:effectRef idx="0">
+                <a:schemeClr val="accent1"/>
+              </a:effectRef>
+              <a:fontRef idx="minor">
+                <a:schemeClr val="tx1"/>
+              </a:fontRef>
+            </p:style>
+          </p:cxnSp>
+        </p:grpSp>
+        <p:sp>
+          <p:nvSpPr>
+            <p:cNvPr id="68" name="ZoneTexte 67">
+              <a:extLst>
+                <a:ext uri="{FF2B5EF4-FFF2-40B4-BE49-F238E27FC236}">
+                  <a16:creationId xmlns:a16="http://schemas.microsoft.com/office/drawing/2014/main" id="{D280CA01-20DD-44F9-AC7E-CCE4D0174DF1}"/>
+                </a:ext>
+              </a:extLst>
+            </p:cNvPr>
+            <p:cNvSpPr txBox="1"/>
+            <p:nvPr/>
+          </p:nvSpPr>
+          <p:spPr>
+            <a:xfrm>
+              <a:off x="8213413" y="510080"/>
+              <a:ext cx="1078620" cy="261610"/>
+            </a:xfrm>
+            <a:prstGeom prst="rect">
+              <a:avLst/>
+            </a:prstGeom>
+            <a:noFill/>
+          </p:spPr>
+          <p:txBody>
+            <a:bodyPr wrap="square" rtlCol="0">
+              <a:spAutoFit/>
+            </a:bodyPr>
+            <a:lstStyle/>
+            <a:p>
+              <a:r>
+                <a:rPr lang="fr-FR" sz="1100" i="1" dirty="0"/>
+                <a:t>Sorte de stack</a:t>
+              </a:r>
+              <a:endParaRPr lang="fr-BE" sz="1100" i="1" dirty="0"/>
+            </a:p>
+          </p:txBody>
+        </p:sp>
+      </p:grpSp>
+      <p:sp>
+        <p:nvSpPr>
+          <p:cNvPr id="73" name="ZoneTexte 72">
+            <a:extLst>
+              <a:ext uri="{FF2B5EF4-FFF2-40B4-BE49-F238E27FC236}">
+                <a16:creationId xmlns:a16="http://schemas.microsoft.com/office/drawing/2014/main" id="{FB01255F-CE7B-4231-8872-EB1F8E28521A}"/>
+              </a:ext>
+            </a:extLst>
+          </p:cNvPr>
+          <p:cNvSpPr txBox="1"/>
+          <p:nvPr/>
+        </p:nvSpPr>
+        <p:spPr>
+          <a:xfrm>
+            <a:off x="241046" y="769545"/>
+            <a:ext cx="3433302" cy="369332"/>
+          </a:xfrm>
+          <a:prstGeom prst="rect">
+            <a:avLst/>
+          </a:prstGeom>
+          <a:noFill/>
+        </p:spPr>
+        <p:txBody>
+          <a:bodyPr wrap="square" rtlCol="0">
+            <a:spAutoFit/>
+          </a:bodyPr>
+          <a:lstStyle/>
+          <a:p>
+            <a:r>
+              <a:rPr lang="fr-FR" b="1" i="1" dirty="0"/>
+              <a:t>&gt; Classes</a:t>
+            </a:r>
+            <a:endParaRPr lang="fr-BE" b="1" i="1" dirty="0"/>
+          </a:p>
+        </p:txBody>
+      </p:sp>
+      <p:sp>
+        <p:nvSpPr>
+          <p:cNvPr id="74" name="ZoneTexte 73">
+            <a:extLst>
+              <a:ext uri="{FF2B5EF4-FFF2-40B4-BE49-F238E27FC236}">
+                <a16:creationId xmlns:a16="http://schemas.microsoft.com/office/drawing/2014/main" id="{B7A47577-7EB0-445A-8C41-6F7D36FE29AB}"/>
+              </a:ext>
+            </a:extLst>
+          </p:cNvPr>
+          <p:cNvSpPr txBox="1"/>
+          <p:nvPr/>
+        </p:nvSpPr>
+        <p:spPr>
+          <a:xfrm>
+            <a:off x="155050" y="6475087"/>
+            <a:ext cx="3433302" cy="369332"/>
+          </a:xfrm>
+          <a:prstGeom prst="rect">
+            <a:avLst/>
+          </a:prstGeom>
+          <a:noFill/>
+        </p:spPr>
+        <p:txBody>
+          <a:bodyPr wrap="square" rtlCol="0">
+            <a:spAutoFit/>
+          </a:bodyPr>
+          <a:lstStyle/>
+          <a:p>
+            <a:r>
+              <a:rPr lang="fr-FR" b="1" i="1" dirty="0"/>
+              <a:t>&gt; </a:t>
+            </a:r>
+            <a:r>
+              <a:rPr lang="fr-FR" b="1" i="1" dirty="0" err="1"/>
+              <a:t>Functions</a:t>
+            </a:r>
+            <a:endParaRPr lang="fr-BE" b="1" i="1" dirty="0"/>
+          </a:p>
+        </p:txBody>
+      </p:sp>
+      <p:grpSp>
+        <p:nvGrpSpPr>
+          <p:cNvPr id="51" name="Groupe 50">
+            <a:extLst>
+              <a:ext uri="{FF2B5EF4-FFF2-40B4-BE49-F238E27FC236}">
+                <a16:creationId xmlns:a16="http://schemas.microsoft.com/office/drawing/2014/main" id="{2540526A-B910-4FD0-B2FC-B776B2D13C2C}"/>
+              </a:ext>
+            </a:extLst>
+          </p:cNvPr>
+          <p:cNvGrpSpPr/>
+          <p:nvPr/>
+        </p:nvGrpSpPr>
+        <p:grpSpPr>
+          <a:xfrm>
+            <a:off x="2204142" y="5821276"/>
+            <a:ext cx="1317748" cy="659508"/>
+            <a:chOff x="6573276" y="751123"/>
+            <a:chExt cx="1317748" cy="659508"/>
+          </a:xfrm>
+        </p:grpSpPr>
+        <p:grpSp>
+          <p:nvGrpSpPr>
+            <p:cNvPr id="52" name="Groupe 51">
+              <a:extLst>
+                <a:ext uri="{FF2B5EF4-FFF2-40B4-BE49-F238E27FC236}">
+                  <a16:creationId xmlns:a16="http://schemas.microsoft.com/office/drawing/2014/main" id="{60164388-DA8E-49E7-B887-E7E2C44A3EFF}"/>
+                </a:ext>
+              </a:extLst>
+            </p:cNvPr>
+            <p:cNvGrpSpPr/>
+            <p:nvPr/>
+          </p:nvGrpSpPr>
+          <p:grpSpPr>
+            <a:xfrm>
+              <a:off x="6613728" y="751123"/>
+              <a:ext cx="1277296" cy="634649"/>
+              <a:chOff x="3154558" y="3044897"/>
+              <a:chExt cx="1277296" cy="634649"/>
+            </a:xfrm>
+          </p:grpSpPr>
+          <p:sp>
+            <p:nvSpPr>
+              <p:cNvPr id="56" name="Rectangle 55">
+                <a:extLst>
+                  <a:ext uri="{FF2B5EF4-FFF2-40B4-BE49-F238E27FC236}">
+                    <a16:creationId xmlns:a16="http://schemas.microsoft.com/office/drawing/2014/main" id="{32EB1DBE-9168-419D-B5D6-EAD87DC4372D}"/>
+                  </a:ext>
+                </a:extLst>
+              </p:cNvPr>
+              <p:cNvSpPr/>
+              <p:nvPr/>
+            </p:nvSpPr>
+            <p:spPr>
+              <a:xfrm>
+                <a:off x="3154558" y="3044897"/>
+                <a:ext cx="1277296" cy="634649"/>
+              </a:xfrm>
+              <a:prstGeom prst="rect">
+                <a:avLst/>
+              </a:prstGeom>
+              <a:solidFill>
+                <a:schemeClr val="accent1">
+                  <a:alpha val="50000"/>
+                </a:schemeClr>
+              </a:solidFill>
+              <a:ln>
+                <a:solidFill>
+                  <a:schemeClr val="tx1"/>
+                </a:solidFill>
+                <a:prstDash val="sysDash"/>
+              </a:ln>
+            </p:spPr>
+            <p:style>
+              <a:lnRef idx="0">
+                <a:scrgbClr r="0" g="0" b="0"/>
+              </a:lnRef>
+              <a:fillRef idx="0">
+                <a:scrgbClr r="0" g="0" b="0"/>
+              </a:fillRef>
+              <a:effectRef idx="0">
+                <a:scrgbClr r="0" g="0" b="0"/>
+              </a:effectRef>
+              <a:fontRef idx="minor">
+                <a:schemeClr val="lt1"/>
+              </a:fontRef>
+            </p:style>
+            <p:txBody>
+              <a:bodyPr rtlCol="0" anchor="ctr"/>
+              <a:lstStyle/>
+              <a:p>
+                <a:pPr algn="ctr"/>
+                <a:endParaRPr lang="fr-BE" sz="1200" dirty="0"/>
+              </a:p>
+            </p:txBody>
+          </p:sp>
+          <p:sp>
+            <p:nvSpPr>
+              <p:cNvPr id="57" name="Rectangle : coins arrondis 56">
+                <a:extLst>
+                  <a:ext uri="{FF2B5EF4-FFF2-40B4-BE49-F238E27FC236}">
+                    <a16:creationId xmlns:a16="http://schemas.microsoft.com/office/drawing/2014/main" id="{53383AA4-D5C9-433C-B118-05A9B4C9DF8C}"/>
+                  </a:ext>
+                </a:extLst>
+              </p:cNvPr>
+              <p:cNvSpPr/>
+              <p:nvPr/>
+            </p:nvSpPr>
+            <p:spPr>
+              <a:xfrm>
+                <a:off x="3311601" y="3208748"/>
+                <a:ext cx="932493" cy="277330"/>
+              </a:xfrm>
+              <a:prstGeom prst="roundRect">
+                <a:avLst/>
+              </a:prstGeom>
+            </p:spPr>
+            <p:style>
+              <a:lnRef idx="2">
+                <a:schemeClr val="accent1">
+                  <a:shade val="50000"/>
+                </a:schemeClr>
+              </a:lnRef>
+              <a:fillRef idx="1">
+                <a:schemeClr val="accent1"/>
+              </a:fillRef>
+              <a:effectRef idx="0">
+                <a:schemeClr val="accent1"/>
+              </a:effectRef>
+              <a:fontRef idx="minor">
+                <a:schemeClr val="lt1"/>
+              </a:fontRef>
+            </p:style>
+            <p:txBody>
+              <a:bodyPr rtlCol="0" anchor="ctr"/>
+              <a:lstStyle/>
+              <a:p>
+                <a:pPr algn="ctr"/>
+                <a:r>
+                  <a:rPr lang="fr-FR" sz="1200" dirty="0"/>
+                  <a:t>Stack</a:t>
+                </a:r>
+                <a:endParaRPr lang="fr-BE" sz="1200" dirty="0"/>
+              </a:p>
+            </p:txBody>
+          </p:sp>
+        </p:grpSp>
+        <p:sp>
+          <p:nvSpPr>
+            <p:cNvPr id="55" name="ZoneTexte 54">
+              <a:extLst>
+                <a:ext uri="{FF2B5EF4-FFF2-40B4-BE49-F238E27FC236}">
+                  <a16:creationId xmlns:a16="http://schemas.microsoft.com/office/drawing/2014/main" id="{61865109-E629-4E65-9FB9-F0FE8CBDA4FF}"/>
+                </a:ext>
+              </a:extLst>
+            </p:cNvPr>
+            <p:cNvSpPr txBox="1"/>
+            <p:nvPr/>
+          </p:nvSpPr>
+          <p:spPr>
+            <a:xfrm>
+              <a:off x="6573276" y="1225965"/>
+              <a:ext cx="782990" cy="184666"/>
+            </a:xfrm>
+            <a:prstGeom prst="rect">
+              <a:avLst/>
+            </a:prstGeom>
+            <a:noFill/>
+          </p:spPr>
+          <p:txBody>
+            <a:bodyPr wrap="square" rtlCol="0">
+              <a:spAutoFit/>
+            </a:bodyPr>
+            <a:lstStyle/>
+            <a:p>
+              <a:endParaRPr lang="fr-BE" sz="600" dirty="0">
+                <a:solidFill>
+                  <a:srgbClr val="FF0000"/>
+                </a:solidFill>
+              </a:endParaRPr>
+            </a:p>
+          </p:txBody>
+        </p:sp>
+      </p:grpSp>
+      <p:sp>
+        <p:nvSpPr>
+          <p:cNvPr id="5" name="ZoneTexte 4">
+            <a:extLst>
+              <a:ext uri="{FF2B5EF4-FFF2-40B4-BE49-F238E27FC236}">
+                <a16:creationId xmlns:a16="http://schemas.microsoft.com/office/drawing/2014/main" id="{A8004CF7-539E-4631-8979-4778E64B6FAC}"/>
+              </a:ext>
+            </a:extLst>
+          </p:cNvPr>
+          <p:cNvSpPr txBox="1"/>
+          <p:nvPr/>
+        </p:nvSpPr>
+        <p:spPr>
+          <a:xfrm>
+            <a:off x="155050" y="5577105"/>
+            <a:ext cx="2246587" cy="261610"/>
+          </a:xfrm>
+          <a:prstGeom prst="rect">
+            <a:avLst/>
+          </a:prstGeom>
+          <a:noFill/>
+        </p:spPr>
+        <p:txBody>
+          <a:bodyPr wrap="square" rtlCol="0">
+            <a:spAutoFit/>
+          </a:bodyPr>
+          <a:lstStyle/>
+          <a:p>
+            <a:r>
+              <a:rPr lang="fr-FR" sz="1050" dirty="0"/>
+              <a:t>&gt; Help classes</a:t>
+            </a:r>
+            <a:endParaRPr lang="fr-BE" sz="1050" dirty="0"/>
+          </a:p>
+        </p:txBody>
+      </p:sp>
+      <p:grpSp>
+        <p:nvGrpSpPr>
+          <p:cNvPr id="11" name="Groupe 10">
+            <a:extLst>
+              <a:ext uri="{FF2B5EF4-FFF2-40B4-BE49-F238E27FC236}">
+                <a16:creationId xmlns:a16="http://schemas.microsoft.com/office/drawing/2014/main" id="{A73DE2ED-C792-4C64-B84E-DFA1D9C49393}"/>
+              </a:ext>
+            </a:extLst>
+          </p:cNvPr>
+          <p:cNvGrpSpPr/>
+          <p:nvPr/>
+        </p:nvGrpSpPr>
+        <p:grpSpPr>
+          <a:xfrm>
+            <a:off x="4843197" y="2590799"/>
+            <a:ext cx="1156942" cy="1127508"/>
+            <a:chOff x="7570599" y="2948395"/>
+            <a:chExt cx="1156942" cy="1127508"/>
+          </a:xfrm>
+        </p:grpSpPr>
+        <p:grpSp>
+          <p:nvGrpSpPr>
+            <p:cNvPr id="60" name="Groupe 59">
+              <a:extLst>
+                <a:ext uri="{FF2B5EF4-FFF2-40B4-BE49-F238E27FC236}">
+                  <a16:creationId xmlns:a16="http://schemas.microsoft.com/office/drawing/2014/main" id="{7F85DE95-BF3E-4D58-9A47-5059F87AE007}"/>
+                </a:ext>
+              </a:extLst>
+            </p:cNvPr>
+            <p:cNvGrpSpPr/>
+            <p:nvPr/>
+          </p:nvGrpSpPr>
+          <p:grpSpPr>
+            <a:xfrm>
+              <a:off x="7570599" y="2948395"/>
+              <a:ext cx="1156942" cy="1127508"/>
+              <a:chOff x="3154558" y="3044897"/>
+              <a:chExt cx="1156942" cy="1127508"/>
+            </a:xfrm>
+          </p:grpSpPr>
+          <p:sp>
+            <p:nvSpPr>
+              <p:cNvPr id="63" name="Rectangle 62">
+                <a:extLst>
+                  <a:ext uri="{FF2B5EF4-FFF2-40B4-BE49-F238E27FC236}">
+                    <a16:creationId xmlns:a16="http://schemas.microsoft.com/office/drawing/2014/main" id="{C1304ECD-4712-4C86-B928-D91DB5AC0A6D}"/>
+                  </a:ext>
+                </a:extLst>
+              </p:cNvPr>
+              <p:cNvSpPr/>
+              <p:nvPr/>
+            </p:nvSpPr>
+            <p:spPr>
+              <a:xfrm>
+                <a:off x="3154558" y="3044897"/>
+                <a:ext cx="1156942" cy="1127508"/>
+              </a:xfrm>
+              <a:prstGeom prst="rect">
+                <a:avLst/>
+              </a:prstGeom>
+              <a:solidFill>
+                <a:schemeClr val="accent1">
+                  <a:alpha val="50000"/>
+                </a:schemeClr>
+              </a:solidFill>
+              <a:ln>
+                <a:solidFill>
+                  <a:schemeClr val="tx1"/>
+                </a:solidFill>
+                <a:prstDash val="sysDash"/>
+              </a:ln>
+            </p:spPr>
+            <p:style>
+              <a:lnRef idx="0">
+                <a:scrgbClr r="0" g="0" b="0"/>
+              </a:lnRef>
+              <a:fillRef idx="0">
+                <a:scrgbClr r="0" g="0" b="0"/>
+              </a:fillRef>
+              <a:effectRef idx="0">
+                <a:scrgbClr r="0" g="0" b="0"/>
+              </a:effectRef>
+              <a:fontRef idx="minor">
+                <a:schemeClr val="lt1"/>
+              </a:fontRef>
+            </p:style>
+            <p:txBody>
+              <a:bodyPr rtlCol="0" anchor="ctr"/>
+              <a:lstStyle/>
+              <a:p>
+                <a:pPr algn="ctr"/>
+                <a:endParaRPr lang="fr-BE" sz="1200" dirty="0"/>
+              </a:p>
+            </p:txBody>
+          </p:sp>
+          <p:sp>
+            <p:nvSpPr>
+              <p:cNvPr id="65" name="Rectangle : coins arrondis 64">
+                <a:extLst>
+                  <a:ext uri="{FF2B5EF4-FFF2-40B4-BE49-F238E27FC236}">
+                    <a16:creationId xmlns:a16="http://schemas.microsoft.com/office/drawing/2014/main" id="{0E4240B2-C423-4D73-A0B1-FDAEA5F26874}"/>
+                  </a:ext>
+                </a:extLst>
+              </p:cNvPr>
+              <p:cNvSpPr/>
+              <p:nvPr/>
+            </p:nvSpPr>
+            <p:spPr>
+              <a:xfrm>
+                <a:off x="3293495" y="3208748"/>
+                <a:ext cx="932493" cy="277330"/>
+              </a:xfrm>
+              <a:prstGeom prst="roundRect">
+                <a:avLst/>
+              </a:prstGeom>
+            </p:spPr>
+            <p:style>
+              <a:lnRef idx="2">
+                <a:schemeClr val="accent1">
+                  <a:shade val="50000"/>
+                </a:schemeClr>
+              </a:lnRef>
+              <a:fillRef idx="1">
+                <a:schemeClr val="accent1"/>
+              </a:fillRef>
+              <a:effectRef idx="0">
+                <a:schemeClr val="accent1"/>
+              </a:effectRef>
+              <a:fontRef idx="minor">
+                <a:schemeClr val="lt1"/>
+              </a:fontRef>
+            </p:style>
+            <p:txBody>
+              <a:bodyPr rtlCol="0" anchor="ctr"/>
+              <a:lstStyle/>
+              <a:p>
+                <a:pPr algn="ctr"/>
+                <a:r>
+                  <a:rPr lang="fr-FR" sz="1200" dirty="0"/>
+                  <a:t>Controller</a:t>
+                </a:r>
+                <a:endParaRPr lang="fr-BE" sz="1200" dirty="0"/>
+              </a:p>
+            </p:txBody>
+          </p:sp>
+        </p:grpSp>
+        <p:sp>
+          <p:nvSpPr>
+            <p:cNvPr id="69" name="Rectangle : coins arrondis 68">
+              <a:extLst>
+                <a:ext uri="{FF2B5EF4-FFF2-40B4-BE49-F238E27FC236}">
+                  <a16:creationId xmlns:a16="http://schemas.microsoft.com/office/drawing/2014/main" id="{0BDD008B-84D9-4120-B77B-0DAA0D1A4304}"/>
+                </a:ext>
+              </a:extLst>
+            </p:cNvPr>
+            <p:cNvSpPr/>
+            <p:nvPr/>
+          </p:nvSpPr>
+          <p:spPr>
+            <a:xfrm>
+              <a:off x="7709535" y="3684977"/>
+              <a:ext cx="932493" cy="277330"/>
+            </a:xfrm>
+            <a:prstGeom prst="roundRect">
+              <a:avLst/>
+            </a:prstGeom>
+          </p:spPr>
+          <p:style>
+            <a:lnRef idx="2">
+              <a:schemeClr val="accent1">
+                <a:shade val="50000"/>
+              </a:schemeClr>
+            </a:lnRef>
+            <a:fillRef idx="1">
+              <a:schemeClr val="accent1"/>
+            </a:fillRef>
+            <a:effectRef idx="0">
+              <a:schemeClr val="accent1"/>
+            </a:effectRef>
+            <a:fontRef idx="minor">
+              <a:schemeClr val="lt1"/>
+            </a:fontRef>
+          </p:style>
+          <p:txBody>
+            <a:bodyPr rtlCol="0" anchor="ctr"/>
+            <a:lstStyle/>
+            <a:p>
+              <a:pPr algn="ctr"/>
+              <a:r>
+                <a:rPr lang="fr-FR" sz="1200" dirty="0"/>
+                <a:t>PID</a:t>
+              </a:r>
+              <a:endParaRPr lang="fr-BE" sz="1200" dirty="0"/>
+            </a:p>
+          </p:txBody>
+        </p:sp>
+      </p:grpSp>
+      <p:cxnSp>
+        <p:nvCxnSpPr>
+          <p:cNvPr id="75" name="Connecteur droit avec flèche 74">
+            <a:extLst>
+              <a:ext uri="{FF2B5EF4-FFF2-40B4-BE49-F238E27FC236}">
+                <a16:creationId xmlns:a16="http://schemas.microsoft.com/office/drawing/2014/main" id="{C22E810E-83CA-4C3C-B8E1-A86193466577}"/>
+              </a:ext>
+            </a:extLst>
+          </p:cNvPr>
+          <p:cNvCxnSpPr>
+            <a:cxnSpLocks/>
+            <a:stCxn id="65" idx="2"/>
+            <a:endCxn id="69" idx="0"/>
+          </p:cNvCxnSpPr>
+          <p:nvPr/>
+        </p:nvCxnSpPr>
+        <p:spPr>
+          <a:xfrm flipH="1">
+            <a:off x="5448380" y="3031980"/>
+            <a:ext cx="1" cy="295401"/>
+          </a:xfrm>
+          <a:prstGeom prst="straightConnector1">
+            <a:avLst/>
+          </a:prstGeom>
+          <a:ln>
+            <a:tailEnd type="triangle"/>
+          </a:ln>
+        </p:spPr>
+        <p:style>
+          <a:lnRef idx="1">
+            <a:schemeClr val="accent1"/>
+          </a:lnRef>
+          <a:fillRef idx="0">
+            <a:schemeClr val="accent1"/>
+          </a:fillRef>
+          <a:effectRef idx="0">
+            <a:schemeClr val="accent1"/>
+          </a:effectRef>
+          <a:fontRef idx="minor">
+            <a:schemeClr val="tx1"/>
+          </a:fontRef>
+        </p:style>
+      </p:cxnSp>
+      <p:grpSp>
+        <p:nvGrpSpPr>
+          <p:cNvPr id="37" name="Groupe 36">
+            <a:extLst>
+              <a:ext uri="{FF2B5EF4-FFF2-40B4-BE49-F238E27FC236}">
+                <a16:creationId xmlns:a16="http://schemas.microsoft.com/office/drawing/2014/main" id="{BEC5942D-A357-46F7-8A65-F1BF6081E0A6}"/>
+              </a:ext>
+            </a:extLst>
+          </p:cNvPr>
+          <p:cNvGrpSpPr/>
+          <p:nvPr/>
+        </p:nvGrpSpPr>
+        <p:grpSpPr>
+          <a:xfrm>
+            <a:off x="5132169" y="4171311"/>
+            <a:ext cx="2602502" cy="1119173"/>
+            <a:chOff x="4429856" y="2809976"/>
+            <a:chExt cx="2602502" cy="1119173"/>
+          </a:xfrm>
+        </p:grpSpPr>
+        <p:grpSp>
+          <p:nvGrpSpPr>
+            <p:cNvPr id="4" name="Groupe 3">
+              <a:extLst>
+                <a:ext uri="{FF2B5EF4-FFF2-40B4-BE49-F238E27FC236}">
+                  <a16:creationId xmlns:a16="http://schemas.microsoft.com/office/drawing/2014/main" id="{70024F5F-FF70-48FD-9B07-F935A6E192EE}"/>
+                </a:ext>
+              </a:extLst>
+            </p:cNvPr>
+            <p:cNvGrpSpPr/>
+            <p:nvPr/>
+          </p:nvGrpSpPr>
+          <p:grpSpPr>
+            <a:xfrm>
+              <a:off x="4488334" y="2849745"/>
+              <a:ext cx="2544024" cy="1079404"/>
+              <a:chOff x="9514173" y="1250221"/>
+              <a:chExt cx="2544024" cy="1079404"/>
+            </a:xfrm>
+          </p:grpSpPr>
+          <p:sp>
+            <p:nvSpPr>
+              <p:cNvPr id="96" name="Rectangle 95">
+                <a:extLst>
+                  <a:ext uri="{FF2B5EF4-FFF2-40B4-BE49-F238E27FC236}">
+                    <a16:creationId xmlns:a16="http://schemas.microsoft.com/office/drawing/2014/main" id="{8CD116D0-54E3-4F7F-B425-96DD1B469253}"/>
+                  </a:ext>
+                </a:extLst>
+              </p:cNvPr>
+              <p:cNvSpPr/>
+              <p:nvPr/>
+            </p:nvSpPr>
+            <p:spPr>
+              <a:xfrm>
+                <a:off x="9514173" y="1250221"/>
+                <a:ext cx="2544024" cy="1079404"/>
+              </a:xfrm>
+              <a:prstGeom prst="rect">
+                <a:avLst/>
+              </a:prstGeom>
+              <a:solidFill>
+                <a:schemeClr val="accent1">
+                  <a:alpha val="50000"/>
+                </a:schemeClr>
+              </a:solidFill>
+              <a:ln>
+                <a:solidFill>
+                  <a:schemeClr val="tx1"/>
+                </a:solidFill>
+                <a:prstDash val="sysDash"/>
+              </a:ln>
+            </p:spPr>
+            <p:style>
+              <a:lnRef idx="0">
+                <a:scrgbClr r="0" g="0" b="0"/>
+              </a:lnRef>
+              <a:fillRef idx="0">
+                <a:scrgbClr r="0" g="0" b="0"/>
+              </a:fillRef>
+              <a:effectRef idx="0">
+                <a:scrgbClr r="0" g="0" b="0"/>
+              </a:effectRef>
+              <a:fontRef idx="minor">
+                <a:schemeClr val="lt1"/>
+              </a:fontRef>
+            </p:style>
+            <p:txBody>
+              <a:bodyPr rtlCol="0" anchor="ctr"/>
+              <a:lstStyle/>
+              <a:p>
+                <a:pPr algn="ctr"/>
+                <a:endParaRPr lang="fr-BE" sz="1200" dirty="0"/>
+              </a:p>
+            </p:txBody>
+          </p:sp>
+          <p:sp>
+            <p:nvSpPr>
+              <p:cNvPr id="97" name="Rectangle : coins arrondis 96">
+                <a:extLst>
+                  <a:ext uri="{FF2B5EF4-FFF2-40B4-BE49-F238E27FC236}">
+                    <a16:creationId xmlns:a16="http://schemas.microsoft.com/office/drawing/2014/main" id="{AE508BEF-F4D1-4D5E-B896-65DEA8AAD92F}"/>
+                  </a:ext>
+                </a:extLst>
+              </p:cNvPr>
+              <p:cNvSpPr/>
+              <p:nvPr/>
+            </p:nvSpPr>
+            <p:spPr>
+              <a:xfrm>
+                <a:off x="10244010" y="1401295"/>
+                <a:ext cx="1008421" cy="277330"/>
+              </a:xfrm>
+              <a:prstGeom prst="roundRect">
+                <a:avLst/>
+              </a:prstGeom>
+            </p:spPr>
+            <p:style>
+              <a:lnRef idx="2">
+                <a:schemeClr val="accent1">
+                  <a:shade val="50000"/>
+                </a:schemeClr>
+              </a:lnRef>
+              <a:fillRef idx="1">
+                <a:schemeClr val="accent1"/>
+              </a:fillRef>
+              <a:effectRef idx="0">
+                <a:schemeClr val="accent1"/>
+              </a:effectRef>
+              <a:fontRef idx="minor">
+                <a:schemeClr val="lt1"/>
+              </a:fontRef>
+            </p:style>
+            <p:txBody>
+              <a:bodyPr rtlCol="0" anchor="ctr"/>
+              <a:lstStyle/>
+              <a:p>
+                <a:pPr algn="ctr"/>
+                <a:r>
+                  <a:rPr lang="fr-FR" sz="1200" dirty="0" err="1"/>
+                  <a:t>Mechanisms</a:t>
+                </a:r>
+                <a:endParaRPr lang="fr-BE" sz="1200" dirty="0"/>
+              </a:p>
+            </p:txBody>
+          </p:sp>
+          <p:sp>
+            <p:nvSpPr>
+              <p:cNvPr id="100" name="Rectangle : coins arrondis 99">
+                <a:extLst>
+                  <a:ext uri="{FF2B5EF4-FFF2-40B4-BE49-F238E27FC236}">
+                    <a16:creationId xmlns:a16="http://schemas.microsoft.com/office/drawing/2014/main" id="{DE6B9BD5-C2ED-4567-9726-4546E6A1F075}"/>
+                  </a:ext>
+                </a:extLst>
+              </p:cNvPr>
+              <p:cNvSpPr/>
+              <p:nvPr/>
+            </p:nvSpPr>
+            <p:spPr>
+              <a:xfrm>
+                <a:off x="9710460" y="1914319"/>
+                <a:ext cx="932493" cy="277330"/>
+              </a:xfrm>
+              <a:prstGeom prst="roundRect">
+                <a:avLst/>
+              </a:prstGeom>
+            </p:spPr>
+            <p:style>
+              <a:lnRef idx="2">
+                <a:schemeClr val="accent1">
+                  <a:shade val="50000"/>
+                </a:schemeClr>
+              </a:lnRef>
+              <a:fillRef idx="1">
+                <a:schemeClr val="accent1"/>
+              </a:fillRef>
+              <a:effectRef idx="0">
+                <a:schemeClr val="accent1"/>
+              </a:effectRef>
+              <a:fontRef idx="minor">
+                <a:schemeClr val="lt1"/>
+              </a:fontRef>
+            </p:style>
+            <p:txBody>
+              <a:bodyPr rtlCol="0" anchor="ctr"/>
+              <a:lstStyle/>
+              <a:p>
+                <a:pPr algn="ctr"/>
+                <a:r>
+                  <a:rPr lang="fr-FR" sz="1200" dirty="0" err="1"/>
+                  <a:t>PushUnder</a:t>
+                </a:r>
+                <a:endParaRPr lang="fr-BE" sz="1200" dirty="0"/>
+              </a:p>
+            </p:txBody>
+          </p:sp>
+          <p:sp>
+            <p:nvSpPr>
+              <p:cNvPr id="112" name="Rectangle : coins arrondis 111">
+                <a:extLst>
+                  <a:ext uri="{FF2B5EF4-FFF2-40B4-BE49-F238E27FC236}">
+                    <a16:creationId xmlns:a16="http://schemas.microsoft.com/office/drawing/2014/main" id="{60D98A3B-0B04-4468-A4D6-E6D6774C5DAB}"/>
+                  </a:ext>
+                </a:extLst>
+              </p:cNvPr>
+              <p:cNvSpPr/>
+              <p:nvPr/>
+            </p:nvSpPr>
+            <p:spPr>
+              <a:xfrm>
+                <a:off x="10937254" y="1914319"/>
+                <a:ext cx="932493" cy="277330"/>
+              </a:xfrm>
+              <a:prstGeom prst="roundRect">
+                <a:avLst/>
+              </a:prstGeom>
+            </p:spPr>
+            <p:style>
+              <a:lnRef idx="2">
+                <a:schemeClr val="accent1">
+                  <a:shade val="50000"/>
+                </a:schemeClr>
+              </a:lnRef>
+              <a:fillRef idx="1">
+                <a:schemeClr val="accent1"/>
+              </a:fillRef>
+              <a:effectRef idx="0">
+                <a:schemeClr val="accent1"/>
+              </a:effectRef>
+              <a:fontRef idx="minor">
+                <a:schemeClr val="lt1"/>
+              </a:fontRef>
+            </p:style>
+            <p:txBody>
+              <a:bodyPr rtlCol="0" anchor="ctr"/>
+              <a:lstStyle/>
+              <a:p>
+                <a:pPr algn="ctr"/>
+                <a:r>
+                  <a:rPr lang="fr-FR" sz="1200" dirty="0" err="1"/>
+                  <a:t>Grab</a:t>
+                </a:r>
+                <a:endParaRPr lang="fr-BE" sz="1200" dirty="0"/>
+              </a:p>
+            </p:txBody>
+          </p:sp>
+          <p:cxnSp>
+            <p:nvCxnSpPr>
+              <p:cNvPr id="114" name="Connecteur droit avec flèche 113">
+                <a:extLst>
+                  <a:ext uri="{FF2B5EF4-FFF2-40B4-BE49-F238E27FC236}">
+                    <a16:creationId xmlns:a16="http://schemas.microsoft.com/office/drawing/2014/main" id="{2CD42EEC-1F30-48A9-9A75-3558C12B6175}"/>
+                  </a:ext>
+                </a:extLst>
+              </p:cNvPr>
+              <p:cNvCxnSpPr>
+                <a:cxnSpLocks/>
+                <a:stCxn id="97" idx="2"/>
+                <a:endCxn id="100" idx="0"/>
+              </p:cNvCxnSpPr>
+              <p:nvPr/>
+            </p:nvCxnSpPr>
+            <p:spPr>
+              <a:xfrm flipH="1">
+                <a:off x="10176707" y="1678625"/>
+                <a:ext cx="571514" cy="235694"/>
+              </a:xfrm>
+              <a:prstGeom prst="straightConnector1">
+                <a:avLst/>
+              </a:prstGeom>
+              <a:ln>
+                <a:tailEnd type="triangle"/>
+              </a:ln>
+            </p:spPr>
+            <p:style>
+              <a:lnRef idx="1">
+                <a:schemeClr val="accent1"/>
+              </a:lnRef>
+              <a:fillRef idx="0">
+                <a:schemeClr val="accent1"/>
+              </a:fillRef>
+              <a:effectRef idx="0">
+                <a:schemeClr val="accent1"/>
+              </a:effectRef>
+              <a:fontRef idx="minor">
+                <a:schemeClr val="tx1"/>
+              </a:fontRef>
+            </p:style>
+          </p:cxnSp>
+          <p:cxnSp>
+            <p:nvCxnSpPr>
+              <p:cNvPr id="116" name="Connecteur droit avec flèche 115">
+                <a:extLst>
+                  <a:ext uri="{FF2B5EF4-FFF2-40B4-BE49-F238E27FC236}">
+                    <a16:creationId xmlns:a16="http://schemas.microsoft.com/office/drawing/2014/main" id="{D616CF43-32E5-43E2-9E50-2E48402D81B2}"/>
+                  </a:ext>
+                </a:extLst>
+              </p:cNvPr>
+              <p:cNvCxnSpPr>
+                <a:cxnSpLocks/>
+                <a:stCxn id="97" idx="2"/>
+                <a:endCxn id="112" idx="0"/>
+              </p:cNvCxnSpPr>
+              <p:nvPr/>
+            </p:nvCxnSpPr>
+            <p:spPr>
+              <a:xfrm>
+                <a:off x="10748221" y="1678625"/>
+                <a:ext cx="655280" cy="235694"/>
+              </a:xfrm>
+              <a:prstGeom prst="straightConnector1">
+                <a:avLst/>
+              </a:prstGeom>
+              <a:ln>
+                <a:tailEnd type="triangle"/>
+              </a:ln>
+            </p:spPr>
+            <p:style>
+              <a:lnRef idx="1">
+                <a:schemeClr val="accent1"/>
+              </a:lnRef>
+              <a:fillRef idx="0">
+                <a:schemeClr val="accent1"/>
+              </a:fillRef>
+              <a:effectRef idx="0">
+                <a:schemeClr val="accent1"/>
+              </a:effectRef>
+              <a:fontRef idx="minor">
+                <a:schemeClr val="tx1"/>
+              </a:fontRef>
+            </p:style>
+          </p:cxnSp>
+        </p:grpSp>
+        <p:sp>
+          <p:nvSpPr>
+            <p:cNvPr id="21" name="ZoneTexte 20">
+              <a:extLst>
+                <a:ext uri="{FF2B5EF4-FFF2-40B4-BE49-F238E27FC236}">
+                  <a16:creationId xmlns:a16="http://schemas.microsoft.com/office/drawing/2014/main" id="{585AB6CD-0FD0-4F8E-829F-1DAB8253578D}"/>
+                </a:ext>
+              </a:extLst>
+            </p:cNvPr>
+            <p:cNvSpPr txBox="1"/>
+            <p:nvPr/>
+          </p:nvSpPr>
+          <p:spPr>
+            <a:xfrm>
+              <a:off x="4429856" y="2809976"/>
+              <a:ext cx="1545873" cy="215444"/>
+            </a:xfrm>
+            <a:prstGeom prst="rect">
+              <a:avLst/>
+            </a:prstGeom>
+            <a:noFill/>
+          </p:spPr>
+          <p:txBody>
+            <a:bodyPr wrap="square" rtlCol="0">
+              <a:spAutoFit/>
+            </a:bodyPr>
+            <a:lstStyle/>
+            <a:p>
+              <a:r>
+                <a:rPr lang="fr-FR" sz="800" dirty="0" err="1">
+                  <a:solidFill>
+                    <a:srgbClr val="FF0000"/>
+                  </a:solidFill>
+                </a:rPr>
+                <a:t>Think</a:t>
+              </a:r>
+              <a:r>
+                <a:rPr lang="fr-FR" sz="800" dirty="0">
+                  <a:solidFill>
+                    <a:srgbClr val="FF0000"/>
+                  </a:solidFill>
+                </a:rPr>
+                <a:t> </a:t>
+              </a:r>
+              <a:r>
+                <a:rPr lang="fr-FR" sz="800" dirty="0" err="1">
+                  <a:solidFill>
+                    <a:srgbClr val="FF0000"/>
+                  </a:solidFill>
+                </a:rPr>
+                <a:t>well</a:t>
+              </a:r>
+              <a:r>
+                <a:rPr lang="fr-FR" sz="800" dirty="0">
+                  <a:solidFill>
+                    <a:srgbClr val="FF0000"/>
+                  </a:solidFill>
+                </a:rPr>
+                <a:t> and use </a:t>
+              </a:r>
+              <a:r>
+                <a:rPr lang="fr-FR" sz="800" dirty="0" err="1">
+                  <a:solidFill>
+                    <a:srgbClr val="FF0000"/>
+                  </a:solidFill>
+                </a:rPr>
+                <a:t>inheritance</a:t>
+              </a:r>
+              <a:r>
+                <a:rPr lang="fr-FR" sz="800" dirty="0">
+                  <a:solidFill>
+                    <a:srgbClr val="FF0000"/>
+                  </a:solidFill>
+                </a:rPr>
+                <a:t> (:</a:t>
+              </a:r>
+              <a:endParaRPr lang="fr-BE" sz="800" dirty="0">
+                <a:solidFill>
+                  <a:srgbClr val="FF0000"/>
+                </a:solidFill>
+              </a:endParaRPr>
+            </a:p>
+          </p:txBody>
+        </p:sp>
+      </p:grpSp>
+      <p:sp>
+        <p:nvSpPr>
+          <p:cNvPr id="76" name="Rectangle : coins arrondis 75">
+            <a:extLst>
+              <a:ext uri="{FF2B5EF4-FFF2-40B4-BE49-F238E27FC236}">
+                <a16:creationId xmlns:a16="http://schemas.microsoft.com/office/drawing/2014/main" id="{15710EEC-7BB7-4F70-ADF9-8007166F66BA}"/>
+              </a:ext>
+            </a:extLst>
+          </p:cNvPr>
+          <p:cNvSpPr/>
+          <p:nvPr/>
+        </p:nvSpPr>
+        <p:spPr>
+          <a:xfrm>
+            <a:off x="8405317" y="1689875"/>
+            <a:ext cx="842992" cy="277330"/>
+          </a:xfrm>
+          <a:prstGeom prst="roundRect">
+            <a:avLst/>
+          </a:prstGeom>
+        </p:spPr>
+        <p:style>
+          <a:lnRef idx="2">
+            <a:schemeClr val="accent1">
+              <a:shade val="50000"/>
+            </a:schemeClr>
+          </a:lnRef>
+          <a:fillRef idx="1">
+            <a:schemeClr val="accent1"/>
+          </a:fillRef>
+          <a:effectRef idx="0">
+            <a:schemeClr val="accent1"/>
+          </a:effectRef>
+          <a:fontRef idx="minor">
+            <a:schemeClr val="lt1"/>
+          </a:fontRef>
+        </p:style>
+        <p:txBody>
+          <a:bodyPr rtlCol="0" anchor="ctr"/>
+          <a:lstStyle/>
+          <a:p>
+            <a:pPr algn="ctr"/>
+            <a:r>
+              <a:rPr lang="fr-FR" sz="1200" dirty="0"/>
+              <a:t>Button1</a:t>
+            </a:r>
+            <a:endParaRPr lang="fr-BE" sz="1200" dirty="0"/>
+          </a:p>
+        </p:txBody>
+      </p:sp>
+      <p:sp>
+        <p:nvSpPr>
+          <p:cNvPr id="31" name="ZoneTexte 30">
+            <a:extLst>
+              <a:ext uri="{FF2B5EF4-FFF2-40B4-BE49-F238E27FC236}">
+                <a16:creationId xmlns:a16="http://schemas.microsoft.com/office/drawing/2014/main" id="{FD0391B6-3BCA-4E47-A1EF-A30A4424F171}"/>
+              </a:ext>
+            </a:extLst>
+          </p:cNvPr>
+          <p:cNvSpPr txBox="1"/>
+          <p:nvPr/>
+        </p:nvSpPr>
+        <p:spPr>
+          <a:xfrm>
+            <a:off x="1211130" y="1557677"/>
+            <a:ext cx="870717" cy="307777"/>
+          </a:xfrm>
+          <a:prstGeom prst="rect">
+            <a:avLst/>
+          </a:prstGeom>
+          <a:noFill/>
+        </p:spPr>
+        <p:txBody>
+          <a:bodyPr wrap="square" rtlCol="0">
+            <a:spAutoFit/>
+          </a:bodyPr>
+          <a:lstStyle/>
+          <a:p>
+            <a:r>
+              <a:rPr lang="fr-FR" sz="1400" dirty="0" err="1">
+                <a:solidFill>
+                  <a:schemeClr val="accent1"/>
+                </a:solidFill>
+              </a:rPr>
+              <a:t>Lowest</a:t>
+            </a:r>
+            <a:endParaRPr lang="fr-BE" sz="1400" dirty="0">
+              <a:solidFill>
+                <a:schemeClr val="accent1"/>
+              </a:solidFill>
+            </a:endParaRPr>
+          </a:p>
+        </p:txBody>
+      </p:sp>
+      <p:sp>
+        <p:nvSpPr>
+          <p:cNvPr id="78" name="ZoneTexte 77">
+            <a:extLst>
+              <a:ext uri="{FF2B5EF4-FFF2-40B4-BE49-F238E27FC236}">
+                <a16:creationId xmlns:a16="http://schemas.microsoft.com/office/drawing/2014/main" id="{496FCB13-7829-4809-B8A3-C7FF753A4087}"/>
+              </a:ext>
+            </a:extLst>
+          </p:cNvPr>
+          <p:cNvSpPr txBox="1"/>
+          <p:nvPr/>
+        </p:nvSpPr>
+        <p:spPr>
+          <a:xfrm>
+            <a:off x="604704" y="1172388"/>
+            <a:ext cx="2011974" cy="338554"/>
+          </a:xfrm>
+          <a:prstGeom prst="rect">
+            <a:avLst/>
+          </a:prstGeom>
+          <a:noFill/>
+        </p:spPr>
+        <p:txBody>
+          <a:bodyPr wrap="square" rtlCol="0">
+            <a:spAutoFit/>
+          </a:bodyPr>
+          <a:lstStyle/>
+          <a:p>
+            <a:r>
+              <a:rPr lang="fr-FR" sz="1600" i="1" dirty="0" err="1">
+                <a:solidFill>
+                  <a:schemeClr val="accent1"/>
+                </a:solidFill>
+              </a:rPr>
+              <a:t>Level</a:t>
+            </a:r>
+            <a:r>
+              <a:rPr lang="fr-FR" sz="1600" i="1" dirty="0">
+                <a:solidFill>
+                  <a:schemeClr val="accent1"/>
+                </a:solidFill>
+              </a:rPr>
+              <a:t> of </a:t>
+            </a:r>
+            <a:r>
+              <a:rPr lang="fr-FR" sz="1600" i="1" dirty="0" err="1">
+                <a:solidFill>
+                  <a:schemeClr val="accent1"/>
+                </a:solidFill>
+              </a:rPr>
+              <a:t>abstraciton</a:t>
+            </a:r>
+            <a:endParaRPr lang="fr-BE" sz="1600" i="1" dirty="0">
+              <a:solidFill>
+                <a:schemeClr val="accent1"/>
+              </a:solidFill>
+            </a:endParaRPr>
+          </a:p>
+        </p:txBody>
+      </p:sp>
+      <p:sp>
+        <p:nvSpPr>
+          <p:cNvPr id="79" name="ZoneTexte 78">
+            <a:extLst>
+              <a:ext uri="{FF2B5EF4-FFF2-40B4-BE49-F238E27FC236}">
+                <a16:creationId xmlns:a16="http://schemas.microsoft.com/office/drawing/2014/main" id="{828F1839-71E6-4C1C-8AEC-540988A20AA2}"/>
+              </a:ext>
+            </a:extLst>
+          </p:cNvPr>
+          <p:cNvSpPr txBox="1"/>
+          <p:nvPr/>
+        </p:nvSpPr>
+        <p:spPr>
+          <a:xfrm>
+            <a:off x="1175332" y="4941736"/>
+            <a:ext cx="870717" cy="307777"/>
+          </a:xfrm>
+          <a:prstGeom prst="rect">
+            <a:avLst/>
+          </a:prstGeom>
+          <a:noFill/>
+        </p:spPr>
+        <p:txBody>
+          <a:bodyPr wrap="square" rtlCol="0">
+            <a:spAutoFit/>
+          </a:bodyPr>
+          <a:lstStyle/>
+          <a:p>
+            <a:r>
+              <a:rPr lang="en-GB" sz="1400" dirty="0">
+                <a:solidFill>
+                  <a:schemeClr val="accent1"/>
+                </a:solidFill>
+              </a:rPr>
+              <a:t>Highest</a:t>
+            </a:r>
+          </a:p>
+        </p:txBody>
+      </p:sp>
+      <p:sp>
+        <p:nvSpPr>
+          <p:cNvPr id="41" name="Flèche : droite 40">
+            <a:extLst>
+              <a:ext uri="{FF2B5EF4-FFF2-40B4-BE49-F238E27FC236}">
+                <a16:creationId xmlns:a16="http://schemas.microsoft.com/office/drawing/2014/main" id="{9F460E04-E7B3-44F8-9D22-0E6AD0D1ABF2}"/>
+              </a:ext>
+            </a:extLst>
+          </p:cNvPr>
+          <p:cNvSpPr/>
+          <p:nvPr/>
+        </p:nvSpPr>
+        <p:spPr>
+          <a:xfrm rot="5400000">
+            <a:off x="-45309" y="3050435"/>
+            <a:ext cx="3147679" cy="717005"/>
+          </a:xfrm>
+          <a:prstGeom prst="rightArrow">
+            <a:avLst/>
+          </a:prstGeom>
+        </p:spPr>
+        <p:style>
+          <a:lnRef idx="2">
+            <a:schemeClr val="accent1">
+              <a:shade val="50000"/>
+            </a:schemeClr>
+          </a:lnRef>
+          <a:fillRef idx="1">
+            <a:schemeClr val="accent1"/>
+          </a:fillRef>
+          <a:effectRef idx="0">
+            <a:schemeClr val="accent1"/>
+          </a:effectRef>
+          <a:fontRef idx="minor">
+            <a:schemeClr val="lt1"/>
+          </a:fontRef>
+        </p:style>
+        <p:txBody>
+          <a:bodyPr rtlCol="0" anchor="ctr"/>
+          <a:lstStyle/>
+          <a:p>
+            <a:pPr algn="ctr"/>
+            <a:endParaRPr lang="fr-BE"/>
+          </a:p>
+        </p:txBody>
+      </p:sp>
+      <p:grpSp>
+        <p:nvGrpSpPr>
+          <p:cNvPr id="42" name="Groupe 41">
+            <a:extLst>
+              <a:ext uri="{FF2B5EF4-FFF2-40B4-BE49-F238E27FC236}">
+                <a16:creationId xmlns:a16="http://schemas.microsoft.com/office/drawing/2014/main" id="{D68EB58B-6D32-451F-8ACF-7C61D43C963E}"/>
+              </a:ext>
+            </a:extLst>
+          </p:cNvPr>
+          <p:cNvGrpSpPr/>
+          <p:nvPr/>
+        </p:nvGrpSpPr>
+        <p:grpSpPr>
+          <a:xfrm>
+            <a:off x="9543439" y="4429482"/>
+            <a:ext cx="1050035" cy="478527"/>
+            <a:chOff x="4512871" y="4504250"/>
+            <a:chExt cx="1050035" cy="478527"/>
+          </a:xfrm>
+        </p:grpSpPr>
+        <p:sp>
+          <p:nvSpPr>
+            <p:cNvPr id="83" name="Rectangle 82">
+              <a:extLst>
+                <a:ext uri="{FF2B5EF4-FFF2-40B4-BE49-F238E27FC236}">
+                  <a16:creationId xmlns:a16="http://schemas.microsoft.com/office/drawing/2014/main" id="{735B08BB-A11E-4369-B5DB-0E1DB5928D93}"/>
+                </a:ext>
+              </a:extLst>
+            </p:cNvPr>
+            <p:cNvSpPr/>
+            <p:nvPr/>
+          </p:nvSpPr>
+          <p:spPr>
+            <a:xfrm>
+              <a:off x="4512871" y="4504250"/>
+              <a:ext cx="1050035" cy="478527"/>
+            </a:xfrm>
+            <a:prstGeom prst="rect">
+              <a:avLst/>
+            </a:prstGeom>
+            <a:solidFill>
+              <a:schemeClr val="accent1">
+                <a:alpha val="50000"/>
+              </a:schemeClr>
+            </a:solidFill>
+            <a:ln>
+              <a:solidFill>
+                <a:schemeClr val="tx1"/>
+              </a:solidFill>
+              <a:prstDash val="sysDash"/>
+            </a:ln>
+          </p:spPr>
+          <p:style>
+            <a:lnRef idx="0">
+              <a:scrgbClr r="0" g="0" b="0"/>
+            </a:lnRef>
+            <a:fillRef idx="0">
+              <a:scrgbClr r="0" g="0" b="0"/>
+            </a:fillRef>
+            <a:effectRef idx="0">
+              <a:scrgbClr r="0" g="0" b="0"/>
+            </a:effectRef>
+            <a:fontRef idx="minor">
+              <a:schemeClr val="lt1"/>
+            </a:fontRef>
+          </p:style>
+          <p:txBody>
+            <a:bodyPr rtlCol="0" anchor="ctr"/>
+            <a:lstStyle/>
+            <a:p>
+              <a:pPr algn="ctr"/>
+              <a:endParaRPr lang="fr-BE" sz="1200" dirty="0"/>
+            </a:p>
+          </p:txBody>
+        </p:sp>
+        <p:sp>
+          <p:nvSpPr>
+            <p:cNvPr id="85" name="Rectangle : coins arrondis 84">
+              <a:extLst>
+                <a:ext uri="{FF2B5EF4-FFF2-40B4-BE49-F238E27FC236}">
+                  <a16:creationId xmlns:a16="http://schemas.microsoft.com/office/drawing/2014/main" id="{99232B47-256E-448D-89C0-A81AADD2AEB8}"/>
+                </a:ext>
+              </a:extLst>
+            </p:cNvPr>
+            <p:cNvSpPr/>
+            <p:nvPr/>
+          </p:nvSpPr>
+          <p:spPr>
+            <a:xfrm>
+              <a:off x="4572835" y="4619057"/>
+              <a:ext cx="932493" cy="277330"/>
+            </a:xfrm>
+            <a:prstGeom prst="roundRect">
+              <a:avLst/>
+            </a:prstGeom>
+          </p:spPr>
+          <p:style>
+            <a:lnRef idx="2">
+              <a:schemeClr val="accent1">
+                <a:shade val="50000"/>
+              </a:schemeClr>
+            </a:lnRef>
+            <a:fillRef idx="1">
+              <a:schemeClr val="accent1"/>
+            </a:fillRef>
+            <a:effectRef idx="0">
+              <a:schemeClr val="accent1"/>
+            </a:effectRef>
+            <a:fontRef idx="minor">
+              <a:schemeClr val="lt1"/>
+            </a:fontRef>
+          </p:style>
+          <p:txBody>
+            <a:bodyPr rtlCol="0" anchor="ctr"/>
+            <a:lstStyle/>
+            <a:p>
+              <a:pPr algn="ctr"/>
+              <a:r>
+                <a:rPr lang="fr-FR" sz="1200" dirty="0"/>
+                <a:t>Position</a:t>
+              </a:r>
+              <a:endParaRPr lang="fr-BE" sz="1200" dirty="0"/>
+            </a:p>
+          </p:txBody>
+        </p:sp>
+      </p:grpSp>
+      <p:grpSp>
+        <p:nvGrpSpPr>
+          <p:cNvPr id="88" name="Groupe 87">
+            <a:extLst>
+              <a:ext uri="{FF2B5EF4-FFF2-40B4-BE49-F238E27FC236}">
+                <a16:creationId xmlns:a16="http://schemas.microsoft.com/office/drawing/2014/main" id="{453B02E9-292D-4305-802A-AA0108682613}"/>
+              </a:ext>
+            </a:extLst>
+          </p:cNvPr>
+          <p:cNvGrpSpPr/>
+          <p:nvPr/>
+        </p:nvGrpSpPr>
+        <p:grpSpPr>
+          <a:xfrm>
+            <a:off x="6291064" y="2935662"/>
+            <a:ext cx="1633564" cy="659508"/>
+            <a:chOff x="6573276" y="751123"/>
+            <a:chExt cx="1317748" cy="659508"/>
+          </a:xfrm>
+        </p:grpSpPr>
+        <p:grpSp>
+          <p:nvGrpSpPr>
+            <p:cNvPr id="89" name="Groupe 88">
+              <a:extLst>
+                <a:ext uri="{FF2B5EF4-FFF2-40B4-BE49-F238E27FC236}">
+                  <a16:creationId xmlns:a16="http://schemas.microsoft.com/office/drawing/2014/main" id="{7E814B92-D594-49A6-971D-3FDCDCF12FCD}"/>
+                </a:ext>
+              </a:extLst>
+            </p:cNvPr>
+            <p:cNvGrpSpPr/>
+            <p:nvPr/>
+          </p:nvGrpSpPr>
+          <p:grpSpPr>
+            <a:xfrm>
+              <a:off x="6613728" y="751123"/>
+              <a:ext cx="1277296" cy="634649"/>
+              <a:chOff x="3154558" y="3044897"/>
+              <a:chExt cx="1277296" cy="634649"/>
+            </a:xfrm>
+          </p:grpSpPr>
+          <p:sp>
+            <p:nvSpPr>
+              <p:cNvPr id="91" name="Rectangle 90">
+                <a:extLst>
+                  <a:ext uri="{FF2B5EF4-FFF2-40B4-BE49-F238E27FC236}">
+                    <a16:creationId xmlns:a16="http://schemas.microsoft.com/office/drawing/2014/main" id="{79BC8F3D-D966-453D-86D3-E44CABB1EBCD}"/>
+                  </a:ext>
+                </a:extLst>
+              </p:cNvPr>
+              <p:cNvSpPr/>
+              <p:nvPr/>
+            </p:nvSpPr>
+            <p:spPr>
+              <a:xfrm>
+                <a:off x="3154558" y="3044897"/>
+                <a:ext cx="1277296" cy="634649"/>
+              </a:xfrm>
+              <a:prstGeom prst="rect">
+                <a:avLst/>
+              </a:prstGeom>
+              <a:solidFill>
+                <a:schemeClr val="accent1">
+                  <a:alpha val="50000"/>
+                </a:schemeClr>
+              </a:solidFill>
+              <a:ln>
+                <a:solidFill>
+                  <a:schemeClr val="tx1"/>
+                </a:solidFill>
+                <a:prstDash val="sysDash"/>
+              </a:ln>
+            </p:spPr>
+            <p:style>
+              <a:lnRef idx="0">
+                <a:scrgbClr r="0" g="0" b="0"/>
+              </a:lnRef>
+              <a:fillRef idx="0">
+                <a:scrgbClr r="0" g="0" b="0"/>
+              </a:fillRef>
+              <a:effectRef idx="0">
+                <a:scrgbClr r="0" g="0" b="0"/>
+              </a:effectRef>
+              <a:fontRef idx="minor">
+                <a:schemeClr val="lt1"/>
+              </a:fontRef>
+            </p:style>
+            <p:txBody>
+              <a:bodyPr rtlCol="0" anchor="ctr"/>
+              <a:lstStyle/>
+              <a:p>
+                <a:pPr algn="ctr"/>
+                <a:endParaRPr lang="fr-BE" sz="1200" dirty="0"/>
+              </a:p>
+            </p:txBody>
+          </p:sp>
+          <p:sp>
+            <p:nvSpPr>
+              <p:cNvPr id="92" name="Rectangle : coins arrondis 91">
+                <a:extLst>
+                  <a:ext uri="{FF2B5EF4-FFF2-40B4-BE49-F238E27FC236}">
+                    <a16:creationId xmlns:a16="http://schemas.microsoft.com/office/drawing/2014/main" id="{3241EC5A-FC1F-4D48-B5AC-A77886A1E8EF}"/>
+                  </a:ext>
+                </a:extLst>
+              </p:cNvPr>
+              <p:cNvSpPr/>
+              <p:nvPr/>
+            </p:nvSpPr>
+            <p:spPr>
+              <a:xfrm>
+                <a:off x="3311601" y="3208748"/>
+                <a:ext cx="932493" cy="277330"/>
+              </a:xfrm>
+              <a:prstGeom prst="roundRect">
+                <a:avLst/>
+              </a:prstGeom>
+            </p:spPr>
+            <p:style>
+              <a:lnRef idx="2">
+                <a:schemeClr val="accent1">
+                  <a:shade val="50000"/>
+                </a:schemeClr>
+              </a:lnRef>
+              <a:fillRef idx="1">
+                <a:schemeClr val="accent1"/>
+              </a:fillRef>
+              <a:effectRef idx="0">
+                <a:schemeClr val="accent1"/>
+              </a:effectRef>
+              <a:fontRef idx="minor">
+                <a:schemeClr val="lt1"/>
+              </a:fontRef>
+            </p:style>
+            <p:txBody>
+              <a:bodyPr rtlCol="0" anchor="ctr"/>
+              <a:lstStyle/>
+              <a:p>
+                <a:pPr algn="ctr"/>
+                <a:r>
+                  <a:rPr lang="fr-FR" sz="1200" dirty="0" err="1"/>
+                  <a:t>ManageButton</a:t>
+                </a:r>
+                <a:endParaRPr lang="fr-BE" sz="1200" dirty="0"/>
+              </a:p>
+            </p:txBody>
+          </p:sp>
+        </p:grpSp>
+        <p:sp>
+          <p:nvSpPr>
+            <p:cNvPr id="90" name="ZoneTexte 89">
+              <a:extLst>
+                <a:ext uri="{FF2B5EF4-FFF2-40B4-BE49-F238E27FC236}">
+                  <a16:creationId xmlns:a16="http://schemas.microsoft.com/office/drawing/2014/main" id="{524CE024-1CC2-4FE3-8AEF-D28530A716A2}"/>
+                </a:ext>
+              </a:extLst>
+            </p:cNvPr>
+            <p:cNvSpPr txBox="1"/>
+            <p:nvPr/>
+          </p:nvSpPr>
+          <p:spPr>
+            <a:xfrm>
+              <a:off x="6573276" y="1225965"/>
+              <a:ext cx="782990" cy="184666"/>
+            </a:xfrm>
+            <a:prstGeom prst="rect">
+              <a:avLst/>
+            </a:prstGeom>
+            <a:noFill/>
+          </p:spPr>
+          <p:txBody>
+            <a:bodyPr wrap="square" rtlCol="0">
+              <a:spAutoFit/>
+            </a:bodyPr>
+            <a:lstStyle/>
+            <a:p>
+              <a:endParaRPr lang="fr-BE" sz="600" dirty="0">
+                <a:solidFill>
+                  <a:srgbClr val="FF0000"/>
+                </a:solidFill>
+              </a:endParaRPr>
+            </a:p>
+          </p:txBody>
+        </p:sp>
+      </p:grpSp>
+      <p:grpSp>
+        <p:nvGrpSpPr>
+          <p:cNvPr id="80" name="Groupe 79">
+            <a:extLst>
+              <a:ext uri="{FF2B5EF4-FFF2-40B4-BE49-F238E27FC236}">
+                <a16:creationId xmlns:a16="http://schemas.microsoft.com/office/drawing/2014/main" id="{DCC02AF1-9DD9-4F8A-B561-CF5138A533FA}"/>
+              </a:ext>
+            </a:extLst>
+          </p:cNvPr>
+          <p:cNvGrpSpPr/>
+          <p:nvPr/>
+        </p:nvGrpSpPr>
+        <p:grpSpPr>
+          <a:xfrm>
+            <a:off x="7930797" y="4429483"/>
+            <a:ext cx="1343468" cy="478527"/>
+            <a:chOff x="4512871" y="4504250"/>
+            <a:chExt cx="1050035" cy="478527"/>
+          </a:xfrm>
+        </p:grpSpPr>
+        <p:sp>
+          <p:nvSpPr>
+            <p:cNvPr id="81" name="Rectangle 80">
+              <a:extLst>
+                <a:ext uri="{FF2B5EF4-FFF2-40B4-BE49-F238E27FC236}">
+                  <a16:creationId xmlns:a16="http://schemas.microsoft.com/office/drawing/2014/main" id="{1618B612-F293-4917-B20B-B2B78D31DD99}"/>
+                </a:ext>
+              </a:extLst>
+            </p:cNvPr>
+            <p:cNvSpPr/>
+            <p:nvPr/>
+          </p:nvSpPr>
+          <p:spPr>
+            <a:xfrm>
+              <a:off x="4512871" y="4504250"/>
+              <a:ext cx="1050035" cy="478527"/>
+            </a:xfrm>
+            <a:prstGeom prst="rect">
+              <a:avLst/>
+            </a:prstGeom>
+            <a:solidFill>
+              <a:schemeClr val="accent1">
+                <a:alpha val="50000"/>
+              </a:schemeClr>
+            </a:solidFill>
+            <a:ln>
+              <a:solidFill>
+                <a:schemeClr val="tx1"/>
+              </a:solidFill>
+              <a:prstDash val="sysDash"/>
+            </a:ln>
+          </p:spPr>
+          <p:style>
+            <a:lnRef idx="0">
+              <a:scrgbClr r="0" g="0" b="0"/>
+            </a:lnRef>
+            <a:fillRef idx="0">
+              <a:scrgbClr r="0" g="0" b="0"/>
+            </a:fillRef>
+            <a:effectRef idx="0">
+              <a:scrgbClr r="0" g="0" b="0"/>
+            </a:effectRef>
+            <a:fontRef idx="minor">
+              <a:schemeClr val="lt1"/>
+            </a:fontRef>
+          </p:style>
+          <p:txBody>
+            <a:bodyPr rtlCol="0" anchor="ctr"/>
+            <a:lstStyle/>
+            <a:p>
+              <a:pPr algn="ctr"/>
+              <a:endParaRPr lang="fr-BE" sz="1200" dirty="0"/>
+            </a:p>
+          </p:txBody>
+        </p:sp>
+        <p:sp>
+          <p:nvSpPr>
+            <p:cNvPr id="82" name="Rectangle : coins arrondis 81">
+              <a:extLst>
+                <a:ext uri="{FF2B5EF4-FFF2-40B4-BE49-F238E27FC236}">
+                  <a16:creationId xmlns:a16="http://schemas.microsoft.com/office/drawing/2014/main" id="{C8BAF9FC-AD61-4450-8910-52FA8539CCB6}"/>
+                </a:ext>
+              </a:extLst>
+            </p:cNvPr>
+            <p:cNvSpPr/>
+            <p:nvPr/>
+          </p:nvSpPr>
+          <p:spPr>
+            <a:xfrm>
+              <a:off x="4572835" y="4619057"/>
+              <a:ext cx="932493" cy="277330"/>
+            </a:xfrm>
+            <a:prstGeom prst="roundRect">
+              <a:avLst/>
+            </a:prstGeom>
+          </p:spPr>
+          <p:style>
+            <a:lnRef idx="2">
+              <a:schemeClr val="accent1">
+                <a:shade val="50000"/>
+              </a:schemeClr>
+            </a:lnRef>
+            <a:fillRef idx="1">
+              <a:schemeClr val="accent1"/>
+            </a:fillRef>
+            <a:effectRef idx="0">
+              <a:schemeClr val="accent1"/>
+            </a:effectRef>
+            <a:fontRef idx="minor">
+              <a:schemeClr val="lt1"/>
+            </a:fontRef>
+          </p:style>
+          <p:txBody>
+            <a:bodyPr rtlCol="0" anchor="ctr"/>
+            <a:lstStyle/>
+            <a:p>
+              <a:pPr algn="ctr"/>
+              <a:r>
+                <a:rPr lang="fr-FR" sz="1200" dirty="0" err="1"/>
+                <a:t>Displacement</a:t>
+              </a:r>
+              <a:endParaRPr lang="fr-BE" sz="1200" dirty="0"/>
+            </a:p>
+          </p:txBody>
+        </p:sp>
+      </p:grpSp>
+      <p:cxnSp>
+        <p:nvCxnSpPr>
+          <p:cNvPr id="48" name="Connecteur : en angle 47">
+            <a:extLst>
+              <a:ext uri="{FF2B5EF4-FFF2-40B4-BE49-F238E27FC236}">
+                <a16:creationId xmlns:a16="http://schemas.microsoft.com/office/drawing/2014/main" id="{A7ECB68B-0303-49B9-AB06-20D5CF5A3EC7}"/>
+              </a:ext>
+            </a:extLst>
+          </p:cNvPr>
+          <p:cNvCxnSpPr>
+            <a:stCxn id="15" idx="3"/>
+            <a:endCxn id="63" idx="1"/>
+          </p:cNvCxnSpPr>
+          <p:nvPr/>
+        </p:nvCxnSpPr>
+        <p:spPr>
+          <a:xfrm>
+            <a:off x="4045697" y="1909137"/>
+            <a:ext cx="797500" cy="1245416"/>
+          </a:xfrm>
+          <a:prstGeom prst="bentConnector3">
+            <a:avLst>
+              <a:gd name="adj1" fmla="val 25025"/>
+            </a:avLst>
+          </a:prstGeom>
+        </p:spPr>
+        <p:style>
+          <a:lnRef idx="1">
+            <a:schemeClr val="accent1"/>
+          </a:lnRef>
+          <a:fillRef idx="0">
+            <a:schemeClr val="accent1"/>
+          </a:fillRef>
+          <a:effectRef idx="0">
+            <a:schemeClr val="accent1"/>
+          </a:effectRef>
+          <a:fontRef idx="minor">
+            <a:schemeClr val="tx1"/>
+          </a:fontRef>
+        </p:style>
+      </p:cxnSp>
+      <p:cxnSp>
+        <p:nvCxnSpPr>
+          <p:cNvPr id="61" name="Connecteur : en angle 60">
+            <a:extLst>
+              <a:ext uri="{FF2B5EF4-FFF2-40B4-BE49-F238E27FC236}">
+                <a16:creationId xmlns:a16="http://schemas.microsoft.com/office/drawing/2014/main" id="{EC369DBD-B5BA-4FDD-B5CB-6F3699DA0274}"/>
+              </a:ext>
+            </a:extLst>
+          </p:cNvPr>
+          <p:cNvCxnSpPr>
+            <a:stCxn id="76" idx="2"/>
+            <a:endCxn id="91" idx="0"/>
+          </p:cNvCxnSpPr>
+          <p:nvPr/>
+        </p:nvCxnSpPr>
+        <p:spPr>
+          <a:xfrm rot="5400000">
+            <a:off x="7495639" y="1604487"/>
+            <a:ext cx="968457" cy="1693893"/>
+          </a:xfrm>
+          <a:prstGeom prst="bentConnector3">
+            <a:avLst>
+              <a:gd name="adj1" fmla="val 50000"/>
+            </a:avLst>
+          </a:prstGeom>
+        </p:spPr>
+        <p:style>
+          <a:lnRef idx="1">
+            <a:schemeClr val="accent1"/>
+          </a:lnRef>
+          <a:fillRef idx="0">
+            <a:schemeClr val="accent1"/>
+          </a:fillRef>
+          <a:effectRef idx="0">
+            <a:schemeClr val="accent1"/>
+          </a:effectRef>
+          <a:fontRef idx="minor">
+            <a:schemeClr val="tx1"/>
+          </a:fontRef>
+        </p:style>
+      </p:cxnSp>
+      <p:grpSp>
+        <p:nvGrpSpPr>
+          <p:cNvPr id="99" name="Groupe 98">
+            <a:extLst>
+              <a:ext uri="{FF2B5EF4-FFF2-40B4-BE49-F238E27FC236}">
+                <a16:creationId xmlns:a16="http://schemas.microsoft.com/office/drawing/2014/main" id="{1361D06C-C4E8-46D0-B9D8-5C224C1E7BF7}"/>
+              </a:ext>
+            </a:extLst>
+          </p:cNvPr>
+          <p:cNvGrpSpPr/>
+          <p:nvPr/>
+        </p:nvGrpSpPr>
+        <p:grpSpPr>
+          <a:xfrm>
+            <a:off x="8245853" y="2937981"/>
+            <a:ext cx="1583417" cy="634649"/>
+            <a:chOff x="3154558" y="3044897"/>
+            <a:chExt cx="1277296" cy="634649"/>
+          </a:xfrm>
+        </p:grpSpPr>
+        <p:sp>
+          <p:nvSpPr>
+            <p:cNvPr id="102" name="Rectangle 101">
+              <a:extLst>
+                <a:ext uri="{FF2B5EF4-FFF2-40B4-BE49-F238E27FC236}">
+                  <a16:creationId xmlns:a16="http://schemas.microsoft.com/office/drawing/2014/main" id="{21E36D28-92EE-45C9-8A1A-FC266446626A}"/>
+                </a:ext>
+              </a:extLst>
+            </p:cNvPr>
+            <p:cNvSpPr/>
+            <p:nvPr/>
+          </p:nvSpPr>
+          <p:spPr>
+            <a:xfrm>
+              <a:off x="3154558" y="3044897"/>
+              <a:ext cx="1277296" cy="634649"/>
+            </a:xfrm>
+            <a:prstGeom prst="rect">
+              <a:avLst/>
+            </a:prstGeom>
+            <a:solidFill>
+              <a:schemeClr val="accent1">
+                <a:alpha val="50000"/>
+              </a:schemeClr>
+            </a:solidFill>
+            <a:ln>
+              <a:solidFill>
+                <a:schemeClr val="tx1"/>
+              </a:solidFill>
+              <a:prstDash val="sysDash"/>
+            </a:ln>
+          </p:spPr>
+          <p:style>
+            <a:lnRef idx="0">
+              <a:scrgbClr r="0" g="0" b="0"/>
+            </a:lnRef>
+            <a:fillRef idx="0">
+              <a:scrgbClr r="0" g="0" b="0"/>
+            </a:fillRef>
+            <a:effectRef idx="0">
+              <a:scrgbClr r="0" g="0" b="0"/>
+            </a:effectRef>
+            <a:fontRef idx="minor">
+              <a:schemeClr val="lt1"/>
+            </a:fontRef>
+          </p:style>
+          <p:txBody>
+            <a:bodyPr rtlCol="0" anchor="ctr"/>
+            <a:lstStyle/>
+            <a:p>
+              <a:pPr algn="ctr"/>
+              <a:endParaRPr lang="fr-BE" sz="1200" dirty="0"/>
+            </a:p>
+          </p:txBody>
+        </p:sp>
+        <p:sp>
+          <p:nvSpPr>
+            <p:cNvPr id="103" name="Rectangle : coins arrondis 102">
+              <a:extLst>
+                <a:ext uri="{FF2B5EF4-FFF2-40B4-BE49-F238E27FC236}">
+                  <a16:creationId xmlns:a16="http://schemas.microsoft.com/office/drawing/2014/main" id="{F6EA6B19-B898-4EEA-862B-45F606830B9E}"/>
+                </a:ext>
+              </a:extLst>
+            </p:cNvPr>
+            <p:cNvSpPr/>
+            <p:nvPr/>
+          </p:nvSpPr>
+          <p:spPr>
+            <a:xfrm>
+              <a:off x="3311601" y="3208748"/>
+              <a:ext cx="932493" cy="277330"/>
+            </a:xfrm>
+            <a:prstGeom prst="roundRect">
+              <a:avLst/>
+            </a:prstGeom>
+          </p:spPr>
+          <p:style>
+            <a:lnRef idx="2">
+              <a:schemeClr val="accent1">
+                <a:shade val="50000"/>
+              </a:schemeClr>
+            </a:lnRef>
+            <a:fillRef idx="1">
+              <a:schemeClr val="accent1"/>
+            </a:fillRef>
+            <a:effectRef idx="0">
+              <a:schemeClr val="accent1"/>
+            </a:effectRef>
+            <a:fontRef idx="minor">
+              <a:schemeClr val="lt1"/>
+            </a:fontRef>
+          </p:style>
+          <p:txBody>
+            <a:bodyPr rtlCol="0" anchor="ctr"/>
+            <a:lstStyle/>
+            <a:p>
+              <a:pPr algn="ctr"/>
+              <a:r>
+                <a:rPr lang="fr-FR" sz="1200" dirty="0"/>
+                <a:t>Talk2DE0</a:t>
+              </a:r>
+              <a:endParaRPr lang="fr-BE" sz="1200" dirty="0"/>
+            </a:p>
+          </p:txBody>
+        </p:sp>
+      </p:grpSp>
+      <p:cxnSp>
+        <p:nvCxnSpPr>
+          <p:cNvPr id="87" name="Connecteur : en angle 86">
+            <a:extLst>
+              <a:ext uri="{FF2B5EF4-FFF2-40B4-BE49-F238E27FC236}">
+                <a16:creationId xmlns:a16="http://schemas.microsoft.com/office/drawing/2014/main" id="{011DBFD1-A334-4DD4-BB4A-017FB425D373}"/>
+              </a:ext>
+            </a:extLst>
+          </p:cNvPr>
+          <p:cNvCxnSpPr>
+            <a:stCxn id="12" idx="2"/>
+            <a:endCxn id="102" idx="0"/>
+          </p:cNvCxnSpPr>
+          <p:nvPr/>
+        </p:nvCxnSpPr>
+        <p:spPr>
+          <a:xfrm rot="16200000" flipH="1">
+            <a:off x="7643897" y="1544315"/>
+            <a:ext cx="669049" cy="2118282"/>
+          </a:xfrm>
+          <a:prstGeom prst="bentConnector3">
+            <a:avLst/>
+          </a:prstGeom>
+        </p:spPr>
+        <p:style>
+          <a:lnRef idx="1">
+            <a:schemeClr val="accent1"/>
+          </a:lnRef>
+          <a:fillRef idx="0">
+            <a:schemeClr val="accent1"/>
+          </a:fillRef>
+          <a:effectRef idx="0">
+            <a:schemeClr val="accent1"/>
+          </a:effectRef>
+          <a:fontRef idx="minor">
+            <a:schemeClr val="tx1"/>
+          </a:fontRef>
+        </p:style>
+      </p:cxnSp>
+      <p:cxnSp>
+        <p:nvCxnSpPr>
+          <p:cNvPr id="94" name="Connecteur : en angle 93">
+            <a:extLst>
+              <a:ext uri="{FF2B5EF4-FFF2-40B4-BE49-F238E27FC236}">
+                <a16:creationId xmlns:a16="http://schemas.microsoft.com/office/drawing/2014/main" id="{61C5D9DD-47FA-4375-A029-DC7AF2E20C9B}"/>
+              </a:ext>
+            </a:extLst>
+          </p:cNvPr>
+          <p:cNvCxnSpPr>
+            <a:stCxn id="14" idx="2"/>
+            <a:endCxn id="102" idx="0"/>
+          </p:cNvCxnSpPr>
+          <p:nvPr/>
+        </p:nvCxnSpPr>
+        <p:spPr>
+          <a:xfrm rot="16200000" flipH="1">
+            <a:off x="8132698" y="2033116"/>
+            <a:ext cx="669049" cy="1140680"/>
+          </a:xfrm>
+          <a:prstGeom prst="bentConnector3">
+            <a:avLst/>
+          </a:prstGeom>
+        </p:spPr>
+        <p:style>
+          <a:lnRef idx="1">
+            <a:schemeClr val="accent1"/>
+          </a:lnRef>
+          <a:fillRef idx="0">
+            <a:schemeClr val="accent1"/>
+          </a:fillRef>
+          <a:effectRef idx="0">
+            <a:schemeClr val="accent1"/>
+          </a:effectRef>
+          <a:fontRef idx="minor">
+            <a:schemeClr val="tx1"/>
+          </a:fontRef>
+        </p:style>
+      </p:cxnSp>
+      <p:cxnSp>
+        <p:nvCxnSpPr>
+          <p:cNvPr id="104" name="Connecteur : en angle 103">
+            <a:extLst>
+              <a:ext uri="{FF2B5EF4-FFF2-40B4-BE49-F238E27FC236}">
+                <a16:creationId xmlns:a16="http://schemas.microsoft.com/office/drawing/2014/main" id="{9F72D2A5-6E05-45DA-80ED-08AAA41CE614}"/>
+              </a:ext>
+            </a:extLst>
+          </p:cNvPr>
+          <p:cNvCxnSpPr>
+            <a:stCxn id="9" idx="2"/>
+            <a:endCxn id="102" idx="0"/>
+          </p:cNvCxnSpPr>
+          <p:nvPr/>
+        </p:nvCxnSpPr>
+        <p:spPr>
+          <a:xfrm rot="16200000" flipH="1">
+            <a:off x="6996806" y="897224"/>
+            <a:ext cx="970775" cy="3110738"/>
+          </a:xfrm>
+          <a:prstGeom prst="bentConnector3">
+            <a:avLst>
+              <a:gd name="adj1" fmla="val 50000"/>
+            </a:avLst>
+          </a:prstGeom>
+        </p:spPr>
+        <p:style>
+          <a:lnRef idx="1">
+            <a:schemeClr val="accent1"/>
+          </a:lnRef>
+          <a:fillRef idx="0">
+            <a:schemeClr val="accent1"/>
+          </a:fillRef>
+          <a:effectRef idx="0">
+            <a:schemeClr val="accent1"/>
+          </a:effectRef>
+          <a:fontRef idx="minor">
+            <a:schemeClr val="tx1"/>
+          </a:fontRef>
+        </p:style>
+      </p:cxnSp>
+      <p:cxnSp>
+        <p:nvCxnSpPr>
+          <p:cNvPr id="109" name="Connecteur : en angle 108">
+            <a:extLst>
+              <a:ext uri="{FF2B5EF4-FFF2-40B4-BE49-F238E27FC236}">
+                <a16:creationId xmlns:a16="http://schemas.microsoft.com/office/drawing/2014/main" id="{976D895B-5E14-42C0-B93A-F16CF80C04FC}"/>
+              </a:ext>
+            </a:extLst>
+          </p:cNvPr>
+          <p:cNvCxnSpPr>
+            <a:stCxn id="102" idx="2"/>
+            <a:endCxn id="81" idx="0"/>
+          </p:cNvCxnSpPr>
+          <p:nvPr/>
+        </p:nvCxnSpPr>
+        <p:spPr>
+          <a:xfrm rot="5400000">
+            <a:off x="8391621" y="3783541"/>
+            <a:ext cx="856853" cy="435031"/>
+          </a:xfrm>
+          <a:prstGeom prst="bentConnector3">
+            <a:avLst>
+              <a:gd name="adj1" fmla="val 50000"/>
+            </a:avLst>
+          </a:prstGeom>
+        </p:spPr>
+        <p:style>
+          <a:lnRef idx="1">
+            <a:schemeClr val="accent1"/>
+          </a:lnRef>
+          <a:fillRef idx="0">
+            <a:schemeClr val="accent1"/>
+          </a:fillRef>
+          <a:effectRef idx="0">
+            <a:schemeClr val="accent1"/>
+          </a:effectRef>
+          <a:fontRef idx="minor">
+            <a:schemeClr val="tx1"/>
+          </a:fontRef>
+        </p:style>
+      </p:cxnSp>
+      <p:cxnSp>
+        <p:nvCxnSpPr>
+          <p:cNvPr id="111" name="Connecteur : en angle 110">
+            <a:extLst>
+              <a:ext uri="{FF2B5EF4-FFF2-40B4-BE49-F238E27FC236}">
+                <a16:creationId xmlns:a16="http://schemas.microsoft.com/office/drawing/2014/main" id="{D0315994-0ED8-4FEA-AD26-485BE7B48E56}"/>
+              </a:ext>
+            </a:extLst>
+          </p:cNvPr>
+          <p:cNvCxnSpPr>
+            <a:stCxn id="83" idx="0"/>
+            <a:endCxn id="102" idx="2"/>
+          </p:cNvCxnSpPr>
+          <p:nvPr/>
+        </p:nvCxnSpPr>
+        <p:spPr>
+          <a:xfrm rot="16200000" flipV="1">
+            <a:off x="9124584" y="3485608"/>
+            <a:ext cx="856852" cy="1030895"/>
+          </a:xfrm>
+          <a:prstGeom prst="bentConnector3">
+            <a:avLst>
+              <a:gd name="adj1" fmla="val 50000"/>
+            </a:avLst>
+          </a:prstGeom>
+        </p:spPr>
+        <p:style>
+          <a:lnRef idx="1">
+            <a:schemeClr val="accent1"/>
+          </a:lnRef>
+          <a:fillRef idx="0">
+            <a:schemeClr val="accent1"/>
+          </a:fillRef>
+          <a:effectRef idx="0">
+            <a:schemeClr val="accent1"/>
+          </a:effectRef>
+          <a:fontRef idx="minor">
+            <a:schemeClr val="tx1"/>
+          </a:fontRef>
+        </p:style>
+      </p:cxnSp>
+      <p:cxnSp>
+        <p:nvCxnSpPr>
+          <p:cNvPr id="115" name="Connecteur : en angle 114">
+            <a:extLst>
+              <a:ext uri="{FF2B5EF4-FFF2-40B4-BE49-F238E27FC236}">
+                <a16:creationId xmlns:a16="http://schemas.microsoft.com/office/drawing/2014/main" id="{75613947-132F-474B-B6C0-E91F46E19778}"/>
+              </a:ext>
+            </a:extLst>
+          </p:cNvPr>
+          <p:cNvCxnSpPr>
+            <a:cxnSpLocks/>
+            <a:stCxn id="63" idx="2"/>
+            <a:endCxn id="81" idx="0"/>
+          </p:cNvCxnSpPr>
+          <p:nvPr/>
+        </p:nvCxnSpPr>
+        <p:spPr>
+          <a:xfrm rot="16200000" flipH="1">
+            <a:off x="6656511" y="2483463"/>
+            <a:ext cx="711176" cy="3180863"/>
+          </a:xfrm>
+          <a:prstGeom prst="bentConnector3">
+            <a:avLst>
+              <a:gd name="adj1" fmla="val 18401"/>
+            </a:avLst>
+          </a:prstGeom>
+        </p:spPr>
+        <p:style>
+          <a:lnRef idx="1">
+            <a:schemeClr val="accent1"/>
+          </a:lnRef>
+          <a:fillRef idx="0">
+            <a:schemeClr val="accent1"/>
+          </a:fillRef>
+          <a:effectRef idx="0">
+            <a:schemeClr val="accent1"/>
+          </a:effectRef>
+          <a:fontRef idx="minor">
+            <a:schemeClr val="tx1"/>
+          </a:fontRef>
+        </p:style>
+      </p:cxnSp>
+    </p:spTree>
+    <p:extLst>
+      <p:ext uri="{BB962C8B-B14F-4D97-AF65-F5344CB8AC3E}">
+        <p14:creationId xmlns:p14="http://schemas.microsoft.com/office/powerpoint/2010/main" val="3939991350"/>
+      </p:ext>
+    </p:extLst>
+  </p:cSld>
+  <p:clrMapOvr>
+    <a:masterClrMapping/>
+  </p:clrMapOvr>
+</p:sld>
+</file>
+
+<file path=ppt/slides/slide2.xml><?xml version="1.0" encoding="utf-8"?>
+<p:sld xmlns:a="http://schemas.openxmlformats.org/drawingml/2006/main" xmlns:r="http://schemas.openxmlformats.org/officeDocument/2006/relationships" xmlns:p="http://schemas.openxmlformats.org/presentationml/2006/main">
+  <p:cSld>
+    <p:spTree>
+      <p:nvGrpSpPr>
+        <p:cNvPr id="1" name=""/>
+        <p:cNvGrpSpPr/>
+        <p:nvPr/>
+      </p:nvGrpSpPr>
+      <p:grpSpPr>
+        <a:xfrm>
+          <a:off x="0" y="0"/>
+          <a:ext cx="0" cy="0"/>
+          <a:chOff x="0" y="0"/>
+          <a:chExt cx="0" cy="0"/>
+        </a:xfrm>
+      </p:grpSpPr>
+      <p:sp>
+        <p:nvSpPr>
           <p:cNvPr id="10" name="Rectangle 9">
             <a:extLst>
               <a:ext uri="{FF2B5EF4-FFF2-40B4-BE49-F238E27FC236}">
@@ -5404,136 +9147,6 @@
     <p:extLst>
       <p:ext uri="{BB962C8B-B14F-4D97-AF65-F5344CB8AC3E}">
         <p14:creationId xmlns:p14="http://schemas.microsoft.com/office/powerpoint/2010/main" val="3903661391"/>
-      </p:ext>
-    </p:extLst>
-  </p:cSld>
-  <p:clrMapOvr>
-    <a:masterClrMapping/>
-  </p:clrMapOvr>
-</p:sld>
-</file>
-
-<file path=ppt/slides/slide2.xml><?xml version="1.0" encoding="utf-8"?>
-<p:sld xmlns:a="http://schemas.openxmlformats.org/drawingml/2006/main" xmlns:r="http://schemas.openxmlformats.org/officeDocument/2006/relationships" xmlns:p="http://schemas.openxmlformats.org/presentationml/2006/main">
-  <p:cSld>
-    <p:spTree>
-      <p:nvGrpSpPr>
-        <p:cNvPr id="1" name=""/>
-        <p:cNvGrpSpPr/>
-        <p:nvPr/>
-      </p:nvGrpSpPr>
-      <p:grpSpPr>
-        <a:xfrm>
-          <a:off x="0" y="0"/>
-          <a:ext cx="0" cy="0"/>
-          <a:chOff x="0" y="0"/>
-          <a:chExt cx="0" cy="0"/>
-        </a:xfrm>
-      </p:grpSpPr>
-      <p:sp>
-        <p:nvSpPr>
-          <p:cNvPr id="4" name="Rectangle 3">
-            <a:extLst>
-              <a:ext uri="{FF2B5EF4-FFF2-40B4-BE49-F238E27FC236}">
-                <a16:creationId xmlns:a16="http://schemas.microsoft.com/office/drawing/2014/main" id="{A6283A08-FC5E-4FF8-89DF-B785B17D98AB}"/>
-              </a:ext>
-            </a:extLst>
-          </p:cNvPr>
-          <p:cNvSpPr/>
-          <p:nvPr/>
-        </p:nvSpPr>
-        <p:spPr>
-          <a:xfrm>
-            <a:off x="4911436" y="284018"/>
-            <a:ext cx="1939637" cy="768927"/>
-          </a:xfrm>
-          <a:prstGeom prst="rect">
-            <a:avLst/>
-          </a:prstGeom>
-        </p:spPr>
-        <p:style>
-          <a:lnRef idx="2">
-            <a:schemeClr val="accent1">
-              <a:shade val="50000"/>
-            </a:schemeClr>
-          </a:lnRef>
-          <a:fillRef idx="1">
-            <a:schemeClr val="accent1"/>
-          </a:fillRef>
-          <a:effectRef idx="0">
-            <a:schemeClr val="accent1"/>
-          </a:effectRef>
-          <a:fontRef idx="minor">
-            <a:schemeClr val="lt1"/>
-          </a:fontRef>
-        </p:style>
-        <p:txBody>
-          <a:bodyPr rtlCol="0" anchor="ctr"/>
-          <a:lstStyle/>
-          <a:p>
-            <a:pPr algn="ctr"/>
-            <a:r>
-              <a:rPr lang="fr-FR" sz="1600" dirty="0"/>
-              <a:t>MAIN</a:t>
-            </a:r>
-            <a:endParaRPr lang="fr-BE" sz="1600" dirty="0"/>
-          </a:p>
-        </p:txBody>
-      </p:sp>
-      <p:sp>
-        <p:nvSpPr>
-          <p:cNvPr id="5" name="Ellipse 4">
-            <a:extLst>
-              <a:ext uri="{FF2B5EF4-FFF2-40B4-BE49-F238E27FC236}">
-                <a16:creationId xmlns:a16="http://schemas.microsoft.com/office/drawing/2014/main" id="{40CBAF58-A200-448C-A1D3-277FD7D9B4B2}"/>
-              </a:ext>
-            </a:extLst>
-          </p:cNvPr>
-          <p:cNvSpPr/>
-          <p:nvPr/>
-        </p:nvSpPr>
-        <p:spPr>
-          <a:xfrm>
-            <a:off x="3131242" y="1391803"/>
-            <a:ext cx="1992225" cy="768927"/>
-          </a:xfrm>
-          <a:prstGeom prst="ellipse">
-            <a:avLst/>
-          </a:prstGeom>
-        </p:spPr>
-        <p:style>
-          <a:lnRef idx="2">
-            <a:schemeClr val="accent1">
-              <a:shade val="50000"/>
-            </a:schemeClr>
-          </a:lnRef>
-          <a:fillRef idx="1">
-            <a:schemeClr val="accent1"/>
-          </a:fillRef>
-          <a:effectRef idx="0">
-            <a:schemeClr val="accent1"/>
-          </a:effectRef>
-          <a:fontRef idx="minor">
-            <a:schemeClr val="lt1"/>
-          </a:fontRef>
-        </p:style>
-        <p:txBody>
-          <a:bodyPr rtlCol="0" anchor="ctr"/>
-          <a:lstStyle/>
-          <a:p>
-            <a:pPr algn="ctr"/>
-            <a:r>
-              <a:rPr lang="fr-FR" sz="1050" dirty="0" err="1"/>
-              <a:t>RPLidar_retrieve_data</a:t>
-            </a:r>
-            <a:endParaRPr lang="fr-BE" sz="1050" dirty="0"/>
-          </a:p>
-        </p:txBody>
-      </p:sp>
-    </p:spTree>
-    <p:extLst>
-      <p:ext uri="{BB962C8B-B14F-4D97-AF65-F5344CB8AC3E}">
-        <p14:creationId xmlns:p14="http://schemas.microsoft.com/office/powerpoint/2010/main" val="3939991350"/>
       </p:ext>
     </p:extLst>
   </p:cSld>
